--- a/Lógica e Programação/Módulo 02 - JavaScript/Aula 15 - Arrays e Objetos/Array e Objetos.pptx
+++ b/Lógica e Programação/Módulo 02 - JavaScript/Aula 15 - Arrays e Objetos/Array e Objetos.pptx
@@ -5,10 +5,10 @@
     <p:sldMasterId id="2147483693" r:id="rId4"/>
   </p:sldMasterIdLst>
   <p:notesMasterIdLst>
-    <p:notesMasterId r:id="rId14"/>
+    <p:notesMasterId r:id="rId17"/>
   </p:notesMasterIdLst>
   <p:handoutMasterIdLst>
-    <p:handoutMasterId r:id="rId15"/>
+    <p:handoutMasterId r:id="rId18"/>
   </p:handoutMasterIdLst>
   <p:sldIdLst>
     <p:sldId id="363" r:id="rId5"/>
@@ -19,7 +19,10 @@
     <p:sldId id="277" r:id="rId10"/>
     <p:sldId id="279" r:id="rId11"/>
     <p:sldId id="278" r:id="rId12"/>
-    <p:sldId id="367" r:id="rId13"/>
+    <p:sldId id="369" r:id="rId13"/>
+    <p:sldId id="370" r:id="rId14"/>
+    <p:sldId id="371" r:id="rId15"/>
+    <p:sldId id="372" r:id="rId16"/>
   </p:sldIdLst>
   <p:sldSz cx="12192000" cy="6858000"/>
   <p:notesSz cx="6858000" cy="9144000"/>
@@ -1970,6 +1973,1189 @@
 </p:sld>
 </file>
 
+<file path=ppt/slides/slide10.xml><?xml version="1.0" encoding="utf-8"?>
+<p:sld xmlns:a="http://schemas.openxmlformats.org/drawingml/2006/main" xmlns:r="http://schemas.openxmlformats.org/officeDocument/2006/relationships" xmlns:p="http://schemas.openxmlformats.org/presentationml/2006/main">
+  <p:cSld>
+    <p:spTree>
+      <p:nvGrpSpPr>
+        <p:cNvPr id="1" name=""/>
+        <p:cNvGrpSpPr/>
+        <p:nvPr/>
+      </p:nvGrpSpPr>
+      <p:grpSpPr>
+        <a:xfrm>
+          <a:off x="0" y="0"/>
+          <a:ext cx="0" cy="0"/>
+          <a:chOff x="0" y="0"/>
+          <a:chExt cx="0" cy="0"/>
+        </a:xfrm>
+      </p:grpSpPr>
+      <p:sp>
+        <p:nvSpPr>
+          <p:cNvPr id="4" name="Título 3">
+            <a:extLst>
+              <a:ext uri="{FF2B5EF4-FFF2-40B4-BE49-F238E27FC236}">
+                <a16:creationId xmlns:a16="http://schemas.microsoft.com/office/drawing/2014/main" id="{BC9642FB-3EA4-49D0-8C59-19E5CD011796}"/>
+              </a:ext>
+            </a:extLst>
+          </p:cNvPr>
+          <p:cNvSpPr>
+            <a:spLocks noGrp="1"/>
+          </p:cNvSpPr>
+          <p:nvPr>
+            <p:ph type="title"/>
+          </p:nvPr>
+        </p:nvSpPr>
+        <p:spPr/>
+        <p:txBody>
+          <a:bodyPr/>
+          <a:lstStyle/>
+          <a:p>
+            <a:r>
+              <a:rPr lang="pt-BR" dirty="0"/>
+              <a:t>Métodos Básicos de </a:t>
+            </a:r>
+            <a:r>
+              <a:rPr lang="pt-BR" dirty="0" err="1"/>
+              <a:t>Arrays</a:t>
+            </a:r>
+            <a:endParaRPr lang="pt-BR" dirty="0"/>
+          </a:p>
+        </p:txBody>
+      </p:sp>
+      <p:sp>
+        <p:nvSpPr>
+          <p:cNvPr id="2" name="Retângulo 1">
+            <a:extLst>
+              <a:ext uri="{FF2B5EF4-FFF2-40B4-BE49-F238E27FC236}">
+                <a16:creationId xmlns:a16="http://schemas.microsoft.com/office/drawing/2014/main" id="{6F4FB065-2128-4C83-B983-166817F16785}"/>
+              </a:ext>
+            </a:extLst>
+          </p:cNvPr>
+          <p:cNvSpPr/>
+          <p:nvPr/>
+        </p:nvSpPr>
+        <p:spPr>
+          <a:xfrm>
+            <a:off x="2605480" y="1749341"/>
+            <a:ext cx="6981039" cy="400110"/>
+          </a:xfrm>
+          <a:prstGeom prst="rect">
+            <a:avLst/>
+          </a:prstGeom>
+        </p:spPr>
+        <p:txBody>
+          <a:bodyPr wrap="square">
+            <a:spAutoFit/>
+          </a:bodyPr>
+          <a:lstStyle/>
+          <a:p>
+            <a:r>
+              <a:rPr lang="pt-BR" sz="2000" dirty="0" err="1">
+                <a:solidFill>
+                  <a:srgbClr val="0000FF"/>
+                </a:solidFill>
+                <a:latin typeface="Consolas" panose="020B0609020204030204" pitchFamily="49" charset="0"/>
+              </a:rPr>
+              <a:t>let</a:t>
+            </a:r>
+            <a:r>
+              <a:rPr lang="pt-BR" sz="2000" dirty="0">
+                <a:solidFill>
+                  <a:srgbClr val="000000"/>
+                </a:solidFill>
+                <a:latin typeface="Consolas" panose="020B0609020204030204" pitchFamily="49" charset="0"/>
+              </a:rPr>
+              <a:t> times = [</a:t>
+            </a:r>
+            <a:r>
+              <a:rPr lang="pt-BR" sz="2000" dirty="0">
+                <a:solidFill>
+                  <a:srgbClr val="A31515"/>
+                </a:solidFill>
+                <a:latin typeface="Consolas" panose="020B0609020204030204" pitchFamily="49" charset="0"/>
+              </a:rPr>
+              <a:t>"Santos"</a:t>
+            </a:r>
+            <a:r>
+              <a:rPr lang="pt-BR" sz="2000" dirty="0">
+                <a:solidFill>
+                  <a:srgbClr val="000000"/>
+                </a:solidFill>
+                <a:latin typeface="Consolas" panose="020B0609020204030204" pitchFamily="49" charset="0"/>
+              </a:rPr>
+              <a:t>, </a:t>
+            </a:r>
+            <a:r>
+              <a:rPr lang="pt-BR" sz="2000" dirty="0">
+                <a:solidFill>
+                  <a:srgbClr val="A31515"/>
+                </a:solidFill>
+                <a:latin typeface="Consolas" panose="020B0609020204030204" pitchFamily="49" charset="0"/>
+              </a:rPr>
+              <a:t>"São Paulo"</a:t>
+            </a:r>
+            <a:r>
+              <a:rPr lang="pt-BR" sz="2000" dirty="0">
+                <a:solidFill>
+                  <a:srgbClr val="000000"/>
+                </a:solidFill>
+                <a:latin typeface="Consolas" panose="020B0609020204030204" pitchFamily="49" charset="0"/>
+              </a:rPr>
+              <a:t>, </a:t>
+            </a:r>
+            <a:r>
+              <a:rPr lang="pt-BR" sz="2000" dirty="0">
+                <a:solidFill>
+                  <a:srgbClr val="A31515"/>
+                </a:solidFill>
+                <a:latin typeface="Consolas" panose="020B0609020204030204" pitchFamily="49" charset="0"/>
+              </a:rPr>
+              <a:t>"Palmeiras"</a:t>
+            </a:r>
+            <a:r>
+              <a:rPr lang="pt-BR" sz="2000" dirty="0">
+                <a:solidFill>
+                  <a:srgbClr val="000000"/>
+                </a:solidFill>
+                <a:latin typeface="Consolas" panose="020B0609020204030204" pitchFamily="49" charset="0"/>
+              </a:rPr>
+              <a:t>]</a:t>
+            </a:r>
+            <a:endParaRPr lang="pt-BR" sz="2000" b="0" dirty="0">
+              <a:solidFill>
+                <a:srgbClr val="000000"/>
+              </a:solidFill>
+              <a:effectLst/>
+              <a:latin typeface="Consolas" panose="020B0609020204030204" pitchFamily="49" charset="0"/>
+            </a:endParaRPr>
+          </a:p>
+        </p:txBody>
+      </p:sp>
+      <p:sp>
+        <p:nvSpPr>
+          <p:cNvPr id="3" name="Retângulo 2">
+            <a:extLst>
+              <a:ext uri="{FF2B5EF4-FFF2-40B4-BE49-F238E27FC236}">
+                <a16:creationId xmlns:a16="http://schemas.microsoft.com/office/drawing/2014/main" id="{EE89B040-E810-4783-8D71-A746C113102A}"/>
+              </a:ext>
+            </a:extLst>
+          </p:cNvPr>
+          <p:cNvSpPr/>
+          <p:nvPr/>
+        </p:nvSpPr>
+        <p:spPr>
+          <a:xfrm>
+            <a:off x="749185" y="2939947"/>
+            <a:ext cx="7864653" cy="697627"/>
+          </a:xfrm>
+          <a:prstGeom prst="rect">
+            <a:avLst/>
+          </a:prstGeom>
+        </p:spPr>
+        <p:txBody>
+          <a:bodyPr wrap="none">
+            <a:spAutoFit/>
+          </a:bodyPr>
+          <a:lstStyle/>
+          <a:p>
+            <a:pPr lvl="1">
+              <a:spcBef>
+                <a:spcPts val="150"/>
+              </a:spcBef>
+              <a:spcAft>
+                <a:spcPts val="150"/>
+              </a:spcAft>
+            </a:pPr>
+            <a:r>
+              <a:rPr lang="pt-BR" dirty="0" err="1">
+                <a:solidFill>
+                  <a:srgbClr val="000000"/>
+                </a:solidFill>
+                <a:latin typeface="Consolas" panose="020B0609020204030204" pitchFamily="49" charset="0"/>
+              </a:rPr>
+              <a:t>times.unshift</a:t>
+            </a:r>
+            <a:r>
+              <a:rPr lang="pt-BR" dirty="0">
+                <a:solidFill>
+                  <a:srgbClr val="000000"/>
+                </a:solidFill>
+                <a:latin typeface="Consolas" panose="020B0609020204030204" pitchFamily="49" charset="0"/>
+              </a:rPr>
+              <a:t>(</a:t>
+            </a:r>
+            <a:r>
+              <a:rPr lang="pt-BR" dirty="0">
+                <a:solidFill>
+                  <a:srgbClr val="A31515"/>
+                </a:solidFill>
+                <a:latin typeface="Consolas" panose="020B0609020204030204" pitchFamily="49" charset="0"/>
+              </a:rPr>
+              <a:t>"Ponte Preta"</a:t>
+            </a:r>
+            <a:r>
+              <a:rPr lang="pt-BR" dirty="0">
+                <a:solidFill>
+                  <a:srgbClr val="000000"/>
+                </a:solidFill>
+                <a:latin typeface="Consolas" panose="020B0609020204030204" pitchFamily="49" charset="0"/>
+              </a:rPr>
+              <a:t>)</a:t>
+            </a:r>
+          </a:p>
+          <a:p>
+            <a:pPr lvl="1">
+              <a:spcBef>
+                <a:spcPts val="150"/>
+              </a:spcBef>
+              <a:spcAft>
+                <a:spcPts val="150"/>
+              </a:spcAft>
+            </a:pPr>
+            <a:r>
+              <a:rPr lang="pt-BR" dirty="0">
+                <a:solidFill>
+                  <a:srgbClr val="008000"/>
+                </a:solidFill>
+                <a:latin typeface="Consolas" panose="020B0609020204030204" pitchFamily="49" charset="0"/>
+              </a:rPr>
+              <a:t>//["Ponte Preta", "Santos", "São Paulo" , "Palmeiras"]</a:t>
+            </a:r>
+            <a:r>
+              <a:rPr lang="pt-BR" dirty="0">
+                <a:solidFill>
+                  <a:srgbClr val="000000"/>
+                </a:solidFill>
+                <a:latin typeface="Consolas" panose="020B0609020204030204" pitchFamily="49" charset="0"/>
+              </a:rPr>
+              <a:t> </a:t>
+            </a:r>
+            <a:endParaRPr lang="pt-BR" dirty="0">
+              <a:solidFill>
+                <a:srgbClr val="098658"/>
+              </a:solidFill>
+              <a:latin typeface="Consolas" panose="020B0609020204030204" pitchFamily="49" charset="0"/>
+            </a:endParaRPr>
+          </a:p>
+        </p:txBody>
+      </p:sp>
+      <p:sp>
+        <p:nvSpPr>
+          <p:cNvPr id="7" name="CaixaDeTexto 6">
+            <a:extLst>
+              <a:ext uri="{FF2B5EF4-FFF2-40B4-BE49-F238E27FC236}">
+                <a16:creationId xmlns:a16="http://schemas.microsoft.com/office/drawing/2014/main" id="{5B07BF53-B4F3-4B70-A5AA-5D06CB2B0D36}"/>
+              </a:ext>
+            </a:extLst>
+          </p:cNvPr>
+          <p:cNvSpPr txBox="1"/>
+          <p:nvPr/>
+        </p:nvSpPr>
+        <p:spPr>
+          <a:xfrm>
+            <a:off x="749185" y="2410001"/>
+            <a:ext cx="4562724" cy="400110"/>
+          </a:xfrm>
+          <a:prstGeom prst="rect">
+            <a:avLst/>
+          </a:prstGeom>
+          <a:noFill/>
+        </p:spPr>
+        <p:txBody>
+          <a:bodyPr wrap="none" rtlCol="0">
+            <a:spAutoFit/>
+          </a:bodyPr>
+          <a:lstStyle/>
+          <a:p>
+            <a:r>
+              <a:rPr lang="pt-BR" sz="2000" dirty="0" err="1">
+                <a:latin typeface="Times New Roman" panose="02020603050405020304" pitchFamily="18" charset="0"/>
+                <a:cs typeface="Times New Roman" panose="02020603050405020304" pitchFamily="18" charset="0"/>
+              </a:rPr>
+              <a:t>unshift</a:t>
+            </a:r>
+            <a:r>
+              <a:rPr lang="pt-BR" sz="2000" dirty="0">
+                <a:latin typeface="Times New Roman" panose="02020603050405020304" pitchFamily="18" charset="0"/>
+                <a:cs typeface="Times New Roman" panose="02020603050405020304" pitchFamily="18" charset="0"/>
+              </a:rPr>
+              <a:t>() - Adiciona um elemento no início</a:t>
+            </a:r>
+          </a:p>
+        </p:txBody>
+      </p:sp>
+      <p:sp>
+        <p:nvSpPr>
+          <p:cNvPr id="12" name="CaixaDeTexto 11">
+            <a:extLst>
+              <a:ext uri="{FF2B5EF4-FFF2-40B4-BE49-F238E27FC236}">
+                <a16:creationId xmlns:a16="http://schemas.microsoft.com/office/drawing/2014/main" id="{D3391F43-D78B-401D-B191-1670FE2D51DE}"/>
+              </a:ext>
+            </a:extLst>
+          </p:cNvPr>
+          <p:cNvSpPr txBox="1"/>
+          <p:nvPr/>
+        </p:nvSpPr>
+        <p:spPr>
+          <a:xfrm>
+            <a:off x="749185" y="5124819"/>
+            <a:ext cx="4052713" cy="400110"/>
+          </a:xfrm>
+          <a:prstGeom prst="rect">
+            <a:avLst/>
+          </a:prstGeom>
+          <a:noFill/>
+        </p:spPr>
+        <p:txBody>
+          <a:bodyPr wrap="none" rtlCol="0">
+            <a:spAutoFit/>
+          </a:bodyPr>
+          <a:lstStyle/>
+          <a:p>
+            <a:r>
+              <a:rPr lang="pt-BR" sz="2000" dirty="0">
+                <a:latin typeface="Times New Roman" panose="02020603050405020304" pitchFamily="18" charset="0"/>
+                <a:cs typeface="Times New Roman" panose="02020603050405020304" pitchFamily="18" charset="0"/>
+              </a:rPr>
+              <a:t>pop() - Remove um elemento no final</a:t>
+            </a:r>
+          </a:p>
+        </p:txBody>
+      </p:sp>
+      <p:sp>
+        <p:nvSpPr>
+          <p:cNvPr id="5" name="Retângulo 4">
+            <a:extLst>
+              <a:ext uri="{FF2B5EF4-FFF2-40B4-BE49-F238E27FC236}">
+                <a16:creationId xmlns:a16="http://schemas.microsoft.com/office/drawing/2014/main" id="{328D5D15-EBB2-4DFA-9F1C-204BC9364A19}"/>
+              </a:ext>
+            </a:extLst>
+          </p:cNvPr>
+          <p:cNvSpPr/>
+          <p:nvPr/>
+        </p:nvSpPr>
+        <p:spPr>
+          <a:xfrm>
+            <a:off x="749185" y="5654766"/>
+            <a:ext cx="10097780" cy="697627"/>
+          </a:xfrm>
+          <a:prstGeom prst="rect">
+            <a:avLst/>
+          </a:prstGeom>
+        </p:spPr>
+        <p:txBody>
+          <a:bodyPr wrap="square">
+            <a:spAutoFit/>
+          </a:bodyPr>
+          <a:lstStyle/>
+          <a:p>
+            <a:pPr lvl="1">
+              <a:spcBef>
+                <a:spcPts val="150"/>
+              </a:spcBef>
+              <a:spcAft>
+                <a:spcPts val="150"/>
+              </a:spcAft>
+            </a:pPr>
+            <a:r>
+              <a:rPr lang="pt-BR" dirty="0" err="1">
+                <a:solidFill>
+                  <a:srgbClr val="000000"/>
+                </a:solidFill>
+                <a:latin typeface="Consolas" panose="020B0609020204030204" pitchFamily="49" charset="0"/>
+              </a:rPr>
+              <a:t>times.pop</a:t>
+            </a:r>
+            <a:r>
+              <a:rPr lang="pt-BR" dirty="0">
+                <a:solidFill>
+                  <a:srgbClr val="000000"/>
+                </a:solidFill>
+                <a:latin typeface="Consolas" panose="020B0609020204030204" pitchFamily="49" charset="0"/>
+              </a:rPr>
+              <a:t>() </a:t>
+            </a:r>
+          </a:p>
+          <a:p>
+            <a:pPr lvl="1">
+              <a:spcBef>
+                <a:spcPts val="150"/>
+              </a:spcBef>
+              <a:spcAft>
+                <a:spcPts val="150"/>
+              </a:spcAft>
+            </a:pPr>
+            <a:r>
+              <a:rPr lang="pt-BR" dirty="0">
+                <a:solidFill>
+                  <a:srgbClr val="008000"/>
+                </a:solidFill>
+                <a:latin typeface="Consolas" panose="020B0609020204030204" pitchFamily="49" charset="0"/>
+              </a:rPr>
+              <a:t>//[ "Santos", "São Paulo"]</a:t>
+            </a:r>
+            <a:endParaRPr lang="pt-BR" b="0" dirty="0">
+              <a:solidFill>
+                <a:srgbClr val="000000"/>
+              </a:solidFill>
+              <a:effectLst/>
+              <a:latin typeface="Consolas" panose="020B0609020204030204" pitchFamily="49" charset="0"/>
+            </a:endParaRPr>
+          </a:p>
+        </p:txBody>
+      </p:sp>
+      <p:sp>
+        <p:nvSpPr>
+          <p:cNvPr id="13" name="Retângulo 12">
+            <a:extLst>
+              <a:ext uri="{FF2B5EF4-FFF2-40B4-BE49-F238E27FC236}">
+                <a16:creationId xmlns:a16="http://schemas.microsoft.com/office/drawing/2014/main" id="{9B5DB77F-A0A1-4426-B297-DD1B0EAE93D3}"/>
+              </a:ext>
+            </a:extLst>
+          </p:cNvPr>
+          <p:cNvSpPr/>
+          <p:nvPr/>
+        </p:nvSpPr>
+        <p:spPr>
+          <a:xfrm>
+            <a:off x="749185" y="4297356"/>
+            <a:ext cx="4445448" cy="697627"/>
+          </a:xfrm>
+          <a:prstGeom prst="rect">
+            <a:avLst/>
+          </a:prstGeom>
+        </p:spPr>
+        <p:txBody>
+          <a:bodyPr wrap="none">
+            <a:spAutoFit/>
+          </a:bodyPr>
+          <a:lstStyle/>
+          <a:p>
+            <a:pPr lvl="1">
+              <a:spcBef>
+                <a:spcPts val="150"/>
+              </a:spcBef>
+              <a:spcAft>
+                <a:spcPts val="150"/>
+              </a:spcAft>
+            </a:pPr>
+            <a:r>
+              <a:rPr lang="pt-BR" dirty="0" err="1">
+                <a:solidFill>
+                  <a:srgbClr val="000000"/>
+                </a:solidFill>
+                <a:latin typeface="Consolas" panose="020B0609020204030204" pitchFamily="49" charset="0"/>
+              </a:rPr>
+              <a:t>times.shift</a:t>
+            </a:r>
+            <a:r>
+              <a:rPr lang="pt-BR" dirty="0">
+                <a:solidFill>
+                  <a:srgbClr val="000000"/>
+                </a:solidFill>
+                <a:latin typeface="Consolas" panose="020B0609020204030204" pitchFamily="49" charset="0"/>
+              </a:rPr>
+              <a:t>()</a:t>
+            </a:r>
+          </a:p>
+          <a:p>
+            <a:pPr lvl="1">
+              <a:spcBef>
+                <a:spcPts val="150"/>
+              </a:spcBef>
+              <a:spcAft>
+                <a:spcPts val="150"/>
+              </a:spcAft>
+            </a:pPr>
+            <a:r>
+              <a:rPr lang="pt-BR" dirty="0">
+                <a:solidFill>
+                  <a:srgbClr val="008000"/>
+                </a:solidFill>
+                <a:latin typeface="Consolas" panose="020B0609020204030204" pitchFamily="49" charset="0"/>
+              </a:rPr>
+              <a:t>//["São Paulo" , "Palmeiras"]</a:t>
+            </a:r>
+            <a:r>
+              <a:rPr lang="pt-BR" dirty="0">
+                <a:solidFill>
+                  <a:srgbClr val="000000"/>
+                </a:solidFill>
+                <a:latin typeface="Consolas" panose="020B0609020204030204" pitchFamily="49" charset="0"/>
+              </a:rPr>
+              <a:t> </a:t>
+            </a:r>
+            <a:endParaRPr lang="pt-BR" dirty="0">
+              <a:solidFill>
+                <a:srgbClr val="098658"/>
+              </a:solidFill>
+              <a:latin typeface="Consolas" panose="020B0609020204030204" pitchFamily="49" charset="0"/>
+            </a:endParaRPr>
+          </a:p>
+        </p:txBody>
+      </p:sp>
+      <p:sp>
+        <p:nvSpPr>
+          <p:cNvPr id="14" name="CaixaDeTexto 13">
+            <a:extLst>
+              <a:ext uri="{FF2B5EF4-FFF2-40B4-BE49-F238E27FC236}">
+                <a16:creationId xmlns:a16="http://schemas.microsoft.com/office/drawing/2014/main" id="{021BD5EC-0319-4936-91E7-71202680E496}"/>
+              </a:ext>
+            </a:extLst>
+          </p:cNvPr>
+          <p:cNvSpPr txBox="1"/>
+          <p:nvPr/>
+        </p:nvSpPr>
+        <p:spPr>
+          <a:xfrm>
+            <a:off x="749185" y="3767410"/>
+            <a:ext cx="4235455" cy="400110"/>
+          </a:xfrm>
+          <a:prstGeom prst="rect">
+            <a:avLst/>
+          </a:prstGeom>
+          <a:noFill/>
+        </p:spPr>
+        <p:txBody>
+          <a:bodyPr wrap="none" rtlCol="0">
+            <a:spAutoFit/>
+          </a:bodyPr>
+          <a:lstStyle/>
+          <a:p>
+            <a:r>
+              <a:rPr lang="pt-BR" sz="2000" dirty="0">
+                <a:latin typeface="Times New Roman" panose="02020603050405020304" pitchFamily="18" charset="0"/>
+                <a:cs typeface="Times New Roman" panose="02020603050405020304" pitchFamily="18" charset="0"/>
+              </a:rPr>
+              <a:t>shift() - Remove um elemento no início</a:t>
+            </a:r>
+          </a:p>
+        </p:txBody>
+      </p:sp>
+    </p:spTree>
+    <p:extLst>
+      <p:ext uri="{BB962C8B-B14F-4D97-AF65-F5344CB8AC3E}">
+        <p14:creationId xmlns:p14="http://schemas.microsoft.com/office/powerpoint/2010/main" val="3470969767"/>
+      </p:ext>
+    </p:extLst>
+  </p:cSld>
+  <p:clrMapOvr>
+    <a:masterClrMapping/>
+  </p:clrMapOvr>
+</p:sld>
+</file>
+
+<file path=ppt/slides/slide11.xml><?xml version="1.0" encoding="utf-8"?>
+<p:sld xmlns:a="http://schemas.openxmlformats.org/drawingml/2006/main" xmlns:r="http://schemas.openxmlformats.org/officeDocument/2006/relationships" xmlns:p="http://schemas.openxmlformats.org/presentationml/2006/main">
+  <p:cSld>
+    <p:spTree>
+      <p:nvGrpSpPr>
+        <p:cNvPr id="1" name=""/>
+        <p:cNvGrpSpPr/>
+        <p:nvPr/>
+      </p:nvGrpSpPr>
+      <p:grpSpPr>
+        <a:xfrm>
+          <a:off x="0" y="0"/>
+          <a:ext cx="0" cy="0"/>
+          <a:chOff x="0" y="0"/>
+          <a:chExt cx="0" cy="0"/>
+        </a:xfrm>
+      </p:grpSpPr>
+      <p:sp>
+        <p:nvSpPr>
+          <p:cNvPr id="4" name="Título 3">
+            <a:extLst>
+              <a:ext uri="{FF2B5EF4-FFF2-40B4-BE49-F238E27FC236}">
+                <a16:creationId xmlns:a16="http://schemas.microsoft.com/office/drawing/2014/main" id="{BC9642FB-3EA4-49D0-8C59-19E5CD011796}"/>
+              </a:ext>
+            </a:extLst>
+          </p:cNvPr>
+          <p:cNvSpPr>
+            <a:spLocks noGrp="1"/>
+          </p:cNvSpPr>
+          <p:nvPr>
+            <p:ph type="title"/>
+          </p:nvPr>
+        </p:nvSpPr>
+        <p:spPr/>
+        <p:txBody>
+          <a:bodyPr/>
+          <a:lstStyle/>
+          <a:p>
+            <a:r>
+              <a:rPr lang="pt-BR" dirty="0"/>
+              <a:t>Métodos Básicos de </a:t>
+            </a:r>
+            <a:r>
+              <a:rPr lang="pt-BR" dirty="0" err="1"/>
+              <a:t>Arrays</a:t>
+            </a:r>
+            <a:endParaRPr lang="pt-BR" dirty="0"/>
+          </a:p>
+        </p:txBody>
+      </p:sp>
+      <p:sp>
+        <p:nvSpPr>
+          <p:cNvPr id="2" name="Retângulo 1">
+            <a:extLst>
+              <a:ext uri="{FF2B5EF4-FFF2-40B4-BE49-F238E27FC236}">
+                <a16:creationId xmlns:a16="http://schemas.microsoft.com/office/drawing/2014/main" id="{6F4FB065-2128-4C83-B983-166817F16785}"/>
+              </a:ext>
+            </a:extLst>
+          </p:cNvPr>
+          <p:cNvSpPr/>
+          <p:nvPr/>
+        </p:nvSpPr>
+        <p:spPr>
+          <a:xfrm>
+            <a:off x="2605480" y="1749341"/>
+            <a:ext cx="6981039" cy="400110"/>
+          </a:xfrm>
+          <a:prstGeom prst="rect">
+            <a:avLst/>
+          </a:prstGeom>
+        </p:spPr>
+        <p:txBody>
+          <a:bodyPr wrap="square">
+            <a:spAutoFit/>
+          </a:bodyPr>
+          <a:lstStyle/>
+          <a:p>
+            <a:r>
+              <a:rPr lang="pt-BR" sz="2000" dirty="0" err="1">
+                <a:solidFill>
+                  <a:srgbClr val="0000FF"/>
+                </a:solidFill>
+                <a:latin typeface="Consolas" panose="020B0609020204030204" pitchFamily="49" charset="0"/>
+              </a:rPr>
+              <a:t>let</a:t>
+            </a:r>
+            <a:r>
+              <a:rPr lang="pt-BR" sz="2000" dirty="0">
+                <a:solidFill>
+                  <a:srgbClr val="000000"/>
+                </a:solidFill>
+                <a:latin typeface="Consolas" panose="020B0609020204030204" pitchFamily="49" charset="0"/>
+              </a:rPr>
+              <a:t> times = [</a:t>
+            </a:r>
+            <a:r>
+              <a:rPr lang="pt-BR" sz="2000" dirty="0">
+                <a:solidFill>
+                  <a:srgbClr val="A31515"/>
+                </a:solidFill>
+                <a:latin typeface="Consolas" panose="020B0609020204030204" pitchFamily="49" charset="0"/>
+              </a:rPr>
+              <a:t>"Santos"</a:t>
+            </a:r>
+            <a:r>
+              <a:rPr lang="pt-BR" sz="2000" dirty="0">
+                <a:solidFill>
+                  <a:srgbClr val="000000"/>
+                </a:solidFill>
+                <a:latin typeface="Consolas" panose="020B0609020204030204" pitchFamily="49" charset="0"/>
+              </a:rPr>
+              <a:t>, </a:t>
+            </a:r>
+            <a:r>
+              <a:rPr lang="pt-BR" sz="2000" dirty="0">
+                <a:solidFill>
+                  <a:srgbClr val="A31515"/>
+                </a:solidFill>
+                <a:latin typeface="Consolas" panose="020B0609020204030204" pitchFamily="49" charset="0"/>
+              </a:rPr>
+              <a:t>"São Paulo"</a:t>
+            </a:r>
+            <a:r>
+              <a:rPr lang="pt-BR" sz="2000" dirty="0">
+                <a:solidFill>
+                  <a:srgbClr val="000000"/>
+                </a:solidFill>
+                <a:latin typeface="Consolas" panose="020B0609020204030204" pitchFamily="49" charset="0"/>
+              </a:rPr>
+              <a:t>, </a:t>
+            </a:r>
+            <a:r>
+              <a:rPr lang="pt-BR" sz="2000" dirty="0">
+                <a:solidFill>
+                  <a:srgbClr val="A31515"/>
+                </a:solidFill>
+                <a:latin typeface="Consolas" panose="020B0609020204030204" pitchFamily="49" charset="0"/>
+              </a:rPr>
+              <a:t>"Palmeiras"</a:t>
+            </a:r>
+            <a:r>
+              <a:rPr lang="pt-BR" sz="2000" dirty="0">
+                <a:solidFill>
+                  <a:srgbClr val="000000"/>
+                </a:solidFill>
+                <a:latin typeface="Consolas" panose="020B0609020204030204" pitchFamily="49" charset="0"/>
+              </a:rPr>
+              <a:t>]</a:t>
+            </a:r>
+            <a:endParaRPr lang="pt-BR" sz="2000" b="0" dirty="0">
+              <a:solidFill>
+                <a:srgbClr val="000000"/>
+              </a:solidFill>
+              <a:effectLst/>
+              <a:latin typeface="Consolas" panose="020B0609020204030204" pitchFamily="49" charset="0"/>
+            </a:endParaRPr>
+          </a:p>
+        </p:txBody>
+      </p:sp>
+      <p:sp>
+        <p:nvSpPr>
+          <p:cNvPr id="3" name="Retângulo 2">
+            <a:extLst>
+              <a:ext uri="{FF2B5EF4-FFF2-40B4-BE49-F238E27FC236}">
+                <a16:creationId xmlns:a16="http://schemas.microsoft.com/office/drawing/2014/main" id="{EE89B040-E810-4783-8D71-A746C113102A}"/>
+              </a:ext>
+            </a:extLst>
+          </p:cNvPr>
+          <p:cNvSpPr/>
+          <p:nvPr/>
+        </p:nvSpPr>
+        <p:spPr>
+          <a:xfrm>
+            <a:off x="749185" y="2939947"/>
+            <a:ext cx="3558988" cy="697627"/>
+          </a:xfrm>
+          <a:prstGeom prst="rect">
+            <a:avLst/>
+          </a:prstGeom>
+        </p:spPr>
+        <p:txBody>
+          <a:bodyPr wrap="none">
+            <a:spAutoFit/>
+          </a:bodyPr>
+          <a:lstStyle/>
+          <a:p>
+            <a:pPr lvl="1">
+              <a:spcBef>
+                <a:spcPts val="150"/>
+              </a:spcBef>
+              <a:spcAft>
+                <a:spcPts val="150"/>
+              </a:spcAft>
+            </a:pPr>
+            <a:r>
+              <a:rPr lang="pt-BR" dirty="0" err="1">
+                <a:solidFill>
+                  <a:srgbClr val="000000"/>
+                </a:solidFill>
+                <a:latin typeface="Consolas" panose="020B0609020204030204" pitchFamily="49" charset="0"/>
+              </a:rPr>
+              <a:t>times.indexOf</a:t>
+            </a:r>
+            <a:r>
+              <a:rPr lang="pt-BR" dirty="0">
+                <a:solidFill>
+                  <a:srgbClr val="000000"/>
+                </a:solidFill>
+                <a:latin typeface="Consolas" panose="020B0609020204030204" pitchFamily="49" charset="0"/>
+              </a:rPr>
+              <a:t>(</a:t>
+            </a:r>
+            <a:r>
+              <a:rPr lang="pt-BR" dirty="0">
+                <a:solidFill>
+                  <a:srgbClr val="A31515"/>
+                </a:solidFill>
+                <a:latin typeface="Consolas" panose="020B0609020204030204" pitchFamily="49" charset="0"/>
+              </a:rPr>
+              <a:t>“Santos"</a:t>
+            </a:r>
+            <a:r>
+              <a:rPr lang="pt-BR" dirty="0">
+                <a:solidFill>
+                  <a:srgbClr val="000000"/>
+                </a:solidFill>
+                <a:latin typeface="Consolas" panose="020B0609020204030204" pitchFamily="49" charset="0"/>
+              </a:rPr>
+              <a:t>)</a:t>
+            </a:r>
+          </a:p>
+          <a:p>
+            <a:pPr lvl="1">
+              <a:spcBef>
+                <a:spcPts val="150"/>
+              </a:spcBef>
+              <a:spcAft>
+                <a:spcPts val="150"/>
+              </a:spcAft>
+            </a:pPr>
+            <a:r>
+              <a:rPr lang="pt-BR" dirty="0">
+                <a:solidFill>
+                  <a:srgbClr val="008000"/>
+                </a:solidFill>
+                <a:latin typeface="Consolas" panose="020B0609020204030204" pitchFamily="49" charset="0"/>
+              </a:rPr>
+              <a:t>// 0</a:t>
+            </a:r>
+            <a:endParaRPr lang="pt-BR" dirty="0">
+              <a:solidFill>
+                <a:srgbClr val="098658"/>
+              </a:solidFill>
+              <a:latin typeface="Consolas" panose="020B0609020204030204" pitchFamily="49" charset="0"/>
+            </a:endParaRPr>
+          </a:p>
+        </p:txBody>
+      </p:sp>
+      <p:sp>
+        <p:nvSpPr>
+          <p:cNvPr id="7" name="CaixaDeTexto 6">
+            <a:extLst>
+              <a:ext uri="{FF2B5EF4-FFF2-40B4-BE49-F238E27FC236}">
+                <a16:creationId xmlns:a16="http://schemas.microsoft.com/office/drawing/2014/main" id="{5B07BF53-B4F3-4B70-A5AA-5D06CB2B0D36}"/>
+              </a:ext>
+            </a:extLst>
+          </p:cNvPr>
+          <p:cNvSpPr txBox="1"/>
+          <p:nvPr/>
+        </p:nvSpPr>
+        <p:spPr>
+          <a:xfrm>
+            <a:off x="749185" y="2410001"/>
+            <a:ext cx="5099473" cy="400110"/>
+          </a:xfrm>
+          <a:prstGeom prst="rect">
+            <a:avLst/>
+          </a:prstGeom>
+          <a:noFill/>
+        </p:spPr>
+        <p:txBody>
+          <a:bodyPr wrap="none" rtlCol="0">
+            <a:spAutoFit/>
+          </a:bodyPr>
+          <a:lstStyle/>
+          <a:p>
+            <a:r>
+              <a:rPr lang="pt-BR" sz="2000" dirty="0" err="1">
+                <a:latin typeface="Times New Roman" panose="02020603050405020304" pitchFamily="18" charset="0"/>
+                <a:cs typeface="Times New Roman" panose="02020603050405020304" pitchFamily="18" charset="0"/>
+              </a:rPr>
+              <a:t>indexOf</a:t>
+            </a:r>
+            <a:r>
+              <a:rPr lang="pt-BR" sz="2000" dirty="0">
+                <a:latin typeface="Times New Roman" panose="02020603050405020304" pitchFamily="18" charset="0"/>
+                <a:cs typeface="Times New Roman" panose="02020603050405020304" pitchFamily="18" charset="0"/>
+              </a:rPr>
+              <a:t>() – Encontra a posição de um elemento</a:t>
+            </a:r>
+          </a:p>
+        </p:txBody>
+      </p:sp>
+    </p:spTree>
+    <p:extLst>
+      <p:ext uri="{BB962C8B-B14F-4D97-AF65-F5344CB8AC3E}">
+        <p14:creationId xmlns:p14="http://schemas.microsoft.com/office/powerpoint/2010/main" val="1883800168"/>
+      </p:ext>
+    </p:extLst>
+  </p:cSld>
+  <p:clrMapOvr>
+    <a:masterClrMapping/>
+  </p:clrMapOvr>
+</p:sld>
+</file>
+
+<file path=ppt/slides/slide12.xml><?xml version="1.0" encoding="utf-8"?>
+<p:sld xmlns:a="http://schemas.openxmlformats.org/drawingml/2006/main" xmlns:r="http://schemas.openxmlformats.org/officeDocument/2006/relationships" xmlns:p="http://schemas.openxmlformats.org/presentationml/2006/main">
+  <p:cSld>
+    <p:spTree>
+      <p:nvGrpSpPr>
+        <p:cNvPr id="1" name=""/>
+        <p:cNvGrpSpPr/>
+        <p:nvPr/>
+      </p:nvGrpSpPr>
+      <p:grpSpPr>
+        <a:xfrm>
+          <a:off x="0" y="0"/>
+          <a:ext cx="0" cy="0"/>
+          <a:chOff x="0" y="0"/>
+          <a:chExt cx="0" cy="0"/>
+        </a:xfrm>
+      </p:grpSpPr>
+      <p:sp>
+        <p:nvSpPr>
+          <p:cNvPr id="4" name="Título 3">
+            <a:extLst>
+              <a:ext uri="{FF2B5EF4-FFF2-40B4-BE49-F238E27FC236}">
+                <a16:creationId xmlns:a16="http://schemas.microsoft.com/office/drawing/2014/main" id="{BC9642FB-3EA4-49D0-8C59-19E5CD011796}"/>
+              </a:ext>
+            </a:extLst>
+          </p:cNvPr>
+          <p:cNvSpPr>
+            <a:spLocks noGrp="1"/>
+          </p:cNvSpPr>
+          <p:nvPr>
+            <p:ph type="title"/>
+          </p:nvPr>
+        </p:nvSpPr>
+        <p:spPr/>
+        <p:txBody>
+          <a:bodyPr/>
+          <a:lstStyle/>
+          <a:p>
+            <a:r>
+              <a:rPr lang="pt-BR" dirty="0"/>
+              <a:t>Métodos Básicos de </a:t>
+            </a:r>
+            <a:r>
+              <a:rPr lang="pt-BR" dirty="0" err="1"/>
+              <a:t>Arrays</a:t>
+            </a:r>
+            <a:r>
+              <a:rPr lang="pt-BR" dirty="0"/>
+              <a:t> - Splice</a:t>
+            </a:r>
+          </a:p>
+        </p:txBody>
+      </p:sp>
+      <p:sp>
+        <p:nvSpPr>
+          <p:cNvPr id="2" name="Retângulo 1">
+            <a:extLst>
+              <a:ext uri="{FF2B5EF4-FFF2-40B4-BE49-F238E27FC236}">
+                <a16:creationId xmlns:a16="http://schemas.microsoft.com/office/drawing/2014/main" id="{6F4FB065-2128-4C83-B983-166817F16785}"/>
+              </a:ext>
+            </a:extLst>
+          </p:cNvPr>
+          <p:cNvSpPr/>
+          <p:nvPr/>
+        </p:nvSpPr>
+        <p:spPr>
+          <a:xfrm>
+            <a:off x="2605480" y="1749341"/>
+            <a:ext cx="6981039" cy="400110"/>
+          </a:xfrm>
+          <a:prstGeom prst="rect">
+            <a:avLst/>
+          </a:prstGeom>
+        </p:spPr>
+        <p:txBody>
+          <a:bodyPr wrap="square">
+            <a:spAutoFit/>
+          </a:bodyPr>
+          <a:lstStyle/>
+          <a:p>
+            <a:r>
+              <a:rPr lang="pt-BR" sz="2000" dirty="0" err="1">
+                <a:solidFill>
+                  <a:srgbClr val="0000FF"/>
+                </a:solidFill>
+                <a:latin typeface="Consolas" panose="020B0609020204030204" pitchFamily="49" charset="0"/>
+              </a:rPr>
+              <a:t>let</a:t>
+            </a:r>
+            <a:r>
+              <a:rPr lang="pt-BR" sz="2000" dirty="0">
+                <a:solidFill>
+                  <a:srgbClr val="000000"/>
+                </a:solidFill>
+                <a:latin typeface="Consolas" panose="020B0609020204030204" pitchFamily="49" charset="0"/>
+              </a:rPr>
+              <a:t> times = [</a:t>
+            </a:r>
+            <a:r>
+              <a:rPr lang="pt-BR" sz="2000" dirty="0">
+                <a:solidFill>
+                  <a:srgbClr val="A31515"/>
+                </a:solidFill>
+                <a:latin typeface="Consolas" panose="020B0609020204030204" pitchFamily="49" charset="0"/>
+              </a:rPr>
+              <a:t>"Santos"</a:t>
+            </a:r>
+            <a:r>
+              <a:rPr lang="pt-BR" sz="2000" dirty="0">
+                <a:solidFill>
+                  <a:srgbClr val="000000"/>
+                </a:solidFill>
+                <a:latin typeface="Consolas" panose="020B0609020204030204" pitchFamily="49" charset="0"/>
+              </a:rPr>
+              <a:t>, </a:t>
+            </a:r>
+            <a:r>
+              <a:rPr lang="pt-BR" sz="2000" dirty="0">
+                <a:solidFill>
+                  <a:srgbClr val="A31515"/>
+                </a:solidFill>
+                <a:latin typeface="Consolas" panose="020B0609020204030204" pitchFamily="49" charset="0"/>
+              </a:rPr>
+              <a:t>"São Paulo"</a:t>
+            </a:r>
+            <a:r>
+              <a:rPr lang="pt-BR" sz="2000" dirty="0">
+                <a:solidFill>
+                  <a:srgbClr val="000000"/>
+                </a:solidFill>
+                <a:latin typeface="Consolas" panose="020B0609020204030204" pitchFamily="49" charset="0"/>
+              </a:rPr>
+              <a:t>, </a:t>
+            </a:r>
+            <a:r>
+              <a:rPr lang="pt-BR" sz="2000" dirty="0">
+                <a:solidFill>
+                  <a:srgbClr val="A31515"/>
+                </a:solidFill>
+                <a:latin typeface="Consolas" panose="020B0609020204030204" pitchFamily="49" charset="0"/>
+              </a:rPr>
+              <a:t>"Palmeiras"</a:t>
+            </a:r>
+            <a:r>
+              <a:rPr lang="pt-BR" sz="2000" dirty="0">
+                <a:solidFill>
+                  <a:srgbClr val="000000"/>
+                </a:solidFill>
+                <a:latin typeface="Consolas" panose="020B0609020204030204" pitchFamily="49" charset="0"/>
+              </a:rPr>
+              <a:t>]</a:t>
+            </a:r>
+            <a:endParaRPr lang="pt-BR" sz="2000" b="0" dirty="0">
+              <a:solidFill>
+                <a:srgbClr val="000000"/>
+              </a:solidFill>
+              <a:effectLst/>
+              <a:latin typeface="Consolas" panose="020B0609020204030204" pitchFamily="49" charset="0"/>
+            </a:endParaRPr>
+          </a:p>
+        </p:txBody>
+      </p:sp>
+      <p:sp>
+        <p:nvSpPr>
+          <p:cNvPr id="7" name="CaixaDeTexto 6">
+            <a:extLst>
+              <a:ext uri="{FF2B5EF4-FFF2-40B4-BE49-F238E27FC236}">
+                <a16:creationId xmlns:a16="http://schemas.microsoft.com/office/drawing/2014/main" id="{5B07BF53-B4F3-4B70-A5AA-5D06CB2B0D36}"/>
+              </a:ext>
+            </a:extLst>
+          </p:cNvPr>
+          <p:cNvSpPr txBox="1"/>
+          <p:nvPr/>
+        </p:nvSpPr>
+        <p:spPr>
+          <a:xfrm>
+            <a:off x="749185" y="2410001"/>
+            <a:ext cx="5557932" cy="1617751"/>
+          </a:xfrm>
+          <a:prstGeom prst="rect">
+            <a:avLst/>
+          </a:prstGeom>
+          <a:noFill/>
+        </p:spPr>
+        <p:txBody>
+          <a:bodyPr wrap="none" rtlCol="0">
+            <a:spAutoFit/>
+          </a:bodyPr>
+          <a:lstStyle/>
+          <a:p>
+            <a:pPr>
+              <a:lnSpc>
+                <a:spcPct val="150000"/>
+              </a:lnSpc>
+            </a:pPr>
+            <a:r>
+              <a:rPr lang="pt-BR" sz="2000" dirty="0">
+                <a:latin typeface="Times New Roman" panose="02020603050405020304" pitchFamily="18" charset="0"/>
+                <a:cs typeface="Times New Roman" panose="02020603050405020304" pitchFamily="18" charset="0"/>
+              </a:rPr>
+              <a:t>O método .</a:t>
+            </a:r>
+            <a:r>
+              <a:rPr lang="pt-BR" sz="2000" dirty="0" err="1">
+                <a:latin typeface="Times New Roman" panose="02020603050405020304" pitchFamily="18" charset="0"/>
+                <a:cs typeface="Times New Roman" panose="02020603050405020304" pitchFamily="18" charset="0"/>
+              </a:rPr>
+              <a:t>splice</a:t>
+            </a:r>
+            <a:r>
+              <a:rPr lang="pt-BR" sz="2000" dirty="0">
+                <a:latin typeface="Times New Roman" panose="02020603050405020304" pitchFamily="18" charset="0"/>
+                <a:cs typeface="Times New Roman" panose="02020603050405020304" pitchFamily="18" charset="0"/>
+              </a:rPr>
+              <a:t>() é usado para:</a:t>
+            </a:r>
+          </a:p>
+          <a:p>
+            <a:pPr marL="800100" lvl="1" indent="-342900">
+              <a:lnSpc>
+                <a:spcPct val="150000"/>
+              </a:lnSpc>
+              <a:buFont typeface="Arial" panose="020B0604020202020204" pitchFamily="34" charset="0"/>
+              <a:buChar char="•"/>
+            </a:pPr>
+            <a:r>
+              <a:rPr lang="pt-BR" sz="1600" dirty="0">
+                <a:latin typeface="Times New Roman" panose="02020603050405020304" pitchFamily="18" charset="0"/>
+                <a:cs typeface="Times New Roman" panose="02020603050405020304" pitchFamily="18" charset="0"/>
+              </a:rPr>
+              <a:t>Remover elementos de um </a:t>
+            </a:r>
+            <a:r>
+              <a:rPr lang="pt-BR" sz="1600" dirty="0" err="1">
+                <a:latin typeface="Times New Roman" panose="02020603050405020304" pitchFamily="18" charset="0"/>
+                <a:cs typeface="Times New Roman" panose="02020603050405020304" pitchFamily="18" charset="0"/>
+              </a:rPr>
+              <a:t>array</a:t>
+            </a:r>
+            <a:r>
+              <a:rPr lang="pt-BR" sz="1600" dirty="0">
+                <a:latin typeface="Times New Roman" panose="02020603050405020304" pitchFamily="18" charset="0"/>
+                <a:cs typeface="Times New Roman" panose="02020603050405020304" pitchFamily="18" charset="0"/>
+              </a:rPr>
+              <a:t>. </a:t>
+            </a:r>
+          </a:p>
+          <a:p>
+            <a:pPr marL="800100" lvl="1" indent="-342900">
+              <a:lnSpc>
+                <a:spcPct val="150000"/>
+              </a:lnSpc>
+              <a:buFont typeface="Arial" panose="020B0604020202020204" pitchFamily="34" charset="0"/>
+              <a:buChar char="•"/>
+            </a:pPr>
+            <a:r>
+              <a:rPr lang="pt-BR" sz="1600" dirty="0">
+                <a:latin typeface="Times New Roman" panose="02020603050405020304" pitchFamily="18" charset="0"/>
+                <a:cs typeface="Times New Roman" panose="02020603050405020304" pitchFamily="18" charset="0"/>
+              </a:rPr>
+              <a:t>Substituir elementos existentes por novos valores.</a:t>
+            </a:r>
+          </a:p>
+          <a:p>
+            <a:pPr marL="800100" lvl="1" indent="-342900">
+              <a:lnSpc>
+                <a:spcPct val="150000"/>
+              </a:lnSpc>
+              <a:buFont typeface="Arial" panose="020B0604020202020204" pitchFamily="34" charset="0"/>
+              <a:buChar char="•"/>
+            </a:pPr>
+            <a:r>
+              <a:rPr lang="pt-BR" sz="1600" dirty="0">
+                <a:latin typeface="Times New Roman" panose="02020603050405020304" pitchFamily="18" charset="0"/>
+                <a:cs typeface="Times New Roman" panose="02020603050405020304" pitchFamily="18" charset="0"/>
+              </a:rPr>
+              <a:t>Adicionar novos elementos em uma posição específica.</a:t>
+            </a:r>
+          </a:p>
+        </p:txBody>
+      </p:sp>
+    </p:spTree>
+    <p:extLst>
+      <p:ext uri="{BB962C8B-B14F-4D97-AF65-F5344CB8AC3E}">
+        <p14:creationId xmlns:p14="http://schemas.microsoft.com/office/powerpoint/2010/main" val="2962822832"/>
+      </p:ext>
+    </p:extLst>
+  </p:cSld>
+  <p:clrMapOvr>
+    <a:masterClrMapping/>
+  </p:clrMapOvr>
+</p:sld>
+</file>
+
 <file path=ppt/slides/slide2.xml><?xml version="1.0" encoding="utf-8"?>
 <p:sld xmlns:a="http://schemas.openxmlformats.org/drawingml/2006/main" xmlns:r="http://schemas.openxmlformats.org/officeDocument/2006/relationships" xmlns:p="http://schemas.openxmlformats.org/presentationml/2006/main">
   <p:cSld>
@@ -4384,7 +5570,7 @@
         </p:nvSpPr>
         <p:spPr>
           <a:xfrm>
-            <a:off x="8604969" y="2981270"/>
+            <a:off x="8451894" y="2990312"/>
             <a:ext cx="1120821" cy="369332"/>
           </a:xfrm>
           <a:prstGeom prst="rect">
@@ -4419,6 +5605,7 @@
             </a:extLst>
           </p:cNvPr>
           <p:cNvCxnSpPr>
+            <a:cxnSpLocks/>
             <a:stCxn id="17" idx="1"/>
             <a:endCxn id="65" idx="3"/>
           </p:cNvCxnSpPr>
@@ -4469,13 +5656,14 @@
           <p:cNvCxnSpPr>
             <a:cxnSpLocks/>
             <a:stCxn id="3" idx="1"/>
+            <a:endCxn id="11" idx="2"/>
           </p:cNvCxnSpPr>
           <p:nvPr/>
         </p:nvCxnSpPr>
         <p:spPr>
           <a:xfrm flipH="1" flipV="1">
-            <a:off x="2747104" y="5648002"/>
-            <a:ext cx="378990" cy="678744"/>
+            <a:off x="2771821" y="5756541"/>
+            <a:ext cx="354273" cy="570205"/>
           </a:xfrm>
           <a:prstGeom prst="straightConnector1">
             <a:avLst/>
@@ -4516,13 +5704,14 @@
           </p:cNvPr>
           <p:cNvCxnSpPr>
             <a:cxnSpLocks/>
+            <a:stCxn id="19" idx="2"/>
           </p:cNvCxnSpPr>
           <p:nvPr/>
         </p:nvCxnSpPr>
         <p:spPr>
-          <a:xfrm flipH="1">
-            <a:off x="8753159" y="3350602"/>
-            <a:ext cx="280533" cy="498210"/>
+          <a:xfrm>
+            <a:off x="9012305" y="3359644"/>
+            <a:ext cx="534367" cy="489809"/>
           </a:xfrm>
           <a:prstGeom prst="straightConnector1">
             <a:avLst/>
@@ -5363,7 +6552,7 @@
             <p:nvPr/>
           </p:nvPicPr>
           <p:blipFill>
-            <a:blip r:embed="rId3"/>
+            <a:blip r:embed="rId2"/>
             <a:stretch>
               <a:fillRect/>
             </a:stretch>
@@ -5780,33 +6969,520 @@
       </p:sp>
       <p:sp>
         <p:nvSpPr>
-          <p:cNvPr id="5" name="Espaço Reservado para Conteúdo 4">
+          <p:cNvPr id="2" name="Retângulo 1">
             <a:extLst>
               <a:ext uri="{FF2B5EF4-FFF2-40B4-BE49-F238E27FC236}">
-                <a16:creationId xmlns:a16="http://schemas.microsoft.com/office/drawing/2014/main" id="{F69D5E2C-F851-4032-845D-90C7582F93B9}"/>
+                <a16:creationId xmlns:a16="http://schemas.microsoft.com/office/drawing/2014/main" id="{6F4FB065-2128-4C83-B983-166817F16785}"/>
               </a:ext>
             </a:extLst>
           </p:cNvPr>
-          <p:cNvSpPr>
-            <a:spLocks noGrp="1"/>
-          </p:cNvSpPr>
-          <p:nvPr>
-            <p:ph idx="1"/>
-          </p:nvPr>
+          <p:cNvSpPr/>
+          <p:nvPr/>
         </p:nvSpPr>
-        <p:spPr/>
+        <p:spPr>
+          <a:xfrm>
+            <a:off x="2605480" y="1749341"/>
+            <a:ext cx="6981039" cy="400110"/>
+          </a:xfrm>
+          <a:prstGeom prst="rect">
+            <a:avLst/>
+          </a:prstGeom>
+        </p:spPr>
         <p:txBody>
-          <a:bodyPr/>
+          <a:bodyPr wrap="square">
+            <a:spAutoFit/>
+          </a:bodyPr>
           <a:lstStyle/>
           <a:p>
-            <a:endParaRPr lang="pt-BR"/>
+            <a:r>
+              <a:rPr lang="pt-BR" sz="2000" dirty="0" err="1">
+                <a:solidFill>
+                  <a:srgbClr val="0000FF"/>
+                </a:solidFill>
+                <a:latin typeface="Consolas" panose="020B0609020204030204" pitchFamily="49" charset="0"/>
+              </a:rPr>
+              <a:t>let</a:t>
+            </a:r>
+            <a:r>
+              <a:rPr lang="pt-BR" sz="2000" dirty="0">
+                <a:solidFill>
+                  <a:srgbClr val="000000"/>
+                </a:solidFill>
+                <a:latin typeface="Consolas" panose="020B0609020204030204" pitchFamily="49" charset="0"/>
+              </a:rPr>
+              <a:t> times = [</a:t>
+            </a:r>
+            <a:r>
+              <a:rPr lang="pt-BR" sz="2000" dirty="0">
+                <a:solidFill>
+                  <a:srgbClr val="A31515"/>
+                </a:solidFill>
+                <a:latin typeface="Consolas" panose="020B0609020204030204" pitchFamily="49" charset="0"/>
+              </a:rPr>
+              <a:t>"Santos"</a:t>
+            </a:r>
+            <a:r>
+              <a:rPr lang="pt-BR" sz="2000" dirty="0">
+                <a:solidFill>
+                  <a:srgbClr val="000000"/>
+                </a:solidFill>
+                <a:latin typeface="Consolas" panose="020B0609020204030204" pitchFamily="49" charset="0"/>
+              </a:rPr>
+              <a:t>, </a:t>
+            </a:r>
+            <a:r>
+              <a:rPr lang="pt-BR" sz="2000" dirty="0">
+                <a:solidFill>
+                  <a:srgbClr val="A31515"/>
+                </a:solidFill>
+                <a:latin typeface="Consolas" panose="020B0609020204030204" pitchFamily="49" charset="0"/>
+              </a:rPr>
+              <a:t>"São Paulo"</a:t>
+            </a:r>
+            <a:r>
+              <a:rPr lang="pt-BR" sz="2000" dirty="0">
+                <a:solidFill>
+                  <a:srgbClr val="000000"/>
+                </a:solidFill>
+                <a:latin typeface="Consolas" panose="020B0609020204030204" pitchFamily="49" charset="0"/>
+              </a:rPr>
+              <a:t>, </a:t>
+            </a:r>
+            <a:r>
+              <a:rPr lang="pt-BR" sz="2000" dirty="0">
+                <a:solidFill>
+                  <a:srgbClr val="A31515"/>
+                </a:solidFill>
+                <a:latin typeface="Consolas" panose="020B0609020204030204" pitchFamily="49" charset="0"/>
+              </a:rPr>
+              <a:t>"Palmeiras"</a:t>
+            </a:r>
+            <a:r>
+              <a:rPr lang="pt-BR" sz="2000" dirty="0">
+                <a:solidFill>
+                  <a:srgbClr val="000000"/>
+                </a:solidFill>
+                <a:latin typeface="Consolas" panose="020B0609020204030204" pitchFamily="49" charset="0"/>
+              </a:rPr>
+              <a:t>]</a:t>
+            </a:r>
+            <a:endParaRPr lang="pt-BR" sz="2000" b="0" dirty="0">
+              <a:solidFill>
+                <a:srgbClr val="000000"/>
+              </a:solidFill>
+              <a:effectLst/>
+              <a:latin typeface="Consolas" panose="020B0609020204030204" pitchFamily="49" charset="0"/>
+            </a:endParaRPr>
+          </a:p>
+        </p:txBody>
+      </p:sp>
+      <p:sp>
+        <p:nvSpPr>
+          <p:cNvPr id="3" name="Retângulo 2">
+            <a:extLst>
+              <a:ext uri="{FF2B5EF4-FFF2-40B4-BE49-F238E27FC236}">
+                <a16:creationId xmlns:a16="http://schemas.microsoft.com/office/drawing/2014/main" id="{EE89B040-E810-4783-8D71-A746C113102A}"/>
+              </a:ext>
+            </a:extLst>
+          </p:cNvPr>
+          <p:cNvSpPr/>
+          <p:nvPr/>
+        </p:nvSpPr>
+        <p:spPr>
+          <a:xfrm>
+            <a:off x="749185" y="3052809"/>
+            <a:ext cx="4652236" cy="369332"/>
+          </a:xfrm>
+          <a:prstGeom prst="rect">
+            <a:avLst/>
+          </a:prstGeom>
+        </p:spPr>
+        <p:txBody>
+          <a:bodyPr wrap="none">
+            <a:spAutoFit/>
+          </a:bodyPr>
+          <a:lstStyle/>
+          <a:p>
+            <a:pPr lvl="1"/>
+            <a:r>
+              <a:rPr lang="pt-BR" dirty="0">
+                <a:solidFill>
+                  <a:srgbClr val="000000"/>
+                </a:solidFill>
+                <a:latin typeface="Consolas" panose="020B0609020204030204" pitchFamily="49" charset="0"/>
+              </a:rPr>
+              <a:t>console.log(times[</a:t>
+            </a:r>
+            <a:r>
+              <a:rPr lang="pt-BR" dirty="0">
+                <a:solidFill>
+                  <a:srgbClr val="098658"/>
+                </a:solidFill>
+                <a:latin typeface="Consolas" panose="020B0609020204030204" pitchFamily="49" charset="0"/>
+              </a:rPr>
+              <a:t>0</a:t>
+            </a:r>
+            <a:r>
+              <a:rPr lang="pt-BR" dirty="0">
+                <a:solidFill>
+                  <a:srgbClr val="000000"/>
+                </a:solidFill>
+                <a:latin typeface="Consolas" panose="020B0609020204030204" pitchFamily="49" charset="0"/>
+              </a:rPr>
+              <a:t>]); </a:t>
+            </a:r>
+            <a:r>
+              <a:rPr lang="pt-BR" dirty="0">
+                <a:solidFill>
+                  <a:srgbClr val="098658"/>
+                </a:solidFill>
+                <a:latin typeface="Consolas" panose="020B0609020204030204" pitchFamily="49" charset="0"/>
+              </a:rPr>
+              <a:t>//Santos</a:t>
+            </a:r>
+          </a:p>
+        </p:txBody>
+      </p:sp>
+      <p:sp>
+        <p:nvSpPr>
+          <p:cNvPr id="7" name="CaixaDeTexto 6">
+            <a:extLst>
+              <a:ext uri="{FF2B5EF4-FFF2-40B4-BE49-F238E27FC236}">
+                <a16:creationId xmlns:a16="http://schemas.microsoft.com/office/drawing/2014/main" id="{5B07BF53-B4F3-4B70-A5AA-5D06CB2B0D36}"/>
+              </a:ext>
+            </a:extLst>
+          </p:cNvPr>
+          <p:cNvSpPr txBox="1"/>
+          <p:nvPr/>
+        </p:nvSpPr>
+        <p:spPr>
+          <a:xfrm>
+            <a:off x="749185" y="2410001"/>
+            <a:ext cx="5513304" cy="400110"/>
+          </a:xfrm>
+          <a:prstGeom prst="rect">
+            <a:avLst/>
+          </a:prstGeom>
+          <a:noFill/>
+        </p:spPr>
+        <p:txBody>
+          <a:bodyPr wrap="none" rtlCol="0">
+            <a:spAutoFit/>
+          </a:bodyPr>
+          <a:lstStyle/>
+          <a:p>
+            <a:r>
+              <a:rPr lang="pt-BR" sz="2000" dirty="0">
+                <a:latin typeface="Times New Roman" panose="02020603050405020304" pitchFamily="18" charset="0"/>
+                <a:cs typeface="Times New Roman" panose="02020603050405020304" pitchFamily="18" charset="0"/>
+              </a:rPr>
+              <a:t>Acessa um item do </a:t>
+            </a:r>
+            <a:r>
+              <a:rPr lang="pt-BR" sz="2000" dirty="0" err="1">
+                <a:latin typeface="Times New Roman" panose="02020603050405020304" pitchFamily="18" charset="0"/>
+                <a:cs typeface="Times New Roman" panose="02020603050405020304" pitchFamily="18" charset="0"/>
+              </a:rPr>
+              <a:t>Array</a:t>
+            </a:r>
+            <a:r>
+              <a:rPr lang="pt-BR" sz="2000" dirty="0">
+                <a:latin typeface="Times New Roman" panose="02020603050405020304" pitchFamily="18" charset="0"/>
+                <a:cs typeface="Times New Roman" panose="02020603050405020304" pitchFamily="18" charset="0"/>
+              </a:rPr>
+              <a:t> de acordo com a posição</a:t>
+            </a:r>
+          </a:p>
+        </p:txBody>
+      </p:sp>
+      <p:sp>
+        <p:nvSpPr>
+          <p:cNvPr id="9" name="CaixaDeTexto 8">
+            <a:extLst>
+              <a:ext uri="{FF2B5EF4-FFF2-40B4-BE49-F238E27FC236}">
+                <a16:creationId xmlns:a16="http://schemas.microsoft.com/office/drawing/2014/main" id="{52C083C9-77C7-4E78-85AB-7839A3141068}"/>
+              </a:ext>
+            </a:extLst>
+          </p:cNvPr>
+          <p:cNvSpPr txBox="1"/>
+          <p:nvPr/>
+        </p:nvSpPr>
+        <p:spPr>
+          <a:xfrm>
+            <a:off x="749185" y="3664839"/>
+            <a:ext cx="4292265" cy="400110"/>
+          </a:xfrm>
+          <a:prstGeom prst="rect">
+            <a:avLst/>
+          </a:prstGeom>
+          <a:noFill/>
+        </p:spPr>
+        <p:txBody>
+          <a:bodyPr wrap="none" rtlCol="0">
+            <a:spAutoFit/>
+          </a:bodyPr>
+          <a:lstStyle/>
+          <a:p>
+            <a:r>
+              <a:rPr lang="pt-BR" sz="2000" dirty="0" err="1">
+                <a:latin typeface="Times New Roman" panose="02020603050405020304" pitchFamily="18" charset="0"/>
+                <a:cs typeface="Times New Roman" panose="02020603050405020304" pitchFamily="18" charset="0"/>
+              </a:rPr>
+              <a:t>length</a:t>
+            </a:r>
+            <a:r>
+              <a:rPr lang="pt-BR" sz="2000" dirty="0">
+                <a:solidFill>
+                  <a:srgbClr val="000000"/>
+                </a:solidFill>
+                <a:latin typeface="Consolas" panose="020B0609020204030204" pitchFamily="49" charset="0"/>
+              </a:rPr>
+              <a:t> - </a:t>
+            </a:r>
+            <a:r>
+              <a:rPr lang="pt-BR" sz="2000" dirty="0">
+                <a:latin typeface="Times New Roman" panose="02020603050405020304" pitchFamily="18" charset="0"/>
+                <a:cs typeface="Times New Roman" panose="02020603050405020304" pitchFamily="18" charset="0"/>
+              </a:rPr>
+              <a:t>Verifica o tamanho do </a:t>
+            </a:r>
+            <a:r>
+              <a:rPr lang="pt-BR" sz="2000" dirty="0" err="1">
+                <a:latin typeface="Times New Roman" panose="02020603050405020304" pitchFamily="18" charset="0"/>
+                <a:cs typeface="Times New Roman" panose="02020603050405020304" pitchFamily="18" charset="0"/>
+              </a:rPr>
+              <a:t>Array</a:t>
+            </a:r>
+            <a:endParaRPr lang="pt-BR" sz="2000" dirty="0">
+              <a:latin typeface="Times New Roman" panose="02020603050405020304" pitchFamily="18" charset="0"/>
+              <a:cs typeface="Times New Roman" panose="02020603050405020304" pitchFamily="18" charset="0"/>
+            </a:endParaRPr>
+          </a:p>
+        </p:txBody>
+      </p:sp>
+      <p:sp>
+        <p:nvSpPr>
+          <p:cNvPr id="11" name="Retângulo 10">
+            <a:extLst>
+              <a:ext uri="{FF2B5EF4-FFF2-40B4-BE49-F238E27FC236}">
+                <a16:creationId xmlns:a16="http://schemas.microsoft.com/office/drawing/2014/main" id="{5A69FF68-FB08-40B9-BE61-423A5AC971F1}"/>
+              </a:ext>
+            </a:extLst>
+          </p:cNvPr>
+          <p:cNvSpPr/>
+          <p:nvPr/>
+        </p:nvSpPr>
+        <p:spPr>
+          <a:xfrm>
+            <a:off x="749185" y="4307647"/>
+            <a:ext cx="4525598" cy="369332"/>
+          </a:xfrm>
+          <a:prstGeom prst="rect">
+            <a:avLst/>
+          </a:prstGeom>
+        </p:spPr>
+        <p:txBody>
+          <a:bodyPr wrap="none">
+            <a:spAutoFit/>
+          </a:bodyPr>
+          <a:lstStyle/>
+          <a:p>
+            <a:pPr lvl="1"/>
+            <a:r>
+              <a:rPr lang="pt-BR" dirty="0">
+                <a:solidFill>
+                  <a:srgbClr val="000000"/>
+                </a:solidFill>
+                <a:latin typeface="Consolas" panose="020B0609020204030204" pitchFamily="49" charset="0"/>
+              </a:rPr>
+              <a:t>console.log(</a:t>
+            </a:r>
+            <a:r>
+              <a:rPr lang="pt-BR" dirty="0" err="1">
+                <a:solidFill>
+                  <a:srgbClr val="000000"/>
+                </a:solidFill>
+                <a:latin typeface="Consolas" panose="020B0609020204030204" pitchFamily="49" charset="0"/>
+              </a:rPr>
+              <a:t>times.length</a:t>
+            </a:r>
+            <a:r>
+              <a:rPr lang="pt-BR" dirty="0">
+                <a:solidFill>
+                  <a:srgbClr val="000000"/>
+                </a:solidFill>
+                <a:latin typeface="Consolas" panose="020B0609020204030204" pitchFamily="49" charset="0"/>
+              </a:rPr>
+              <a:t>); </a:t>
+            </a:r>
+            <a:r>
+              <a:rPr lang="pt-BR" dirty="0">
+                <a:solidFill>
+                  <a:srgbClr val="008000"/>
+                </a:solidFill>
+                <a:latin typeface="Consolas" panose="020B0609020204030204" pitchFamily="49" charset="0"/>
+              </a:rPr>
+              <a:t>//3</a:t>
+            </a:r>
+            <a:endParaRPr lang="pt-BR" b="0" dirty="0">
+              <a:solidFill>
+                <a:srgbClr val="000000"/>
+              </a:solidFill>
+              <a:effectLst/>
+              <a:latin typeface="Consolas" panose="020B0609020204030204" pitchFamily="49" charset="0"/>
+            </a:endParaRPr>
+          </a:p>
+        </p:txBody>
+      </p:sp>
+      <p:sp>
+        <p:nvSpPr>
+          <p:cNvPr id="12" name="CaixaDeTexto 11">
+            <a:extLst>
+              <a:ext uri="{FF2B5EF4-FFF2-40B4-BE49-F238E27FC236}">
+                <a16:creationId xmlns:a16="http://schemas.microsoft.com/office/drawing/2014/main" id="{D3391F43-D78B-401D-B191-1670FE2D51DE}"/>
+              </a:ext>
+            </a:extLst>
+          </p:cNvPr>
+          <p:cNvSpPr txBox="1"/>
+          <p:nvPr/>
+        </p:nvSpPr>
+        <p:spPr>
+          <a:xfrm>
+            <a:off x="749185" y="4919677"/>
+            <a:ext cx="4222887" cy="400110"/>
+          </a:xfrm>
+          <a:prstGeom prst="rect">
+            <a:avLst/>
+          </a:prstGeom>
+          <a:noFill/>
+        </p:spPr>
+        <p:txBody>
+          <a:bodyPr wrap="none" rtlCol="0">
+            <a:spAutoFit/>
+          </a:bodyPr>
+          <a:lstStyle/>
+          <a:p>
+            <a:r>
+              <a:rPr lang="pt-BR" sz="2000" dirty="0" err="1">
+                <a:latin typeface="Times New Roman" panose="02020603050405020304" pitchFamily="18" charset="0"/>
+                <a:cs typeface="Times New Roman" panose="02020603050405020304" pitchFamily="18" charset="0"/>
+              </a:rPr>
+              <a:t>push</a:t>
+            </a:r>
+            <a:r>
+              <a:rPr lang="pt-BR" sz="2000" dirty="0">
+                <a:latin typeface="Times New Roman" panose="02020603050405020304" pitchFamily="18" charset="0"/>
+                <a:cs typeface="Times New Roman" panose="02020603050405020304" pitchFamily="18" charset="0"/>
+              </a:rPr>
+              <a:t>() - Adiciona um elemento no final</a:t>
+            </a:r>
+          </a:p>
+        </p:txBody>
+      </p:sp>
+      <p:sp>
+        <p:nvSpPr>
+          <p:cNvPr id="5" name="Retângulo 4">
+            <a:extLst>
+              <a:ext uri="{FF2B5EF4-FFF2-40B4-BE49-F238E27FC236}">
+                <a16:creationId xmlns:a16="http://schemas.microsoft.com/office/drawing/2014/main" id="{328D5D15-EBB2-4DFA-9F1C-204BC9364A19}"/>
+              </a:ext>
+            </a:extLst>
+          </p:cNvPr>
+          <p:cNvSpPr/>
+          <p:nvPr/>
+        </p:nvSpPr>
+        <p:spPr>
+          <a:xfrm>
+            <a:off x="749185" y="5562487"/>
+            <a:ext cx="10097780" cy="697627"/>
+          </a:xfrm>
+          <a:prstGeom prst="rect">
+            <a:avLst/>
+          </a:prstGeom>
+        </p:spPr>
+        <p:txBody>
+          <a:bodyPr wrap="square">
+            <a:spAutoFit/>
+          </a:bodyPr>
+          <a:lstStyle/>
+          <a:p>
+            <a:pPr lvl="1">
+              <a:spcBef>
+                <a:spcPts val="150"/>
+              </a:spcBef>
+              <a:spcAft>
+                <a:spcPts val="150"/>
+              </a:spcAft>
+            </a:pPr>
+            <a:r>
+              <a:rPr lang="pt-BR" dirty="0" err="1">
+                <a:solidFill>
+                  <a:srgbClr val="000000"/>
+                </a:solidFill>
+                <a:latin typeface="Consolas" panose="020B0609020204030204" pitchFamily="49" charset="0"/>
+              </a:rPr>
+              <a:t>times.push</a:t>
+            </a:r>
+            <a:r>
+              <a:rPr lang="pt-BR" dirty="0">
+                <a:solidFill>
+                  <a:srgbClr val="000000"/>
+                </a:solidFill>
+                <a:latin typeface="Consolas" panose="020B0609020204030204" pitchFamily="49" charset="0"/>
+              </a:rPr>
+              <a:t>(</a:t>
+            </a:r>
+            <a:r>
+              <a:rPr lang="pt-BR" dirty="0">
+                <a:solidFill>
+                  <a:srgbClr val="A31515"/>
+                </a:solidFill>
+                <a:latin typeface="Consolas" panose="020B0609020204030204" pitchFamily="49" charset="0"/>
+              </a:rPr>
+              <a:t>"Ponte Preta"</a:t>
+            </a:r>
+            <a:r>
+              <a:rPr lang="pt-BR" dirty="0">
+                <a:solidFill>
+                  <a:srgbClr val="000000"/>
+                </a:solidFill>
+                <a:latin typeface="Consolas" panose="020B0609020204030204" pitchFamily="49" charset="0"/>
+              </a:rPr>
+              <a:t>) </a:t>
+            </a:r>
+          </a:p>
+          <a:p>
+            <a:pPr lvl="1">
+              <a:spcBef>
+                <a:spcPts val="150"/>
+              </a:spcBef>
+              <a:spcAft>
+                <a:spcPts val="150"/>
+              </a:spcAft>
+            </a:pPr>
+            <a:r>
+              <a:rPr lang="pt-BR" dirty="0">
+                <a:solidFill>
+                  <a:srgbClr val="008000"/>
+                </a:solidFill>
+                <a:latin typeface="Consolas" panose="020B0609020204030204" pitchFamily="49" charset="0"/>
+              </a:rPr>
+              <a:t>//[ "Santos", "São Paulo" , "Palmeiras" ,"Ponte Preta" ]</a:t>
+            </a:r>
+            <a:endParaRPr lang="pt-BR" b="0" dirty="0">
+              <a:solidFill>
+                <a:srgbClr val="000000"/>
+              </a:solidFill>
+              <a:effectLst/>
+              <a:latin typeface="Consolas" panose="020B0609020204030204" pitchFamily="49" charset="0"/>
+            </a:endParaRPr>
           </a:p>
         </p:txBody>
       </p:sp>
     </p:spTree>
     <p:extLst>
       <p:ext uri="{BB962C8B-B14F-4D97-AF65-F5344CB8AC3E}">
-        <p14:creationId xmlns:p14="http://schemas.microsoft.com/office/powerpoint/2010/main" val="4229587700"/>
+        <p14:creationId xmlns:p14="http://schemas.microsoft.com/office/powerpoint/2010/main" val="4176902046"/>
       </p:ext>
     </p:extLst>
   </p:cSld>

--- a/Lógica e Programação/Módulo 02 - JavaScript/Aula 15 - Arrays e Objetos/Array e Objetos.pptx
+++ b/Lógica e Programação/Módulo 02 - JavaScript/Aula 15 - Arrays e Objetos/Array e Objetos.pptx
@@ -5,24 +5,32 @@
     <p:sldMasterId id="2147483693" r:id="rId4"/>
   </p:sldMasterIdLst>
   <p:notesMasterIdLst>
-    <p:notesMasterId r:id="rId17"/>
+    <p:notesMasterId r:id="rId25"/>
   </p:notesMasterIdLst>
   <p:handoutMasterIdLst>
-    <p:handoutMasterId r:id="rId18"/>
+    <p:handoutMasterId r:id="rId26"/>
   </p:handoutMasterIdLst>
   <p:sldIdLst>
     <p:sldId id="363" r:id="rId5"/>
     <p:sldId id="364" r:id="rId6"/>
-    <p:sldId id="365" r:id="rId7"/>
-    <p:sldId id="366" r:id="rId8"/>
-    <p:sldId id="276" r:id="rId9"/>
-    <p:sldId id="277" r:id="rId10"/>
-    <p:sldId id="279" r:id="rId11"/>
-    <p:sldId id="278" r:id="rId12"/>
-    <p:sldId id="369" r:id="rId13"/>
-    <p:sldId id="370" r:id="rId14"/>
+    <p:sldId id="366" r:id="rId7"/>
+    <p:sldId id="276" r:id="rId8"/>
+    <p:sldId id="277" r:id="rId9"/>
+    <p:sldId id="279" r:id="rId10"/>
+    <p:sldId id="278" r:id="rId11"/>
+    <p:sldId id="369" r:id="rId12"/>
+    <p:sldId id="370" r:id="rId13"/>
+    <p:sldId id="372" r:id="rId14"/>
     <p:sldId id="371" r:id="rId15"/>
-    <p:sldId id="372" r:id="rId16"/>
+    <p:sldId id="376" r:id="rId16"/>
+    <p:sldId id="377" r:id="rId17"/>
+    <p:sldId id="378" r:id="rId18"/>
+    <p:sldId id="379" r:id="rId19"/>
+    <p:sldId id="380" r:id="rId20"/>
+    <p:sldId id="381" r:id="rId21"/>
+    <p:sldId id="373" r:id="rId22"/>
+    <p:sldId id="374" r:id="rId23"/>
+    <p:sldId id="375" r:id="rId24"/>
   </p:sldIdLst>
   <p:sldSz cx="12192000" cy="6858000"/>
   <p:notesSz cx="6858000" cy="9144000"/>
@@ -1509,36 +1517,6 @@
           <a:xfrm>
             <a:off x="10283716" y="719713"/>
             <a:ext cx="1273846" cy="720000"/>
-          </a:xfrm>
-          <a:prstGeom prst="rect">
-            <a:avLst/>
-          </a:prstGeom>
-        </p:spPr>
-      </p:pic>
-      <p:pic>
-        <p:nvPicPr>
-          <p:cNvPr id="5" name="Imagem 4">
-            <a:extLst>
-              <a:ext uri="{FF2B5EF4-FFF2-40B4-BE49-F238E27FC236}">
-                <a16:creationId xmlns:a16="http://schemas.microsoft.com/office/drawing/2014/main" id="{57A8F5BA-E3B3-4D0A-8D7B-A53017EE1109}"/>
-              </a:ext>
-            </a:extLst>
-          </p:cNvPr>
-          <p:cNvPicPr>
-            <a:picLocks noChangeAspect="1"/>
-          </p:cNvPicPr>
-          <p:nvPr userDrawn="1"/>
-        </p:nvPicPr>
-        <p:blipFill>
-          <a:blip r:embed="rId7"/>
-          <a:stretch>
-            <a:fillRect/>
-          </a:stretch>
-        </p:blipFill>
-        <p:spPr>
-          <a:xfrm>
-            <a:off x="9681661" y="635357"/>
-            <a:ext cx="2238687" cy="809738"/>
           </a:xfrm>
           <a:prstGeom prst="rect">
             <a:avLst/>
@@ -1909,7 +1887,7 @@
         <p:spPr>
           <a:xfrm>
             <a:off x="831850" y="1709738"/>
-            <a:ext cx="10515600" cy="2656989"/>
+            <a:ext cx="10515600" cy="2036639"/>
           </a:xfrm>
         </p:spPr>
         <p:txBody>
@@ -2019,7 +1997,10 @@
               <a:rPr lang="pt-BR" dirty="0" err="1"/>
               <a:t>Arrays</a:t>
             </a:r>
-            <a:endParaRPr lang="pt-BR" dirty="0"/>
+            <a:r>
+              <a:rPr lang="pt-BR" dirty="0"/>
+              <a:t> - Splice</a:t>
+            </a:r>
           </a:p>
         </p:txBody>
       </p:sp>
@@ -2134,114 +2115,6 @@
       </p:sp>
       <p:sp>
         <p:nvSpPr>
-          <p:cNvPr id="3" name="Retângulo 2">
-            <a:extLst>
-              <a:ext uri="{FF2B5EF4-FFF2-40B4-BE49-F238E27FC236}">
-                <a16:creationId xmlns:a16="http://schemas.microsoft.com/office/drawing/2014/main" id="{EE89B040-E810-4783-8D71-A746C113102A}"/>
-              </a:ext>
-            </a:extLst>
-          </p:cNvPr>
-          <p:cNvSpPr/>
-          <p:nvPr/>
-        </p:nvSpPr>
-        <p:spPr>
-          <a:xfrm>
-            <a:off x="749185" y="2939947"/>
-            <a:ext cx="7864653" cy="697627"/>
-          </a:xfrm>
-          <a:prstGeom prst="rect">
-            <a:avLst/>
-          </a:prstGeom>
-        </p:spPr>
-        <p:txBody>
-          <a:bodyPr wrap="none">
-            <a:spAutoFit/>
-          </a:bodyPr>
-          <a:lstStyle/>
-          <a:p>
-            <a:pPr lvl="1">
-              <a:spcBef>
-                <a:spcPts val="150"/>
-              </a:spcBef>
-              <a:spcAft>
-                <a:spcPts val="150"/>
-              </a:spcAft>
-            </a:pPr>
-            <a:r>
-              <a:rPr lang="pt-BR" dirty="0" err="1">
-                <a:solidFill>
-                  <a:srgbClr val="000000"/>
-                </a:solidFill>
-                <a:latin typeface="Consolas" panose="020B0609020204030204" pitchFamily="49" charset="0"/>
-              </a:rPr>
-              <a:t>times.unshift</a:t>
-            </a:r>
-            <a:r>
-              <a:rPr lang="pt-BR" dirty="0">
-                <a:solidFill>
-                  <a:srgbClr val="000000"/>
-                </a:solidFill>
-                <a:latin typeface="Consolas" panose="020B0609020204030204" pitchFamily="49" charset="0"/>
-              </a:rPr>
-              <a:t>(</a:t>
-            </a:r>
-            <a:r>
-              <a:rPr lang="pt-BR" dirty="0">
-                <a:solidFill>
-                  <a:srgbClr val="A31515"/>
-                </a:solidFill>
-                <a:latin typeface="Consolas" panose="020B0609020204030204" pitchFamily="49" charset="0"/>
-              </a:rPr>
-              <a:t>"Ponte Preta"</a:t>
-            </a:r>
-            <a:r>
-              <a:rPr lang="pt-BR" dirty="0">
-                <a:solidFill>
-                  <a:srgbClr val="000000"/>
-                </a:solidFill>
-                <a:latin typeface="Consolas" panose="020B0609020204030204" pitchFamily="49" charset="0"/>
-              </a:rPr>
-              <a:t>)</a:t>
-            </a:r>
-          </a:p>
-          <a:p>
-            <a:pPr lvl="1">
-              <a:spcBef>
-                <a:spcPts val="150"/>
-              </a:spcBef>
-              <a:spcAft>
-                <a:spcPts val="150"/>
-              </a:spcAft>
-            </a:pPr>
-            <a:r>
-              <a:rPr lang="pt-BR" dirty="0">
-                <a:solidFill>
-                  <a:srgbClr val="008000"/>
-                </a:solidFill>
-                <a:latin typeface="Consolas" panose="020B0609020204030204" pitchFamily="49" charset="0"/>
-              </a:rPr>
-              <a:t>//["Ponte Preta", "Santos", "São Paulo" , "Palmeiras"]</a:t>
-            </a:r>
-            <a:r>
-              <a:rPr lang="pt-BR" dirty="0">
-                <a:solidFill>
-                  <a:srgbClr val="000000"/>
-                </a:solidFill>
-                <a:latin typeface="Consolas" panose="020B0609020204030204" pitchFamily="49" charset="0"/>
-              </a:rPr>
-              <a:t> </a:t>
-            </a:r>
-            <a:endParaRPr lang="pt-BR" dirty="0">
-              <a:solidFill>
-                <a:srgbClr val="098658"/>
-              </a:solidFill>
-              <a:latin typeface="Consolas" panose="020B0609020204030204" pitchFamily="49" charset="0"/>
-            </a:endParaRPr>
-          </a:p>
-        </p:txBody>
-      </p:sp>
-      <p:sp>
-        <p:nvSpPr>
           <p:cNvPr id="7" name="CaixaDeTexto 6">
             <a:extLst>
               <a:ext uri="{FF2B5EF4-FFF2-40B4-BE49-F238E27FC236}">
@@ -2255,7 +2128,7 @@
         <p:spPr>
           <a:xfrm>
             <a:off x="749185" y="2410001"/>
-            <a:ext cx="4562724" cy="400110"/>
+            <a:ext cx="3755644" cy="879087"/>
           </a:xfrm>
           <a:prstGeom prst="rect">
             <a:avLst/>
@@ -2268,67 +2141,71 @@
           </a:bodyPr>
           <a:lstStyle/>
           <a:p>
+            <a:pPr>
+              <a:lnSpc>
+                <a:spcPct val="150000"/>
+              </a:lnSpc>
+            </a:pPr>
+            <a:r>
+              <a:rPr lang="pt-BR" sz="2000" dirty="0">
+                <a:latin typeface="Times New Roman" panose="02020603050405020304" pitchFamily="18" charset="0"/>
+                <a:cs typeface="Times New Roman" panose="02020603050405020304" pitchFamily="18" charset="0"/>
+              </a:rPr>
+              <a:t>O método .</a:t>
+            </a:r>
             <a:r>
               <a:rPr lang="pt-BR" sz="2000" dirty="0" err="1">
                 <a:latin typeface="Times New Roman" panose="02020603050405020304" pitchFamily="18" charset="0"/>
                 <a:cs typeface="Times New Roman" panose="02020603050405020304" pitchFamily="18" charset="0"/>
               </a:rPr>
-              <a:t>unshift</a:t>
+              <a:t>splice</a:t>
             </a:r>
             <a:r>
               <a:rPr lang="pt-BR" sz="2000" dirty="0">
                 <a:latin typeface="Times New Roman" panose="02020603050405020304" pitchFamily="18" charset="0"/>
                 <a:cs typeface="Times New Roman" panose="02020603050405020304" pitchFamily="18" charset="0"/>
               </a:rPr>
-              <a:t>() - Adiciona um elemento no início</a:t>
+              <a:t>() é usado para:</a:t>
+            </a:r>
+          </a:p>
+          <a:p>
+            <a:pPr marL="800100" lvl="1" indent="-342900">
+              <a:lnSpc>
+                <a:spcPct val="150000"/>
+              </a:lnSpc>
+              <a:buFont typeface="Arial" panose="020B0604020202020204" pitchFamily="34" charset="0"/>
+              <a:buChar char="•"/>
+            </a:pPr>
+            <a:r>
+              <a:rPr lang="pt-BR" sz="1600" dirty="0">
+                <a:latin typeface="Times New Roman" panose="02020603050405020304" pitchFamily="18" charset="0"/>
+                <a:cs typeface="Times New Roman" panose="02020603050405020304" pitchFamily="18" charset="0"/>
+              </a:rPr>
+              <a:t>Remover elementos de um </a:t>
+            </a:r>
+            <a:r>
+              <a:rPr lang="pt-BR" sz="1600" dirty="0" err="1">
+                <a:latin typeface="Times New Roman" panose="02020603050405020304" pitchFamily="18" charset="0"/>
+                <a:cs typeface="Times New Roman" panose="02020603050405020304" pitchFamily="18" charset="0"/>
+              </a:rPr>
+              <a:t>array</a:t>
+            </a:r>
+            <a:r>
+              <a:rPr lang="pt-BR" sz="1600" dirty="0">
+                <a:latin typeface="Times New Roman" panose="02020603050405020304" pitchFamily="18" charset="0"/>
+                <a:cs typeface="Times New Roman" panose="02020603050405020304" pitchFamily="18" charset="0"/>
+              </a:rPr>
+              <a:t>. </a:t>
             </a:r>
           </a:p>
         </p:txBody>
       </p:sp>
       <p:sp>
         <p:nvSpPr>
-          <p:cNvPr id="12" name="CaixaDeTexto 11">
+          <p:cNvPr id="3" name="Retângulo 2">
             <a:extLst>
               <a:ext uri="{FF2B5EF4-FFF2-40B4-BE49-F238E27FC236}">
-                <a16:creationId xmlns:a16="http://schemas.microsoft.com/office/drawing/2014/main" id="{D3391F43-D78B-401D-B191-1670FE2D51DE}"/>
-              </a:ext>
-            </a:extLst>
-          </p:cNvPr>
-          <p:cNvSpPr txBox="1"/>
-          <p:nvPr/>
-        </p:nvSpPr>
-        <p:spPr>
-          <a:xfrm>
-            <a:off x="749185" y="5124819"/>
-            <a:ext cx="4052713" cy="400110"/>
-          </a:xfrm>
-          <a:prstGeom prst="rect">
-            <a:avLst/>
-          </a:prstGeom>
-          <a:noFill/>
-        </p:spPr>
-        <p:txBody>
-          <a:bodyPr wrap="none" rtlCol="0">
-            <a:spAutoFit/>
-          </a:bodyPr>
-          <a:lstStyle/>
-          <a:p>
-            <a:r>
-              <a:rPr lang="pt-BR" sz="2000" dirty="0">
-                <a:latin typeface="Times New Roman" panose="02020603050405020304" pitchFamily="18" charset="0"/>
-                <a:cs typeface="Times New Roman" panose="02020603050405020304" pitchFamily="18" charset="0"/>
-              </a:rPr>
-              <a:t>pop() - Remove um elemento no final</a:t>
-            </a:r>
-          </a:p>
-        </p:txBody>
-      </p:sp>
-      <p:sp>
-        <p:nvSpPr>
-          <p:cNvPr id="5" name="Retângulo 4">
-            <a:extLst>
-              <a:ext uri="{FF2B5EF4-FFF2-40B4-BE49-F238E27FC236}">
-                <a16:creationId xmlns:a16="http://schemas.microsoft.com/office/drawing/2014/main" id="{328D5D15-EBB2-4DFA-9F1C-204BC9364A19}"/>
+                <a16:creationId xmlns:a16="http://schemas.microsoft.com/office/drawing/2014/main" id="{E35BDC89-51F8-4D19-B5BA-88E617126424}"/>
               </a:ext>
             </a:extLst>
           </p:cNvPr>
@@ -2337,8 +2214,8 @@
         </p:nvSpPr>
         <p:spPr>
           <a:xfrm>
-            <a:off x="749185" y="5654766"/>
-            <a:ext cx="10097780" cy="697627"/>
+            <a:off x="749185" y="3451627"/>
+            <a:ext cx="10507700" cy="338554"/>
           </a:xfrm>
           <a:prstGeom prst="rect">
             <a:avLst/>
@@ -2350,67 +2227,87 @@
           </a:bodyPr>
           <a:lstStyle/>
           <a:p>
-            <a:pPr lvl="1">
-              <a:spcBef>
-                <a:spcPts val="150"/>
-              </a:spcBef>
-              <a:spcAft>
-                <a:spcPts val="150"/>
-              </a:spcAft>
-            </a:pPr>
-            <a:r>
-              <a:rPr lang="pt-BR" dirty="0" err="1">
-                <a:solidFill>
-                  <a:srgbClr val="000000"/>
-                </a:solidFill>
-                <a:latin typeface="Consolas" panose="020B0609020204030204" pitchFamily="49" charset="0"/>
-              </a:rPr>
-              <a:t>times.pop</a:t>
-            </a:r>
-            <a:r>
-              <a:rPr lang="pt-BR" dirty="0">
-                <a:solidFill>
-                  <a:srgbClr val="000000"/>
-                </a:solidFill>
-                <a:latin typeface="Consolas" panose="020B0609020204030204" pitchFamily="49" charset="0"/>
-              </a:rPr>
-              <a:t>() </a:t>
-            </a:r>
-          </a:p>
-          <a:p>
-            <a:pPr lvl="1">
-              <a:spcBef>
-                <a:spcPts val="150"/>
-              </a:spcBef>
-              <a:spcAft>
-                <a:spcPts val="150"/>
-              </a:spcAft>
-            </a:pPr>
-            <a:r>
-              <a:rPr lang="pt-BR" dirty="0">
-                <a:solidFill>
-                  <a:srgbClr val="008000"/>
-                </a:solidFill>
-                <a:latin typeface="Consolas" panose="020B0609020204030204" pitchFamily="49" charset="0"/>
-              </a:rPr>
-              <a:t>//[ "Santos", "São Paulo"]</a:t>
-            </a:r>
-            <a:endParaRPr lang="pt-BR" b="0" dirty="0">
-              <a:solidFill>
-                <a:srgbClr val="000000"/>
-              </a:solidFill>
-              <a:effectLst/>
-              <a:latin typeface="Consolas" panose="020B0609020204030204" pitchFamily="49" charset="0"/>
-            </a:endParaRPr>
+            <a:r>
+              <a:rPr lang="pt-BR" sz="1600" dirty="0">
+                <a:solidFill>
+                  <a:srgbClr val="000000"/>
+                </a:solidFill>
+                <a:latin typeface="Consolas" panose="020B0609020204030204" pitchFamily="49" charset="0"/>
+              </a:rPr>
+              <a:t>       </a:t>
+            </a:r>
+            <a:r>
+              <a:rPr lang="pt-BR" sz="1600" dirty="0" err="1">
+                <a:solidFill>
+                  <a:srgbClr val="000000"/>
+                </a:solidFill>
+                <a:latin typeface="Consolas" panose="020B0609020204030204" pitchFamily="49" charset="0"/>
+              </a:rPr>
+              <a:t>times.splice</a:t>
+            </a:r>
+            <a:r>
+              <a:rPr lang="pt-BR" sz="1600" dirty="0">
+                <a:solidFill>
+                  <a:srgbClr val="000000"/>
+                </a:solidFill>
+                <a:latin typeface="Consolas" panose="020B0609020204030204" pitchFamily="49" charset="0"/>
+              </a:rPr>
+              <a:t>(</a:t>
+            </a:r>
+            <a:r>
+              <a:rPr lang="pt-BR" sz="1600" dirty="0">
+                <a:solidFill>
+                  <a:srgbClr val="098658"/>
+                </a:solidFill>
+                <a:latin typeface="Consolas" panose="020B0609020204030204" pitchFamily="49" charset="0"/>
+              </a:rPr>
+              <a:t>1</a:t>
+            </a:r>
+            <a:r>
+              <a:rPr lang="pt-BR" sz="1600" dirty="0">
+                <a:solidFill>
+                  <a:srgbClr val="000000"/>
+                </a:solidFill>
+                <a:latin typeface="Consolas" panose="020B0609020204030204" pitchFamily="49" charset="0"/>
+              </a:rPr>
+              <a:t>,</a:t>
+            </a:r>
+            <a:r>
+              <a:rPr lang="pt-BR" sz="1600" dirty="0">
+                <a:solidFill>
+                  <a:srgbClr val="098658"/>
+                </a:solidFill>
+                <a:latin typeface="Consolas" panose="020B0609020204030204" pitchFamily="49" charset="0"/>
+              </a:rPr>
+              <a:t>1</a:t>
+            </a:r>
+            <a:r>
+              <a:rPr lang="pt-BR" sz="1600" dirty="0">
+                <a:solidFill>
+                  <a:srgbClr val="000000"/>
+                </a:solidFill>
+                <a:latin typeface="Consolas" panose="020B0609020204030204" pitchFamily="49" charset="0"/>
+              </a:rPr>
+              <a:t>) </a:t>
+            </a:r>
+            <a:r>
+              <a:rPr lang="pt-BR" sz="1600" dirty="0">
+                <a:solidFill>
+                  <a:srgbClr val="098658"/>
+                </a:solidFill>
+                <a:latin typeface="Consolas" panose="020B0609020204030204" pitchFamily="49" charset="0"/>
+              </a:rPr>
+              <a:t>//["Santos", "Palmeiras"]</a:t>
+            </a:r>
           </a:p>
         </p:txBody>
       </p:sp>
       <p:sp>
         <p:nvSpPr>
-          <p:cNvPr id="13" name="Retângulo 12">
+          <p:cNvPr id="5" name="Retângulo 4">
             <a:extLst>
               <a:ext uri="{FF2B5EF4-FFF2-40B4-BE49-F238E27FC236}">
-                <a16:creationId xmlns:a16="http://schemas.microsoft.com/office/drawing/2014/main" id="{9B5DB77F-A0A1-4426-B297-DD1B0EAE93D3}"/>
+                <a16:creationId xmlns:a16="http://schemas.microsoft.com/office/drawing/2014/main" id="{13DB622B-DFE5-46A3-BF16-414D37A429F6}"/>
               </a:ext>
             </a:extLst>
           </p:cNvPr>
@@ -2419,124 +2316,352 @@
         </p:nvSpPr>
         <p:spPr>
           <a:xfrm>
-            <a:off x="749185" y="4297356"/>
-            <a:ext cx="4445448" cy="697627"/>
+            <a:off x="749185" y="3952720"/>
+            <a:ext cx="6096000" cy="417422"/>
           </a:xfrm>
           <a:prstGeom prst="rect">
             <a:avLst/>
           </a:prstGeom>
         </p:spPr>
         <p:txBody>
-          <a:bodyPr wrap="none">
+          <a:bodyPr>
             <a:spAutoFit/>
           </a:bodyPr>
           <a:lstStyle/>
           <a:p>
-            <a:pPr lvl="1">
-              <a:spcBef>
-                <a:spcPts val="150"/>
-              </a:spcBef>
-              <a:spcAft>
-                <a:spcPts val="150"/>
-              </a:spcAft>
+            <a:pPr marL="800100" lvl="1" indent="-342900">
+              <a:lnSpc>
+                <a:spcPct val="150000"/>
+              </a:lnSpc>
+              <a:buFont typeface="Arial" panose="020B0604020202020204" pitchFamily="34" charset="0"/>
+              <a:buChar char="•"/>
             </a:pPr>
             <a:r>
-              <a:rPr lang="pt-BR" dirty="0" err="1">
-                <a:solidFill>
-                  <a:srgbClr val="000000"/>
-                </a:solidFill>
-                <a:latin typeface="Consolas" panose="020B0609020204030204" pitchFamily="49" charset="0"/>
-              </a:rPr>
-              <a:t>times.shift</a:t>
-            </a:r>
-            <a:r>
-              <a:rPr lang="pt-BR" dirty="0">
-                <a:solidFill>
-                  <a:srgbClr val="000000"/>
-                </a:solidFill>
-                <a:latin typeface="Consolas" panose="020B0609020204030204" pitchFamily="49" charset="0"/>
-              </a:rPr>
-              <a:t>()</a:t>
-            </a:r>
-          </a:p>
-          <a:p>
-            <a:pPr lvl="1">
-              <a:spcBef>
-                <a:spcPts val="150"/>
-              </a:spcBef>
-              <a:spcAft>
-                <a:spcPts val="150"/>
-              </a:spcAft>
-            </a:pPr>
-            <a:r>
-              <a:rPr lang="pt-BR" dirty="0">
-                <a:solidFill>
-                  <a:srgbClr val="008000"/>
-                </a:solidFill>
-                <a:latin typeface="Consolas" panose="020B0609020204030204" pitchFamily="49" charset="0"/>
-              </a:rPr>
-              <a:t>//["São Paulo" , "Palmeiras"]</a:t>
-            </a:r>
-            <a:r>
-              <a:rPr lang="pt-BR" dirty="0">
-                <a:solidFill>
-                  <a:srgbClr val="000000"/>
-                </a:solidFill>
-                <a:latin typeface="Consolas" panose="020B0609020204030204" pitchFamily="49" charset="0"/>
-              </a:rPr>
-              <a:t> </a:t>
-            </a:r>
-            <a:endParaRPr lang="pt-BR" dirty="0">
-              <a:solidFill>
-                <a:srgbClr val="098658"/>
-              </a:solidFill>
-              <a:latin typeface="Consolas" panose="020B0609020204030204" pitchFamily="49" charset="0"/>
-            </a:endParaRPr>
+              <a:rPr lang="pt-BR" sz="1600" dirty="0">
+                <a:latin typeface="Times New Roman" panose="02020603050405020304" pitchFamily="18" charset="0"/>
+                <a:cs typeface="Times New Roman" panose="02020603050405020304" pitchFamily="18" charset="0"/>
+              </a:rPr>
+              <a:t>Substituir elementos existentes por novos valores.</a:t>
+            </a:r>
           </a:p>
         </p:txBody>
       </p:sp>
       <p:sp>
         <p:nvSpPr>
-          <p:cNvPr id="14" name="CaixaDeTexto 13">
+          <p:cNvPr id="6" name="Retângulo 5">
             <a:extLst>
               <a:ext uri="{FF2B5EF4-FFF2-40B4-BE49-F238E27FC236}">
-                <a16:creationId xmlns:a16="http://schemas.microsoft.com/office/drawing/2014/main" id="{021BD5EC-0319-4936-91E7-71202680E496}"/>
+                <a16:creationId xmlns:a16="http://schemas.microsoft.com/office/drawing/2014/main" id="{F7908234-7011-470A-BA04-51D5DD7B7281}"/>
               </a:ext>
             </a:extLst>
           </p:cNvPr>
-          <p:cNvSpPr txBox="1"/>
+          <p:cNvSpPr/>
           <p:nvPr/>
         </p:nvSpPr>
         <p:spPr>
           <a:xfrm>
-            <a:off x="749185" y="3767410"/>
-            <a:ext cx="4235455" cy="400110"/>
+            <a:off x="749185" y="4532681"/>
+            <a:ext cx="10569844" cy="338554"/>
           </a:xfrm>
           <a:prstGeom prst="rect">
             <a:avLst/>
           </a:prstGeom>
-          <a:noFill/>
         </p:spPr>
         <p:txBody>
-          <a:bodyPr wrap="none" rtlCol="0">
+          <a:bodyPr wrap="square">
             <a:spAutoFit/>
           </a:bodyPr>
           <a:lstStyle/>
           <a:p>
             <a:r>
-              <a:rPr lang="pt-BR" sz="2000" dirty="0">
+              <a:rPr lang="pt-BR" sz="1600" dirty="0">
+                <a:solidFill>
+                  <a:srgbClr val="000000"/>
+                </a:solidFill>
+                <a:latin typeface="Consolas" panose="020B0609020204030204" pitchFamily="49" charset="0"/>
+              </a:rPr>
+              <a:t>       </a:t>
+            </a:r>
+            <a:r>
+              <a:rPr lang="pt-BR" sz="1600" dirty="0" err="1">
+                <a:solidFill>
+                  <a:srgbClr val="000000"/>
+                </a:solidFill>
+                <a:latin typeface="Consolas" panose="020B0609020204030204" pitchFamily="49" charset="0"/>
+              </a:rPr>
+              <a:t>times.splice</a:t>
+            </a:r>
+            <a:r>
+              <a:rPr lang="pt-BR" sz="1600" dirty="0">
+                <a:solidFill>
+                  <a:srgbClr val="000000"/>
+                </a:solidFill>
+                <a:latin typeface="Consolas" panose="020B0609020204030204" pitchFamily="49" charset="0"/>
+              </a:rPr>
+              <a:t>(</a:t>
+            </a:r>
+            <a:r>
+              <a:rPr lang="pt-BR" sz="1600" dirty="0">
+                <a:solidFill>
+                  <a:srgbClr val="098658"/>
+                </a:solidFill>
+                <a:latin typeface="Consolas" panose="020B0609020204030204" pitchFamily="49" charset="0"/>
+              </a:rPr>
+              <a:t>1</a:t>
+            </a:r>
+            <a:r>
+              <a:rPr lang="pt-BR" sz="1600" dirty="0">
+                <a:solidFill>
+                  <a:srgbClr val="000000"/>
+                </a:solidFill>
+                <a:latin typeface="Consolas" panose="020B0609020204030204" pitchFamily="49" charset="0"/>
+              </a:rPr>
+              <a:t>,</a:t>
+            </a:r>
+            <a:r>
+              <a:rPr lang="pt-BR" sz="1600" dirty="0">
+                <a:solidFill>
+                  <a:srgbClr val="098658"/>
+                </a:solidFill>
+                <a:latin typeface="Consolas" panose="020B0609020204030204" pitchFamily="49" charset="0"/>
+              </a:rPr>
+              <a:t>1</a:t>
+            </a:r>
+            <a:r>
+              <a:rPr lang="pt-BR" sz="1600" dirty="0">
+                <a:solidFill>
+                  <a:srgbClr val="000000"/>
+                </a:solidFill>
+                <a:latin typeface="Consolas" panose="020B0609020204030204" pitchFamily="49" charset="0"/>
+              </a:rPr>
+              <a:t>,</a:t>
+            </a:r>
+            <a:r>
+              <a:rPr lang="pt-BR" sz="1600" dirty="0">
+                <a:solidFill>
+                  <a:srgbClr val="A31515"/>
+                </a:solidFill>
+                <a:latin typeface="Consolas" panose="020B0609020204030204" pitchFamily="49" charset="0"/>
+              </a:rPr>
+              <a:t>"Corinthians"</a:t>
+            </a:r>
+            <a:r>
+              <a:rPr lang="pt-BR" sz="1600" dirty="0">
+                <a:solidFill>
+                  <a:srgbClr val="000000"/>
+                </a:solidFill>
+                <a:latin typeface="Consolas" panose="020B0609020204030204" pitchFamily="49" charset="0"/>
+              </a:rPr>
+              <a:t>) </a:t>
+            </a:r>
+            <a:r>
+              <a:rPr lang="pt-BR" sz="1600" dirty="0">
+                <a:solidFill>
+                  <a:srgbClr val="098658"/>
+                </a:solidFill>
+                <a:latin typeface="Consolas" panose="020B0609020204030204" pitchFamily="49" charset="0"/>
+              </a:rPr>
+              <a:t>//["Santos", "Corinthians", "Palmeiras"]</a:t>
+            </a:r>
+            <a:endParaRPr lang="pt-BR" sz="1600" b="0" dirty="0">
+              <a:solidFill>
+                <a:srgbClr val="000000"/>
+              </a:solidFill>
+              <a:effectLst/>
+              <a:latin typeface="Consolas" panose="020B0609020204030204" pitchFamily="49" charset="0"/>
+            </a:endParaRPr>
+          </a:p>
+        </p:txBody>
+      </p:sp>
+      <p:sp>
+        <p:nvSpPr>
+          <p:cNvPr id="9" name="Retângulo 8">
+            <a:extLst>
+              <a:ext uri="{FF2B5EF4-FFF2-40B4-BE49-F238E27FC236}">
+                <a16:creationId xmlns:a16="http://schemas.microsoft.com/office/drawing/2014/main" id="{62A265C9-7C63-46F9-BB73-68451A27BBF8}"/>
+              </a:ext>
+            </a:extLst>
+          </p:cNvPr>
+          <p:cNvSpPr/>
+          <p:nvPr/>
+        </p:nvSpPr>
+        <p:spPr>
+          <a:xfrm>
+            <a:off x="749185" y="5033774"/>
+            <a:ext cx="6096000" cy="417422"/>
+          </a:xfrm>
+          <a:prstGeom prst="rect">
+            <a:avLst/>
+          </a:prstGeom>
+        </p:spPr>
+        <p:txBody>
+          <a:bodyPr>
+            <a:spAutoFit/>
+          </a:bodyPr>
+          <a:lstStyle/>
+          <a:p>
+            <a:pPr marL="800100" lvl="1" indent="-342900">
+              <a:lnSpc>
+                <a:spcPct val="150000"/>
+              </a:lnSpc>
+              <a:buFont typeface="Arial" panose="020B0604020202020204" pitchFamily="34" charset="0"/>
+              <a:buChar char="•"/>
+            </a:pPr>
+            <a:r>
+              <a:rPr lang="pt-BR" sz="1600" dirty="0">
                 <a:latin typeface="Times New Roman" panose="02020603050405020304" pitchFamily="18" charset="0"/>
                 <a:cs typeface="Times New Roman" panose="02020603050405020304" pitchFamily="18" charset="0"/>
               </a:rPr>
-              <a:t>shift() - Remove um elemento no início</a:t>
-            </a:r>
+              <a:t>Adicionando elementos de um </a:t>
+            </a:r>
+            <a:r>
+              <a:rPr lang="pt-BR" sz="1600" dirty="0" err="1">
+                <a:latin typeface="Times New Roman" panose="02020603050405020304" pitchFamily="18" charset="0"/>
+                <a:cs typeface="Times New Roman" panose="02020603050405020304" pitchFamily="18" charset="0"/>
+              </a:rPr>
+              <a:t>Array</a:t>
+            </a:r>
+            <a:r>
+              <a:rPr lang="pt-BR" sz="1600" dirty="0">
+                <a:latin typeface="Times New Roman" panose="02020603050405020304" pitchFamily="18" charset="0"/>
+                <a:cs typeface="Times New Roman" panose="02020603050405020304" pitchFamily="18" charset="0"/>
+              </a:rPr>
+              <a:t>.</a:t>
+            </a:r>
+          </a:p>
+        </p:txBody>
+      </p:sp>
+      <p:sp>
+        <p:nvSpPr>
+          <p:cNvPr id="10" name="Retângulo 9">
+            <a:extLst>
+              <a:ext uri="{FF2B5EF4-FFF2-40B4-BE49-F238E27FC236}">
+                <a16:creationId xmlns:a16="http://schemas.microsoft.com/office/drawing/2014/main" id="{5E216475-F609-40B8-BF8B-B529D1D6A2D3}"/>
+              </a:ext>
+            </a:extLst>
+          </p:cNvPr>
+          <p:cNvSpPr/>
+          <p:nvPr/>
+        </p:nvSpPr>
+        <p:spPr>
+          <a:xfrm>
+            <a:off x="749185" y="5613737"/>
+            <a:ext cx="10569844" cy="338554"/>
+          </a:xfrm>
+          <a:prstGeom prst="rect">
+            <a:avLst/>
+          </a:prstGeom>
+        </p:spPr>
+        <p:txBody>
+          <a:bodyPr wrap="square">
+            <a:spAutoFit/>
+          </a:bodyPr>
+          <a:lstStyle/>
+          <a:p>
+            <a:r>
+              <a:rPr lang="pt-BR" sz="1600" dirty="0">
+                <a:solidFill>
+                  <a:srgbClr val="000000"/>
+                </a:solidFill>
+                <a:latin typeface="Consolas" panose="020B0609020204030204" pitchFamily="49" charset="0"/>
+              </a:rPr>
+              <a:t>       </a:t>
+            </a:r>
+            <a:r>
+              <a:rPr lang="pt-BR" sz="1600" dirty="0" err="1">
+                <a:solidFill>
+                  <a:srgbClr val="000000"/>
+                </a:solidFill>
+                <a:latin typeface="Consolas" panose="020B0609020204030204" pitchFamily="49" charset="0"/>
+              </a:rPr>
+              <a:t>times.splice</a:t>
+            </a:r>
+            <a:r>
+              <a:rPr lang="pt-BR" sz="1600" dirty="0">
+                <a:solidFill>
+                  <a:srgbClr val="000000"/>
+                </a:solidFill>
+                <a:latin typeface="Consolas" panose="020B0609020204030204" pitchFamily="49" charset="0"/>
+              </a:rPr>
+              <a:t>(</a:t>
+            </a:r>
+            <a:r>
+              <a:rPr lang="pt-BR" sz="1600" dirty="0">
+                <a:solidFill>
+                  <a:srgbClr val="098658"/>
+                </a:solidFill>
+                <a:latin typeface="Consolas" panose="020B0609020204030204" pitchFamily="49" charset="0"/>
+              </a:rPr>
+              <a:t>1</a:t>
+            </a:r>
+            <a:r>
+              <a:rPr lang="pt-BR" sz="1600" dirty="0">
+                <a:solidFill>
+                  <a:srgbClr val="000000"/>
+                </a:solidFill>
+                <a:latin typeface="Consolas" panose="020B0609020204030204" pitchFamily="49" charset="0"/>
+              </a:rPr>
+              <a:t>,</a:t>
+            </a:r>
+            <a:r>
+              <a:rPr lang="pt-BR" sz="1600" dirty="0">
+                <a:solidFill>
+                  <a:srgbClr val="098658"/>
+                </a:solidFill>
+                <a:latin typeface="Consolas" panose="020B0609020204030204" pitchFamily="49" charset="0"/>
+              </a:rPr>
+              <a:t>0</a:t>
+            </a:r>
+            <a:r>
+              <a:rPr lang="pt-BR" sz="1600" dirty="0">
+                <a:solidFill>
+                  <a:srgbClr val="000000"/>
+                </a:solidFill>
+                <a:latin typeface="Consolas" panose="020B0609020204030204" pitchFamily="49" charset="0"/>
+              </a:rPr>
+              <a:t>,</a:t>
+            </a:r>
+            <a:r>
+              <a:rPr lang="pt-BR" sz="1600" dirty="0">
+                <a:solidFill>
+                  <a:srgbClr val="A31515"/>
+                </a:solidFill>
+                <a:latin typeface="Consolas" panose="020B0609020204030204" pitchFamily="49" charset="0"/>
+              </a:rPr>
+              <a:t>"Corinthians"</a:t>
+            </a:r>
+            <a:r>
+              <a:rPr lang="pt-BR" sz="1600" dirty="0">
+                <a:solidFill>
+                  <a:srgbClr val="000000"/>
+                </a:solidFill>
+                <a:latin typeface="Consolas" panose="020B0609020204030204" pitchFamily="49" charset="0"/>
+              </a:rPr>
+              <a:t>) </a:t>
+            </a:r>
+            <a:r>
+              <a:rPr lang="pt-BR" sz="1600" dirty="0">
+                <a:solidFill>
+                  <a:srgbClr val="098658"/>
+                </a:solidFill>
+                <a:latin typeface="Consolas" panose="020B0609020204030204" pitchFamily="49" charset="0"/>
+              </a:rPr>
+              <a:t>//["Santos", "Corinthians", "São Paulo", "Palmeiras"]</a:t>
+            </a:r>
+            <a:endParaRPr lang="pt-BR" sz="1600" b="0" dirty="0">
+              <a:solidFill>
+                <a:srgbClr val="000000"/>
+              </a:solidFill>
+              <a:effectLst/>
+              <a:latin typeface="Consolas" panose="020B0609020204030204" pitchFamily="49" charset="0"/>
+            </a:endParaRPr>
           </a:p>
         </p:txBody>
       </p:sp>
     </p:spTree>
     <p:extLst>
       <p:ext uri="{BB962C8B-B14F-4D97-AF65-F5344CB8AC3E}">
-        <p14:creationId xmlns:p14="http://schemas.microsoft.com/office/powerpoint/2010/main" val="3470969767"/>
+        <p14:creationId xmlns:p14="http://schemas.microsoft.com/office/powerpoint/2010/main" val="2962822832"/>
       </p:ext>
     </p:extLst>
   </p:cSld>
@@ -2884,7 +3009,7 @@
           <p:cNvPr id="4" name="Título 3">
             <a:extLst>
               <a:ext uri="{FF2B5EF4-FFF2-40B4-BE49-F238E27FC236}">
-                <a16:creationId xmlns:a16="http://schemas.microsoft.com/office/drawing/2014/main" id="{BC9642FB-3EA4-49D0-8C59-19E5CD011796}"/>
+                <a16:creationId xmlns:a16="http://schemas.microsoft.com/office/drawing/2014/main" id="{215AF0E4-3407-4F11-8629-D5CE60F330EB}"/>
               </a:ext>
             </a:extLst>
           </p:cNvPr>
@@ -2902,25 +3027,245 @@
           <a:p>
             <a:r>
               <a:rPr lang="pt-BR" dirty="0"/>
-              <a:t>Métodos Básicos de </a:t>
-            </a:r>
-            <a:r>
-              <a:rPr lang="pt-BR" dirty="0" err="1"/>
-              <a:t>Arrays</a:t>
-            </a:r>
-            <a:r>
-              <a:rPr lang="pt-BR" dirty="0"/>
-              <a:t> - Splice</a:t>
+              <a:t>O que é um Objeto ?</a:t>
             </a:r>
           </a:p>
         </p:txBody>
       </p:sp>
       <p:sp>
         <p:nvSpPr>
-          <p:cNvPr id="2" name="Retângulo 1">
+          <p:cNvPr id="5" name="Espaço Reservado para Conteúdo 4">
             <a:extLst>
               <a:ext uri="{FF2B5EF4-FFF2-40B4-BE49-F238E27FC236}">
-                <a16:creationId xmlns:a16="http://schemas.microsoft.com/office/drawing/2014/main" id="{6F4FB065-2128-4C83-B983-166817F16785}"/>
+                <a16:creationId xmlns:a16="http://schemas.microsoft.com/office/drawing/2014/main" id="{64491287-26C8-479E-9865-62D218748EE2}"/>
+              </a:ext>
+            </a:extLst>
+          </p:cNvPr>
+          <p:cNvSpPr>
+            <a:spLocks noGrp="1"/>
+          </p:cNvSpPr>
+          <p:nvPr>
+            <p:ph idx="1"/>
+          </p:nvPr>
+        </p:nvSpPr>
+        <p:spPr/>
+        <p:txBody>
+          <a:bodyPr/>
+          <a:lstStyle/>
+          <a:p>
+            <a:r>
+              <a:rPr lang="pt-BR" dirty="0"/>
+              <a:t>Um </a:t>
+            </a:r>
+            <a:r>
+              <a:rPr lang="pt-BR" b="1" dirty="0"/>
+              <a:t>objeto</a:t>
+            </a:r>
+            <a:r>
+              <a:rPr lang="pt-BR" dirty="0"/>
+              <a:t> é uma estrutura de dados fundamental no </a:t>
+            </a:r>
+            <a:r>
+              <a:rPr lang="pt-BR" dirty="0" err="1"/>
+              <a:t>JavaScript</a:t>
+            </a:r>
+            <a:r>
+              <a:rPr lang="pt-BR" dirty="0"/>
+              <a:t> que permite armazenar diversas informações em um único local. Ele é composto por pares de </a:t>
+            </a:r>
+            <a:r>
+              <a:rPr lang="pt-BR" b="1" dirty="0"/>
+              <a:t>chave</a:t>
+            </a:r>
+            <a:r>
+              <a:rPr lang="pt-BR" dirty="0"/>
+              <a:t> e </a:t>
+            </a:r>
+            <a:r>
+              <a:rPr lang="pt-BR" b="1" dirty="0"/>
+              <a:t>valor</a:t>
+            </a:r>
+            <a:r>
+              <a:rPr lang="pt-BR" dirty="0"/>
+              <a:t>, sendo ideal para representar elementos com características ou atributos.</a:t>
+            </a:r>
+          </a:p>
+          <a:p>
+            <a:pPr lvl="1"/>
+            <a:r>
+              <a:rPr lang="pt-BR" b="1" dirty="0"/>
+              <a:t>Estruturado</a:t>
+            </a:r>
+            <a:r>
+              <a:rPr lang="pt-BR" dirty="0"/>
+              <a:t>: Cada elemento dentro de um objeto é composto por uma </a:t>
+            </a:r>
+            <a:r>
+              <a:rPr lang="pt-BR" b="1" dirty="0"/>
+              <a:t>chave</a:t>
+            </a:r>
+            <a:r>
+              <a:rPr lang="pt-BR" dirty="0"/>
+              <a:t> (</a:t>
+            </a:r>
+            <a:r>
+              <a:rPr lang="pt-BR" dirty="0" err="1"/>
+              <a:t>key</a:t>
+            </a:r>
+            <a:r>
+              <a:rPr lang="pt-BR" dirty="0"/>
+              <a:t>) e um </a:t>
+            </a:r>
+            <a:r>
+              <a:rPr lang="pt-BR" b="1" dirty="0"/>
+              <a:t>valor</a:t>
+            </a:r>
+            <a:r>
+              <a:rPr lang="pt-BR" dirty="0"/>
+              <a:t> (</a:t>
+            </a:r>
+            <a:r>
+              <a:rPr lang="pt-BR" dirty="0" err="1"/>
+              <a:t>value</a:t>
+            </a:r>
+            <a:r>
+              <a:rPr lang="pt-BR" dirty="0"/>
+              <a:t>), permitindo uma organização clara e eficiente dos dados.</a:t>
+            </a:r>
+          </a:p>
+          <a:p>
+            <a:pPr lvl="1"/>
+            <a:r>
+              <a:rPr lang="pt-BR" b="1" dirty="0"/>
+              <a:t>Flexível</a:t>
+            </a:r>
+            <a:r>
+              <a:rPr lang="pt-BR" dirty="0"/>
+              <a:t>: É possível adicionar, remover ou modificar propriedades a qualquer momento, tornando os objetos altamente adaptáveis.</a:t>
+            </a:r>
+          </a:p>
+          <a:p>
+            <a:pPr lvl="1"/>
+            <a:r>
+              <a:rPr lang="pt-BR" b="1" dirty="0"/>
+              <a:t>Multidimensional</a:t>
+            </a:r>
+            <a:r>
+              <a:rPr lang="pt-BR" dirty="0"/>
+              <a:t>: Objetos podem conter outros objetos, </a:t>
+            </a:r>
+            <a:r>
+              <a:rPr lang="pt-BR" dirty="0" err="1"/>
+              <a:t>arrays</a:t>
+            </a:r>
+            <a:r>
+              <a:rPr lang="pt-BR" dirty="0"/>
+              <a:t> ou funções dentro de suas propriedades, facilitando a criação de estruturas complexas.</a:t>
+            </a:r>
+          </a:p>
+          <a:p>
+            <a:pPr marL="1028700" lvl="1" indent="-342900"/>
+            <a:endParaRPr lang="pt-BR" dirty="0"/>
+          </a:p>
+        </p:txBody>
+      </p:sp>
+    </p:spTree>
+    <p:extLst>
+      <p:ext uri="{BB962C8B-B14F-4D97-AF65-F5344CB8AC3E}">
+        <p14:creationId xmlns:p14="http://schemas.microsoft.com/office/powerpoint/2010/main" val="2684489572"/>
+      </p:ext>
+    </p:extLst>
+  </p:cSld>
+  <p:clrMapOvr>
+    <a:masterClrMapping/>
+  </p:clrMapOvr>
+</p:sld>
+</file>
+
+<file path=ppt/slides/slide13.xml><?xml version="1.0" encoding="utf-8"?>
+<p:sld xmlns:a="http://schemas.openxmlformats.org/drawingml/2006/main" xmlns:r="http://schemas.openxmlformats.org/officeDocument/2006/relationships" xmlns:p="http://schemas.openxmlformats.org/presentationml/2006/main">
+  <p:cSld>
+    <p:spTree>
+      <p:nvGrpSpPr>
+        <p:cNvPr id="1" name=""/>
+        <p:cNvGrpSpPr/>
+        <p:nvPr/>
+      </p:nvGrpSpPr>
+      <p:grpSpPr>
+        <a:xfrm>
+          <a:off x="0" y="0"/>
+          <a:ext cx="0" cy="0"/>
+          <a:chOff x="0" y="0"/>
+          <a:chExt cx="0" cy="0"/>
+        </a:xfrm>
+      </p:grpSpPr>
+      <p:sp>
+        <p:nvSpPr>
+          <p:cNvPr id="4" name="Título 3">
+            <a:extLst>
+              <a:ext uri="{FF2B5EF4-FFF2-40B4-BE49-F238E27FC236}">
+                <a16:creationId xmlns:a16="http://schemas.microsoft.com/office/drawing/2014/main" id="{61495648-0D24-4576-800F-DD2933462A81}"/>
+              </a:ext>
+            </a:extLst>
+          </p:cNvPr>
+          <p:cNvSpPr>
+            <a:spLocks noGrp="1"/>
+          </p:cNvSpPr>
+          <p:nvPr>
+            <p:ph type="title"/>
+          </p:nvPr>
+        </p:nvSpPr>
+        <p:spPr/>
+        <p:txBody>
+          <a:bodyPr/>
+          <a:lstStyle/>
+          <a:p>
+            <a:r>
+              <a:rPr lang="pt-BR" dirty="0"/>
+              <a:t>Estrutura Básica de um Objeto</a:t>
+            </a:r>
+          </a:p>
+        </p:txBody>
+      </p:sp>
+      <p:sp>
+        <p:nvSpPr>
+          <p:cNvPr id="5" name="Espaço Reservado para Conteúdo 4">
+            <a:extLst>
+              <a:ext uri="{FF2B5EF4-FFF2-40B4-BE49-F238E27FC236}">
+                <a16:creationId xmlns:a16="http://schemas.microsoft.com/office/drawing/2014/main" id="{84C38D4E-D9EA-4061-A6AD-86215F4698E4}"/>
+              </a:ext>
+            </a:extLst>
+          </p:cNvPr>
+          <p:cNvSpPr>
+            <a:spLocks noGrp="1"/>
+          </p:cNvSpPr>
+          <p:nvPr>
+            <p:ph idx="1"/>
+          </p:nvPr>
+        </p:nvSpPr>
+        <p:spPr>
+          <a:xfrm>
+            <a:off x="592347" y="1844675"/>
+            <a:ext cx="11007306" cy="857885"/>
+          </a:xfrm>
+        </p:spPr>
+        <p:txBody>
+          <a:bodyPr/>
+          <a:lstStyle/>
+          <a:p>
+            <a:r>
+              <a:rPr lang="pt-BR" dirty="0"/>
+              <a:t>Um objeto é criado usando chaves ({}) e contém um conjunto de propriedades no formato:</a:t>
+            </a:r>
+          </a:p>
+        </p:txBody>
+      </p:sp>
+      <p:sp>
+        <p:nvSpPr>
+          <p:cNvPr id="8" name="Retângulo 7">
+            <a:extLst>
+              <a:ext uri="{FF2B5EF4-FFF2-40B4-BE49-F238E27FC236}">
+                <a16:creationId xmlns:a16="http://schemas.microsoft.com/office/drawing/2014/main" id="{782B2FB7-C7E6-40FF-8506-F286E348B48A}"/>
               </a:ext>
             </a:extLst>
           </p:cNvPr>
@@ -2929,8 +3274,8 @@
         </p:nvSpPr>
         <p:spPr>
           <a:xfrm>
-            <a:off x="2605480" y="1749341"/>
-            <a:ext cx="6981039" cy="400110"/>
+            <a:off x="4572000" y="3429000"/>
+            <a:ext cx="3048000" cy="2010807"/>
           </a:xfrm>
           <a:prstGeom prst="rect">
             <a:avLst/>
@@ -2942,79 +3287,233 @@
           </a:bodyPr>
           <a:lstStyle/>
           <a:p>
-            <a:r>
-              <a:rPr lang="pt-BR" sz="2000" dirty="0" err="1">
+            <a:pPr>
+              <a:spcBef>
+                <a:spcPts val="150"/>
+              </a:spcBef>
+              <a:spcAft>
+                <a:spcPts val="150"/>
+              </a:spcAft>
+            </a:pPr>
+            <a:r>
+              <a:rPr lang="pt-BR" dirty="0" err="1">
                 <a:solidFill>
                   <a:srgbClr val="0000FF"/>
                 </a:solidFill>
                 <a:latin typeface="Consolas" panose="020B0609020204030204" pitchFamily="49" charset="0"/>
               </a:rPr>
-              <a:t>let</a:t>
-            </a:r>
-            <a:r>
-              <a:rPr lang="pt-BR" sz="2000" dirty="0">
-                <a:solidFill>
-                  <a:srgbClr val="000000"/>
-                </a:solidFill>
-                <a:latin typeface="Consolas" panose="020B0609020204030204" pitchFamily="49" charset="0"/>
-              </a:rPr>
-              <a:t> times = [</a:t>
-            </a:r>
-            <a:r>
-              <a:rPr lang="pt-BR" sz="2000" dirty="0">
+              <a:t>const</a:t>
+            </a:r>
+            <a:r>
+              <a:rPr lang="pt-BR" dirty="0">
+                <a:solidFill>
+                  <a:srgbClr val="000000"/>
+                </a:solidFill>
+                <a:latin typeface="Consolas" panose="020B0609020204030204" pitchFamily="49" charset="0"/>
+              </a:rPr>
+              <a:t> produto = {</a:t>
+            </a:r>
+          </a:p>
+          <a:p>
+            <a:pPr>
+              <a:spcBef>
+                <a:spcPts val="150"/>
+              </a:spcBef>
+              <a:spcAft>
+                <a:spcPts val="150"/>
+              </a:spcAft>
+            </a:pPr>
+            <a:r>
+              <a:rPr lang="pt-BR" dirty="0">
+                <a:solidFill>
+                  <a:srgbClr val="000000"/>
+                </a:solidFill>
+                <a:latin typeface="Consolas" panose="020B0609020204030204" pitchFamily="49" charset="0"/>
+              </a:rPr>
+              <a:t>    chave: </a:t>
+            </a:r>
+            <a:r>
+              <a:rPr lang="pt-BR" dirty="0">
                 <a:solidFill>
                   <a:srgbClr val="A31515"/>
                 </a:solidFill>
                 <a:latin typeface="Consolas" panose="020B0609020204030204" pitchFamily="49" charset="0"/>
               </a:rPr>
-              <a:t>"Santos"</a:t>
-            </a:r>
-            <a:r>
-              <a:rPr lang="pt-BR" sz="2000" dirty="0">
-                <a:solidFill>
-                  <a:srgbClr val="000000"/>
-                </a:solidFill>
-                <a:latin typeface="Consolas" panose="020B0609020204030204" pitchFamily="49" charset="0"/>
-              </a:rPr>
-              <a:t>, </a:t>
-            </a:r>
-            <a:r>
-              <a:rPr lang="pt-BR" sz="2000" dirty="0">
+              <a:t>"Valor"</a:t>
+            </a:r>
+            <a:r>
+              <a:rPr lang="pt-BR" dirty="0">
+                <a:solidFill>
+                  <a:srgbClr val="000000"/>
+                </a:solidFill>
+                <a:latin typeface="Consolas" panose="020B0609020204030204" pitchFamily="49" charset="0"/>
+              </a:rPr>
+              <a:t>,</a:t>
+            </a:r>
+          </a:p>
+          <a:p>
+            <a:pPr>
+              <a:spcBef>
+                <a:spcPts val="150"/>
+              </a:spcBef>
+              <a:spcAft>
+                <a:spcPts val="150"/>
+              </a:spcAft>
+            </a:pPr>
+            <a:r>
+              <a:rPr lang="pt-BR" dirty="0">
+                <a:solidFill>
+                  <a:srgbClr val="000000"/>
+                </a:solidFill>
+                <a:latin typeface="Consolas" panose="020B0609020204030204" pitchFamily="49" charset="0"/>
+              </a:rPr>
+              <a:t>    nome: </a:t>
+            </a:r>
+            <a:r>
+              <a:rPr lang="pt-BR" dirty="0">
                 <a:solidFill>
                   <a:srgbClr val="A31515"/>
                 </a:solidFill>
                 <a:latin typeface="Consolas" panose="020B0609020204030204" pitchFamily="49" charset="0"/>
               </a:rPr>
-              <a:t>"São Paulo"</a:t>
-            </a:r>
-            <a:r>
-              <a:rPr lang="pt-BR" sz="2000" dirty="0">
-                <a:solidFill>
-                  <a:srgbClr val="000000"/>
-                </a:solidFill>
-                <a:latin typeface="Consolas" panose="020B0609020204030204" pitchFamily="49" charset="0"/>
-              </a:rPr>
-              <a:t>, </a:t>
-            </a:r>
-            <a:r>
-              <a:rPr lang="pt-BR" sz="2000" dirty="0">
-                <a:solidFill>
-                  <a:srgbClr val="A31515"/>
-                </a:solidFill>
-                <a:latin typeface="Consolas" panose="020B0609020204030204" pitchFamily="49" charset="0"/>
-              </a:rPr>
-              <a:t>"Palmeiras"</a:t>
-            </a:r>
-            <a:r>
-              <a:rPr lang="pt-BR" sz="2000" dirty="0">
-                <a:solidFill>
-                  <a:srgbClr val="000000"/>
-                </a:solidFill>
-                <a:latin typeface="Consolas" panose="020B0609020204030204" pitchFamily="49" charset="0"/>
-              </a:rPr>
-              <a:t>]</a:t>
-            </a:r>
-            <a:endParaRPr lang="pt-BR" sz="2000" b="0" dirty="0">
+              <a:t>"Notebook"</a:t>
+            </a:r>
+            <a:r>
+              <a:rPr lang="pt-BR" dirty="0">
+                <a:solidFill>
+                  <a:srgbClr val="000000"/>
+                </a:solidFill>
+                <a:latin typeface="Consolas" panose="020B0609020204030204" pitchFamily="49" charset="0"/>
+              </a:rPr>
+              <a:t>,</a:t>
+            </a:r>
+          </a:p>
+          <a:p>
+            <a:pPr>
+              <a:spcBef>
+                <a:spcPts val="150"/>
+              </a:spcBef>
+              <a:spcAft>
+                <a:spcPts val="150"/>
+              </a:spcAft>
+            </a:pPr>
+            <a:r>
+              <a:rPr lang="pt-BR" dirty="0">
+                <a:solidFill>
+                  <a:srgbClr val="000000"/>
+                </a:solidFill>
+                <a:latin typeface="Consolas" panose="020B0609020204030204" pitchFamily="49" charset="0"/>
+              </a:rPr>
+              <a:t>    </a:t>
+            </a:r>
+            <a:r>
+              <a:rPr lang="pt-BR" dirty="0" err="1">
+                <a:solidFill>
+                  <a:srgbClr val="000000"/>
+                </a:solidFill>
+                <a:latin typeface="Consolas" panose="020B0609020204030204" pitchFamily="49" charset="0"/>
+              </a:rPr>
+              <a:t>preco</a:t>
+            </a:r>
+            <a:r>
+              <a:rPr lang="pt-BR" dirty="0">
+                <a:solidFill>
+                  <a:srgbClr val="000000"/>
+                </a:solidFill>
+                <a:latin typeface="Consolas" panose="020B0609020204030204" pitchFamily="49" charset="0"/>
+              </a:rPr>
+              <a:t>: </a:t>
+            </a:r>
+            <a:r>
+              <a:rPr lang="pt-BR" dirty="0">
+                <a:solidFill>
+                  <a:srgbClr val="098658"/>
+                </a:solidFill>
+                <a:latin typeface="Consolas" panose="020B0609020204030204" pitchFamily="49" charset="0"/>
+              </a:rPr>
+              <a:t>3500</a:t>
+            </a:r>
+            <a:r>
+              <a:rPr lang="pt-BR" dirty="0">
+                <a:solidFill>
+                  <a:srgbClr val="000000"/>
+                </a:solidFill>
+                <a:latin typeface="Consolas" panose="020B0609020204030204" pitchFamily="49" charset="0"/>
+              </a:rPr>
+              <a:t>,</a:t>
+            </a:r>
+          </a:p>
+          <a:p>
+            <a:pPr>
+              <a:spcBef>
+                <a:spcPts val="150"/>
+              </a:spcBef>
+              <a:spcAft>
+                <a:spcPts val="150"/>
+              </a:spcAft>
+            </a:pPr>
+            <a:r>
+              <a:rPr lang="pt-BR" dirty="0">
+                <a:solidFill>
+                  <a:srgbClr val="000000"/>
+                </a:solidFill>
+                <a:latin typeface="Consolas" panose="020B0609020204030204" pitchFamily="49" charset="0"/>
+              </a:rPr>
+              <a:t>    </a:t>
+            </a:r>
+            <a:r>
+              <a:rPr lang="pt-BR" dirty="0" err="1">
+                <a:solidFill>
+                  <a:srgbClr val="000000"/>
+                </a:solidFill>
+                <a:latin typeface="Consolas" panose="020B0609020204030204" pitchFamily="49" charset="0"/>
+              </a:rPr>
+              <a:t>emEstoque</a:t>
+            </a:r>
+            <a:r>
+              <a:rPr lang="pt-BR" dirty="0">
+                <a:solidFill>
+                  <a:srgbClr val="000000"/>
+                </a:solidFill>
+                <a:latin typeface="Consolas" panose="020B0609020204030204" pitchFamily="49" charset="0"/>
+              </a:rPr>
+              <a:t>: </a:t>
+            </a:r>
+            <a:r>
+              <a:rPr lang="pt-BR" dirty="0" err="1">
+                <a:solidFill>
+                  <a:srgbClr val="0000FF"/>
+                </a:solidFill>
+                <a:latin typeface="Consolas" panose="020B0609020204030204" pitchFamily="49" charset="0"/>
+              </a:rPr>
+              <a:t>true</a:t>
+            </a:r>
+            <a:endParaRPr lang="pt-BR" dirty="0">
+              <a:solidFill>
+                <a:srgbClr val="000000"/>
+              </a:solidFill>
+              <a:latin typeface="Consolas" panose="020B0609020204030204" pitchFamily="49" charset="0"/>
+            </a:endParaRPr>
+          </a:p>
+          <a:p>
+            <a:pPr>
+              <a:spcBef>
+                <a:spcPts val="150"/>
+              </a:spcBef>
+              <a:spcAft>
+                <a:spcPts val="150"/>
+              </a:spcAft>
+            </a:pPr>
+            <a:r>
+              <a:rPr lang="pt-BR" dirty="0">
+                <a:solidFill>
+                  <a:srgbClr val="000000"/>
+                </a:solidFill>
+                <a:latin typeface="Consolas" panose="020B0609020204030204" pitchFamily="49" charset="0"/>
+              </a:rPr>
+              <a:t>};</a:t>
+            </a:r>
+            <a:endParaRPr lang="pt-BR" b="0" dirty="0">
               <a:solidFill>
                 <a:srgbClr val="000000"/>
               </a:solidFill>
@@ -3024,30 +3523,120 @@
           </a:p>
         </p:txBody>
       </p:sp>
+    </p:spTree>
+    <p:extLst>
+      <p:ext uri="{BB962C8B-B14F-4D97-AF65-F5344CB8AC3E}">
+        <p14:creationId xmlns:p14="http://schemas.microsoft.com/office/powerpoint/2010/main" val="475258452"/>
+      </p:ext>
+    </p:extLst>
+  </p:cSld>
+  <p:clrMapOvr>
+    <a:masterClrMapping/>
+  </p:clrMapOvr>
+</p:sld>
+</file>
+
+<file path=ppt/slides/slide14.xml><?xml version="1.0" encoding="utf-8"?>
+<p:sld xmlns:a="http://schemas.openxmlformats.org/drawingml/2006/main" xmlns:r="http://schemas.openxmlformats.org/officeDocument/2006/relationships" xmlns:p="http://schemas.openxmlformats.org/presentationml/2006/main">
+  <p:cSld>
+    <p:spTree>
+      <p:nvGrpSpPr>
+        <p:cNvPr id="1" name=""/>
+        <p:cNvGrpSpPr/>
+        <p:nvPr/>
+      </p:nvGrpSpPr>
+      <p:grpSpPr>
+        <a:xfrm>
+          <a:off x="0" y="0"/>
+          <a:ext cx="0" cy="0"/>
+          <a:chOff x="0" y="0"/>
+          <a:chExt cx="0" cy="0"/>
+        </a:xfrm>
+      </p:grpSpPr>
       <p:sp>
         <p:nvSpPr>
-          <p:cNvPr id="7" name="CaixaDeTexto 6">
+          <p:cNvPr id="4" name="Título 3">
             <a:extLst>
               <a:ext uri="{FF2B5EF4-FFF2-40B4-BE49-F238E27FC236}">
-                <a16:creationId xmlns:a16="http://schemas.microsoft.com/office/drawing/2014/main" id="{5B07BF53-B4F3-4B70-A5AA-5D06CB2B0D36}"/>
+                <a16:creationId xmlns:a16="http://schemas.microsoft.com/office/drawing/2014/main" id="{1F213452-F534-4B70-9673-49A783255A88}"/>
               </a:ext>
             </a:extLst>
           </p:cNvPr>
-          <p:cNvSpPr txBox="1"/>
+          <p:cNvSpPr>
+            <a:spLocks noGrp="1"/>
+          </p:cNvSpPr>
+          <p:nvPr>
+            <p:ph type="title"/>
+          </p:nvPr>
+        </p:nvSpPr>
+        <p:spPr/>
+        <p:txBody>
+          <a:bodyPr/>
+          <a:lstStyle/>
+          <a:p>
+            <a:r>
+              <a:rPr lang="pt-BR" dirty="0"/>
+              <a:t>Acessando Propriedades de um Objeto</a:t>
+            </a:r>
+          </a:p>
+        </p:txBody>
+      </p:sp>
+      <p:sp>
+        <p:nvSpPr>
+          <p:cNvPr id="5" name="Espaço Reservado para Conteúdo 4">
+            <a:extLst>
+              <a:ext uri="{FF2B5EF4-FFF2-40B4-BE49-F238E27FC236}">
+                <a16:creationId xmlns:a16="http://schemas.microsoft.com/office/drawing/2014/main" id="{66D59AD3-AD95-44EC-A3D0-832AF09D98FA}"/>
+              </a:ext>
+            </a:extLst>
+          </p:cNvPr>
+          <p:cNvSpPr>
+            <a:spLocks noGrp="1"/>
+          </p:cNvSpPr>
+          <p:nvPr>
+            <p:ph idx="1"/>
+          </p:nvPr>
+        </p:nvSpPr>
+        <p:spPr>
+          <a:xfrm>
+            <a:off x="592347" y="1844675"/>
+            <a:ext cx="11007306" cy="1010285"/>
+          </a:xfrm>
+        </p:spPr>
+        <p:txBody>
+          <a:bodyPr/>
+          <a:lstStyle/>
+          <a:p>
+            <a:r>
+              <a:rPr lang="pt-BR" dirty="0"/>
+              <a:t>Notação de ponto (.) – Mais comum e recomendada quando a chave é conhecida e não contém espaços ou caracteres especiais. </a:t>
+            </a:r>
+          </a:p>
+        </p:txBody>
+      </p:sp>
+      <p:sp>
+        <p:nvSpPr>
+          <p:cNvPr id="7" name="Retângulo 6">
+            <a:extLst>
+              <a:ext uri="{FF2B5EF4-FFF2-40B4-BE49-F238E27FC236}">
+                <a16:creationId xmlns:a16="http://schemas.microsoft.com/office/drawing/2014/main" id="{FCC1E137-0ED3-4CAD-93EF-2890C341F2CE}"/>
+              </a:ext>
+            </a:extLst>
+          </p:cNvPr>
+          <p:cNvSpPr/>
           <p:nvPr/>
         </p:nvSpPr>
         <p:spPr>
           <a:xfrm>
-            <a:off x="749185" y="2410001"/>
-            <a:ext cx="5557932" cy="1617751"/>
+            <a:off x="2540417" y="3146067"/>
+            <a:ext cx="7111166" cy="878830"/>
           </a:xfrm>
           <a:prstGeom prst="rect">
             <a:avLst/>
           </a:prstGeom>
-          <a:noFill/>
         </p:spPr>
         <p:txBody>
-          <a:bodyPr wrap="none" rtlCol="0">
+          <a:bodyPr wrap="square">
             <a:spAutoFit/>
           </a:bodyPr>
           <a:lstStyle/>
@@ -3058,95 +3647,2648 @@
               </a:lnSpc>
             </a:pPr>
             <a:r>
-              <a:rPr lang="pt-BR" sz="2000" dirty="0">
-                <a:latin typeface="Times New Roman" panose="02020603050405020304" pitchFamily="18" charset="0"/>
-                <a:cs typeface="Times New Roman" panose="02020603050405020304" pitchFamily="18" charset="0"/>
-              </a:rPr>
-              <a:t>O método .</a:t>
-            </a:r>
-            <a:r>
-              <a:rPr lang="pt-BR" sz="2000" dirty="0" err="1">
-                <a:latin typeface="Times New Roman" panose="02020603050405020304" pitchFamily="18" charset="0"/>
-                <a:cs typeface="Times New Roman" panose="02020603050405020304" pitchFamily="18" charset="0"/>
-              </a:rPr>
-              <a:t>splice</a:t>
-            </a:r>
-            <a:r>
-              <a:rPr lang="pt-BR" sz="2000" dirty="0">
-                <a:latin typeface="Times New Roman" panose="02020603050405020304" pitchFamily="18" charset="0"/>
-                <a:cs typeface="Times New Roman" panose="02020603050405020304" pitchFamily="18" charset="0"/>
-              </a:rPr>
-              <a:t>() é usado para:</a:t>
-            </a:r>
-          </a:p>
-          <a:p>
-            <a:pPr marL="800100" lvl="1" indent="-342900">
+              <a:rPr lang="pt-BR" dirty="0">
+                <a:solidFill>
+                  <a:srgbClr val="000000"/>
+                </a:solidFill>
+                <a:latin typeface="Consolas" panose="020B0609020204030204" pitchFamily="49" charset="0"/>
+              </a:rPr>
+              <a:t>console.log(</a:t>
+            </a:r>
+            <a:r>
+              <a:rPr lang="pt-BR" dirty="0" err="1">
+                <a:solidFill>
+                  <a:srgbClr val="000000"/>
+                </a:solidFill>
+                <a:latin typeface="Consolas" panose="020B0609020204030204" pitchFamily="49" charset="0"/>
+              </a:rPr>
+              <a:t>produto.nome</a:t>
+            </a:r>
+            <a:r>
+              <a:rPr lang="pt-BR" dirty="0">
+                <a:solidFill>
+                  <a:srgbClr val="000000"/>
+                </a:solidFill>
+                <a:latin typeface="Consolas" panose="020B0609020204030204" pitchFamily="49" charset="0"/>
+              </a:rPr>
+              <a:t>);   </a:t>
+            </a:r>
+            <a:r>
+              <a:rPr lang="pt-BR" dirty="0">
+                <a:solidFill>
+                  <a:srgbClr val="008000"/>
+                </a:solidFill>
+                <a:latin typeface="Consolas" panose="020B0609020204030204" pitchFamily="49" charset="0"/>
+              </a:rPr>
+              <a:t>// Resultado: Notebook</a:t>
+            </a:r>
+            <a:endParaRPr lang="pt-BR" dirty="0">
+              <a:solidFill>
+                <a:srgbClr val="000000"/>
+              </a:solidFill>
+              <a:latin typeface="Consolas" panose="020B0609020204030204" pitchFamily="49" charset="0"/>
+            </a:endParaRPr>
+          </a:p>
+          <a:p>
+            <a:pPr>
               <a:lnSpc>
                 <a:spcPct val="150000"/>
               </a:lnSpc>
-              <a:buFont typeface="Arial" panose="020B0604020202020204" pitchFamily="34" charset="0"/>
-              <a:buChar char="•"/>
             </a:pPr>
             <a:r>
-              <a:rPr lang="pt-BR" sz="1600" dirty="0">
-                <a:latin typeface="Times New Roman" panose="02020603050405020304" pitchFamily="18" charset="0"/>
-                <a:cs typeface="Times New Roman" panose="02020603050405020304" pitchFamily="18" charset="0"/>
-              </a:rPr>
-              <a:t>Remover elementos de um </a:t>
-            </a:r>
-            <a:r>
-              <a:rPr lang="pt-BR" sz="1600" dirty="0" err="1">
-                <a:latin typeface="Times New Roman" panose="02020603050405020304" pitchFamily="18" charset="0"/>
-                <a:cs typeface="Times New Roman" panose="02020603050405020304" pitchFamily="18" charset="0"/>
-              </a:rPr>
-              <a:t>array</a:t>
-            </a:r>
-            <a:r>
-              <a:rPr lang="pt-BR" sz="1600" dirty="0">
-                <a:latin typeface="Times New Roman" panose="02020603050405020304" pitchFamily="18" charset="0"/>
-                <a:cs typeface="Times New Roman" panose="02020603050405020304" pitchFamily="18" charset="0"/>
-              </a:rPr>
-              <a:t>. </a:t>
-            </a:r>
-          </a:p>
-          <a:p>
-            <a:pPr marL="800100" lvl="1" indent="-342900">
+              <a:rPr lang="pt-BR" dirty="0">
+                <a:solidFill>
+                  <a:srgbClr val="000000"/>
+                </a:solidFill>
+                <a:latin typeface="Consolas" panose="020B0609020204030204" pitchFamily="49" charset="0"/>
+              </a:rPr>
+              <a:t>console.log(</a:t>
+            </a:r>
+            <a:r>
+              <a:rPr lang="pt-BR" dirty="0" err="1">
+                <a:solidFill>
+                  <a:srgbClr val="000000"/>
+                </a:solidFill>
+                <a:latin typeface="Consolas" panose="020B0609020204030204" pitchFamily="49" charset="0"/>
+              </a:rPr>
+              <a:t>produto.preco</a:t>
+            </a:r>
+            <a:r>
+              <a:rPr lang="pt-BR" dirty="0">
+                <a:solidFill>
+                  <a:srgbClr val="000000"/>
+                </a:solidFill>
+                <a:latin typeface="Consolas" panose="020B0609020204030204" pitchFamily="49" charset="0"/>
+              </a:rPr>
+              <a:t>);  </a:t>
+            </a:r>
+            <a:r>
+              <a:rPr lang="pt-BR" dirty="0">
+                <a:solidFill>
+                  <a:srgbClr val="008000"/>
+                </a:solidFill>
+                <a:latin typeface="Consolas" panose="020B0609020204030204" pitchFamily="49" charset="0"/>
+              </a:rPr>
+              <a:t>// Resultado: 3500</a:t>
+            </a:r>
+            <a:endParaRPr lang="pt-BR" b="0" dirty="0">
+              <a:solidFill>
+                <a:srgbClr val="000000"/>
+              </a:solidFill>
+              <a:effectLst/>
+              <a:latin typeface="Consolas" panose="020B0609020204030204" pitchFamily="49" charset="0"/>
+            </a:endParaRPr>
+          </a:p>
+        </p:txBody>
+      </p:sp>
+      <p:sp>
+        <p:nvSpPr>
+          <p:cNvPr id="8" name="Espaço Reservado para Conteúdo 4">
+            <a:extLst>
+              <a:ext uri="{FF2B5EF4-FFF2-40B4-BE49-F238E27FC236}">
+                <a16:creationId xmlns:a16="http://schemas.microsoft.com/office/drawing/2014/main" id="{DECD9B8F-63DA-4725-AF62-C5C4E13768AD}"/>
+              </a:ext>
+            </a:extLst>
+          </p:cNvPr>
+          <p:cNvSpPr txBox="1">
+            <a:spLocks/>
+          </p:cNvSpPr>
+          <p:nvPr/>
+        </p:nvSpPr>
+        <p:spPr>
+          <a:xfrm>
+            <a:off x="592347" y="4316004"/>
+            <a:ext cx="11007306" cy="593036"/>
+          </a:xfrm>
+          <a:prstGeom prst="rect">
+            <a:avLst/>
+          </a:prstGeom>
+        </p:spPr>
+        <p:txBody>
+          <a:bodyPr/>
+          <a:lstStyle>
+            <a:lvl1pPr marL="0" indent="0" algn="just" defTabSz="914400" rtl="0" eaLnBrk="1" latinLnBrk="0" hangingPunct="1">
               <a:lnSpc>
                 <a:spcPct val="150000"/>
               </a:lnSpc>
+              <a:spcBef>
+                <a:spcPts val="1000"/>
+              </a:spcBef>
               <a:buFont typeface="Arial" panose="020B0604020202020204" pitchFamily="34" charset="0"/>
-              <a:buChar char="•"/>
-            </a:pPr>
-            <a:r>
-              <a:rPr lang="pt-BR" sz="1600" dirty="0">
+              <a:buNone/>
+              <a:defRPr sz="2000" kern="1200">
+                <a:solidFill>
+                  <a:schemeClr val="tx1"/>
+                </a:solidFill>
                 <a:latin typeface="Times New Roman" panose="02020603050405020304" pitchFamily="18" charset="0"/>
+                <a:ea typeface="+mn-ea"/>
                 <a:cs typeface="Times New Roman" panose="02020603050405020304" pitchFamily="18" charset="0"/>
-              </a:rPr>
-              <a:t>Substituir elementos existentes por novos valores.</a:t>
-            </a:r>
-          </a:p>
-          <a:p>
-            <a:pPr marL="800100" lvl="1" indent="-342900">
+              </a:defRPr>
+            </a:lvl1pPr>
+            <a:lvl2pPr marL="685800" indent="-228600" algn="l" defTabSz="914400" rtl="0" eaLnBrk="1" latinLnBrk="0" hangingPunct="1">
               <a:lnSpc>
                 <a:spcPct val="150000"/>
               </a:lnSpc>
+              <a:spcBef>
+                <a:spcPts val="500"/>
+              </a:spcBef>
               <a:buFont typeface="Arial" panose="020B0604020202020204" pitchFamily="34" charset="0"/>
               <a:buChar char="•"/>
-            </a:pPr>
-            <a:r>
-              <a:rPr lang="pt-BR" sz="1600" dirty="0">
+              <a:defRPr sz="1600" kern="1200">
+                <a:solidFill>
+                  <a:schemeClr val="tx1"/>
+                </a:solidFill>
                 <a:latin typeface="Times New Roman" panose="02020603050405020304" pitchFamily="18" charset="0"/>
+                <a:ea typeface="+mn-ea"/>
                 <a:cs typeface="Times New Roman" panose="02020603050405020304" pitchFamily="18" charset="0"/>
-              </a:rPr>
-              <a:t>Adicionar novos elementos em uma posição específica.</a:t>
-            </a:r>
+              </a:defRPr>
+            </a:lvl2pPr>
+            <a:lvl3pPr marL="1143000" indent="-228600" algn="l" defTabSz="914400" rtl="0" eaLnBrk="1" latinLnBrk="0" hangingPunct="1">
+              <a:lnSpc>
+                <a:spcPct val="150000"/>
+              </a:lnSpc>
+              <a:spcBef>
+                <a:spcPts val="500"/>
+              </a:spcBef>
+              <a:buFont typeface="Arial" panose="020B0604020202020204" pitchFamily="34" charset="0"/>
+              <a:buChar char="•"/>
+              <a:defRPr sz="1400" kern="1200">
+                <a:solidFill>
+                  <a:schemeClr val="tx1"/>
+                </a:solidFill>
+                <a:latin typeface="Times New Roman" panose="02020603050405020304" pitchFamily="18" charset="0"/>
+                <a:ea typeface="+mn-ea"/>
+                <a:cs typeface="Times New Roman" panose="02020603050405020304" pitchFamily="18" charset="0"/>
+              </a:defRPr>
+            </a:lvl3pPr>
+            <a:lvl4pPr marL="1600200" indent="-228600" algn="l" defTabSz="914400" rtl="0" eaLnBrk="1" latinLnBrk="0" hangingPunct="1">
+              <a:lnSpc>
+                <a:spcPct val="150000"/>
+              </a:lnSpc>
+              <a:spcBef>
+                <a:spcPts val="500"/>
+              </a:spcBef>
+              <a:buFont typeface="Arial" panose="020B0604020202020204" pitchFamily="34" charset="0"/>
+              <a:buChar char="•"/>
+              <a:defRPr sz="1200" kern="1200">
+                <a:solidFill>
+                  <a:schemeClr val="tx1"/>
+                </a:solidFill>
+                <a:latin typeface="Times New Roman" panose="02020603050405020304" pitchFamily="18" charset="0"/>
+                <a:ea typeface="+mn-ea"/>
+                <a:cs typeface="Times New Roman" panose="02020603050405020304" pitchFamily="18" charset="0"/>
+              </a:defRPr>
+            </a:lvl4pPr>
+            <a:lvl5pPr marL="2057400" indent="-228600" algn="l" defTabSz="914400" rtl="0" eaLnBrk="1" latinLnBrk="0" hangingPunct="1">
+              <a:lnSpc>
+                <a:spcPct val="150000"/>
+              </a:lnSpc>
+              <a:spcBef>
+                <a:spcPts val="500"/>
+              </a:spcBef>
+              <a:buFont typeface="Arial" panose="020B0604020202020204" pitchFamily="34" charset="0"/>
+              <a:buChar char="•"/>
+              <a:defRPr sz="1000" kern="1200">
+                <a:solidFill>
+                  <a:schemeClr val="tx1"/>
+                </a:solidFill>
+                <a:latin typeface="Times New Roman" panose="02020603050405020304" pitchFamily="18" charset="0"/>
+                <a:ea typeface="+mn-ea"/>
+                <a:cs typeface="Times New Roman" panose="02020603050405020304" pitchFamily="18" charset="0"/>
+              </a:defRPr>
+            </a:lvl5pPr>
+            <a:lvl6pPr marL="2514600" indent="-228600" algn="l" defTabSz="914400" rtl="0" eaLnBrk="1" latinLnBrk="0" hangingPunct="1">
+              <a:lnSpc>
+                <a:spcPct val="90000"/>
+              </a:lnSpc>
+              <a:spcBef>
+                <a:spcPts val="500"/>
+              </a:spcBef>
+              <a:buFont typeface="Arial" panose="020B0604020202020204" pitchFamily="34" charset="0"/>
+              <a:buChar char="•"/>
+              <a:defRPr sz="1800" kern="1200">
+                <a:solidFill>
+                  <a:schemeClr val="tx1"/>
+                </a:solidFill>
+                <a:latin typeface="+mn-lt"/>
+                <a:ea typeface="+mn-ea"/>
+                <a:cs typeface="+mn-cs"/>
+              </a:defRPr>
+            </a:lvl6pPr>
+            <a:lvl7pPr marL="2971800" indent="-228600" algn="l" defTabSz="914400" rtl="0" eaLnBrk="1" latinLnBrk="0" hangingPunct="1">
+              <a:lnSpc>
+                <a:spcPct val="90000"/>
+              </a:lnSpc>
+              <a:spcBef>
+                <a:spcPts val="500"/>
+              </a:spcBef>
+              <a:buFont typeface="Arial" panose="020B0604020202020204" pitchFamily="34" charset="0"/>
+              <a:buChar char="•"/>
+              <a:defRPr sz="1800" kern="1200">
+                <a:solidFill>
+                  <a:schemeClr val="tx1"/>
+                </a:solidFill>
+                <a:latin typeface="+mn-lt"/>
+                <a:ea typeface="+mn-ea"/>
+                <a:cs typeface="+mn-cs"/>
+              </a:defRPr>
+            </a:lvl7pPr>
+            <a:lvl8pPr marL="3429000" indent="-228600" algn="l" defTabSz="914400" rtl="0" eaLnBrk="1" latinLnBrk="0" hangingPunct="1">
+              <a:lnSpc>
+                <a:spcPct val="90000"/>
+              </a:lnSpc>
+              <a:spcBef>
+                <a:spcPts val="500"/>
+              </a:spcBef>
+              <a:buFont typeface="Arial" panose="020B0604020202020204" pitchFamily="34" charset="0"/>
+              <a:buChar char="•"/>
+              <a:defRPr sz="1800" kern="1200">
+                <a:solidFill>
+                  <a:schemeClr val="tx1"/>
+                </a:solidFill>
+                <a:latin typeface="+mn-lt"/>
+                <a:ea typeface="+mn-ea"/>
+                <a:cs typeface="+mn-cs"/>
+              </a:defRPr>
+            </a:lvl8pPr>
+            <a:lvl9pPr marL="3886200" indent="-228600" algn="l" defTabSz="914400" rtl="0" eaLnBrk="1" latinLnBrk="0" hangingPunct="1">
+              <a:lnSpc>
+                <a:spcPct val="90000"/>
+              </a:lnSpc>
+              <a:spcBef>
+                <a:spcPts val="500"/>
+              </a:spcBef>
+              <a:buFont typeface="Arial" panose="020B0604020202020204" pitchFamily="34" charset="0"/>
+              <a:buChar char="•"/>
+              <a:defRPr sz="1800" kern="1200">
+                <a:solidFill>
+                  <a:schemeClr val="tx1"/>
+                </a:solidFill>
+                <a:latin typeface="+mn-lt"/>
+                <a:ea typeface="+mn-ea"/>
+                <a:cs typeface="+mn-cs"/>
+              </a:defRPr>
+            </a:lvl9pPr>
+          </a:lstStyle>
+          <a:p>
+            <a:r>
+              <a:rPr lang="pt-BR" dirty="0"/>
+              <a:t>Notação de colchetes ([]) – Necessária quando a chave é dinâmica ou contém caracteres especiais.</a:t>
+            </a:r>
+          </a:p>
+        </p:txBody>
+      </p:sp>
+      <p:sp>
+        <p:nvSpPr>
+          <p:cNvPr id="10" name="Retângulo 9">
+            <a:extLst>
+              <a:ext uri="{FF2B5EF4-FFF2-40B4-BE49-F238E27FC236}">
+                <a16:creationId xmlns:a16="http://schemas.microsoft.com/office/drawing/2014/main" id="{87ADEA6D-82AC-4DD8-A436-3D62E53F68ED}"/>
+              </a:ext>
+            </a:extLst>
+          </p:cNvPr>
+          <p:cNvSpPr/>
+          <p:nvPr/>
+        </p:nvSpPr>
+        <p:spPr>
+          <a:xfrm>
+            <a:off x="2509520" y="5200148"/>
+            <a:ext cx="7172960" cy="369332"/>
+          </a:xfrm>
+          <a:prstGeom prst="rect">
+            <a:avLst/>
+          </a:prstGeom>
+        </p:spPr>
+        <p:txBody>
+          <a:bodyPr wrap="square">
+            <a:spAutoFit/>
+          </a:bodyPr>
+          <a:lstStyle/>
+          <a:p>
+            <a:r>
+              <a:rPr lang="pt-BR" dirty="0">
+                <a:solidFill>
+                  <a:srgbClr val="000000"/>
+                </a:solidFill>
+                <a:latin typeface="Consolas" panose="020B0609020204030204" pitchFamily="49" charset="0"/>
+              </a:rPr>
+              <a:t>console.log(produto[</a:t>
+            </a:r>
+            <a:r>
+              <a:rPr lang="pt-BR" dirty="0">
+                <a:solidFill>
+                  <a:srgbClr val="A31515"/>
+                </a:solidFill>
+                <a:latin typeface="Consolas" panose="020B0609020204030204" pitchFamily="49" charset="0"/>
+              </a:rPr>
+              <a:t>"nome"</a:t>
+            </a:r>
+            <a:r>
+              <a:rPr lang="pt-BR" dirty="0">
+                <a:solidFill>
+                  <a:srgbClr val="000000"/>
+                </a:solidFill>
+                <a:latin typeface="Consolas" panose="020B0609020204030204" pitchFamily="49" charset="0"/>
+              </a:rPr>
+              <a:t>]); </a:t>
+            </a:r>
+            <a:r>
+              <a:rPr lang="pt-BR" dirty="0">
+                <a:solidFill>
+                  <a:srgbClr val="008000"/>
+                </a:solidFill>
+                <a:latin typeface="Consolas" panose="020B0609020204030204" pitchFamily="49" charset="0"/>
+              </a:rPr>
+              <a:t>// Resultado: Notebook</a:t>
+            </a:r>
+            <a:endParaRPr lang="pt-BR" dirty="0">
+              <a:solidFill>
+                <a:srgbClr val="000000"/>
+              </a:solidFill>
+              <a:latin typeface="Consolas" panose="020B0609020204030204" pitchFamily="49" charset="0"/>
+            </a:endParaRPr>
           </a:p>
         </p:txBody>
       </p:sp>
     </p:spTree>
     <p:extLst>
       <p:ext uri="{BB962C8B-B14F-4D97-AF65-F5344CB8AC3E}">
-        <p14:creationId xmlns:p14="http://schemas.microsoft.com/office/powerpoint/2010/main" val="2962822832"/>
+        <p14:creationId xmlns:p14="http://schemas.microsoft.com/office/powerpoint/2010/main" val="3897874327"/>
+      </p:ext>
+    </p:extLst>
+  </p:cSld>
+  <p:clrMapOvr>
+    <a:masterClrMapping/>
+  </p:clrMapOvr>
+</p:sld>
+</file>
+
+<file path=ppt/slides/slide15.xml><?xml version="1.0" encoding="utf-8"?>
+<p:sld xmlns:a="http://schemas.openxmlformats.org/drawingml/2006/main" xmlns:r="http://schemas.openxmlformats.org/officeDocument/2006/relationships" xmlns:p="http://schemas.openxmlformats.org/presentationml/2006/main">
+  <p:cSld>
+    <p:spTree>
+      <p:nvGrpSpPr>
+        <p:cNvPr id="1" name=""/>
+        <p:cNvGrpSpPr/>
+        <p:nvPr/>
+      </p:nvGrpSpPr>
+      <p:grpSpPr>
+        <a:xfrm>
+          <a:off x="0" y="0"/>
+          <a:ext cx="0" cy="0"/>
+          <a:chOff x="0" y="0"/>
+          <a:chExt cx="0" cy="0"/>
+        </a:xfrm>
+      </p:grpSpPr>
+      <p:sp>
+        <p:nvSpPr>
+          <p:cNvPr id="4" name="Título 3">
+            <a:extLst>
+              <a:ext uri="{FF2B5EF4-FFF2-40B4-BE49-F238E27FC236}">
+                <a16:creationId xmlns:a16="http://schemas.microsoft.com/office/drawing/2014/main" id="{1F213452-F534-4B70-9673-49A783255A88}"/>
+              </a:ext>
+            </a:extLst>
+          </p:cNvPr>
+          <p:cNvSpPr>
+            <a:spLocks noGrp="1"/>
+          </p:cNvSpPr>
+          <p:nvPr>
+            <p:ph type="title"/>
+          </p:nvPr>
+        </p:nvSpPr>
+        <p:spPr/>
+        <p:txBody>
+          <a:bodyPr/>
+          <a:lstStyle/>
+          <a:p>
+            <a:r>
+              <a:rPr lang="pt-BR" dirty="0"/>
+              <a:t>Adicionando itens um Objeto</a:t>
+            </a:r>
+          </a:p>
+        </p:txBody>
+      </p:sp>
+      <p:sp>
+        <p:nvSpPr>
+          <p:cNvPr id="5" name="Espaço Reservado para Conteúdo 4">
+            <a:extLst>
+              <a:ext uri="{FF2B5EF4-FFF2-40B4-BE49-F238E27FC236}">
+                <a16:creationId xmlns:a16="http://schemas.microsoft.com/office/drawing/2014/main" id="{66D59AD3-AD95-44EC-A3D0-832AF09D98FA}"/>
+              </a:ext>
+            </a:extLst>
+          </p:cNvPr>
+          <p:cNvSpPr>
+            <a:spLocks noGrp="1"/>
+          </p:cNvSpPr>
+          <p:nvPr>
+            <p:ph idx="1"/>
+          </p:nvPr>
+        </p:nvSpPr>
+        <p:spPr>
+          <a:xfrm>
+            <a:off x="592347" y="1844675"/>
+            <a:ext cx="11007306" cy="1010285"/>
+          </a:xfrm>
+        </p:spPr>
+        <p:txBody>
+          <a:bodyPr/>
+          <a:lstStyle/>
+          <a:p>
+            <a:r>
+              <a:rPr lang="pt-BR" dirty="0"/>
+              <a:t>Notação de ponto (.) – Essa é a forma mais comum e direta para adicionar uma nova propriedade ao objeto.</a:t>
+            </a:r>
+          </a:p>
+        </p:txBody>
+      </p:sp>
+      <p:sp>
+        <p:nvSpPr>
+          <p:cNvPr id="8" name="Espaço Reservado para Conteúdo 4">
+            <a:extLst>
+              <a:ext uri="{FF2B5EF4-FFF2-40B4-BE49-F238E27FC236}">
+                <a16:creationId xmlns:a16="http://schemas.microsoft.com/office/drawing/2014/main" id="{DECD9B8F-63DA-4725-AF62-C5C4E13768AD}"/>
+              </a:ext>
+            </a:extLst>
+          </p:cNvPr>
+          <p:cNvSpPr txBox="1">
+            <a:spLocks/>
+          </p:cNvSpPr>
+          <p:nvPr/>
+        </p:nvSpPr>
+        <p:spPr>
+          <a:xfrm>
+            <a:off x="592347" y="3744688"/>
+            <a:ext cx="11007306" cy="1010285"/>
+          </a:xfrm>
+          <a:prstGeom prst="rect">
+            <a:avLst/>
+          </a:prstGeom>
+        </p:spPr>
+        <p:txBody>
+          <a:bodyPr/>
+          <a:lstStyle>
+            <a:lvl1pPr marL="0" indent="0" algn="just" defTabSz="914400" rtl="0" eaLnBrk="1" latinLnBrk="0" hangingPunct="1">
+              <a:lnSpc>
+                <a:spcPct val="150000"/>
+              </a:lnSpc>
+              <a:spcBef>
+                <a:spcPts val="1000"/>
+              </a:spcBef>
+              <a:buFont typeface="Arial" panose="020B0604020202020204" pitchFamily="34" charset="0"/>
+              <a:buNone/>
+              <a:defRPr sz="2000" kern="1200">
+                <a:solidFill>
+                  <a:schemeClr val="tx1"/>
+                </a:solidFill>
+                <a:latin typeface="Times New Roman" panose="02020603050405020304" pitchFamily="18" charset="0"/>
+                <a:ea typeface="+mn-ea"/>
+                <a:cs typeface="Times New Roman" panose="02020603050405020304" pitchFamily="18" charset="0"/>
+              </a:defRPr>
+            </a:lvl1pPr>
+            <a:lvl2pPr marL="685800" indent="-228600" algn="l" defTabSz="914400" rtl="0" eaLnBrk="1" latinLnBrk="0" hangingPunct="1">
+              <a:lnSpc>
+                <a:spcPct val="150000"/>
+              </a:lnSpc>
+              <a:spcBef>
+                <a:spcPts val="500"/>
+              </a:spcBef>
+              <a:buFont typeface="Arial" panose="020B0604020202020204" pitchFamily="34" charset="0"/>
+              <a:buChar char="•"/>
+              <a:defRPr sz="1600" kern="1200">
+                <a:solidFill>
+                  <a:schemeClr val="tx1"/>
+                </a:solidFill>
+                <a:latin typeface="Times New Roman" panose="02020603050405020304" pitchFamily="18" charset="0"/>
+                <a:ea typeface="+mn-ea"/>
+                <a:cs typeface="Times New Roman" panose="02020603050405020304" pitchFamily="18" charset="0"/>
+              </a:defRPr>
+            </a:lvl2pPr>
+            <a:lvl3pPr marL="1143000" indent="-228600" algn="l" defTabSz="914400" rtl="0" eaLnBrk="1" latinLnBrk="0" hangingPunct="1">
+              <a:lnSpc>
+                <a:spcPct val="150000"/>
+              </a:lnSpc>
+              <a:spcBef>
+                <a:spcPts val="500"/>
+              </a:spcBef>
+              <a:buFont typeface="Arial" panose="020B0604020202020204" pitchFamily="34" charset="0"/>
+              <a:buChar char="•"/>
+              <a:defRPr sz="1400" kern="1200">
+                <a:solidFill>
+                  <a:schemeClr val="tx1"/>
+                </a:solidFill>
+                <a:latin typeface="Times New Roman" panose="02020603050405020304" pitchFamily="18" charset="0"/>
+                <a:ea typeface="+mn-ea"/>
+                <a:cs typeface="Times New Roman" panose="02020603050405020304" pitchFamily="18" charset="0"/>
+              </a:defRPr>
+            </a:lvl3pPr>
+            <a:lvl4pPr marL="1600200" indent="-228600" algn="l" defTabSz="914400" rtl="0" eaLnBrk="1" latinLnBrk="0" hangingPunct="1">
+              <a:lnSpc>
+                <a:spcPct val="150000"/>
+              </a:lnSpc>
+              <a:spcBef>
+                <a:spcPts val="500"/>
+              </a:spcBef>
+              <a:buFont typeface="Arial" panose="020B0604020202020204" pitchFamily="34" charset="0"/>
+              <a:buChar char="•"/>
+              <a:defRPr sz="1200" kern="1200">
+                <a:solidFill>
+                  <a:schemeClr val="tx1"/>
+                </a:solidFill>
+                <a:latin typeface="Times New Roman" panose="02020603050405020304" pitchFamily="18" charset="0"/>
+                <a:ea typeface="+mn-ea"/>
+                <a:cs typeface="Times New Roman" panose="02020603050405020304" pitchFamily="18" charset="0"/>
+              </a:defRPr>
+            </a:lvl4pPr>
+            <a:lvl5pPr marL="2057400" indent="-228600" algn="l" defTabSz="914400" rtl="0" eaLnBrk="1" latinLnBrk="0" hangingPunct="1">
+              <a:lnSpc>
+                <a:spcPct val="150000"/>
+              </a:lnSpc>
+              <a:spcBef>
+                <a:spcPts val="500"/>
+              </a:spcBef>
+              <a:buFont typeface="Arial" panose="020B0604020202020204" pitchFamily="34" charset="0"/>
+              <a:buChar char="•"/>
+              <a:defRPr sz="1000" kern="1200">
+                <a:solidFill>
+                  <a:schemeClr val="tx1"/>
+                </a:solidFill>
+                <a:latin typeface="Times New Roman" panose="02020603050405020304" pitchFamily="18" charset="0"/>
+                <a:ea typeface="+mn-ea"/>
+                <a:cs typeface="Times New Roman" panose="02020603050405020304" pitchFamily="18" charset="0"/>
+              </a:defRPr>
+            </a:lvl5pPr>
+            <a:lvl6pPr marL="2514600" indent="-228600" algn="l" defTabSz="914400" rtl="0" eaLnBrk="1" latinLnBrk="0" hangingPunct="1">
+              <a:lnSpc>
+                <a:spcPct val="90000"/>
+              </a:lnSpc>
+              <a:spcBef>
+                <a:spcPts val="500"/>
+              </a:spcBef>
+              <a:buFont typeface="Arial" panose="020B0604020202020204" pitchFamily="34" charset="0"/>
+              <a:buChar char="•"/>
+              <a:defRPr sz="1800" kern="1200">
+                <a:solidFill>
+                  <a:schemeClr val="tx1"/>
+                </a:solidFill>
+                <a:latin typeface="+mn-lt"/>
+                <a:ea typeface="+mn-ea"/>
+                <a:cs typeface="+mn-cs"/>
+              </a:defRPr>
+            </a:lvl6pPr>
+            <a:lvl7pPr marL="2971800" indent="-228600" algn="l" defTabSz="914400" rtl="0" eaLnBrk="1" latinLnBrk="0" hangingPunct="1">
+              <a:lnSpc>
+                <a:spcPct val="90000"/>
+              </a:lnSpc>
+              <a:spcBef>
+                <a:spcPts val="500"/>
+              </a:spcBef>
+              <a:buFont typeface="Arial" panose="020B0604020202020204" pitchFamily="34" charset="0"/>
+              <a:buChar char="•"/>
+              <a:defRPr sz="1800" kern="1200">
+                <a:solidFill>
+                  <a:schemeClr val="tx1"/>
+                </a:solidFill>
+                <a:latin typeface="+mn-lt"/>
+                <a:ea typeface="+mn-ea"/>
+                <a:cs typeface="+mn-cs"/>
+              </a:defRPr>
+            </a:lvl7pPr>
+            <a:lvl8pPr marL="3429000" indent="-228600" algn="l" defTabSz="914400" rtl="0" eaLnBrk="1" latinLnBrk="0" hangingPunct="1">
+              <a:lnSpc>
+                <a:spcPct val="90000"/>
+              </a:lnSpc>
+              <a:spcBef>
+                <a:spcPts val="500"/>
+              </a:spcBef>
+              <a:buFont typeface="Arial" panose="020B0604020202020204" pitchFamily="34" charset="0"/>
+              <a:buChar char="•"/>
+              <a:defRPr sz="1800" kern="1200">
+                <a:solidFill>
+                  <a:schemeClr val="tx1"/>
+                </a:solidFill>
+                <a:latin typeface="+mn-lt"/>
+                <a:ea typeface="+mn-ea"/>
+                <a:cs typeface="+mn-cs"/>
+              </a:defRPr>
+            </a:lvl8pPr>
+            <a:lvl9pPr marL="3886200" indent="-228600" algn="l" defTabSz="914400" rtl="0" eaLnBrk="1" latinLnBrk="0" hangingPunct="1">
+              <a:lnSpc>
+                <a:spcPct val="90000"/>
+              </a:lnSpc>
+              <a:spcBef>
+                <a:spcPts val="500"/>
+              </a:spcBef>
+              <a:buFont typeface="Arial" panose="020B0604020202020204" pitchFamily="34" charset="0"/>
+              <a:buChar char="•"/>
+              <a:defRPr sz="1800" kern="1200">
+                <a:solidFill>
+                  <a:schemeClr val="tx1"/>
+                </a:solidFill>
+                <a:latin typeface="+mn-lt"/>
+                <a:ea typeface="+mn-ea"/>
+                <a:cs typeface="+mn-cs"/>
+              </a:defRPr>
+            </a:lvl9pPr>
+          </a:lstStyle>
+          <a:p>
+            <a:r>
+              <a:rPr lang="pt-BR" dirty="0"/>
+              <a:t>Notação de colchetes ([]) – Essa abordagem é útil quando o nome da propriedade é uma </a:t>
+            </a:r>
+            <a:r>
+              <a:rPr lang="pt-BR" dirty="0" err="1"/>
+              <a:t>string</a:t>
+            </a:r>
+            <a:r>
+              <a:rPr lang="pt-BR" dirty="0"/>
+              <a:t> dinâmica ou contém caracteres especiais.</a:t>
+            </a:r>
+          </a:p>
+        </p:txBody>
+      </p:sp>
+      <p:sp>
+        <p:nvSpPr>
+          <p:cNvPr id="2" name="Retângulo 1">
+            <a:extLst>
+              <a:ext uri="{FF2B5EF4-FFF2-40B4-BE49-F238E27FC236}">
+                <a16:creationId xmlns:a16="http://schemas.microsoft.com/office/drawing/2014/main" id="{BF2D100B-C91A-41B3-89C0-88699B6CB3FA}"/>
+              </a:ext>
+            </a:extLst>
+          </p:cNvPr>
+          <p:cNvSpPr/>
+          <p:nvPr/>
+        </p:nvSpPr>
+        <p:spPr>
+          <a:xfrm>
+            <a:off x="4294063" y="2903094"/>
+            <a:ext cx="3603872" cy="369332"/>
+          </a:xfrm>
+          <a:prstGeom prst="rect">
+            <a:avLst/>
+          </a:prstGeom>
+        </p:spPr>
+        <p:txBody>
+          <a:bodyPr wrap="none">
+            <a:spAutoFit/>
+          </a:bodyPr>
+          <a:lstStyle/>
+          <a:p>
+            <a:r>
+              <a:rPr lang="pt-BR" dirty="0" err="1">
+                <a:solidFill>
+                  <a:srgbClr val="000000"/>
+                </a:solidFill>
+                <a:latin typeface="Consolas" panose="020B0609020204030204" pitchFamily="49" charset="0"/>
+              </a:rPr>
+              <a:t>produto.fabricante</a:t>
+            </a:r>
+            <a:r>
+              <a:rPr lang="pt-BR" dirty="0">
+                <a:solidFill>
+                  <a:srgbClr val="000000"/>
+                </a:solidFill>
+                <a:latin typeface="Consolas" panose="020B0609020204030204" pitchFamily="49" charset="0"/>
+              </a:rPr>
+              <a:t> = </a:t>
+            </a:r>
+            <a:r>
+              <a:rPr lang="pt-BR" dirty="0">
+                <a:solidFill>
+                  <a:srgbClr val="A31515"/>
+                </a:solidFill>
+                <a:latin typeface="Consolas" panose="020B0609020204030204" pitchFamily="49" charset="0"/>
+              </a:rPr>
+              <a:t>"Dell"</a:t>
+            </a:r>
+            <a:endParaRPr lang="pt-BR" b="0" dirty="0">
+              <a:solidFill>
+                <a:srgbClr val="000000"/>
+              </a:solidFill>
+              <a:effectLst/>
+              <a:latin typeface="Consolas" panose="020B0609020204030204" pitchFamily="49" charset="0"/>
+            </a:endParaRPr>
+          </a:p>
+        </p:txBody>
+      </p:sp>
+      <p:sp>
+        <p:nvSpPr>
+          <p:cNvPr id="3" name="Retângulo 2">
+            <a:extLst>
+              <a:ext uri="{FF2B5EF4-FFF2-40B4-BE49-F238E27FC236}">
+                <a16:creationId xmlns:a16="http://schemas.microsoft.com/office/drawing/2014/main" id="{C104FF40-E91B-454A-B312-748DDD09657E}"/>
+              </a:ext>
+            </a:extLst>
+          </p:cNvPr>
+          <p:cNvSpPr/>
+          <p:nvPr/>
+        </p:nvSpPr>
+        <p:spPr>
+          <a:xfrm>
+            <a:off x="4104107" y="5042569"/>
+            <a:ext cx="3983783" cy="369332"/>
+          </a:xfrm>
+          <a:prstGeom prst="rect">
+            <a:avLst/>
+          </a:prstGeom>
+        </p:spPr>
+        <p:txBody>
+          <a:bodyPr wrap="none">
+            <a:spAutoFit/>
+          </a:bodyPr>
+          <a:lstStyle/>
+          <a:p>
+            <a:r>
+              <a:rPr lang="pt-BR">
+                <a:solidFill>
+                  <a:srgbClr val="000000"/>
+                </a:solidFill>
+                <a:latin typeface="Consolas" panose="020B0609020204030204" pitchFamily="49" charset="0"/>
+              </a:rPr>
+              <a:t>produto[</a:t>
+            </a:r>
+            <a:r>
+              <a:rPr lang="pt-BR">
+                <a:solidFill>
+                  <a:srgbClr val="A31515"/>
+                </a:solidFill>
+                <a:latin typeface="Consolas" panose="020B0609020204030204" pitchFamily="49" charset="0"/>
+              </a:rPr>
+              <a:t>"fabricante"</a:t>
+            </a:r>
+            <a:r>
+              <a:rPr lang="pt-BR">
+                <a:solidFill>
+                  <a:srgbClr val="000000"/>
+                </a:solidFill>
+                <a:latin typeface="Consolas" panose="020B0609020204030204" pitchFamily="49" charset="0"/>
+              </a:rPr>
+              <a:t>] = </a:t>
+            </a:r>
+            <a:r>
+              <a:rPr lang="pt-BR">
+                <a:solidFill>
+                  <a:srgbClr val="A31515"/>
+                </a:solidFill>
+                <a:latin typeface="Consolas" panose="020B0609020204030204" pitchFamily="49" charset="0"/>
+              </a:rPr>
+              <a:t>"Dell"</a:t>
+            </a:r>
+            <a:endParaRPr lang="pt-BR" b="0" dirty="0">
+              <a:solidFill>
+                <a:srgbClr val="000000"/>
+              </a:solidFill>
+              <a:effectLst/>
+              <a:latin typeface="Consolas" panose="020B0609020204030204" pitchFamily="49" charset="0"/>
+            </a:endParaRPr>
+          </a:p>
+        </p:txBody>
+      </p:sp>
+    </p:spTree>
+    <p:extLst>
+      <p:ext uri="{BB962C8B-B14F-4D97-AF65-F5344CB8AC3E}">
+        <p14:creationId xmlns:p14="http://schemas.microsoft.com/office/powerpoint/2010/main" val="1500989200"/>
+      </p:ext>
+    </p:extLst>
+  </p:cSld>
+  <p:clrMapOvr>
+    <a:masterClrMapping/>
+  </p:clrMapOvr>
+</p:sld>
+</file>
+
+<file path=ppt/slides/slide16.xml><?xml version="1.0" encoding="utf-8"?>
+<p:sld xmlns:a="http://schemas.openxmlformats.org/drawingml/2006/main" xmlns:r="http://schemas.openxmlformats.org/officeDocument/2006/relationships" xmlns:p="http://schemas.openxmlformats.org/presentationml/2006/main">
+  <p:cSld>
+    <p:spTree>
+      <p:nvGrpSpPr>
+        <p:cNvPr id="1" name=""/>
+        <p:cNvGrpSpPr/>
+        <p:nvPr/>
+      </p:nvGrpSpPr>
+      <p:grpSpPr>
+        <a:xfrm>
+          <a:off x="0" y="0"/>
+          <a:ext cx="0" cy="0"/>
+          <a:chOff x="0" y="0"/>
+          <a:chExt cx="0" cy="0"/>
+        </a:xfrm>
+      </p:grpSpPr>
+      <p:sp>
+        <p:nvSpPr>
+          <p:cNvPr id="4" name="Título 3">
+            <a:extLst>
+              <a:ext uri="{FF2B5EF4-FFF2-40B4-BE49-F238E27FC236}">
+                <a16:creationId xmlns:a16="http://schemas.microsoft.com/office/drawing/2014/main" id="{1F213452-F534-4B70-9673-49A783255A88}"/>
+              </a:ext>
+            </a:extLst>
+          </p:cNvPr>
+          <p:cNvSpPr>
+            <a:spLocks noGrp="1"/>
+          </p:cNvSpPr>
+          <p:nvPr>
+            <p:ph type="title"/>
+          </p:nvPr>
+        </p:nvSpPr>
+        <p:spPr/>
+        <p:txBody>
+          <a:bodyPr/>
+          <a:lstStyle/>
+          <a:p>
+            <a:r>
+              <a:rPr lang="pt-BR" dirty="0"/>
+              <a:t>Removendo itens um Objeto</a:t>
+            </a:r>
+          </a:p>
+        </p:txBody>
+      </p:sp>
+      <p:sp>
+        <p:nvSpPr>
+          <p:cNvPr id="5" name="Espaço Reservado para Conteúdo 4">
+            <a:extLst>
+              <a:ext uri="{FF2B5EF4-FFF2-40B4-BE49-F238E27FC236}">
+                <a16:creationId xmlns:a16="http://schemas.microsoft.com/office/drawing/2014/main" id="{66D59AD3-AD95-44EC-A3D0-832AF09D98FA}"/>
+              </a:ext>
+            </a:extLst>
+          </p:cNvPr>
+          <p:cNvSpPr>
+            <a:spLocks noGrp="1"/>
+          </p:cNvSpPr>
+          <p:nvPr>
+            <p:ph idx="1"/>
+          </p:nvPr>
+        </p:nvSpPr>
+        <p:spPr>
+          <a:xfrm>
+            <a:off x="592347" y="1844675"/>
+            <a:ext cx="11007306" cy="1010285"/>
+          </a:xfrm>
+        </p:spPr>
+        <p:txBody>
+          <a:bodyPr/>
+          <a:lstStyle/>
+          <a:p>
+            <a:r>
+              <a:rPr lang="pt-BR" dirty="0"/>
+              <a:t>Notação de ponto (.) – Essa é a forma mais comum e direta para adicionar uma nova propriedade ao objeto.</a:t>
+            </a:r>
+          </a:p>
+        </p:txBody>
+      </p:sp>
+      <p:sp>
+        <p:nvSpPr>
+          <p:cNvPr id="8" name="Espaço Reservado para Conteúdo 4">
+            <a:extLst>
+              <a:ext uri="{FF2B5EF4-FFF2-40B4-BE49-F238E27FC236}">
+                <a16:creationId xmlns:a16="http://schemas.microsoft.com/office/drawing/2014/main" id="{DECD9B8F-63DA-4725-AF62-C5C4E13768AD}"/>
+              </a:ext>
+            </a:extLst>
+          </p:cNvPr>
+          <p:cNvSpPr txBox="1">
+            <a:spLocks/>
+          </p:cNvSpPr>
+          <p:nvPr/>
+        </p:nvSpPr>
+        <p:spPr>
+          <a:xfrm>
+            <a:off x="592347" y="3918154"/>
+            <a:ext cx="11007306" cy="1010285"/>
+          </a:xfrm>
+          <a:prstGeom prst="rect">
+            <a:avLst/>
+          </a:prstGeom>
+        </p:spPr>
+        <p:txBody>
+          <a:bodyPr/>
+          <a:lstStyle>
+            <a:lvl1pPr marL="0" indent="0" algn="just" defTabSz="914400" rtl="0" eaLnBrk="1" latinLnBrk="0" hangingPunct="1">
+              <a:lnSpc>
+                <a:spcPct val="150000"/>
+              </a:lnSpc>
+              <a:spcBef>
+                <a:spcPts val="1000"/>
+              </a:spcBef>
+              <a:buFont typeface="Arial" panose="020B0604020202020204" pitchFamily="34" charset="0"/>
+              <a:buNone/>
+              <a:defRPr sz="2000" kern="1200">
+                <a:solidFill>
+                  <a:schemeClr val="tx1"/>
+                </a:solidFill>
+                <a:latin typeface="Times New Roman" panose="02020603050405020304" pitchFamily="18" charset="0"/>
+                <a:ea typeface="+mn-ea"/>
+                <a:cs typeface="Times New Roman" panose="02020603050405020304" pitchFamily="18" charset="0"/>
+              </a:defRPr>
+            </a:lvl1pPr>
+            <a:lvl2pPr marL="685800" indent="-228600" algn="l" defTabSz="914400" rtl="0" eaLnBrk="1" latinLnBrk="0" hangingPunct="1">
+              <a:lnSpc>
+                <a:spcPct val="150000"/>
+              </a:lnSpc>
+              <a:spcBef>
+                <a:spcPts val="500"/>
+              </a:spcBef>
+              <a:buFont typeface="Arial" panose="020B0604020202020204" pitchFamily="34" charset="0"/>
+              <a:buChar char="•"/>
+              <a:defRPr sz="1600" kern="1200">
+                <a:solidFill>
+                  <a:schemeClr val="tx1"/>
+                </a:solidFill>
+                <a:latin typeface="Times New Roman" panose="02020603050405020304" pitchFamily="18" charset="0"/>
+                <a:ea typeface="+mn-ea"/>
+                <a:cs typeface="Times New Roman" panose="02020603050405020304" pitchFamily="18" charset="0"/>
+              </a:defRPr>
+            </a:lvl2pPr>
+            <a:lvl3pPr marL="1143000" indent="-228600" algn="l" defTabSz="914400" rtl="0" eaLnBrk="1" latinLnBrk="0" hangingPunct="1">
+              <a:lnSpc>
+                <a:spcPct val="150000"/>
+              </a:lnSpc>
+              <a:spcBef>
+                <a:spcPts val="500"/>
+              </a:spcBef>
+              <a:buFont typeface="Arial" panose="020B0604020202020204" pitchFamily="34" charset="0"/>
+              <a:buChar char="•"/>
+              <a:defRPr sz="1400" kern="1200">
+                <a:solidFill>
+                  <a:schemeClr val="tx1"/>
+                </a:solidFill>
+                <a:latin typeface="Times New Roman" panose="02020603050405020304" pitchFamily="18" charset="0"/>
+                <a:ea typeface="+mn-ea"/>
+                <a:cs typeface="Times New Roman" panose="02020603050405020304" pitchFamily="18" charset="0"/>
+              </a:defRPr>
+            </a:lvl3pPr>
+            <a:lvl4pPr marL="1600200" indent="-228600" algn="l" defTabSz="914400" rtl="0" eaLnBrk="1" latinLnBrk="0" hangingPunct="1">
+              <a:lnSpc>
+                <a:spcPct val="150000"/>
+              </a:lnSpc>
+              <a:spcBef>
+                <a:spcPts val="500"/>
+              </a:spcBef>
+              <a:buFont typeface="Arial" panose="020B0604020202020204" pitchFamily="34" charset="0"/>
+              <a:buChar char="•"/>
+              <a:defRPr sz="1200" kern="1200">
+                <a:solidFill>
+                  <a:schemeClr val="tx1"/>
+                </a:solidFill>
+                <a:latin typeface="Times New Roman" panose="02020603050405020304" pitchFamily="18" charset="0"/>
+                <a:ea typeface="+mn-ea"/>
+                <a:cs typeface="Times New Roman" panose="02020603050405020304" pitchFamily="18" charset="0"/>
+              </a:defRPr>
+            </a:lvl4pPr>
+            <a:lvl5pPr marL="2057400" indent="-228600" algn="l" defTabSz="914400" rtl="0" eaLnBrk="1" latinLnBrk="0" hangingPunct="1">
+              <a:lnSpc>
+                <a:spcPct val="150000"/>
+              </a:lnSpc>
+              <a:spcBef>
+                <a:spcPts val="500"/>
+              </a:spcBef>
+              <a:buFont typeface="Arial" panose="020B0604020202020204" pitchFamily="34" charset="0"/>
+              <a:buChar char="•"/>
+              <a:defRPr sz="1000" kern="1200">
+                <a:solidFill>
+                  <a:schemeClr val="tx1"/>
+                </a:solidFill>
+                <a:latin typeface="Times New Roman" panose="02020603050405020304" pitchFamily="18" charset="0"/>
+                <a:ea typeface="+mn-ea"/>
+                <a:cs typeface="Times New Roman" panose="02020603050405020304" pitchFamily="18" charset="0"/>
+              </a:defRPr>
+            </a:lvl5pPr>
+            <a:lvl6pPr marL="2514600" indent="-228600" algn="l" defTabSz="914400" rtl="0" eaLnBrk="1" latinLnBrk="0" hangingPunct="1">
+              <a:lnSpc>
+                <a:spcPct val="90000"/>
+              </a:lnSpc>
+              <a:spcBef>
+                <a:spcPts val="500"/>
+              </a:spcBef>
+              <a:buFont typeface="Arial" panose="020B0604020202020204" pitchFamily="34" charset="0"/>
+              <a:buChar char="•"/>
+              <a:defRPr sz="1800" kern="1200">
+                <a:solidFill>
+                  <a:schemeClr val="tx1"/>
+                </a:solidFill>
+                <a:latin typeface="+mn-lt"/>
+                <a:ea typeface="+mn-ea"/>
+                <a:cs typeface="+mn-cs"/>
+              </a:defRPr>
+            </a:lvl6pPr>
+            <a:lvl7pPr marL="2971800" indent="-228600" algn="l" defTabSz="914400" rtl="0" eaLnBrk="1" latinLnBrk="0" hangingPunct="1">
+              <a:lnSpc>
+                <a:spcPct val="90000"/>
+              </a:lnSpc>
+              <a:spcBef>
+                <a:spcPts val="500"/>
+              </a:spcBef>
+              <a:buFont typeface="Arial" panose="020B0604020202020204" pitchFamily="34" charset="0"/>
+              <a:buChar char="•"/>
+              <a:defRPr sz="1800" kern="1200">
+                <a:solidFill>
+                  <a:schemeClr val="tx1"/>
+                </a:solidFill>
+                <a:latin typeface="+mn-lt"/>
+                <a:ea typeface="+mn-ea"/>
+                <a:cs typeface="+mn-cs"/>
+              </a:defRPr>
+            </a:lvl7pPr>
+            <a:lvl8pPr marL="3429000" indent="-228600" algn="l" defTabSz="914400" rtl="0" eaLnBrk="1" latinLnBrk="0" hangingPunct="1">
+              <a:lnSpc>
+                <a:spcPct val="90000"/>
+              </a:lnSpc>
+              <a:spcBef>
+                <a:spcPts val="500"/>
+              </a:spcBef>
+              <a:buFont typeface="Arial" panose="020B0604020202020204" pitchFamily="34" charset="0"/>
+              <a:buChar char="•"/>
+              <a:defRPr sz="1800" kern="1200">
+                <a:solidFill>
+                  <a:schemeClr val="tx1"/>
+                </a:solidFill>
+                <a:latin typeface="+mn-lt"/>
+                <a:ea typeface="+mn-ea"/>
+                <a:cs typeface="+mn-cs"/>
+              </a:defRPr>
+            </a:lvl8pPr>
+            <a:lvl9pPr marL="3886200" indent="-228600" algn="l" defTabSz="914400" rtl="0" eaLnBrk="1" latinLnBrk="0" hangingPunct="1">
+              <a:lnSpc>
+                <a:spcPct val="90000"/>
+              </a:lnSpc>
+              <a:spcBef>
+                <a:spcPts val="500"/>
+              </a:spcBef>
+              <a:buFont typeface="Arial" panose="020B0604020202020204" pitchFamily="34" charset="0"/>
+              <a:buChar char="•"/>
+              <a:defRPr sz="1800" kern="1200">
+                <a:solidFill>
+                  <a:schemeClr val="tx1"/>
+                </a:solidFill>
+                <a:latin typeface="+mn-lt"/>
+                <a:ea typeface="+mn-ea"/>
+                <a:cs typeface="+mn-cs"/>
+              </a:defRPr>
+            </a:lvl9pPr>
+          </a:lstStyle>
+          <a:p>
+            <a:r>
+              <a:rPr lang="pt-BR" dirty="0"/>
+              <a:t>Notação de colchetes ([]) – Essa abordagem é útil quando o nome da propriedade é uma </a:t>
+            </a:r>
+            <a:r>
+              <a:rPr lang="pt-BR" dirty="0" err="1"/>
+              <a:t>string</a:t>
+            </a:r>
+            <a:r>
+              <a:rPr lang="pt-BR" dirty="0"/>
+              <a:t> dinâmica ou contém caracteres especiais.</a:t>
+            </a:r>
+          </a:p>
+        </p:txBody>
+      </p:sp>
+      <p:sp>
+        <p:nvSpPr>
+          <p:cNvPr id="6" name="Retângulo 5">
+            <a:extLst>
+              <a:ext uri="{FF2B5EF4-FFF2-40B4-BE49-F238E27FC236}">
+                <a16:creationId xmlns:a16="http://schemas.microsoft.com/office/drawing/2014/main" id="{E652ABAE-E767-4D12-B34A-404D1B8CFE20}"/>
+              </a:ext>
+            </a:extLst>
+          </p:cNvPr>
+          <p:cNvSpPr/>
+          <p:nvPr/>
+        </p:nvSpPr>
+        <p:spPr>
+          <a:xfrm>
+            <a:off x="4420699" y="3201891"/>
+            <a:ext cx="3350597" cy="369332"/>
+          </a:xfrm>
+          <a:prstGeom prst="rect">
+            <a:avLst/>
+          </a:prstGeom>
+        </p:spPr>
+        <p:txBody>
+          <a:bodyPr wrap="none">
+            <a:spAutoFit/>
+          </a:bodyPr>
+          <a:lstStyle/>
+          <a:p>
+            <a:r>
+              <a:rPr lang="pt-BR" dirty="0">
+                <a:solidFill>
+                  <a:srgbClr val="0000FF"/>
+                </a:solidFill>
+                <a:latin typeface="Consolas" panose="020B0609020204030204" pitchFamily="49" charset="0"/>
+              </a:rPr>
+              <a:t>delete</a:t>
+            </a:r>
+            <a:r>
+              <a:rPr lang="pt-BR" dirty="0">
+                <a:solidFill>
+                  <a:srgbClr val="000000"/>
+                </a:solidFill>
+                <a:latin typeface="Consolas" panose="020B0609020204030204" pitchFamily="49" charset="0"/>
+              </a:rPr>
+              <a:t> </a:t>
+            </a:r>
+            <a:r>
+              <a:rPr lang="pt-BR" dirty="0" err="1">
+                <a:solidFill>
+                  <a:srgbClr val="000000"/>
+                </a:solidFill>
+                <a:latin typeface="Consolas" panose="020B0609020204030204" pitchFamily="49" charset="0"/>
+              </a:rPr>
+              <a:t>produto.fabricante</a:t>
+            </a:r>
+            <a:endParaRPr lang="pt-BR" b="0" dirty="0">
+              <a:solidFill>
+                <a:srgbClr val="000000"/>
+              </a:solidFill>
+              <a:effectLst/>
+              <a:latin typeface="Consolas" panose="020B0609020204030204" pitchFamily="49" charset="0"/>
+            </a:endParaRPr>
+          </a:p>
+        </p:txBody>
+      </p:sp>
+      <p:sp>
+        <p:nvSpPr>
+          <p:cNvPr id="7" name="Retângulo 6">
+            <a:extLst>
+              <a:ext uri="{FF2B5EF4-FFF2-40B4-BE49-F238E27FC236}">
+                <a16:creationId xmlns:a16="http://schemas.microsoft.com/office/drawing/2014/main" id="{E95438A9-8E4A-4EDC-A64C-D236771C27C3}"/>
+              </a:ext>
+            </a:extLst>
+          </p:cNvPr>
+          <p:cNvSpPr/>
+          <p:nvPr/>
+        </p:nvSpPr>
+        <p:spPr>
+          <a:xfrm>
+            <a:off x="4167424" y="5275369"/>
+            <a:ext cx="3857146" cy="369332"/>
+          </a:xfrm>
+          <a:prstGeom prst="rect">
+            <a:avLst/>
+          </a:prstGeom>
+        </p:spPr>
+        <p:txBody>
+          <a:bodyPr wrap="none">
+            <a:spAutoFit/>
+          </a:bodyPr>
+          <a:lstStyle/>
+          <a:p>
+            <a:r>
+              <a:rPr lang="pt-BR" dirty="0">
+                <a:solidFill>
+                  <a:srgbClr val="0000FF"/>
+                </a:solidFill>
+                <a:latin typeface="Consolas" panose="020B0609020204030204" pitchFamily="49" charset="0"/>
+              </a:rPr>
+              <a:t>delete</a:t>
+            </a:r>
+            <a:r>
+              <a:rPr lang="pt-BR" dirty="0">
+                <a:solidFill>
+                  <a:srgbClr val="000000"/>
+                </a:solidFill>
+                <a:latin typeface="Consolas" panose="020B0609020204030204" pitchFamily="49" charset="0"/>
+              </a:rPr>
+              <a:t> produto[</a:t>
+            </a:r>
+            <a:r>
+              <a:rPr lang="pt-BR" dirty="0">
+                <a:solidFill>
+                  <a:srgbClr val="A31515"/>
+                </a:solidFill>
+                <a:latin typeface="Consolas" panose="020B0609020204030204" pitchFamily="49" charset="0"/>
+              </a:rPr>
+              <a:t>"fabricante"</a:t>
+            </a:r>
+            <a:r>
+              <a:rPr lang="pt-BR" dirty="0">
+                <a:solidFill>
+                  <a:srgbClr val="000000"/>
+                </a:solidFill>
+                <a:latin typeface="Consolas" panose="020B0609020204030204" pitchFamily="49" charset="0"/>
+              </a:rPr>
+              <a:t>];</a:t>
+            </a:r>
+            <a:endParaRPr lang="pt-BR" b="0" dirty="0">
+              <a:solidFill>
+                <a:srgbClr val="000000"/>
+              </a:solidFill>
+              <a:effectLst/>
+              <a:latin typeface="Consolas" panose="020B0609020204030204" pitchFamily="49" charset="0"/>
+            </a:endParaRPr>
+          </a:p>
+        </p:txBody>
+      </p:sp>
+    </p:spTree>
+    <p:extLst>
+      <p:ext uri="{BB962C8B-B14F-4D97-AF65-F5344CB8AC3E}">
+        <p14:creationId xmlns:p14="http://schemas.microsoft.com/office/powerpoint/2010/main" val="2288148299"/>
+      </p:ext>
+    </p:extLst>
+  </p:cSld>
+  <p:clrMapOvr>
+    <a:masterClrMapping/>
+  </p:clrMapOvr>
+</p:sld>
+</file>
+
+<file path=ppt/slides/slide17.xml><?xml version="1.0" encoding="utf-8"?>
+<p:sld xmlns:a="http://schemas.openxmlformats.org/drawingml/2006/main" xmlns:r="http://schemas.openxmlformats.org/officeDocument/2006/relationships" xmlns:p="http://schemas.openxmlformats.org/presentationml/2006/main">
+  <p:cSld>
+    <p:spTree>
+      <p:nvGrpSpPr>
+        <p:cNvPr id="1" name=""/>
+        <p:cNvGrpSpPr/>
+        <p:nvPr/>
+      </p:nvGrpSpPr>
+      <p:grpSpPr>
+        <a:xfrm>
+          <a:off x="0" y="0"/>
+          <a:ext cx="0" cy="0"/>
+          <a:chOff x="0" y="0"/>
+          <a:chExt cx="0" cy="0"/>
+        </a:xfrm>
+      </p:grpSpPr>
+      <p:sp>
+        <p:nvSpPr>
+          <p:cNvPr id="4" name="Título 3">
+            <a:extLst>
+              <a:ext uri="{FF2B5EF4-FFF2-40B4-BE49-F238E27FC236}">
+                <a16:creationId xmlns:a16="http://schemas.microsoft.com/office/drawing/2014/main" id="{EB39CA59-FE6C-4167-A29D-73050056F8DD}"/>
+              </a:ext>
+            </a:extLst>
+          </p:cNvPr>
+          <p:cNvSpPr>
+            <a:spLocks noGrp="1"/>
+          </p:cNvSpPr>
+          <p:nvPr>
+            <p:ph type="title"/>
+          </p:nvPr>
+        </p:nvSpPr>
+        <p:spPr/>
+        <p:txBody>
+          <a:bodyPr/>
+          <a:lstStyle/>
+          <a:p>
+            <a:r>
+              <a:rPr lang="pt-BR" dirty="0" err="1"/>
+              <a:t>Arrays</a:t>
+            </a:r>
+            <a:r>
+              <a:rPr lang="pt-BR" dirty="0"/>
+              <a:t> de Objetos</a:t>
+            </a:r>
+            <a:br>
+              <a:rPr lang="pt-BR" dirty="0"/>
+            </a:br>
+            <a:endParaRPr lang="pt-BR" dirty="0"/>
+          </a:p>
+        </p:txBody>
+      </p:sp>
+      <p:sp>
+        <p:nvSpPr>
+          <p:cNvPr id="5" name="Espaço Reservado para Conteúdo 4">
+            <a:extLst>
+              <a:ext uri="{FF2B5EF4-FFF2-40B4-BE49-F238E27FC236}">
+                <a16:creationId xmlns:a16="http://schemas.microsoft.com/office/drawing/2014/main" id="{188A81A7-7F16-43C2-A76D-FA958E4DF037}"/>
+              </a:ext>
+            </a:extLst>
+          </p:cNvPr>
+          <p:cNvSpPr>
+            <a:spLocks noGrp="1"/>
+          </p:cNvSpPr>
+          <p:nvPr>
+            <p:ph idx="1"/>
+          </p:nvPr>
+        </p:nvSpPr>
+        <p:spPr/>
+        <p:txBody>
+          <a:bodyPr/>
+          <a:lstStyle/>
+          <a:p>
+            <a:endParaRPr lang="pt-BR"/>
+          </a:p>
+        </p:txBody>
+      </p:sp>
+    </p:spTree>
+    <p:extLst>
+      <p:ext uri="{BB962C8B-B14F-4D97-AF65-F5344CB8AC3E}">
+        <p14:creationId xmlns:p14="http://schemas.microsoft.com/office/powerpoint/2010/main" val="1888530592"/>
+      </p:ext>
+    </p:extLst>
+  </p:cSld>
+  <p:clrMapOvr>
+    <a:masterClrMapping/>
+  </p:clrMapOvr>
+</p:sld>
+</file>
+
+<file path=ppt/slides/slide18.xml><?xml version="1.0" encoding="utf-8"?>
+<p:sld xmlns:a="http://schemas.openxmlformats.org/drawingml/2006/main" xmlns:r="http://schemas.openxmlformats.org/officeDocument/2006/relationships" xmlns:p="http://schemas.openxmlformats.org/presentationml/2006/main">
+  <p:cSld>
+    <p:spTree>
+      <p:nvGrpSpPr>
+        <p:cNvPr id="1" name=""/>
+        <p:cNvGrpSpPr/>
+        <p:nvPr/>
+      </p:nvGrpSpPr>
+      <p:grpSpPr>
+        <a:xfrm>
+          <a:off x="0" y="0"/>
+          <a:ext cx="0" cy="0"/>
+          <a:chOff x="0" y="0"/>
+          <a:chExt cx="0" cy="0"/>
+        </a:xfrm>
+      </p:grpSpPr>
+      <p:sp>
+        <p:nvSpPr>
+          <p:cNvPr id="6" name="Título 5">
+            <a:extLst>
+              <a:ext uri="{FF2B5EF4-FFF2-40B4-BE49-F238E27FC236}">
+                <a16:creationId xmlns:a16="http://schemas.microsoft.com/office/drawing/2014/main" id="{4C3FB951-90DD-417E-99B3-76B247BA1467}"/>
+              </a:ext>
+            </a:extLst>
+          </p:cNvPr>
+          <p:cNvSpPr>
+            <a:spLocks noGrp="1"/>
+          </p:cNvSpPr>
+          <p:nvPr>
+            <p:ph type="title"/>
+          </p:nvPr>
+        </p:nvSpPr>
+        <p:spPr/>
+        <p:txBody>
+          <a:bodyPr/>
+          <a:lstStyle/>
+          <a:p>
+            <a:r>
+              <a:rPr lang="pt-BR" dirty="0"/>
+              <a:t>Métodos Avançados de </a:t>
+            </a:r>
+            <a:r>
+              <a:rPr lang="pt-BR" dirty="0" err="1"/>
+              <a:t>Arrays</a:t>
+            </a:r>
+            <a:endParaRPr lang="pt-BR" dirty="0"/>
+          </a:p>
+        </p:txBody>
+      </p:sp>
+      <p:sp>
+        <p:nvSpPr>
+          <p:cNvPr id="7" name="Espaço Reservado para Conteúdo 6">
+            <a:extLst>
+              <a:ext uri="{FF2B5EF4-FFF2-40B4-BE49-F238E27FC236}">
+                <a16:creationId xmlns:a16="http://schemas.microsoft.com/office/drawing/2014/main" id="{6A47C640-269D-4D5E-8B3D-BC2EEEC26879}"/>
+              </a:ext>
+            </a:extLst>
+          </p:cNvPr>
+          <p:cNvSpPr>
+            <a:spLocks noGrp="1"/>
+          </p:cNvSpPr>
+          <p:nvPr>
+            <p:ph idx="1"/>
+          </p:nvPr>
+        </p:nvSpPr>
+        <p:spPr>
+          <a:xfrm>
+            <a:off x="592347" y="1844675"/>
+            <a:ext cx="11007306" cy="1360164"/>
+          </a:xfrm>
+        </p:spPr>
+        <p:txBody>
+          <a:bodyPr/>
+          <a:lstStyle/>
+          <a:p>
+            <a:pPr>
+              <a:spcBef>
+                <a:spcPts val="0"/>
+              </a:spcBef>
+            </a:pPr>
+            <a:r>
+              <a:rPr lang="pt-BR" dirty="0"/>
+              <a:t>🔎 .</a:t>
+            </a:r>
+            <a:r>
+              <a:rPr lang="pt-BR" dirty="0" err="1"/>
+              <a:t>filter</a:t>
+            </a:r>
+            <a:r>
+              <a:rPr lang="pt-BR" dirty="0"/>
+              <a:t>() - Filtrando elementos</a:t>
+            </a:r>
+          </a:p>
+          <a:p>
+            <a:pPr indent="457200">
+              <a:spcBef>
+                <a:spcPts val="0"/>
+              </a:spcBef>
+            </a:pPr>
+            <a:r>
+              <a:rPr lang="pt-BR" dirty="0"/>
+              <a:t>O .</a:t>
+            </a:r>
+            <a:r>
+              <a:rPr lang="pt-BR" dirty="0" err="1"/>
+              <a:t>filter</a:t>
+            </a:r>
+            <a:r>
+              <a:rPr lang="pt-BR" dirty="0"/>
+              <a:t>() cria um novo </a:t>
+            </a:r>
+            <a:r>
+              <a:rPr lang="pt-BR" dirty="0" err="1"/>
+              <a:t>array</a:t>
+            </a:r>
+            <a:r>
+              <a:rPr lang="pt-BR" dirty="0"/>
+              <a:t> contendo apenas os elementos que atendem a uma condição específica.</a:t>
+            </a:r>
+          </a:p>
+        </p:txBody>
+      </p:sp>
+      <p:sp>
+        <p:nvSpPr>
+          <p:cNvPr id="10" name="Retângulo 9">
+            <a:extLst>
+              <a:ext uri="{FF2B5EF4-FFF2-40B4-BE49-F238E27FC236}">
+                <a16:creationId xmlns:a16="http://schemas.microsoft.com/office/drawing/2014/main" id="{DB2F7A30-8128-4F8E-8083-92E538AED46F}"/>
+              </a:ext>
+            </a:extLst>
+          </p:cNvPr>
+          <p:cNvSpPr/>
+          <p:nvPr/>
+        </p:nvSpPr>
+        <p:spPr>
+          <a:xfrm>
+            <a:off x="1485530" y="3429000"/>
+            <a:ext cx="9220940" cy="2862322"/>
+          </a:xfrm>
+          <a:prstGeom prst="rect">
+            <a:avLst/>
+          </a:prstGeom>
+        </p:spPr>
+        <p:txBody>
+          <a:bodyPr wrap="square">
+            <a:spAutoFit/>
+          </a:bodyPr>
+          <a:lstStyle/>
+          <a:p>
+            <a:r>
+              <a:rPr lang="pt-BR" dirty="0" err="1">
+                <a:solidFill>
+                  <a:srgbClr val="0000FF"/>
+                </a:solidFill>
+                <a:latin typeface="Consolas" panose="020B0609020204030204" pitchFamily="49" charset="0"/>
+              </a:rPr>
+              <a:t>const</a:t>
+            </a:r>
+            <a:r>
+              <a:rPr lang="pt-BR" dirty="0">
+                <a:solidFill>
+                  <a:srgbClr val="000000"/>
+                </a:solidFill>
+                <a:latin typeface="Consolas" panose="020B0609020204030204" pitchFamily="49" charset="0"/>
+              </a:rPr>
+              <a:t> produtos = [</a:t>
+            </a:r>
+          </a:p>
+          <a:p>
+            <a:r>
+              <a:rPr lang="pt-BR" dirty="0">
+                <a:solidFill>
+                  <a:srgbClr val="000000"/>
+                </a:solidFill>
+                <a:latin typeface="Consolas" panose="020B0609020204030204" pitchFamily="49" charset="0"/>
+              </a:rPr>
+              <a:t>    { nome: </a:t>
+            </a:r>
+            <a:r>
+              <a:rPr lang="pt-BR" dirty="0">
+                <a:solidFill>
+                  <a:srgbClr val="A31515"/>
+                </a:solidFill>
+                <a:latin typeface="Consolas" panose="020B0609020204030204" pitchFamily="49" charset="0"/>
+              </a:rPr>
+              <a:t>"Mouse"</a:t>
+            </a:r>
+            <a:r>
+              <a:rPr lang="pt-BR" dirty="0">
+                <a:solidFill>
+                  <a:srgbClr val="000000"/>
+                </a:solidFill>
+                <a:latin typeface="Consolas" panose="020B0609020204030204" pitchFamily="49" charset="0"/>
+              </a:rPr>
+              <a:t>, </a:t>
+            </a:r>
+            <a:r>
+              <a:rPr lang="pt-BR" dirty="0" err="1">
+                <a:solidFill>
+                  <a:srgbClr val="000000"/>
+                </a:solidFill>
+                <a:latin typeface="Consolas" panose="020B0609020204030204" pitchFamily="49" charset="0"/>
+              </a:rPr>
+              <a:t>preco</a:t>
+            </a:r>
+            <a:r>
+              <a:rPr lang="pt-BR" dirty="0">
+                <a:solidFill>
+                  <a:srgbClr val="000000"/>
+                </a:solidFill>
+                <a:latin typeface="Consolas" panose="020B0609020204030204" pitchFamily="49" charset="0"/>
+              </a:rPr>
+              <a:t>: </a:t>
+            </a:r>
+            <a:r>
+              <a:rPr lang="pt-BR" dirty="0">
+                <a:solidFill>
+                  <a:srgbClr val="098658"/>
+                </a:solidFill>
+                <a:latin typeface="Consolas" panose="020B0609020204030204" pitchFamily="49" charset="0"/>
+              </a:rPr>
+              <a:t>50</a:t>
+            </a:r>
+            <a:r>
+              <a:rPr lang="pt-BR" dirty="0">
+                <a:solidFill>
+                  <a:srgbClr val="000000"/>
+                </a:solidFill>
+                <a:latin typeface="Consolas" panose="020B0609020204030204" pitchFamily="49" charset="0"/>
+              </a:rPr>
+              <a:t> },</a:t>
+            </a:r>
+          </a:p>
+          <a:p>
+            <a:r>
+              <a:rPr lang="pt-BR" dirty="0">
+                <a:solidFill>
+                  <a:srgbClr val="000000"/>
+                </a:solidFill>
+                <a:latin typeface="Consolas" panose="020B0609020204030204" pitchFamily="49" charset="0"/>
+              </a:rPr>
+              <a:t>    { nome: </a:t>
+            </a:r>
+            <a:r>
+              <a:rPr lang="pt-BR" dirty="0">
+                <a:solidFill>
+                  <a:srgbClr val="A31515"/>
+                </a:solidFill>
+                <a:latin typeface="Consolas" panose="020B0609020204030204" pitchFamily="49" charset="0"/>
+              </a:rPr>
+              <a:t>"Teclado"</a:t>
+            </a:r>
+            <a:r>
+              <a:rPr lang="pt-BR" dirty="0">
+                <a:solidFill>
+                  <a:srgbClr val="000000"/>
+                </a:solidFill>
+                <a:latin typeface="Consolas" panose="020B0609020204030204" pitchFamily="49" charset="0"/>
+              </a:rPr>
+              <a:t>, </a:t>
+            </a:r>
+            <a:r>
+              <a:rPr lang="pt-BR" dirty="0" err="1">
+                <a:solidFill>
+                  <a:srgbClr val="000000"/>
+                </a:solidFill>
+                <a:latin typeface="Consolas" panose="020B0609020204030204" pitchFamily="49" charset="0"/>
+              </a:rPr>
+              <a:t>preco</a:t>
+            </a:r>
+            <a:r>
+              <a:rPr lang="pt-BR" dirty="0">
+                <a:solidFill>
+                  <a:srgbClr val="000000"/>
+                </a:solidFill>
+                <a:latin typeface="Consolas" panose="020B0609020204030204" pitchFamily="49" charset="0"/>
+              </a:rPr>
+              <a:t>: </a:t>
+            </a:r>
+            <a:r>
+              <a:rPr lang="pt-BR" dirty="0">
+                <a:solidFill>
+                  <a:srgbClr val="098658"/>
+                </a:solidFill>
+                <a:latin typeface="Consolas" panose="020B0609020204030204" pitchFamily="49" charset="0"/>
+              </a:rPr>
+              <a:t>150</a:t>
+            </a:r>
+            <a:r>
+              <a:rPr lang="pt-BR" dirty="0">
+                <a:solidFill>
+                  <a:srgbClr val="000000"/>
+                </a:solidFill>
+                <a:latin typeface="Consolas" panose="020B0609020204030204" pitchFamily="49" charset="0"/>
+              </a:rPr>
+              <a:t> },</a:t>
+            </a:r>
+          </a:p>
+          <a:p>
+            <a:r>
+              <a:rPr lang="pt-BR" dirty="0">
+                <a:solidFill>
+                  <a:srgbClr val="000000"/>
+                </a:solidFill>
+                <a:latin typeface="Consolas" panose="020B0609020204030204" pitchFamily="49" charset="0"/>
+              </a:rPr>
+              <a:t>    { nome: </a:t>
+            </a:r>
+            <a:r>
+              <a:rPr lang="pt-BR" dirty="0">
+                <a:solidFill>
+                  <a:srgbClr val="A31515"/>
+                </a:solidFill>
+                <a:latin typeface="Consolas" panose="020B0609020204030204" pitchFamily="49" charset="0"/>
+              </a:rPr>
+              <a:t>"Monitor"</a:t>
+            </a:r>
+            <a:r>
+              <a:rPr lang="pt-BR" dirty="0">
+                <a:solidFill>
+                  <a:srgbClr val="000000"/>
+                </a:solidFill>
+                <a:latin typeface="Consolas" panose="020B0609020204030204" pitchFamily="49" charset="0"/>
+              </a:rPr>
+              <a:t>, </a:t>
+            </a:r>
+            <a:r>
+              <a:rPr lang="pt-BR" dirty="0" err="1">
+                <a:solidFill>
+                  <a:srgbClr val="000000"/>
+                </a:solidFill>
+                <a:latin typeface="Consolas" panose="020B0609020204030204" pitchFamily="49" charset="0"/>
+              </a:rPr>
+              <a:t>preco</a:t>
+            </a:r>
+            <a:r>
+              <a:rPr lang="pt-BR" dirty="0">
+                <a:solidFill>
+                  <a:srgbClr val="000000"/>
+                </a:solidFill>
+                <a:latin typeface="Consolas" panose="020B0609020204030204" pitchFamily="49" charset="0"/>
+              </a:rPr>
+              <a:t>: </a:t>
+            </a:r>
+            <a:r>
+              <a:rPr lang="pt-BR" dirty="0">
+                <a:solidFill>
+                  <a:srgbClr val="098658"/>
+                </a:solidFill>
+                <a:latin typeface="Consolas" panose="020B0609020204030204" pitchFamily="49" charset="0"/>
+              </a:rPr>
+              <a:t>600</a:t>
+            </a:r>
+            <a:r>
+              <a:rPr lang="pt-BR" dirty="0">
+                <a:solidFill>
+                  <a:srgbClr val="000000"/>
+                </a:solidFill>
+                <a:latin typeface="Consolas" panose="020B0609020204030204" pitchFamily="49" charset="0"/>
+              </a:rPr>
+              <a:t> },</a:t>
+            </a:r>
+          </a:p>
+          <a:p>
+            <a:r>
+              <a:rPr lang="pt-BR" dirty="0">
+                <a:solidFill>
+                  <a:srgbClr val="000000"/>
+                </a:solidFill>
+                <a:latin typeface="Consolas" panose="020B0609020204030204" pitchFamily="49" charset="0"/>
+              </a:rPr>
+              <a:t>    { nome: </a:t>
+            </a:r>
+            <a:r>
+              <a:rPr lang="pt-BR" dirty="0">
+                <a:solidFill>
+                  <a:srgbClr val="A31515"/>
+                </a:solidFill>
+                <a:latin typeface="Consolas" panose="020B0609020204030204" pitchFamily="49" charset="0"/>
+              </a:rPr>
+              <a:t>"Cabo USB"</a:t>
+            </a:r>
+            <a:r>
+              <a:rPr lang="pt-BR" dirty="0">
+                <a:solidFill>
+                  <a:srgbClr val="000000"/>
+                </a:solidFill>
+                <a:latin typeface="Consolas" panose="020B0609020204030204" pitchFamily="49" charset="0"/>
+              </a:rPr>
+              <a:t>, </a:t>
+            </a:r>
+            <a:r>
+              <a:rPr lang="pt-BR" dirty="0" err="1">
+                <a:solidFill>
+                  <a:srgbClr val="000000"/>
+                </a:solidFill>
+                <a:latin typeface="Consolas" panose="020B0609020204030204" pitchFamily="49" charset="0"/>
+              </a:rPr>
+              <a:t>preco</a:t>
+            </a:r>
+            <a:r>
+              <a:rPr lang="pt-BR" dirty="0">
+                <a:solidFill>
+                  <a:srgbClr val="000000"/>
+                </a:solidFill>
+                <a:latin typeface="Consolas" panose="020B0609020204030204" pitchFamily="49" charset="0"/>
+              </a:rPr>
+              <a:t>: </a:t>
+            </a:r>
+            <a:r>
+              <a:rPr lang="pt-BR" dirty="0">
+                <a:solidFill>
+                  <a:srgbClr val="098658"/>
+                </a:solidFill>
+                <a:latin typeface="Consolas" panose="020B0609020204030204" pitchFamily="49" charset="0"/>
+              </a:rPr>
+              <a:t>30</a:t>
+            </a:r>
+            <a:r>
+              <a:rPr lang="pt-BR" dirty="0">
+                <a:solidFill>
+                  <a:srgbClr val="000000"/>
+                </a:solidFill>
+                <a:latin typeface="Consolas" panose="020B0609020204030204" pitchFamily="49" charset="0"/>
+              </a:rPr>
+              <a:t> }</a:t>
+            </a:r>
+          </a:p>
+          <a:p>
+            <a:r>
+              <a:rPr lang="pt-BR" dirty="0">
+                <a:solidFill>
+                  <a:srgbClr val="000000"/>
+                </a:solidFill>
+                <a:latin typeface="Consolas" panose="020B0609020204030204" pitchFamily="49" charset="0"/>
+              </a:rPr>
+              <a:t>];</a:t>
+            </a:r>
+          </a:p>
+          <a:p>
+            <a:br>
+              <a:rPr lang="pt-BR" dirty="0">
+                <a:solidFill>
+                  <a:srgbClr val="000000"/>
+                </a:solidFill>
+                <a:latin typeface="Consolas" panose="020B0609020204030204" pitchFamily="49" charset="0"/>
+              </a:rPr>
+            </a:br>
+            <a:r>
+              <a:rPr lang="pt-BR" dirty="0" err="1">
+                <a:solidFill>
+                  <a:srgbClr val="0000FF"/>
+                </a:solidFill>
+                <a:latin typeface="Consolas" panose="020B0609020204030204" pitchFamily="49" charset="0"/>
+              </a:rPr>
+              <a:t>const</a:t>
+            </a:r>
+            <a:r>
+              <a:rPr lang="pt-BR" dirty="0">
+                <a:solidFill>
+                  <a:srgbClr val="000000"/>
+                </a:solidFill>
+                <a:latin typeface="Consolas" panose="020B0609020204030204" pitchFamily="49" charset="0"/>
+              </a:rPr>
+              <a:t> </a:t>
+            </a:r>
+            <a:r>
+              <a:rPr lang="pt-BR" dirty="0" err="1">
+                <a:solidFill>
+                  <a:srgbClr val="000000"/>
+                </a:solidFill>
+                <a:latin typeface="Consolas" panose="020B0609020204030204" pitchFamily="49" charset="0"/>
+              </a:rPr>
+              <a:t>produtosCaros</a:t>
+            </a:r>
+            <a:r>
+              <a:rPr lang="pt-BR" dirty="0">
+                <a:solidFill>
+                  <a:srgbClr val="000000"/>
+                </a:solidFill>
+                <a:latin typeface="Consolas" panose="020B0609020204030204" pitchFamily="49" charset="0"/>
+              </a:rPr>
+              <a:t> = </a:t>
+            </a:r>
+            <a:r>
+              <a:rPr lang="pt-BR" dirty="0" err="1">
+                <a:solidFill>
+                  <a:srgbClr val="000000"/>
+                </a:solidFill>
+                <a:latin typeface="Consolas" panose="020B0609020204030204" pitchFamily="49" charset="0"/>
+              </a:rPr>
+              <a:t>produtos.filter</a:t>
+            </a:r>
+            <a:r>
+              <a:rPr lang="pt-BR" dirty="0">
+                <a:solidFill>
+                  <a:srgbClr val="000000"/>
+                </a:solidFill>
+                <a:latin typeface="Consolas" panose="020B0609020204030204" pitchFamily="49" charset="0"/>
+              </a:rPr>
+              <a:t>(produto </a:t>
+            </a:r>
+            <a:r>
+              <a:rPr lang="pt-BR" dirty="0">
+                <a:solidFill>
+                  <a:srgbClr val="0000FF"/>
+                </a:solidFill>
+                <a:latin typeface="Consolas" panose="020B0609020204030204" pitchFamily="49" charset="0"/>
+              </a:rPr>
+              <a:t>=&gt;</a:t>
+            </a:r>
+            <a:r>
+              <a:rPr lang="pt-BR" dirty="0">
+                <a:solidFill>
+                  <a:srgbClr val="000000"/>
+                </a:solidFill>
+                <a:latin typeface="Consolas" panose="020B0609020204030204" pitchFamily="49" charset="0"/>
+              </a:rPr>
+              <a:t> </a:t>
+            </a:r>
+            <a:r>
+              <a:rPr lang="pt-BR" dirty="0" err="1">
+                <a:solidFill>
+                  <a:srgbClr val="000000"/>
+                </a:solidFill>
+                <a:latin typeface="Consolas" panose="020B0609020204030204" pitchFamily="49" charset="0"/>
+              </a:rPr>
+              <a:t>produto.preco</a:t>
+            </a:r>
+            <a:r>
+              <a:rPr lang="pt-BR" dirty="0">
+                <a:solidFill>
+                  <a:srgbClr val="000000"/>
+                </a:solidFill>
+                <a:latin typeface="Consolas" panose="020B0609020204030204" pitchFamily="49" charset="0"/>
+              </a:rPr>
+              <a:t> &gt; </a:t>
+            </a:r>
+            <a:r>
+              <a:rPr lang="pt-BR" dirty="0">
+                <a:solidFill>
+                  <a:srgbClr val="098658"/>
+                </a:solidFill>
+                <a:latin typeface="Consolas" panose="020B0609020204030204" pitchFamily="49" charset="0"/>
+              </a:rPr>
+              <a:t>100</a:t>
+            </a:r>
+            <a:r>
+              <a:rPr lang="pt-BR" dirty="0">
+                <a:solidFill>
+                  <a:srgbClr val="000000"/>
+                </a:solidFill>
+                <a:latin typeface="Consolas" panose="020B0609020204030204" pitchFamily="49" charset="0"/>
+              </a:rPr>
+              <a:t>);</a:t>
+            </a:r>
+          </a:p>
+          <a:p>
+            <a:br>
+              <a:rPr lang="pt-BR" dirty="0">
+                <a:solidFill>
+                  <a:srgbClr val="000000"/>
+                </a:solidFill>
+                <a:latin typeface="Consolas" panose="020B0609020204030204" pitchFamily="49" charset="0"/>
+              </a:rPr>
+            </a:br>
+            <a:r>
+              <a:rPr lang="pt-BR" dirty="0">
+                <a:solidFill>
+                  <a:srgbClr val="000000"/>
+                </a:solidFill>
+                <a:latin typeface="Consolas" panose="020B0609020204030204" pitchFamily="49" charset="0"/>
+              </a:rPr>
+              <a:t>console.log(</a:t>
+            </a:r>
+            <a:r>
+              <a:rPr lang="pt-BR" dirty="0" err="1">
+                <a:solidFill>
+                  <a:srgbClr val="000000"/>
+                </a:solidFill>
+                <a:latin typeface="Consolas" panose="020B0609020204030204" pitchFamily="49" charset="0"/>
+              </a:rPr>
+              <a:t>produtosCaros</a:t>
+            </a:r>
+            <a:r>
+              <a:rPr lang="pt-BR" dirty="0">
+                <a:solidFill>
+                  <a:srgbClr val="000000"/>
+                </a:solidFill>
+                <a:latin typeface="Consolas" panose="020B0609020204030204" pitchFamily="49" charset="0"/>
+              </a:rPr>
+              <a:t>);</a:t>
+            </a:r>
+            <a:endParaRPr lang="pt-BR" b="0" dirty="0">
+              <a:solidFill>
+                <a:srgbClr val="000000"/>
+              </a:solidFill>
+              <a:effectLst/>
+              <a:latin typeface="Consolas" panose="020B0609020204030204" pitchFamily="49" charset="0"/>
+            </a:endParaRPr>
+          </a:p>
+        </p:txBody>
+      </p:sp>
+    </p:spTree>
+    <p:extLst>
+      <p:ext uri="{BB962C8B-B14F-4D97-AF65-F5344CB8AC3E}">
+        <p14:creationId xmlns:p14="http://schemas.microsoft.com/office/powerpoint/2010/main" val="999804480"/>
+      </p:ext>
+    </p:extLst>
+  </p:cSld>
+  <p:clrMapOvr>
+    <a:masterClrMapping/>
+  </p:clrMapOvr>
+</p:sld>
+</file>
+
+<file path=ppt/slides/slide19.xml><?xml version="1.0" encoding="utf-8"?>
+<p:sld xmlns:a="http://schemas.openxmlformats.org/drawingml/2006/main" xmlns:r="http://schemas.openxmlformats.org/officeDocument/2006/relationships" xmlns:p="http://schemas.openxmlformats.org/presentationml/2006/main">
+  <p:cSld>
+    <p:spTree>
+      <p:nvGrpSpPr>
+        <p:cNvPr id="1" name=""/>
+        <p:cNvGrpSpPr/>
+        <p:nvPr/>
+      </p:nvGrpSpPr>
+      <p:grpSpPr>
+        <a:xfrm>
+          <a:off x="0" y="0"/>
+          <a:ext cx="0" cy="0"/>
+          <a:chOff x="0" y="0"/>
+          <a:chExt cx="0" cy="0"/>
+        </a:xfrm>
+      </p:grpSpPr>
+      <p:sp>
+        <p:nvSpPr>
+          <p:cNvPr id="6" name="Título 5">
+            <a:extLst>
+              <a:ext uri="{FF2B5EF4-FFF2-40B4-BE49-F238E27FC236}">
+                <a16:creationId xmlns:a16="http://schemas.microsoft.com/office/drawing/2014/main" id="{4C3FB951-90DD-417E-99B3-76B247BA1467}"/>
+              </a:ext>
+            </a:extLst>
+          </p:cNvPr>
+          <p:cNvSpPr>
+            <a:spLocks noGrp="1"/>
+          </p:cNvSpPr>
+          <p:nvPr>
+            <p:ph type="title"/>
+          </p:nvPr>
+        </p:nvSpPr>
+        <p:spPr/>
+        <p:txBody>
+          <a:bodyPr/>
+          <a:lstStyle/>
+          <a:p>
+            <a:r>
+              <a:rPr lang="pt-BR" dirty="0"/>
+              <a:t>Métodos Avançados de </a:t>
+            </a:r>
+            <a:r>
+              <a:rPr lang="pt-BR" dirty="0" err="1"/>
+              <a:t>Arrays</a:t>
+            </a:r>
+            <a:endParaRPr lang="pt-BR" dirty="0"/>
+          </a:p>
+        </p:txBody>
+      </p:sp>
+      <p:sp>
+        <p:nvSpPr>
+          <p:cNvPr id="7" name="Espaço Reservado para Conteúdo 6">
+            <a:extLst>
+              <a:ext uri="{FF2B5EF4-FFF2-40B4-BE49-F238E27FC236}">
+                <a16:creationId xmlns:a16="http://schemas.microsoft.com/office/drawing/2014/main" id="{6A47C640-269D-4D5E-8B3D-BC2EEEC26879}"/>
+              </a:ext>
+            </a:extLst>
+          </p:cNvPr>
+          <p:cNvSpPr>
+            <a:spLocks noGrp="1"/>
+          </p:cNvSpPr>
+          <p:nvPr>
+            <p:ph idx="1"/>
+          </p:nvPr>
+        </p:nvSpPr>
+        <p:spPr>
+          <a:xfrm>
+            <a:off x="592347" y="1844675"/>
+            <a:ext cx="11007306" cy="1360164"/>
+          </a:xfrm>
+        </p:spPr>
+        <p:txBody>
+          <a:bodyPr/>
+          <a:lstStyle/>
+          <a:p>
+            <a:pPr>
+              <a:spcBef>
+                <a:spcPts val="0"/>
+              </a:spcBef>
+            </a:pPr>
+            <a:r>
+              <a:rPr lang="pt-BR" dirty="0"/>
+              <a:t>🔄 .</a:t>
+            </a:r>
+            <a:r>
+              <a:rPr lang="pt-BR" dirty="0" err="1"/>
+              <a:t>map</a:t>
+            </a:r>
+            <a:r>
+              <a:rPr lang="pt-BR" dirty="0"/>
+              <a:t>() - Transformando elementos</a:t>
+            </a:r>
+          </a:p>
+          <a:p>
+            <a:pPr indent="457200">
+              <a:spcBef>
+                <a:spcPts val="0"/>
+              </a:spcBef>
+            </a:pPr>
+            <a:r>
+              <a:rPr lang="pt-BR" dirty="0"/>
+              <a:t>O .</a:t>
+            </a:r>
+            <a:r>
+              <a:rPr lang="pt-BR" dirty="0" err="1"/>
+              <a:t>map</a:t>
+            </a:r>
+            <a:r>
+              <a:rPr lang="pt-BR" dirty="0"/>
+              <a:t>() cria um novo </a:t>
+            </a:r>
+            <a:r>
+              <a:rPr lang="pt-BR" dirty="0" err="1"/>
+              <a:t>array</a:t>
+            </a:r>
+            <a:r>
+              <a:rPr lang="pt-BR" dirty="0"/>
+              <a:t> aplicando uma transformação em cada elemento.</a:t>
+            </a:r>
+          </a:p>
+        </p:txBody>
+      </p:sp>
+      <p:sp>
+        <p:nvSpPr>
+          <p:cNvPr id="2" name="Retângulo 1">
+            <a:extLst>
+              <a:ext uri="{FF2B5EF4-FFF2-40B4-BE49-F238E27FC236}">
+                <a16:creationId xmlns:a16="http://schemas.microsoft.com/office/drawing/2014/main" id="{B8FA76D3-6DD2-4F60-B40A-B7626858F721}"/>
+              </a:ext>
+            </a:extLst>
+          </p:cNvPr>
+          <p:cNvSpPr/>
+          <p:nvPr/>
+        </p:nvSpPr>
+        <p:spPr>
+          <a:xfrm>
+            <a:off x="2045384" y="3204839"/>
+            <a:ext cx="6817581" cy="3293209"/>
+          </a:xfrm>
+          <a:prstGeom prst="rect">
+            <a:avLst/>
+          </a:prstGeom>
+        </p:spPr>
+        <p:txBody>
+          <a:bodyPr wrap="square">
+            <a:spAutoFit/>
+          </a:bodyPr>
+          <a:lstStyle/>
+          <a:p>
+            <a:r>
+              <a:rPr lang="pt-BR" sz="1600" dirty="0" err="1">
+                <a:solidFill>
+                  <a:srgbClr val="0000FF"/>
+                </a:solidFill>
+                <a:latin typeface="Consolas" panose="020B0609020204030204" pitchFamily="49" charset="0"/>
+              </a:rPr>
+              <a:t>const</a:t>
+            </a:r>
+            <a:r>
+              <a:rPr lang="pt-BR" sz="1600" dirty="0">
+                <a:solidFill>
+                  <a:srgbClr val="000000"/>
+                </a:solidFill>
+                <a:latin typeface="Consolas" panose="020B0609020204030204" pitchFamily="49" charset="0"/>
+              </a:rPr>
+              <a:t> produtos = [</a:t>
+            </a:r>
+          </a:p>
+          <a:p>
+            <a:r>
+              <a:rPr lang="pt-BR" sz="1600" dirty="0">
+                <a:solidFill>
+                  <a:srgbClr val="000000"/>
+                </a:solidFill>
+                <a:latin typeface="Consolas" panose="020B0609020204030204" pitchFamily="49" charset="0"/>
+              </a:rPr>
+              <a:t>    { nome: </a:t>
+            </a:r>
+            <a:r>
+              <a:rPr lang="pt-BR" sz="1600" dirty="0">
+                <a:solidFill>
+                  <a:srgbClr val="A31515"/>
+                </a:solidFill>
+                <a:latin typeface="Consolas" panose="020B0609020204030204" pitchFamily="49" charset="0"/>
+              </a:rPr>
+              <a:t>"Mouse"</a:t>
+            </a:r>
+            <a:r>
+              <a:rPr lang="pt-BR" sz="1600" dirty="0">
+                <a:solidFill>
+                  <a:srgbClr val="000000"/>
+                </a:solidFill>
+                <a:latin typeface="Consolas" panose="020B0609020204030204" pitchFamily="49" charset="0"/>
+              </a:rPr>
+              <a:t>, </a:t>
+            </a:r>
+            <a:r>
+              <a:rPr lang="pt-BR" sz="1600" dirty="0" err="1">
+                <a:solidFill>
+                  <a:srgbClr val="000000"/>
+                </a:solidFill>
+                <a:latin typeface="Consolas" panose="020B0609020204030204" pitchFamily="49" charset="0"/>
+              </a:rPr>
+              <a:t>preco</a:t>
+            </a:r>
+            <a:r>
+              <a:rPr lang="pt-BR" sz="1600" dirty="0">
+                <a:solidFill>
+                  <a:srgbClr val="000000"/>
+                </a:solidFill>
+                <a:latin typeface="Consolas" panose="020B0609020204030204" pitchFamily="49" charset="0"/>
+              </a:rPr>
+              <a:t>: </a:t>
+            </a:r>
+            <a:r>
+              <a:rPr lang="pt-BR" sz="1600" dirty="0">
+                <a:solidFill>
+                  <a:srgbClr val="098658"/>
+                </a:solidFill>
+                <a:latin typeface="Consolas" panose="020B0609020204030204" pitchFamily="49" charset="0"/>
+              </a:rPr>
+              <a:t>50</a:t>
+            </a:r>
+            <a:r>
+              <a:rPr lang="pt-BR" sz="1600" dirty="0">
+                <a:solidFill>
+                  <a:srgbClr val="000000"/>
+                </a:solidFill>
+                <a:latin typeface="Consolas" panose="020B0609020204030204" pitchFamily="49" charset="0"/>
+              </a:rPr>
+              <a:t> },</a:t>
+            </a:r>
+          </a:p>
+          <a:p>
+            <a:r>
+              <a:rPr lang="pt-BR" sz="1600" dirty="0">
+                <a:solidFill>
+                  <a:srgbClr val="000000"/>
+                </a:solidFill>
+                <a:latin typeface="Consolas" panose="020B0609020204030204" pitchFamily="49" charset="0"/>
+              </a:rPr>
+              <a:t>    { nome: </a:t>
+            </a:r>
+            <a:r>
+              <a:rPr lang="pt-BR" sz="1600" dirty="0">
+                <a:solidFill>
+                  <a:srgbClr val="A31515"/>
+                </a:solidFill>
+                <a:latin typeface="Consolas" panose="020B0609020204030204" pitchFamily="49" charset="0"/>
+              </a:rPr>
+              <a:t>"Teclado"</a:t>
+            </a:r>
+            <a:r>
+              <a:rPr lang="pt-BR" sz="1600" dirty="0">
+                <a:solidFill>
+                  <a:srgbClr val="000000"/>
+                </a:solidFill>
+                <a:latin typeface="Consolas" panose="020B0609020204030204" pitchFamily="49" charset="0"/>
+              </a:rPr>
+              <a:t>, </a:t>
+            </a:r>
+            <a:r>
+              <a:rPr lang="pt-BR" sz="1600" dirty="0" err="1">
+                <a:solidFill>
+                  <a:srgbClr val="000000"/>
+                </a:solidFill>
+                <a:latin typeface="Consolas" panose="020B0609020204030204" pitchFamily="49" charset="0"/>
+              </a:rPr>
+              <a:t>preco</a:t>
+            </a:r>
+            <a:r>
+              <a:rPr lang="pt-BR" sz="1600" dirty="0">
+                <a:solidFill>
+                  <a:srgbClr val="000000"/>
+                </a:solidFill>
+                <a:latin typeface="Consolas" panose="020B0609020204030204" pitchFamily="49" charset="0"/>
+              </a:rPr>
+              <a:t>: </a:t>
+            </a:r>
+            <a:r>
+              <a:rPr lang="pt-BR" sz="1600" dirty="0">
+                <a:solidFill>
+                  <a:srgbClr val="098658"/>
+                </a:solidFill>
+                <a:latin typeface="Consolas" panose="020B0609020204030204" pitchFamily="49" charset="0"/>
+              </a:rPr>
+              <a:t>150</a:t>
+            </a:r>
+            <a:r>
+              <a:rPr lang="pt-BR" sz="1600" dirty="0">
+                <a:solidFill>
+                  <a:srgbClr val="000000"/>
+                </a:solidFill>
+                <a:latin typeface="Consolas" panose="020B0609020204030204" pitchFamily="49" charset="0"/>
+              </a:rPr>
+              <a:t> },</a:t>
+            </a:r>
+          </a:p>
+          <a:p>
+            <a:r>
+              <a:rPr lang="pt-BR" sz="1600" dirty="0">
+                <a:solidFill>
+                  <a:srgbClr val="000000"/>
+                </a:solidFill>
+                <a:latin typeface="Consolas" panose="020B0609020204030204" pitchFamily="49" charset="0"/>
+              </a:rPr>
+              <a:t>    { nome: </a:t>
+            </a:r>
+            <a:r>
+              <a:rPr lang="pt-BR" sz="1600" dirty="0">
+                <a:solidFill>
+                  <a:srgbClr val="A31515"/>
+                </a:solidFill>
+                <a:latin typeface="Consolas" panose="020B0609020204030204" pitchFamily="49" charset="0"/>
+              </a:rPr>
+              <a:t>"Monitor"</a:t>
+            </a:r>
+            <a:r>
+              <a:rPr lang="pt-BR" sz="1600" dirty="0">
+                <a:solidFill>
+                  <a:srgbClr val="000000"/>
+                </a:solidFill>
+                <a:latin typeface="Consolas" panose="020B0609020204030204" pitchFamily="49" charset="0"/>
+              </a:rPr>
+              <a:t>, </a:t>
+            </a:r>
+            <a:r>
+              <a:rPr lang="pt-BR" sz="1600" dirty="0" err="1">
+                <a:solidFill>
+                  <a:srgbClr val="000000"/>
+                </a:solidFill>
+                <a:latin typeface="Consolas" panose="020B0609020204030204" pitchFamily="49" charset="0"/>
+              </a:rPr>
+              <a:t>preco</a:t>
+            </a:r>
+            <a:r>
+              <a:rPr lang="pt-BR" sz="1600" dirty="0">
+                <a:solidFill>
+                  <a:srgbClr val="000000"/>
+                </a:solidFill>
+                <a:latin typeface="Consolas" panose="020B0609020204030204" pitchFamily="49" charset="0"/>
+              </a:rPr>
+              <a:t>: </a:t>
+            </a:r>
+            <a:r>
+              <a:rPr lang="pt-BR" sz="1600" dirty="0">
+                <a:solidFill>
+                  <a:srgbClr val="098658"/>
+                </a:solidFill>
+                <a:latin typeface="Consolas" panose="020B0609020204030204" pitchFamily="49" charset="0"/>
+              </a:rPr>
+              <a:t>600</a:t>
+            </a:r>
+            <a:r>
+              <a:rPr lang="pt-BR" sz="1600" dirty="0">
+                <a:solidFill>
+                  <a:srgbClr val="000000"/>
+                </a:solidFill>
+                <a:latin typeface="Consolas" panose="020B0609020204030204" pitchFamily="49" charset="0"/>
+              </a:rPr>
+              <a:t> },</a:t>
+            </a:r>
+          </a:p>
+          <a:p>
+            <a:r>
+              <a:rPr lang="pt-BR" sz="1600" dirty="0">
+                <a:solidFill>
+                  <a:srgbClr val="000000"/>
+                </a:solidFill>
+                <a:latin typeface="Consolas" panose="020B0609020204030204" pitchFamily="49" charset="0"/>
+              </a:rPr>
+              <a:t>    { nome: </a:t>
+            </a:r>
+            <a:r>
+              <a:rPr lang="pt-BR" sz="1600" dirty="0">
+                <a:solidFill>
+                  <a:srgbClr val="A31515"/>
+                </a:solidFill>
+                <a:latin typeface="Consolas" panose="020B0609020204030204" pitchFamily="49" charset="0"/>
+              </a:rPr>
+              <a:t>"Cabo USB"</a:t>
+            </a:r>
+            <a:r>
+              <a:rPr lang="pt-BR" sz="1600" dirty="0">
+                <a:solidFill>
+                  <a:srgbClr val="000000"/>
+                </a:solidFill>
+                <a:latin typeface="Consolas" panose="020B0609020204030204" pitchFamily="49" charset="0"/>
+              </a:rPr>
+              <a:t>, </a:t>
+            </a:r>
+            <a:r>
+              <a:rPr lang="pt-BR" sz="1600" dirty="0" err="1">
+                <a:solidFill>
+                  <a:srgbClr val="000000"/>
+                </a:solidFill>
+                <a:latin typeface="Consolas" panose="020B0609020204030204" pitchFamily="49" charset="0"/>
+              </a:rPr>
+              <a:t>preco</a:t>
+            </a:r>
+            <a:r>
+              <a:rPr lang="pt-BR" sz="1600" dirty="0">
+                <a:solidFill>
+                  <a:srgbClr val="000000"/>
+                </a:solidFill>
+                <a:latin typeface="Consolas" panose="020B0609020204030204" pitchFamily="49" charset="0"/>
+              </a:rPr>
+              <a:t>: </a:t>
+            </a:r>
+            <a:r>
+              <a:rPr lang="pt-BR" sz="1600" dirty="0">
+                <a:solidFill>
+                  <a:srgbClr val="098658"/>
+                </a:solidFill>
+                <a:latin typeface="Consolas" panose="020B0609020204030204" pitchFamily="49" charset="0"/>
+              </a:rPr>
+              <a:t>30</a:t>
+            </a:r>
+            <a:r>
+              <a:rPr lang="pt-BR" sz="1600" dirty="0">
+                <a:solidFill>
+                  <a:srgbClr val="000000"/>
+                </a:solidFill>
+                <a:latin typeface="Consolas" panose="020B0609020204030204" pitchFamily="49" charset="0"/>
+              </a:rPr>
+              <a:t> }</a:t>
+            </a:r>
+          </a:p>
+          <a:p>
+            <a:r>
+              <a:rPr lang="pt-BR" sz="1600" dirty="0">
+                <a:solidFill>
+                  <a:srgbClr val="000000"/>
+                </a:solidFill>
+                <a:latin typeface="Consolas" panose="020B0609020204030204" pitchFamily="49" charset="0"/>
+              </a:rPr>
+              <a:t>];</a:t>
+            </a:r>
+          </a:p>
+          <a:p>
+            <a:br>
+              <a:rPr lang="pt-BR" sz="1600" dirty="0">
+                <a:solidFill>
+                  <a:srgbClr val="000000"/>
+                </a:solidFill>
+                <a:latin typeface="Consolas" panose="020B0609020204030204" pitchFamily="49" charset="0"/>
+              </a:rPr>
+            </a:br>
+            <a:r>
+              <a:rPr lang="pt-BR" sz="1600" dirty="0" err="1">
+                <a:solidFill>
+                  <a:srgbClr val="0000FF"/>
+                </a:solidFill>
+                <a:latin typeface="Consolas" panose="020B0609020204030204" pitchFamily="49" charset="0"/>
+              </a:rPr>
+              <a:t>const</a:t>
+            </a:r>
+            <a:r>
+              <a:rPr lang="pt-BR" sz="1600" dirty="0">
+                <a:solidFill>
+                  <a:srgbClr val="000000"/>
+                </a:solidFill>
+                <a:latin typeface="Consolas" panose="020B0609020204030204" pitchFamily="49" charset="0"/>
+              </a:rPr>
+              <a:t> </a:t>
+            </a:r>
+            <a:r>
+              <a:rPr lang="pt-BR" sz="1600" dirty="0" err="1">
+                <a:solidFill>
+                  <a:srgbClr val="000000"/>
+                </a:solidFill>
+                <a:latin typeface="Consolas" panose="020B0609020204030204" pitchFamily="49" charset="0"/>
+              </a:rPr>
+              <a:t>produtosComDesconto</a:t>
+            </a:r>
+            <a:r>
+              <a:rPr lang="pt-BR" sz="1600" dirty="0">
+                <a:solidFill>
+                  <a:srgbClr val="000000"/>
+                </a:solidFill>
+                <a:latin typeface="Consolas" panose="020B0609020204030204" pitchFamily="49" charset="0"/>
+              </a:rPr>
+              <a:t> = </a:t>
+            </a:r>
+            <a:r>
+              <a:rPr lang="pt-BR" sz="1600" dirty="0" err="1">
+                <a:solidFill>
+                  <a:srgbClr val="000000"/>
+                </a:solidFill>
+                <a:latin typeface="Consolas" panose="020B0609020204030204" pitchFamily="49" charset="0"/>
+              </a:rPr>
+              <a:t>produtos.map</a:t>
+            </a:r>
+            <a:r>
+              <a:rPr lang="pt-BR" sz="1600" dirty="0">
+                <a:solidFill>
+                  <a:srgbClr val="000000"/>
+                </a:solidFill>
+                <a:latin typeface="Consolas" panose="020B0609020204030204" pitchFamily="49" charset="0"/>
+              </a:rPr>
+              <a:t>(produto </a:t>
+            </a:r>
+            <a:r>
+              <a:rPr lang="pt-BR" sz="1600" dirty="0">
+                <a:solidFill>
+                  <a:srgbClr val="0000FF"/>
+                </a:solidFill>
+                <a:latin typeface="Consolas" panose="020B0609020204030204" pitchFamily="49" charset="0"/>
+              </a:rPr>
+              <a:t>=&gt;</a:t>
+            </a:r>
+            <a:r>
+              <a:rPr lang="pt-BR" sz="1600" dirty="0">
+                <a:solidFill>
+                  <a:srgbClr val="000000"/>
+                </a:solidFill>
+                <a:latin typeface="Consolas" panose="020B0609020204030204" pitchFamily="49" charset="0"/>
+              </a:rPr>
+              <a:t> ({</a:t>
+            </a:r>
+          </a:p>
+          <a:p>
+            <a:r>
+              <a:rPr lang="pt-BR" sz="1600" dirty="0">
+                <a:solidFill>
+                  <a:srgbClr val="000000"/>
+                </a:solidFill>
+                <a:latin typeface="Consolas" panose="020B0609020204030204" pitchFamily="49" charset="0"/>
+              </a:rPr>
+              <a:t>    nome: </a:t>
+            </a:r>
+            <a:r>
+              <a:rPr lang="pt-BR" sz="1600" dirty="0" err="1">
+                <a:solidFill>
+                  <a:srgbClr val="000000"/>
+                </a:solidFill>
+                <a:latin typeface="Consolas" panose="020B0609020204030204" pitchFamily="49" charset="0"/>
+              </a:rPr>
+              <a:t>produto.nome</a:t>
+            </a:r>
+            <a:r>
+              <a:rPr lang="pt-BR" sz="1600" dirty="0">
+                <a:solidFill>
+                  <a:srgbClr val="000000"/>
+                </a:solidFill>
+                <a:latin typeface="Consolas" panose="020B0609020204030204" pitchFamily="49" charset="0"/>
+              </a:rPr>
+              <a:t>,</a:t>
+            </a:r>
+          </a:p>
+          <a:p>
+            <a:r>
+              <a:rPr lang="pt-BR" sz="1600" dirty="0">
+                <a:solidFill>
+                  <a:srgbClr val="000000"/>
+                </a:solidFill>
+                <a:latin typeface="Consolas" panose="020B0609020204030204" pitchFamily="49" charset="0"/>
+              </a:rPr>
+              <a:t>    </a:t>
+            </a:r>
+            <a:r>
+              <a:rPr lang="pt-BR" sz="1600" dirty="0" err="1">
+                <a:solidFill>
+                  <a:srgbClr val="000000"/>
+                </a:solidFill>
+                <a:latin typeface="Consolas" panose="020B0609020204030204" pitchFamily="49" charset="0"/>
+              </a:rPr>
+              <a:t>preco</a:t>
+            </a:r>
+            <a:r>
+              <a:rPr lang="pt-BR" sz="1600" dirty="0">
+                <a:solidFill>
+                  <a:srgbClr val="000000"/>
+                </a:solidFill>
+                <a:latin typeface="Consolas" panose="020B0609020204030204" pitchFamily="49" charset="0"/>
+              </a:rPr>
+              <a:t>: </a:t>
+            </a:r>
+            <a:r>
+              <a:rPr lang="pt-BR" sz="1600" dirty="0" err="1">
+                <a:solidFill>
+                  <a:srgbClr val="000000"/>
+                </a:solidFill>
+                <a:latin typeface="Consolas" panose="020B0609020204030204" pitchFamily="49" charset="0"/>
+              </a:rPr>
+              <a:t>produto.preco</a:t>
+            </a:r>
+            <a:r>
+              <a:rPr lang="pt-BR" sz="1600" dirty="0">
+                <a:solidFill>
+                  <a:srgbClr val="000000"/>
+                </a:solidFill>
+                <a:latin typeface="Consolas" panose="020B0609020204030204" pitchFamily="49" charset="0"/>
+              </a:rPr>
+              <a:t> * </a:t>
+            </a:r>
+            <a:r>
+              <a:rPr lang="pt-BR" sz="1600" dirty="0">
+                <a:solidFill>
+                  <a:srgbClr val="098658"/>
+                </a:solidFill>
+                <a:latin typeface="Consolas" panose="020B0609020204030204" pitchFamily="49" charset="0"/>
+              </a:rPr>
+              <a:t>0.9</a:t>
+            </a:r>
+            <a:r>
+              <a:rPr lang="pt-BR" sz="1600" dirty="0">
+                <a:solidFill>
+                  <a:srgbClr val="000000"/>
+                </a:solidFill>
+                <a:latin typeface="Consolas" panose="020B0609020204030204" pitchFamily="49" charset="0"/>
+              </a:rPr>
+              <a:t>  </a:t>
+            </a:r>
+            <a:r>
+              <a:rPr lang="pt-BR" sz="1600" dirty="0">
+                <a:solidFill>
+                  <a:srgbClr val="008000"/>
+                </a:solidFill>
+                <a:latin typeface="Consolas" panose="020B0609020204030204" pitchFamily="49" charset="0"/>
+              </a:rPr>
+              <a:t>// Aplica 10% de desconto</a:t>
+            </a:r>
+            <a:endParaRPr lang="pt-BR" sz="1600" dirty="0">
+              <a:solidFill>
+                <a:srgbClr val="000000"/>
+              </a:solidFill>
+              <a:latin typeface="Consolas" panose="020B0609020204030204" pitchFamily="49" charset="0"/>
+            </a:endParaRPr>
+          </a:p>
+          <a:p>
+            <a:r>
+              <a:rPr lang="pt-BR" sz="1600" dirty="0">
+                <a:solidFill>
+                  <a:srgbClr val="000000"/>
+                </a:solidFill>
+                <a:latin typeface="Consolas" panose="020B0609020204030204" pitchFamily="49" charset="0"/>
+              </a:rPr>
+              <a:t>}));</a:t>
+            </a:r>
+          </a:p>
+          <a:p>
+            <a:br>
+              <a:rPr lang="pt-BR" sz="1600" dirty="0">
+                <a:solidFill>
+                  <a:srgbClr val="000000"/>
+                </a:solidFill>
+                <a:latin typeface="Consolas" panose="020B0609020204030204" pitchFamily="49" charset="0"/>
+              </a:rPr>
+            </a:br>
+            <a:r>
+              <a:rPr lang="pt-BR" sz="1600" dirty="0">
+                <a:solidFill>
+                  <a:srgbClr val="000000"/>
+                </a:solidFill>
+                <a:latin typeface="Consolas" panose="020B0609020204030204" pitchFamily="49" charset="0"/>
+              </a:rPr>
+              <a:t>console.log(</a:t>
+            </a:r>
+            <a:r>
+              <a:rPr lang="pt-BR" sz="1600" dirty="0" err="1">
+                <a:solidFill>
+                  <a:srgbClr val="000000"/>
+                </a:solidFill>
+                <a:latin typeface="Consolas" panose="020B0609020204030204" pitchFamily="49" charset="0"/>
+              </a:rPr>
+              <a:t>produtosComDesconto</a:t>
+            </a:r>
+            <a:r>
+              <a:rPr lang="pt-BR" sz="1600" dirty="0">
+                <a:solidFill>
+                  <a:srgbClr val="000000"/>
+                </a:solidFill>
+                <a:latin typeface="Consolas" panose="020B0609020204030204" pitchFamily="49" charset="0"/>
+              </a:rPr>
+              <a:t>);</a:t>
+            </a:r>
+            <a:endParaRPr lang="pt-BR" sz="1600" b="0" dirty="0">
+              <a:solidFill>
+                <a:srgbClr val="000000"/>
+              </a:solidFill>
+              <a:effectLst/>
+              <a:latin typeface="Consolas" panose="020B0609020204030204" pitchFamily="49" charset="0"/>
+            </a:endParaRPr>
+          </a:p>
+        </p:txBody>
+      </p:sp>
+    </p:spTree>
+    <p:extLst>
+      <p:ext uri="{BB962C8B-B14F-4D97-AF65-F5344CB8AC3E}">
+        <p14:creationId xmlns:p14="http://schemas.microsoft.com/office/powerpoint/2010/main" val="3527313520"/>
       </p:ext>
     </p:extLst>
   </p:cSld>
@@ -3315,7 +6457,7 @@
 </p:sld>
 </file>
 
-<file path=ppt/slides/slide3.xml><?xml version="1.0" encoding="utf-8"?>
+<file path=ppt/slides/slide20.xml><?xml version="1.0" encoding="utf-8"?>
 <p:sld xmlns:a="http://schemas.openxmlformats.org/drawingml/2006/main" xmlns:r="http://schemas.openxmlformats.org/officeDocument/2006/relationships" xmlns:p="http://schemas.openxmlformats.org/presentationml/2006/main">
   <p:cSld>
     <p:spTree>
@@ -3334,10 +6476,10 @@
       </p:grpSpPr>
       <p:sp>
         <p:nvSpPr>
-          <p:cNvPr id="4" name="Título 3">
+          <p:cNvPr id="6" name="Título 5">
             <a:extLst>
               <a:ext uri="{FF2B5EF4-FFF2-40B4-BE49-F238E27FC236}">
-                <a16:creationId xmlns:a16="http://schemas.microsoft.com/office/drawing/2014/main" id="{83B44ECA-AA58-4BD0-8F0E-C785FAC785C5}"/>
+                <a16:creationId xmlns:a16="http://schemas.microsoft.com/office/drawing/2014/main" id="{4C3FB951-90DD-417E-99B3-76B247BA1467}"/>
               </a:ext>
             </a:extLst>
           </p:cNvPr>
@@ -3355,25 +6497,22 @@
           <a:p>
             <a:r>
               <a:rPr lang="pt-BR" dirty="0"/>
-              <a:t>O que é um </a:t>
+              <a:t>Métodos Avançados de </a:t>
             </a:r>
             <a:r>
               <a:rPr lang="pt-BR" dirty="0" err="1"/>
-              <a:t>Array</a:t>
-            </a:r>
-            <a:r>
-              <a:rPr lang="pt-BR" dirty="0"/>
-              <a:t> ?</a:t>
-            </a:r>
+              <a:t>Arrays</a:t>
+            </a:r>
+            <a:endParaRPr lang="pt-BR" dirty="0"/>
           </a:p>
         </p:txBody>
       </p:sp>
       <p:sp>
         <p:nvSpPr>
-          <p:cNvPr id="5" name="Espaço Reservado para Conteúdo 4">
+          <p:cNvPr id="7" name="Espaço Reservado para Conteúdo 6">
             <a:extLst>
               <a:ext uri="{FF2B5EF4-FFF2-40B4-BE49-F238E27FC236}">
-                <a16:creationId xmlns:a16="http://schemas.microsoft.com/office/drawing/2014/main" id="{D0EBC957-A1DD-4E98-AB16-9265921DBB00}"/>
+                <a16:creationId xmlns:a16="http://schemas.microsoft.com/office/drawing/2014/main" id="{6A47C640-269D-4D5E-8B3D-BC2EEEC26879}"/>
               </a:ext>
             </a:extLst>
           </p:cNvPr>
@@ -3384,87 +6523,566 @@
             <p:ph idx="1"/>
           </p:nvPr>
         </p:nvSpPr>
-        <p:spPr/>
+        <p:spPr>
+          <a:xfrm>
+            <a:off x="592347" y="1844675"/>
+            <a:ext cx="11007306" cy="1360164"/>
+          </a:xfrm>
+        </p:spPr>
         <p:txBody>
           <a:bodyPr/>
           <a:lstStyle/>
           <a:p>
+            <a:pPr>
+              <a:spcBef>
+                <a:spcPts val="0"/>
+              </a:spcBef>
+            </a:pPr>
             <a:r>
               <a:rPr lang="pt-BR" dirty="0"/>
-              <a:t>Um </a:t>
+              <a:t>➕ .</a:t>
             </a:r>
             <a:r>
               <a:rPr lang="pt-BR" dirty="0" err="1"/>
-              <a:t>Array</a:t>
+              <a:t>reduce</a:t>
             </a:r>
             <a:r>
               <a:rPr lang="pt-BR" dirty="0"/>
-              <a:t> é uma estrutura de dados que armazena vários elementos em uma única variável. Esses elementos podem ser de diferentes tipos, como números, </a:t>
+              <a:t>() - Reduzindo para um único valor</a:t>
+            </a:r>
+          </a:p>
+          <a:p>
+            <a:pPr indent="457200">
+              <a:spcBef>
+                <a:spcPts val="0"/>
+              </a:spcBef>
+            </a:pPr>
+            <a:r>
+              <a:rPr lang="pt-BR" dirty="0"/>
+              <a:t>O .</a:t>
             </a:r>
             <a:r>
               <a:rPr lang="pt-BR" dirty="0" err="1"/>
-              <a:t>strings</a:t>
+              <a:t>reduce</a:t>
             </a:r>
             <a:r>
               <a:rPr lang="pt-BR" dirty="0"/>
-              <a:t> ou até mesmo outros </a:t>
+              <a:t>() percorre todos os elementos do </a:t>
             </a:r>
             <a:r>
               <a:rPr lang="pt-BR" dirty="0" err="1"/>
-              <a:t>arrays</a:t>
+              <a:t>array</a:t>
             </a:r>
             <a:r>
               <a:rPr lang="pt-BR" dirty="0"/>
-              <a:t> e objetos.</a:t>
-            </a:r>
-          </a:p>
-          <a:p>
-            <a:pPr marL="1028700" lvl="1" indent="-342900"/>
-            <a:r>
-              <a:rPr lang="pt-BR" b="1" dirty="0"/>
-              <a:t>Indexado</a:t>
-            </a:r>
-            <a:r>
-              <a:rPr lang="pt-BR" dirty="0"/>
-              <a:t>: Cada elemento é acessado por meio de um índice (que sempre começa no número </a:t>
-            </a:r>
-            <a:r>
-              <a:rPr lang="pt-BR" b="1" dirty="0"/>
+              <a:t> e reduz o resultado a um único valor, como uma soma ou média.</a:t>
+            </a:r>
+          </a:p>
+        </p:txBody>
+      </p:sp>
+      <p:sp>
+        <p:nvSpPr>
+          <p:cNvPr id="4" name="Retângulo 3">
+            <a:extLst>
+              <a:ext uri="{FF2B5EF4-FFF2-40B4-BE49-F238E27FC236}">
+                <a16:creationId xmlns:a16="http://schemas.microsoft.com/office/drawing/2014/main" id="{3DC88D77-B0D8-4379-8B5C-255684B4F662}"/>
+              </a:ext>
+            </a:extLst>
+          </p:cNvPr>
+          <p:cNvSpPr/>
+          <p:nvPr/>
+        </p:nvSpPr>
+        <p:spPr>
+          <a:xfrm>
+            <a:off x="1717040" y="3746521"/>
+            <a:ext cx="8757920" cy="2616101"/>
+          </a:xfrm>
+          <a:prstGeom prst="rect">
+            <a:avLst/>
+          </a:prstGeom>
+        </p:spPr>
+        <p:txBody>
+          <a:bodyPr wrap="square">
+            <a:spAutoFit/>
+          </a:bodyPr>
+          <a:lstStyle/>
+          <a:p>
+            <a:r>
+              <a:rPr lang="pt-BR" sz="1600" dirty="0" err="1">
+                <a:solidFill>
+                  <a:srgbClr val="0000FF"/>
+                </a:solidFill>
+                <a:latin typeface="Consolas" panose="020B0609020204030204" pitchFamily="49" charset="0"/>
+              </a:rPr>
+              <a:t>const</a:t>
+            </a:r>
+            <a:r>
+              <a:rPr lang="pt-BR" sz="1600" dirty="0">
+                <a:solidFill>
+                  <a:srgbClr val="000000"/>
+                </a:solidFill>
+                <a:latin typeface="Consolas" panose="020B0609020204030204" pitchFamily="49" charset="0"/>
+              </a:rPr>
+              <a:t> produtos = [</a:t>
+            </a:r>
+          </a:p>
+          <a:p>
+            <a:r>
+              <a:rPr lang="pt-BR" sz="1600" dirty="0">
+                <a:solidFill>
+                  <a:srgbClr val="000000"/>
+                </a:solidFill>
+                <a:latin typeface="Consolas" panose="020B0609020204030204" pitchFamily="49" charset="0"/>
+              </a:rPr>
+              <a:t>    { nome: </a:t>
+            </a:r>
+            <a:r>
+              <a:rPr lang="pt-BR" sz="1600" dirty="0">
+                <a:solidFill>
+                  <a:srgbClr val="A31515"/>
+                </a:solidFill>
+                <a:latin typeface="Consolas" panose="020B0609020204030204" pitchFamily="49" charset="0"/>
+              </a:rPr>
+              <a:t>"Mouse"</a:t>
+            </a:r>
+            <a:r>
+              <a:rPr lang="pt-BR" sz="1600" dirty="0">
+                <a:solidFill>
+                  <a:srgbClr val="000000"/>
+                </a:solidFill>
+                <a:latin typeface="Consolas" panose="020B0609020204030204" pitchFamily="49" charset="0"/>
+              </a:rPr>
+              <a:t>, </a:t>
+            </a:r>
+            <a:r>
+              <a:rPr lang="pt-BR" sz="1600" dirty="0" err="1">
+                <a:solidFill>
+                  <a:srgbClr val="000000"/>
+                </a:solidFill>
+                <a:latin typeface="Consolas" panose="020B0609020204030204" pitchFamily="49" charset="0"/>
+              </a:rPr>
+              <a:t>preco</a:t>
+            </a:r>
+            <a:r>
+              <a:rPr lang="pt-BR" sz="1600" dirty="0">
+                <a:solidFill>
+                  <a:srgbClr val="000000"/>
+                </a:solidFill>
+                <a:latin typeface="Consolas" panose="020B0609020204030204" pitchFamily="49" charset="0"/>
+              </a:rPr>
+              <a:t>: </a:t>
+            </a:r>
+            <a:r>
+              <a:rPr lang="pt-BR" sz="1600" dirty="0">
+                <a:solidFill>
+                  <a:srgbClr val="098658"/>
+                </a:solidFill>
+                <a:latin typeface="Consolas" panose="020B0609020204030204" pitchFamily="49" charset="0"/>
+              </a:rPr>
+              <a:t>50</a:t>
+            </a:r>
+            <a:r>
+              <a:rPr lang="pt-BR" sz="1600" dirty="0">
+                <a:solidFill>
+                  <a:srgbClr val="000000"/>
+                </a:solidFill>
+                <a:latin typeface="Consolas" panose="020B0609020204030204" pitchFamily="49" charset="0"/>
+              </a:rPr>
+              <a:t> },</a:t>
+            </a:r>
+          </a:p>
+          <a:p>
+            <a:r>
+              <a:rPr lang="pt-BR" sz="1600" dirty="0">
+                <a:solidFill>
+                  <a:srgbClr val="000000"/>
+                </a:solidFill>
+                <a:latin typeface="Consolas" panose="020B0609020204030204" pitchFamily="49" charset="0"/>
+              </a:rPr>
+              <a:t>    { nome: </a:t>
+            </a:r>
+            <a:r>
+              <a:rPr lang="pt-BR" sz="1600" dirty="0">
+                <a:solidFill>
+                  <a:srgbClr val="A31515"/>
+                </a:solidFill>
+                <a:latin typeface="Consolas" panose="020B0609020204030204" pitchFamily="49" charset="0"/>
+              </a:rPr>
+              <a:t>"Teclado"</a:t>
+            </a:r>
+            <a:r>
+              <a:rPr lang="pt-BR" sz="1600" dirty="0">
+                <a:solidFill>
+                  <a:srgbClr val="000000"/>
+                </a:solidFill>
+                <a:latin typeface="Consolas" panose="020B0609020204030204" pitchFamily="49" charset="0"/>
+              </a:rPr>
+              <a:t>, </a:t>
+            </a:r>
+            <a:r>
+              <a:rPr lang="pt-BR" sz="1600" dirty="0" err="1">
+                <a:solidFill>
+                  <a:srgbClr val="000000"/>
+                </a:solidFill>
+                <a:latin typeface="Consolas" panose="020B0609020204030204" pitchFamily="49" charset="0"/>
+              </a:rPr>
+              <a:t>preco</a:t>
+            </a:r>
+            <a:r>
+              <a:rPr lang="pt-BR" sz="1600" dirty="0">
+                <a:solidFill>
+                  <a:srgbClr val="000000"/>
+                </a:solidFill>
+                <a:latin typeface="Consolas" panose="020B0609020204030204" pitchFamily="49" charset="0"/>
+              </a:rPr>
+              <a:t>: </a:t>
+            </a:r>
+            <a:r>
+              <a:rPr lang="pt-BR" sz="1600" dirty="0">
+                <a:solidFill>
+                  <a:srgbClr val="098658"/>
+                </a:solidFill>
+                <a:latin typeface="Consolas" panose="020B0609020204030204" pitchFamily="49" charset="0"/>
+              </a:rPr>
+              <a:t>150</a:t>
+            </a:r>
+            <a:r>
+              <a:rPr lang="pt-BR" sz="1600" dirty="0">
+                <a:solidFill>
+                  <a:srgbClr val="000000"/>
+                </a:solidFill>
+                <a:latin typeface="Consolas" panose="020B0609020204030204" pitchFamily="49" charset="0"/>
+              </a:rPr>
+              <a:t> },</a:t>
+            </a:r>
+          </a:p>
+          <a:p>
+            <a:r>
+              <a:rPr lang="pt-BR" sz="1600" dirty="0">
+                <a:solidFill>
+                  <a:srgbClr val="000000"/>
+                </a:solidFill>
+                <a:latin typeface="Consolas" panose="020B0609020204030204" pitchFamily="49" charset="0"/>
+              </a:rPr>
+              <a:t>    { nome: </a:t>
+            </a:r>
+            <a:r>
+              <a:rPr lang="pt-BR" sz="1600" dirty="0">
+                <a:solidFill>
+                  <a:srgbClr val="A31515"/>
+                </a:solidFill>
+                <a:latin typeface="Consolas" panose="020B0609020204030204" pitchFamily="49" charset="0"/>
+              </a:rPr>
+              <a:t>"Monitor"</a:t>
+            </a:r>
+            <a:r>
+              <a:rPr lang="pt-BR" sz="1600" dirty="0">
+                <a:solidFill>
+                  <a:srgbClr val="000000"/>
+                </a:solidFill>
+                <a:latin typeface="Consolas" panose="020B0609020204030204" pitchFamily="49" charset="0"/>
+              </a:rPr>
+              <a:t>, </a:t>
+            </a:r>
+            <a:r>
+              <a:rPr lang="pt-BR" sz="1600" dirty="0" err="1">
+                <a:solidFill>
+                  <a:srgbClr val="000000"/>
+                </a:solidFill>
+                <a:latin typeface="Consolas" panose="020B0609020204030204" pitchFamily="49" charset="0"/>
+              </a:rPr>
+              <a:t>preco</a:t>
+            </a:r>
+            <a:r>
+              <a:rPr lang="pt-BR" sz="1600" dirty="0">
+                <a:solidFill>
+                  <a:srgbClr val="000000"/>
+                </a:solidFill>
+                <a:latin typeface="Consolas" panose="020B0609020204030204" pitchFamily="49" charset="0"/>
+              </a:rPr>
+              <a:t>: </a:t>
+            </a:r>
+            <a:r>
+              <a:rPr lang="pt-BR" sz="1600" dirty="0">
+                <a:solidFill>
+                  <a:srgbClr val="098658"/>
+                </a:solidFill>
+                <a:latin typeface="Consolas" panose="020B0609020204030204" pitchFamily="49" charset="0"/>
+              </a:rPr>
+              <a:t>600</a:t>
+            </a:r>
+            <a:r>
+              <a:rPr lang="pt-BR" sz="1600" dirty="0">
+                <a:solidFill>
+                  <a:srgbClr val="000000"/>
+                </a:solidFill>
+                <a:latin typeface="Consolas" panose="020B0609020204030204" pitchFamily="49" charset="0"/>
+              </a:rPr>
+              <a:t> },</a:t>
+            </a:r>
+          </a:p>
+          <a:p>
+            <a:r>
+              <a:rPr lang="pt-BR" sz="1600" dirty="0">
+                <a:solidFill>
+                  <a:srgbClr val="000000"/>
+                </a:solidFill>
+                <a:latin typeface="Consolas" panose="020B0609020204030204" pitchFamily="49" charset="0"/>
+              </a:rPr>
+              <a:t>    { nome: </a:t>
+            </a:r>
+            <a:r>
+              <a:rPr lang="pt-BR" sz="1600" dirty="0">
+                <a:solidFill>
+                  <a:srgbClr val="A31515"/>
+                </a:solidFill>
+                <a:latin typeface="Consolas" panose="020B0609020204030204" pitchFamily="49" charset="0"/>
+              </a:rPr>
+              <a:t>"Cabo USB"</a:t>
+            </a:r>
+            <a:r>
+              <a:rPr lang="pt-BR" sz="1600" dirty="0">
+                <a:solidFill>
+                  <a:srgbClr val="000000"/>
+                </a:solidFill>
+                <a:latin typeface="Consolas" panose="020B0609020204030204" pitchFamily="49" charset="0"/>
+              </a:rPr>
+              <a:t>, </a:t>
+            </a:r>
+            <a:r>
+              <a:rPr lang="pt-BR" sz="1600" dirty="0" err="1">
+                <a:solidFill>
+                  <a:srgbClr val="000000"/>
+                </a:solidFill>
+                <a:latin typeface="Consolas" panose="020B0609020204030204" pitchFamily="49" charset="0"/>
+              </a:rPr>
+              <a:t>preco</a:t>
+            </a:r>
+            <a:r>
+              <a:rPr lang="pt-BR" sz="1600" dirty="0">
+                <a:solidFill>
+                  <a:srgbClr val="000000"/>
+                </a:solidFill>
+                <a:latin typeface="Consolas" panose="020B0609020204030204" pitchFamily="49" charset="0"/>
+              </a:rPr>
+              <a:t>: </a:t>
+            </a:r>
+            <a:r>
+              <a:rPr lang="pt-BR" sz="1600" dirty="0">
+                <a:solidFill>
+                  <a:srgbClr val="098658"/>
+                </a:solidFill>
+                <a:latin typeface="Consolas" panose="020B0609020204030204" pitchFamily="49" charset="0"/>
+              </a:rPr>
+              <a:t>30</a:t>
+            </a:r>
+            <a:r>
+              <a:rPr lang="pt-BR" sz="1600" dirty="0">
+                <a:solidFill>
+                  <a:srgbClr val="000000"/>
+                </a:solidFill>
+                <a:latin typeface="Consolas" panose="020B0609020204030204" pitchFamily="49" charset="0"/>
+              </a:rPr>
+              <a:t> }</a:t>
+            </a:r>
+          </a:p>
+          <a:p>
+            <a:r>
+              <a:rPr lang="pt-BR" sz="1600" dirty="0">
+                <a:solidFill>
+                  <a:srgbClr val="000000"/>
+                </a:solidFill>
+                <a:latin typeface="Consolas" panose="020B0609020204030204" pitchFamily="49" charset="0"/>
+              </a:rPr>
+              <a:t>];</a:t>
+            </a:r>
+          </a:p>
+          <a:p>
+            <a:br>
+              <a:rPr lang="pt-BR" sz="1600" dirty="0">
+                <a:solidFill>
+                  <a:srgbClr val="000000"/>
+                </a:solidFill>
+                <a:latin typeface="Consolas" panose="020B0609020204030204" pitchFamily="49" charset="0"/>
+              </a:rPr>
+            </a:br>
+            <a:r>
+              <a:rPr lang="pt-BR" sz="1600" dirty="0" err="1">
+                <a:solidFill>
+                  <a:srgbClr val="0000FF"/>
+                </a:solidFill>
+                <a:latin typeface="Consolas" panose="020B0609020204030204" pitchFamily="49" charset="0"/>
+              </a:rPr>
+              <a:t>const</a:t>
+            </a:r>
+            <a:r>
+              <a:rPr lang="pt-BR" sz="1600" dirty="0">
+                <a:solidFill>
+                  <a:srgbClr val="000000"/>
+                </a:solidFill>
+                <a:latin typeface="Consolas" panose="020B0609020204030204" pitchFamily="49" charset="0"/>
+              </a:rPr>
+              <a:t> total = </a:t>
+            </a:r>
+            <a:r>
+              <a:rPr lang="pt-BR" sz="1600" dirty="0" err="1">
+                <a:solidFill>
+                  <a:srgbClr val="000000"/>
+                </a:solidFill>
+                <a:latin typeface="Consolas" panose="020B0609020204030204" pitchFamily="49" charset="0"/>
+              </a:rPr>
+              <a:t>produtos.reduce</a:t>
+            </a:r>
+            <a:r>
+              <a:rPr lang="pt-BR" sz="1600" dirty="0">
+                <a:solidFill>
+                  <a:srgbClr val="000000"/>
+                </a:solidFill>
+                <a:latin typeface="Consolas" panose="020B0609020204030204" pitchFamily="49" charset="0"/>
+              </a:rPr>
+              <a:t>((soma, produto) </a:t>
+            </a:r>
+            <a:r>
+              <a:rPr lang="pt-BR" sz="1600" dirty="0">
+                <a:solidFill>
+                  <a:srgbClr val="0000FF"/>
+                </a:solidFill>
+                <a:latin typeface="Consolas" panose="020B0609020204030204" pitchFamily="49" charset="0"/>
+              </a:rPr>
+              <a:t>=&gt;</a:t>
+            </a:r>
+            <a:r>
+              <a:rPr lang="pt-BR" sz="1600" dirty="0">
+                <a:solidFill>
+                  <a:srgbClr val="000000"/>
+                </a:solidFill>
+                <a:latin typeface="Consolas" panose="020B0609020204030204" pitchFamily="49" charset="0"/>
+              </a:rPr>
+              <a:t> soma + </a:t>
+            </a:r>
+            <a:r>
+              <a:rPr lang="pt-BR" sz="1600" dirty="0" err="1">
+                <a:solidFill>
+                  <a:srgbClr val="000000"/>
+                </a:solidFill>
+                <a:latin typeface="Consolas" panose="020B0609020204030204" pitchFamily="49" charset="0"/>
+              </a:rPr>
+              <a:t>produto.preco</a:t>
+            </a:r>
+            <a:r>
+              <a:rPr lang="pt-BR" sz="1600" dirty="0">
+                <a:solidFill>
+                  <a:srgbClr val="000000"/>
+                </a:solidFill>
+                <a:latin typeface="Consolas" panose="020B0609020204030204" pitchFamily="49" charset="0"/>
+              </a:rPr>
+              <a:t>, </a:t>
+            </a:r>
+            <a:r>
+              <a:rPr lang="pt-BR" sz="1600" dirty="0">
+                <a:solidFill>
+                  <a:srgbClr val="098658"/>
+                </a:solidFill>
+                <a:latin typeface="Consolas" panose="020B0609020204030204" pitchFamily="49" charset="0"/>
+              </a:rPr>
               <a:t>0</a:t>
             </a:r>
             <a:r>
-              <a:rPr lang="pt-BR" dirty="0"/>
-              <a:t>)</a:t>
-            </a:r>
-          </a:p>
-          <a:p>
-            <a:pPr marL="1028700" lvl="1" indent="-342900"/>
-            <a:r>
-              <a:rPr lang="pt-BR" b="1" dirty="0"/>
-              <a:t>Dinâmico</a:t>
-            </a:r>
-            <a:r>
-              <a:rPr lang="pt-BR" dirty="0"/>
-              <a:t>: Pode crescer ou diminuir de tamanho conforme necessário</a:t>
-            </a:r>
-          </a:p>
-          <a:p>
-            <a:pPr marL="1028700" lvl="1" indent="-342900"/>
-            <a:r>
-              <a:rPr lang="pt-BR" b="1" dirty="0"/>
-              <a:t>Versátil</a:t>
-            </a:r>
-            <a:r>
-              <a:rPr lang="pt-BR" dirty="0"/>
-              <a:t>: Aceita diferentes tipos de dados, como números, textos e até funções.</a:t>
-            </a:r>
+              <a:rPr lang="pt-BR" sz="1600" dirty="0">
+                <a:solidFill>
+                  <a:srgbClr val="000000"/>
+                </a:solidFill>
+                <a:latin typeface="Consolas" panose="020B0609020204030204" pitchFamily="49" charset="0"/>
+              </a:rPr>
+              <a:t>);</a:t>
+            </a:r>
+          </a:p>
+          <a:p>
+            <a:br>
+              <a:rPr lang="pt-BR" sz="1600" dirty="0">
+                <a:solidFill>
+                  <a:srgbClr val="000000"/>
+                </a:solidFill>
+                <a:latin typeface="Consolas" panose="020B0609020204030204" pitchFamily="49" charset="0"/>
+              </a:rPr>
+            </a:br>
+            <a:r>
+              <a:rPr lang="pt-BR" sz="1600" dirty="0">
+                <a:solidFill>
+                  <a:srgbClr val="000000"/>
+                </a:solidFill>
+                <a:latin typeface="Consolas" panose="020B0609020204030204" pitchFamily="49" charset="0"/>
+              </a:rPr>
+              <a:t>console.log(</a:t>
+            </a:r>
+            <a:r>
+              <a:rPr lang="pt-BR" sz="1600" dirty="0">
+                <a:solidFill>
+                  <a:srgbClr val="A31515"/>
+                </a:solidFill>
+                <a:latin typeface="Consolas" panose="020B0609020204030204" pitchFamily="49" charset="0"/>
+              </a:rPr>
+              <a:t>`Total: R$ </a:t>
+            </a:r>
+            <a:r>
+              <a:rPr lang="pt-BR" sz="1600" dirty="0">
+                <a:solidFill>
+                  <a:srgbClr val="0000FF"/>
+                </a:solidFill>
+                <a:latin typeface="Consolas" panose="020B0609020204030204" pitchFamily="49" charset="0"/>
+              </a:rPr>
+              <a:t>${</a:t>
+            </a:r>
+            <a:r>
+              <a:rPr lang="pt-BR" sz="1600" dirty="0">
+                <a:solidFill>
+                  <a:srgbClr val="000000"/>
+                </a:solidFill>
+                <a:latin typeface="Consolas" panose="020B0609020204030204" pitchFamily="49" charset="0"/>
+              </a:rPr>
+              <a:t>total</a:t>
+            </a:r>
+            <a:r>
+              <a:rPr lang="pt-BR" sz="1600" dirty="0">
+                <a:solidFill>
+                  <a:srgbClr val="0000FF"/>
+                </a:solidFill>
+                <a:latin typeface="Consolas" panose="020B0609020204030204" pitchFamily="49" charset="0"/>
+              </a:rPr>
+              <a:t>}</a:t>
+            </a:r>
+            <a:r>
+              <a:rPr lang="pt-BR" sz="1600" dirty="0">
+                <a:solidFill>
+                  <a:srgbClr val="A31515"/>
+                </a:solidFill>
+                <a:latin typeface="Consolas" panose="020B0609020204030204" pitchFamily="49" charset="0"/>
+              </a:rPr>
+              <a:t>`</a:t>
+            </a:r>
+            <a:r>
+              <a:rPr lang="pt-BR" sz="1600" dirty="0">
+                <a:solidFill>
+                  <a:srgbClr val="000000"/>
+                </a:solidFill>
+                <a:latin typeface="Consolas" panose="020B0609020204030204" pitchFamily="49" charset="0"/>
+              </a:rPr>
+              <a:t>);</a:t>
+            </a:r>
+            <a:endParaRPr lang="pt-BR" sz="1600" b="0" dirty="0">
+              <a:solidFill>
+                <a:srgbClr val="000000"/>
+              </a:solidFill>
+              <a:effectLst/>
+              <a:latin typeface="Consolas" panose="020B0609020204030204" pitchFamily="49" charset="0"/>
+            </a:endParaRPr>
           </a:p>
         </p:txBody>
       </p:sp>
     </p:spTree>
     <p:extLst>
       <p:ext uri="{BB962C8B-B14F-4D97-AF65-F5344CB8AC3E}">
-        <p14:creationId xmlns:p14="http://schemas.microsoft.com/office/powerpoint/2010/main" val="4215855823"/>
+        <p14:creationId xmlns:p14="http://schemas.microsoft.com/office/powerpoint/2010/main" val="1523543028"/>
       </p:ext>
     </p:extLst>
   </p:cSld>
@@ -3474,7 +7092,7 @@
 </p:sld>
 </file>
 
-<file path=ppt/slides/slide4.xml><?xml version="1.0" encoding="utf-8"?>
+<file path=ppt/slides/slide3.xml><?xml version="1.0" encoding="utf-8"?>
 <p:sld xmlns:a="http://schemas.openxmlformats.org/drawingml/2006/main" xmlns:r="http://schemas.openxmlformats.org/officeDocument/2006/relationships" xmlns:p="http://schemas.openxmlformats.org/presentationml/2006/main">
   <p:cSld>
     <p:spTree>
@@ -3745,7 +7363,7 @@
 </p:sld>
 </file>
 
-<file path=ppt/slides/slide5.xml><?xml version="1.0" encoding="utf-8"?>
+<file path=ppt/slides/slide4.xml><?xml version="1.0" encoding="utf-8"?>
 <p:sld xmlns:a="http://schemas.openxmlformats.org/drawingml/2006/main" xmlns:r="http://schemas.openxmlformats.org/officeDocument/2006/relationships" xmlns:p="http://schemas.openxmlformats.org/presentationml/2006/main">
   <p:cSld>
     <p:spTree>
@@ -4327,7 +7945,7 @@
 </p:sld>
 </file>
 
-<file path=ppt/slides/slide6.xml><?xml version="1.0" encoding="utf-8"?>
+<file path=ppt/slides/slide5.xml><?xml version="1.0" encoding="utf-8"?>
 <p:sld xmlns:a="http://schemas.openxmlformats.org/drawingml/2006/main" xmlns:r="http://schemas.openxmlformats.org/officeDocument/2006/relationships" xmlns:p="http://schemas.openxmlformats.org/presentationml/2006/main">
   <p:cSld>
     <p:spTree>
@@ -4951,7 +8569,7 @@
 </p:sld>
 </file>
 
-<file path=ppt/slides/slide7.xml><?xml version="1.0" encoding="utf-8"?>
+<file path=ppt/slides/slide6.xml><?xml version="1.0" encoding="utf-8"?>
 <p:sld xmlns:a="http://schemas.openxmlformats.org/drawingml/2006/main" xmlns:r="http://schemas.openxmlformats.org/officeDocument/2006/relationships" xmlns:p="http://schemas.openxmlformats.org/presentationml/2006/main">
   <p:cSld>
     <p:spTree>
@@ -6355,7 +9973,7 @@
 </p:sld>
 </file>
 
-<file path=ppt/slides/slide8.xml><?xml version="1.0" encoding="utf-8"?>
+<file path=ppt/slides/slide7.xml><?xml version="1.0" encoding="utf-8"?>
 <p:sld xmlns:a="http://schemas.openxmlformats.org/drawingml/2006/main" xmlns:r="http://schemas.openxmlformats.org/officeDocument/2006/relationships" xmlns:p="http://schemas.openxmlformats.org/presentationml/2006/main">
   <p:cSld>
     <p:spTree>
@@ -6917,6 +10535,581 @@
 </p:sld>
 </file>
 
+<file path=ppt/slides/slide8.xml><?xml version="1.0" encoding="utf-8"?>
+<p:sld xmlns:a="http://schemas.openxmlformats.org/drawingml/2006/main" xmlns:r="http://schemas.openxmlformats.org/officeDocument/2006/relationships" xmlns:p="http://schemas.openxmlformats.org/presentationml/2006/main">
+  <p:cSld>
+    <p:spTree>
+      <p:nvGrpSpPr>
+        <p:cNvPr id="1" name=""/>
+        <p:cNvGrpSpPr/>
+        <p:nvPr/>
+      </p:nvGrpSpPr>
+      <p:grpSpPr>
+        <a:xfrm>
+          <a:off x="0" y="0"/>
+          <a:ext cx="0" cy="0"/>
+          <a:chOff x="0" y="0"/>
+          <a:chExt cx="0" cy="0"/>
+        </a:xfrm>
+      </p:grpSpPr>
+      <p:sp>
+        <p:nvSpPr>
+          <p:cNvPr id="4" name="Título 3">
+            <a:extLst>
+              <a:ext uri="{FF2B5EF4-FFF2-40B4-BE49-F238E27FC236}">
+                <a16:creationId xmlns:a16="http://schemas.microsoft.com/office/drawing/2014/main" id="{BC9642FB-3EA4-49D0-8C59-19E5CD011796}"/>
+              </a:ext>
+            </a:extLst>
+          </p:cNvPr>
+          <p:cNvSpPr>
+            <a:spLocks noGrp="1"/>
+          </p:cNvSpPr>
+          <p:nvPr>
+            <p:ph type="title"/>
+          </p:nvPr>
+        </p:nvSpPr>
+        <p:spPr/>
+        <p:txBody>
+          <a:bodyPr/>
+          <a:lstStyle/>
+          <a:p>
+            <a:r>
+              <a:rPr lang="pt-BR" dirty="0"/>
+              <a:t>Métodos Básicos de </a:t>
+            </a:r>
+            <a:r>
+              <a:rPr lang="pt-BR" dirty="0" err="1"/>
+              <a:t>Arrays</a:t>
+            </a:r>
+            <a:endParaRPr lang="pt-BR" dirty="0"/>
+          </a:p>
+        </p:txBody>
+      </p:sp>
+      <p:sp>
+        <p:nvSpPr>
+          <p:cNvPr id="2" name="Retângulo 1">
+            <a:extLst>
+              <a:ext uri="{FF2B5EF4-FFF2-40B4-BE49-F238E27FC236}">
+                <a16:creationId xmlns:a16="http://schemas.microsoft.com/office/drawing/2014/main" id="{6F4FB065-2128-4C83-B983-166817F16785}"/>
+              </a:ext>
+            </a:extLst>
+          </p:cNvPr>
+          <p:cNvSpPr/>
+          <p:nvPr/>
+        </p:nvSpPr>
+        <p:spPr>
+          <a:xfrm>
+            <a:off x="2605480" y="1749341"/>
+            <a:ext cx="6981039" cy="400110"/>
+          </a:xfrm>
+          <a:prstGeom prst="rect">
+            <a:avLst/>
+          </a:prstGeom>
+        </p:spPr>
+        <p:txBody>
+          <a:bodyPr wrap="square">
+            <a:spAutoFit/>
+          </a:bodyPr>
+          <a:lstStyle/>
+          <a:p>
+            <a:r>
+              <a:rPr lang="pt-BR" sz="2000" dirty="0" err="1">
+                <a:solidFill>
+                  <a:srgbClr val="0000FF"/>
+                </a:solidFill>
+                <a:latin typeface="Consolas" panose="020B0609020204030204" pitchFamily="49" charset="0"/>
+              </a:rPr>
+              <a:t>let</a:t>
+            </a:r>
+            <a:r>
+              <a:rPr lang="pt-BR" sz="2000" dirty="0">
+                <a:solidFill>
+                  <a:srgbClr val="000000"/>
+                </a:solidFill>
+                <a:latin typeface="Consolas" panose="020B0609020204030204" pitchFamily="49" charset="0"/>
+              </a:rPr>
+              <a:t> times = [</a:t>
+            </a:r>
+            <a:r>
+              <a:rPr lang="pt-BR" sz="2000" dirty="0">
+                <a:solidFill>
+                  <a:srgbClr val="A31515"/>
+                </a:solidFill>
+                <a:latin typeface="Consolas" panose="020B0609020204030204" pitchFamily="49" charset="0"/>
+              </a:rPr>
+              <a:t>"Santos"</a:t>
+            </a:r>
+            <a:r>
+              <a:rPr lang="pt-BR" sz="2000" dirty="0">
+                <a:solidFill>
+                  <a:srgbClr val="000000"/>
+                </a:solidFill>
+                <a:latin typeface="Consolas" panose="020B0609020204030204" pitchFamily="49" charset="0"/>
+              </a:rPr>
+              <a:t>, </a:t>
+            </a:r>
+            <a:r>
+              <a:rPr lang="pt-BR" sz="2000" dirty="0">
+                <a:solidFill>
+                  <a:srgbClr val="A31515"/>
+                </a:solidFill>
+                <a:latin typeface="Consolas" panose="020B0609020204030204" pitchFamily="49" charset="0"/>
+              </a:rPr>
+              <a:t>"São Paulo"</a:t>
+            </a:r>
+            <a:r>
+              <a:rPr lang="pt-BR" sz="2000" dirty="0">
+                <a:solidFill>
+                  <a:srgbClr val="000000"/>
+                </a:solidFill>
+                <a:latin typeface="Consolas" panose="020B0609020204030204" pitchFamily="49" charset="0"/>
+              </a:rPr>
+              <a:t>, </a:t>
+            </a:r>
+            <a:r>
+              <a:rPr lang="pt-BR" sz="2000" dirty="0">
+                <a:solidFill>
+                  <a:srgbClr val="A31515"/>
+                </a:solidFill>
+                <a:latin typeface="Consolas" panose="020B0609020204030204" pitchFamily="49" charset="0"/>
+              </a:rPr>
+              <a:t>"Palmeiras"</a:t>
+            </a:r>
+            <a:r>
+              <a:rPr lang="pt-BR" sz="2000" dirty="0">
+                <a:solidFill>
+                  <a:srgbClr val="000000"/>
+                </a:solidFill>
+                <a:latin typeface="Consolas" panose="020B0609020204030204" pitchFamily="49" charset="0"/>
+              </a:rPr>
+              <a:t>]</a:t>
+            </a:r>
+            <a:endParaRPr lang="pt-BR" sz="2000" b="0" dirty="0">
+              <a:solidFill>
+                <a:srgbClr val="000000"/>
+              </a:solidFill>
+              <a:effectLst/>
+              <a:latin typeface="Consolas" panose="020B0609020204030204" pitchFamily="49" charset="0"/>
+            </a:endParaRPr>
+          </a:p>
+        </p:txBody>
+      </p:sp>
+      <p:sp>
+        <p:nvSpPr>
+          <p:cNvPr id="3" name="Retângulo 2">
+            <a:extLst>
+              <a:ext uri="{FF2B5EF4-FFF2-40B4-BE49-F238E27FC236}">
+                <a16:creationId xmlns:a16="http://schemas.microsoft.com/office/drawing/2014/main" id="{EE89B040-E810-4783-8D71-A746C113102A}"/>
+              </a:ext>
+            </a:extLst>
+          </p:cNvPr>
+          <p:cNvSpPr/>
+          <p:nvPr/>
+        </p:nvSpPr>
+        <p:spPr>
+          <a:xfrm>
+            <a:off x="749185" y="3052809"/>
+            <a:ext cx="4652236" cy="369332"/>
+          </a:xfrm>
+          <a:prstGeom prst="rect">
+            <a:avLst/>
+          </a:prstGeom>
+        </p:spPr>
+        <p:txBody>
+          <a:bodyPr wrap="none">
+            <a:spAutoFit/>
+          </a:bodyPr>
+          <a:lstStyle/>
+          <a:p>
+            <a:pPr lvl="1"/>
+            <a:r>
+              <a:rPr lang="pt-BR" dirty="0">
+                <a:solidFill>
+                  <a:srgbClr val="000000"/>
+                </a:solidFill>
+                <a:latin typeface="Consolas" panose="020B0609020204030204" pitchFamily="49" charset="0"/>
+              </a:rPr>
+              <a:t>console.log(times[</a:t>
+            </a:r>
+            <a:r>
+              <a:rPr lang="pt-BR" dirty="0">
+                <a:solidFill>
+                  <a:srgbClr val="098658"/>
+                </a:solidFill>
+                <a:latin typeface="Consolas" panose="020B0609020204030204" pitchFamily="49" charset="0"/>
+              </a:rPr>
+              <a:t>0</a:t>
+            </a:r>
+            <a:r>
+              <a:rPr lang="pt-BR" dirty="0">
+                <a:solidFill>
+                  <a:srgbClr val="000000"/>
+                </a:solidFill>
+                <a:latin typeface="Consolas" panose="020B0609020204030204" pitchFamily="49" charset="0"/>
+              </a:rPr>
+              <a:t>]); </a:t>
+            </a:r>
+            <a:r>
+              <a:rPr lang="pt-BR" dirty="0">
+                <a:solidFill>
+                  <a:srgbClr val="098658"/>
+                </a:solidFill>
+                <a:latin typeface="Consolas" panose="020B0609020204030204" pitchFamily="49" charset="0"/>
+              </a:rPr>
+              <a:t>//Santos</a:t>
+            </a:r>
+          </a:p>
+        </p:txBody>
+      </p:sp>
+      <p:sp>
+        <p:nvSpPr>
+          <p:cNvPr id="7" name="CaixaDeTexto 6">
+            <a:extLst>
+              <a:ext uri="{FF2B5EF4-FFF2-40B4-BE49-F238E27FC236}">
+                <a16:creationId xmlns:a16="http://schemas.microsoft.com/office/drawing/2014/main" id="{5B07BF53-B4F3-4B70-A5AA-5D06CB2B0D36}"/>
+              </a:ext>
+            </a:extLst>
+          </p:cNvPr>
+          <p:cNvSpPr txBox="1"/>
+          <p:nvPr/>
+        </p:nvSpPr>
+        <p:spPr>
+          <a:xfrm>
+            <a:off x="749185" y="2410001"/>
+            <a:ext cx="5513304" cy="400110"/>
+          </a:xfrm>
+          <a:prstGeom prst="rect">
+            <a:avLst/>
+          </a:prstGeom>
+          <a:noFill/>
+        </p:spPr>
+        <p:txBody>
+          <a:bodyPr wrap="none" rtlCol="0">
+            <a:spAutoFit/>
+          </a:bodyPr>
+          <a:lstStyle/>
+          <a:p>
+            <a:r>
+              <a:rPr lang="pt-BR" sz="2000" dirty="0">
+                <a:latin typeface="Times New Roman" panose="02020603050405020304" pitchFamily="18" charset="0"/>
+                <a:cs typeface="Times New Roman" panose="02020603050405020304" pitchFamily="18" charset="0"/>
+              </a:rPr>
+              <a:t>Acessa um item do </a:t>
+            </a:r>
+            <a:r>
+              <a:rPr lang="pt-BR" sz="2000" dirty="0" err="1">
+                <a:latin typeface="Times New Roman" panose="02020603050405020304" pitchFamily="18" charset="0"/>
+                <a:cs typeface="Times New Roman" panose="02020603050405020304" pitchFamily="18" charset="0"/>
+              </a:rPr>
+              <a:t>Array</a:t>
+            </a:r>
+            <a:r>
+              <a:rPr lang="pt-BR" sz="2000" dirty="0">
+                <a:latin typeface="Times New Roman" panose="02020603050405020304" pitchFamily="18" charset="0"/>
+                <a:cs typeface="Times New Roman" panose="02020603050405020304" pitchFamily="18" charset="0"/>
+              </a:rPr>
+              <a:t> de acordo com a posição</a:t>
+            </a:r>
+          </a:p>
+        </p:txBody>
+      </p:sp>
+      <p:sp>
+        <p:nvSpPr>
+          <p:cNvPr id="9" name="CaixaDeTexto 8">
+            <a:extLst>
+              <a:ext uri="{FF2B5EF4-FFF2-40B4-BE49-F238E27FC236}">
+                <a16:creationId xmlns:a16="http://schemas.microsoft.com/office/drawing/2014/main" id="{52C083C9-77C7-4E78-85AB-7839A3141068}"/>
+              </a:ext>
+            </a:extLst>
+          </p:cNvPr>
+          <p:cNvSpPr txBox="1"/>
+          <p:nvPr/>
+        </p:nvSpPr>
+        <p:spPr>
+          <a:xfrm>
+            <a:off x="749185" y="3664839"/>
+            <a:ext cx="4292265" cy="400110"/>
+          </a:xfrm>
+          <a:prstGeom prst="rect">
+            <a:avLst/>
+          </a:prstGeom>
+          <a:noFill/>
+        </p:spPr>
+        <p:txBody>
+          <a:bodyPr wrap="none" rtlCol="0">
+            <a:spAutoFit/>
+          </a:bodyPr>
+          <a:lstStyle/>
+          <a:p>
+            <a:r>
+              <a:rPr lang="pt-BR" sz="2000" dirty="0" err="1">
+                <a:latin typeface="Times New Roman" panose="02020603050405020304" pitchFamily="18" charset="0"/>
+                <a:cs typeface="Times New Roman" panose="02020603050405020304" pitchFamily="18" charset="0"/>
+              </a:rPr>
+              <a:t>length</a:t>
+            </a:r>
+            <a:r>
+              <a:rPr lang="pt-BR" sz="2000" dirty="0">
+                <a:solidFill>
+                  <a:srgbClr val="000000"/>
+                </a:solidFill>
+                <a:latin typeface="Consolas" panose="020B0609020204030204" pitchFamily="49" charset="0"/>
+              </a:rPr>
+              <a:t> - </a:t>
+            </a:r>
+            <a:r>
+              <a:rPr lang="pt-BR" sz="2000" dirty="0">
+                <a:latin typeface="Times New Roman" panose="02020603050405020304" pitchFamily="18" charset="0"/>
+                <a:cs typeface="Times New Roman" panose="02020603050405020304" pitchFamily="18" charset="0"/>
+              </a:rPr>
+              <a:t>Verifica o tamanho do </a:t>
+            </a:r>
+            <a:r>
+              <a:rPr lang="pt-BR" sz="2000" dirty="0" err="1">
+                <a:latin typeface="Times New Roman" panose="02020603050405020304" pitchFamily="18" charset="0"/>
+                <a:cs typeface="Times New Roman" panose="02020603050405020304" pitchFamily="18" charset="0"/>
+              </a:rPr>
+              <a:t>Array</a:t>
+            </a:r>
+            <a:endParaRPr lang="pt-BR" sz="2000" dirty="0">
+              <a:latin typeface="Times New Roman" panose="02020603050405020304" pitchFamily="18" charset="0"/>
+              <a:cs typeface="Times New Roman" panose="02020603050405020304" pitchFamily="18" charset="0"/>
+            </a:endParaRPr>
+          </a:p>
+        </p:txBody>
+      </p:sp>
+      <p:sp>
+        <p:nvSpPr>
+          <p:cNvPr id="11" name="Retângulo 10">
+            <a:extLst>
+              <a:ext uri="{FF2B5EF4-FFF2-40B4-BE49-F238E27FC236}">
+                <a16:creationId xmlns:a16="http://schemas.microsoft.com/office/drawing/2014/main" id="{5A69FF68-FB08-40B9-BE61-423A5AC971F1}"/>
+              </a:ext>
+            </a:extLst>
+          </p:cNvPr>
+          <p:cNvSpPr/>
+          <p:nvPr/>
+        </p:nvSpPr>
+        <p:spPr>
+          <a:xfrm>
+            <a:off x="749185" y="4307647"/>
+            <a:ext cx="4525598" cy="369332"/>
+          </a:xfrm>
+          <a:prstGeom prst="rect">
+            <a:avLst/>
+          </a:prstGeom>
+        </p:spPr>
+        <p:txBody>
+          <a:bodyPr wrap="none">
+            <a:spAutoFit/>
+          </a:bodyPr>
+          <a:lstStyle/>
+          <a:p>
+            <a:pPr lvl="1"/>
+            <a:r>
+              <a:rPr lang="pt-BR" dirty="0">
+                <a:solidFill>
+                  <a:srgbClr val="000000"/>
+                </a:solidFill>
+                <a:latin typeface="Consolas" panose="020B0609020204030204" pitchFamily="49" charset="0"/>
+              </a:rPr>
+              <a:t>console.log(</a:t>
+            </a:r>
+            <a:r>
+              <a:rPr lang="pt-BR" dirty="0" err="1">
+                <a:solidFill>
+                  <a:srgbClr val="000000"/>
+                </a:solidFill>
+                <a:latin typeface="Consolas" panose="020B0609020204030204" pitchFamily="49" charset="0"/>
+              </a:rPr>
+              <a:t>times.length</a:t>
+            </a:r>
+            <a:r>
+              <a:rPr lang="pt-BR" dirty="0">
+                <a:solidFill>
+                  <a:srgbClr val="000000"/>
+                </a:solidFill>
+                <a:latin typeface="Consolas" panose="020B0609020204030204" pitchFamily="49" charset="0"/>
+              </a:rPr>
+              <a:t>); </a:t>
+            </a:r>
+            <a:r>
+              <a:rPr lang="pt-BR" dirty="0">
+                <a:solidFill>
+                  <a:srgbClr val="008000"/>
+                </a:solidFill>
+                <a:latin typeface="Consolas" panose="020B0609020204030204" pitchFamily="49" charset="0"/>
+              </a:rPr>
+              <a:t>//3</a:t>
+            </a:r>
+            <a:endParaRPr lang="pt-BR" b="0" dirty="0">
+              <a:solidFill>
+                <a:srgbClr val="000000"/>
+              </a:solidFill>
+              <a:effectLst/>
+              <a:latin typeface="Consolas" panose="020B0609020204030204" pitchFamily="49" charset="0"/>
+            </a:endParaRPr>
+          </a:p>
+        </p:txBody>
+      </p:sp>
+      <p:sp>
+        <p:nvSpPr>
+          <p:cNvPr id="12" name="CaixaDeTexto 11">
+            <a:extLst>
+              <a:ext uri="{FF2B5EF4-FFF2-40B4-BE49-F238E27FC236}">
+                <a16:creationId xmlns:a16="http://schemas.microsoft.com/office/drawing/2014/main" id="{D3391F43-D78B-401D-B191-1670FE2D51DE}"/>
+              </a:ext>
+            </a:extLst>
+          </p:cNvPr>
+          <p:cNvSpPr txBox="1"/>
+          <p:nvPr/>
+        </p:nvSpPr>
+        <p:spPr>
+          <a:xfrm>
+            <a:off x="749185" y="4919677"/>
+            <a:ext cx="4222887" cy="400110"/>
+          </a:xfrm>
+          <a:prstGeom prst="rect">
+            <a:avLst/>
+          </a:prstGeom>
+          <a:noFill/>
+        </p:spPr>
+        <p:txBody>
+          <a:bodyPr wrap="none" rtlCol="0">
+            <a:spAutoFit/>
+          </a:bodyPr>
+          <a:lstStyle/>
+          <a:p>
+            <a:r>
+              <a:rPr lang="pt-BR" sz="2000" dirty="0" err="1">
+                <a:latin typeface="Times New Roman" panose="02020603050405020304" pitchFamily="18" charset="0"/>
+                <a:cs typeface="Times New Roman" panose="02020603050405020304" pitchFamily="18" charset="0"/>
+              </a:rPr>
+              <a:t>push</a:t>
+            </a:r>
+            <a:r>
+              <a:rPr lang="pt-BR" sz="2000" dirty="0">
+                <a:latin typeface="Times New Roman" panose="02020603050405020304" pitchFamily="18" charset="0"/>
+                <a:cs typeface="Times New Roman" panose="02020603050405020304" pitchFamily="18" charset="0"/>
+              </a:rPr>
+              <a:t>() - Adiciona um elemento no final</a:t>
+            </a:r>
+          </a:p>
+        </p:txBody>
+      </p:sp>
+      <p:sp>
+        <p:nvSpPr>
+          <p:cNvPr id="5" name="Retângulo 4">
+            <a:extLst>
+              <a:ext uri="{FF2B5EF4-FFF2-40B4-BE49-F238E27FC236}">
+                <a16:creationId xmlns:a16="http://schemas.microsoft.com/office/drawing/2014/main" id="{328D5D15-EBB2-4DFA-9F1C-204BC9364A19}"/>
+              </a:ext>
+            </a:extLst>
+          </p:cNvPr>
+          <p:cNvSpPr/>
+          <p:nvPr/>
+        </p:nvSpPr>
+        <p:spPr>
+          <a:xfrm>
+            <a:off x="749185" y="5562487"/>
+            <a:ext cx="10097780" cy="697627"/>
+          </a:xfrm>
+          <a:prstGeom prst="rect">
+            <a:avLst/>
+          </a:prstGeom>
+        </p:spPr>
+        <p:txBody>
+          <a:bodyPr wrap="square">
+            <a:spAutoFit/>
+          </a:bodyPr>
+          <a:lstStyle/>
+          <a:p>
+            <a:pPr lvl="1">
+              <a:spcBef>
+                <a:spcPts val="150"/>
+              </a:spcBef>
+              <a:spcAft>
+                <a:spcPts val="150"/>
+              </a:spcAft>
+            </a:pPr>
+            <a:r>
+              <a:rPr lang="pt-BR" dirty="0" err="1">
+                <a:solidFill>
+                  <a:srgbClr val="000000"/>
+                </a:solidFill>
+                <a:latin typeface="Consolas" panose="020B0609020204030204" pitchFamily="49" charset="0"/>
+              </a:rPr>
+              <a:t>times.push</a:t>
+            </a:r>
+            <a:r>
+              <a:rPr lang="pt-BR" dirty="0">
+                <a:solidFill>
+                  <a:srgbClr val="000000"/>
+                </a:solidFill>
+                <a:latin typeface="Consolas" panose="020B0609020204030204" pitchFamily="49" charset="0"/>
+              </a:rPr>
+              <a:t>(</a:t>
+            </a:r>
+            <a:r>
+              <a:rPr lang="pt-BR" dirty="0">
+                <a:solidFill>
+                  <a:srgbClr val="A31515"/>
+                </a:solidFill>
+                <a:latin typeface="Consolas" panose="020B0609020204030204" pitchFamily="49" charset="0"/>
+              </a:rPr>
+              <a:t>"Ponte Preta"</a:t>
+            </a:r>
+            <a:r>
+              <a:rPr lang="pt-BR" dirty="0">
+                <a:solidFill>
+                  <a:srgbClr val="000000"/>
+                </a:solidFill>
+                <a:latin typeface="Consolas" panose="020B0609020204030204" pitchFamily="49" charset="0"/>
+              </a:rPr>
+              <a:t>) </a:t>
+            </a:r>
+          </a:p>
+          <a:p>
+            <a:pPr lvl="1">
+              <a:spcBef>
+                <a:spcPts val="150"/>
+              </a:spcBef>
+              <a:spcAft>
+                <a:spcPts val="150"/>
+              </a:spcAft>
+            </a:pPr>
+            <a:r>
+              <a:rPr lang="pt-BR" dirty="0">
+                <a:solidFill>
+                  <a:srgbClr val="008000"/>
+                </a:solidFill>
+                <a:latin typeface="Consolas" panose="020B0609020204030204" pitchFamily="49" charset="0"/>
+              </a:rPr>
+              <a:t>//[ "Santos", "São Paulo" , "Palmeiras" ,"Ponte Preta" ]</a:t>
+            </a:r>
+            <a:endParaRPr lang="pt-BR" b="0" dirty="0">
+              <a:solidFill>
+                <a:srgbClr val="000000"/>
+              </a:solidFill>
+              <a:effectLst/>
+              <a:latin typeface="Consolas" panose="020B0609020204030204" pitchFamily="49" charset="0"/>
+            </a:endParaRPr>
+          </a:p>
+        </p:txBody>
+      </p:sp>
+    </p:spTree>
+    <p:extLst>
+      <p:ext uri="{BB962C8B-B14F-4D97-AF65-F5344CB8AC3E}">
+        <p14:creationId xmlns:p14="http://schemas.microsoft.com/office/powerpoint/2010/main" val="4176902046"/>
+      </p:ext>
+    </p:extLst>
+  </p:cSld>
+  <p:clrMapOvr>
+    <a:masterClrMapping/>
+  </p:clrMapOvr>
+</p:sld>
+</file>
+
 <file path=ppt/slides/slide9.xml><?xml version="1.0" encoding="utf-8"?>
 <p:sld xmlns:a="http://schemas.openxmlformats.org/drawingml/2006/main" xmlns:r="http://schemas.openxmlformats.org/officeDocument/2006/relationships" xmlns:p="http://schemas.openxmlformats.org/presentationml/2006/main">
   <p:cSld>
@@ -7090,8 +11283,8 @@
         </p:nvSpPr>
         <p:spPr>
           <a:xfrm>
-            <a:off x="749185" y="3052809"/>
-            <a:ext cx="4652236" cy="369332"/>
+            <a:off x="749185" y="2939947"/>
+            <a:ext cx="7864653" cy="697627"/>
           </a:xfrm>
           <a:prstGeom prst="rect">
             <a:avLst/>
@@ -7103,7 +11296,23 @@
           </a:bodyPr>
           <a:lstStyle/>
           <a:p>
-            <a:pPr lvl="1"/>
+            <a:pPr lvl="1">
+              <a:spcBef>
+                <a:spcPts val="150"/>
+              </a:spcBef>
+              <a:spcAft>
+                <a:spcPts val="150"/>
+              </a:spcAft>
+            </a:pPr>
+            <a:r>
+              <a:rPr lang="pt-BR" dirty="0" err="1">
+                <a:solidFill>
+                  <a:srgbClr val="000000"/>
+                </a:solidFill>
+                <a:latin typeface="Consolas" panose="020B0609020204030204" pitchFamily="49" charset="0"/>
+              </a:rPr>
+              <a:t>times.unshift</a:t>
+            </a:r>
             <a:r>
               <a:rPr lang="pt-BR" dirty="0">
                 <a:solidFill>
@@ -7111,16 +11320,16 @@
                 </a:solidFill>
                 <a:latin typeface="Consolas" panose="020B0609020204030204" pitchFamily="49" charset="0"/>
               </a:rPr>
-              <a:t>console.log(times[</a:t>
+              <a:t>(</a:t>
             </a:r>
             <a:r>
               <a:rPr lang="pt-BR" dirty="0">
                 <a:solidFill>
-                  <a:srgbClr val="098658"/>
-                </a:solidFill>
-                <a:latin typeface="Consolas" panose="020B0609020204030204" pitchFamily="49" charset="0"/>
-              </a:rPr>
-              <a:t>0</a:t>
+                  <a:srgbClr val="A31515"/>
+                </a:solidFill>
+                <a:latin typeface="Consolas" panose="020B0609020204030204" pitchFamily="49" charset="0"/>
+              </a:rPr>
+              <a:t>"Ponte Preta"</a:t>
             </a:r>
             <a:r>
               <a:rPr lang="pt-BR" dirty="0">
@@ -7129,17 +11338,42 @@
                 </a:solidFill>
                 <a:latin typeface="Consolas" panose="020B0609020204030204" pitchFamily="49" charset="0"/>
               </a:rPr>
-              <a:t>]); </a:t>
-            </a:r>
+              <a:t>)</a:t>
+            </a:r>
+          </a:p>
+          <a:p>
+            <a:pPr lvl="1">
+              <a:spcBef>
+                <a:spcPts val="150"/>
+              </a:spcBef>
+              <a:spcAft>
+                <a:spcPts val="150"/>
+              </a:spcAft>
+            </a:pPr>
             <a:r>
               <a:rPr lang="pt-BR" dirty="0">
                 <a:solidFill>
-                  <a:srgbClr val="098658"/>
-                </a:solidFill>
-                <a:latin typeface="Consolas" panose="020B0609020204030204" pitchFamily="49" charset="0"/>
-              </a:rPr>
-              <a:t>//Santos</a:t>
-            </a:r>
+                  <a:srgbClr val="008000"/>
+                </a:solidFill>
+                <a:latin typeface="Consolas" panose="020B0609020204030204" pitchFamily="49" charset="0"/>
+              </a:rPr>
+              <a:t>//["Ponte Preta", "Santos", "São Paulo" , "Palmeiras"]</a:t>
+            </a:r>
+            <a:r>
+              <a:rPr lang="pt-BR" dirty="0">
+                <a:solidFill>
+                  <a:srgbClr val="000000"/>
+                </a:solidFill>
+                <a:latin typeface="Consolas" panose="020B0609020204030204" pitchFamily="49" charset="0"/>
+              </a:rPr>
+              <a:t> </a:t>
+            </a:r>
+            <a:endParaRPr lang="pt-BR" dirty="0">
+              <a:solidFill>
+                <a:srgbClr val="098658"/>
+              </a:solidFill>
+              <a:latin typeface="Consolas" panose="020B0609020204030204" pitchFamily="49" charset="0"/>
+            </a:endParaRPr>
           </a:p>
         </p:txBody>
       </p:sp>
@@ -7158,7 +11392,7 @@
         <p:spPr>
           <a:xfrm>
             <a:off x="749185" y="2410001"/>
-            <a:ext cx="5513304" cy="400110"/>
+            <a:ext cx="4562724" cy="400110"/>
           </a:xfrm>
           <a:prstGeom prst="rect">
             <a:avLst/>
@@ -7172,165 +11406,19 @@
           <a:lstStyle/>
           <a:p>
             <a:r>
+              <a:rPr lang="pt-BR" sz="2000" dirty="0" err="1">
+                <a:latin typeface="Times New Roman" panose="02020603050405020304" pitchFamily="18" charset="0"/>
+                <a:cs typeface="Times New Roman" panose="02020603050405020304" pitchFamily="18" charset="0"/>
+              </a:rPr>
+              <a:t>unshift</a:t>
+            </a:r>
+            <a:r>
               <a:rPr lang="pt-BR" sz="2000" dirty="0">
                 <a:latin typeface="Times New Roman" panose="02020603050405020304" pitchFamily="18" charset="0"/>
                 <a:cs typeface="Times New Roman" panose="02020603050405020304" pitchFamily="18" charset="0"/>
               </a:rPr>
-              <a:t>Acessa um item do </a:t>
-            </a:r>
-            <a:r>
-              <a:rPr lang="pt-BR" sz="2000" dirty="0" err="1">
-                <a:latin typeface="Times New Roman" panose="02020603050405020304" pitchFamily="18" charset="0"/>
-                <a:cs typeface="Times New Roman" panose="02020603050405020304" pitchFamily="18" charset="0"/>
-              </a:rPr>
-              <a:t>Array</a:t>
-            </a:r>
-            <a:r>
-              <a:rPr lang="pt-BR" sz="2000" dirty="0">
-                <a:latin typeface="Times New Roman" panose="02020603050405020304" pitchFamily="18" charset="0"/>
-                <a:cs typeface="Times New Roman" panose="02020603050405020304" pitchFamily="18" charset="0"/>
-              </a:rPr>
-              <a:t> de acordo com a posição</a:t>
-            </a:r>
-          </a:p>
-        </p:txBody>
-      </p:sp>
-      <p:sp>
-        <p:nvSpPr>
-          <p:cNvPr id="9" name="CaixaDeTexto 8">
-            <a:extLst>
-              <a:ext uri="{FF2B5EF4-FFF2-40B4-BE49-F238E27FC236}">
-                <a16:creationId xmlns:a16="http://schemas.microsoft.com/office/drawing/2014/main" id="{52C083C9-77C7-4E78-85AB-7839A3141068}"/>
-              </a:ext>
-            </a:extLst>
-          </p:cNvPr>
-          <p:cNvSpPr txBox="1"/>
-          <p:nvPr/>
-        </p:nvSpPr>
-        <p:spPr>
-          <a:xfrm>
-            <a:off x="749185" y="3664839"/>
-            <a:ext cx="4292265" cy="400110"/>
-          </a:xfrm>
-          <a:prstGeom prst="rect">
-            <a:avLst/>
-          </a:prstGeom>
-          <a:noFill/>
-        </p:spPr>
-        <p:txBody>
-          <a:bodyPr wrap="none" rtlCol="0">
-            <a:spAutoFit/>
-          </a:bodyPr>
-          <a:lstStyle/>
-          <a:p>
-            <a:r>
-              <a:rPr lang="pt-BR" sz="2000" dirty="0" err="1">
-                <a:latin typeface="Times New Roman" panose="02020603050405020304" pitchFamily="18" charset="0"/>
-                <a:cs typeface="Times New Roman" panose="02020603050405020304" pitchFamily="18" charset="0"/>
-              </a:rPr>
-              <a:t>length</a:t>
-            </a:r>
-            <a:r>
-              <a:rPr lang="pt-BR" sz="2000" dirty="0">
-                <a:solidFill>
-                  <a:srgbClr val="000000"/>
-                </a:solidFill>
-                <a:latin typeface="Consolas" panose="020B0609020204030204" pitchFamily="49" charset="0"/>
-              </a:rPr>
-              <a:t> - </a:t>
-            </a:r>
-            <a:r>
-              <a:rPr lang="pt-BR" sz="2000" dirty="0">
-                <a:latin typeface="Times New Roman" panose="02020603050405020304" pitchFamily="18" charset="0"/>
-                <a:cs typeface="Times New Roman" panose="02020603050405020304" pitchFamily="18" charset="0"/>
-              </a:rPr>
-              <a:t>Verifica o tamanho do </a:t>
-            </a:r>
-            <a:r>
-              <a:rPr lang="pt-BR" sz="2000" dirty="0" err="1">
-                <a:latin typeface="Times New Roman" panose="02020603050405020304" pitchFamily="18" charset="0"/>
-                <a:cs typeface="Times New Roman" panose="02020603050405020304" pitchFamily="18" charset="0"/>
-              </a:rPr>
-              <a:t>Array</a:t>
-            </a:r>
-            <a:endParaRPr lang="pt-BR" sz="2000" dirty="0">
-              <a:latin typeface="Times New Roman" panose="02020603050405020304" pitchFamily="18" charset="0"/>
-              <a:cs typeface="Times New Roman" panose="02020603050405020304" pitchFamily="18" charset="0"/>
-            </a:endParaRPr>
-          </a:p>
-        </p:txBody>
-      </p:sp>
-      <p:sp>
-        <p:nvSpPr>
-          <p:cNvPr id="11" name="Retângulo 10">
-            <a:extLst>
-              <a:ext uri="{FF2B5EF4-FFF2-40B4-BE49-F238E27FC236}">
-                <a16:creationId xmlns:a16="http://schemas.microsoft.com/office/drawing/2014/main" id="{5A69FF68-FB08-40B9-BE61-423A5AC971F1}"/>
-              </a:ext>
-            </a:extLst>
-          </p:cNvPr>
-          <p:cNvSpPr/>
-          <p:nvPr/>
-        </p:nvSpPr>
-        <p:spPr>
-          <a:xfrm>
-            <a:off x="749185" y="4307647"/>
-            <a:ext cx="4525598" cy="369332"/>
-          </a:xfrm>
-          <a:prstGeom prst="rect">
-            <a:avLst/>
-          </a:prstGeom>
-        </p:spPr>
-        <p:txBody>
-          <a:bodyPr wrap="none">
-            <a:spAutoFit/>
-          </a:bodyPr>
-          <a:lstStyle/>
-          <a:p>
-            <a:pPr lvl="1"/>
-            <a:r>
-              <a:rPr lang="pt-BR" dirty="0">
-                <a:solidFill>
-                  <a:srgbClr val="000000"/>
-                </a:solidFill>
-                <a:latin typeface="Consolas" panose="020B0609020204030204" pitchFamily="49" charset="0"/>
-              </a:rPr>
-              <a:t>console.log(</a:t>
-            </a:r>
-            <a:r>
-              <a:rPr lang="pt-BR" dirty="0" err="1">
-                <a:solidFill>
-                  <a:srgbClr val="000000"/>
-                </a:solidFill>
-                <a:latin typeface="Consolas" panose="020B0609020204030204" pitchFamily="49" charset="0"/>
-              </a:rPr>
-              <a:t>times.length</a:t>
-            </a:r>
-            <a:r>
-              <a:rPr lang="pt-BR" dirty="0">
-                <a:solidFill>
-                  <a:srgbClr val="000000"/>
-                </a:solidFill>
-                <a:latin typeface="Consolas" panose="020B0609020204030204" pitchFamily="49" charset="0"/>
-              </a:rPr>
-              <a:t>); </a:t>
-            </a:r>
-            <a:r>
-              <a:rPr lang="pt-BR" dirty="0">
-                <a:solidFill>
-                  <a:srgbClr val="008000"/>
-                </a:solidFill>
-                <a:latin typeface="Consolas" panose="020B0609020204030204" pitchFamily="49" charset="0"/>
-              </a:rPr>
-              <a:t>//3</a:t>
-            </a:r>
-            <a:endParaRPr lang="pt-BR" b="0" dirty="0">
-              <a:solidFill>
-                <a:srgbClr val="000000"/>
-              </a:solidFill>
-              <a:effectLst/>
-              <a:latin typeface="Consolas" panose="020B0609020204030204" pitchFamily="49" charset="0"/>
-            </a:endParaRPr>
+              <a:t>() - Adiciona um elemento no início</a:t>
+            </a:r>
           </a:p>
         </p:txBody>
       </p:sp>
@@ -7348,8 +11436,8 @@
         </p:nvSpPr>
         <p:spPr>
           <a:xfrm>
-            <a:off x="749185" y="4919677"/>
-            <a:ext cx="4222887" cy="400110"/>
+            <a:off x="749185" y="5124819"/>
+            <a:ext cx="4052713" cy="400110"/>
           </a:xfrm>
           <a:prstGeom prst="rect">
             <a:avLst/>
@@ -7363,18 +11451,11 @@
           <a:lstStyle/>
           <a:p>
             <a:r>
-              <a:rPr lang="pt-BR" sz="2000" dirty="0" err="1">
-                <a:latin typeface="Times New Roman" panose="02020603050405020304" pitchFamily="18" charset="0"/>
-                <a:cs typeface="Times New Roman" panose="02020603050405020304" pitchFamily="18" charset="0"/>
-              </a:rPr>
-              <a:t>push</a:t>
-            </a:r>
-            <a:r>
               <a:rPr lang="pt-BR" sz="2000" dirty="0">
                 <a:latin typeface="Times New Roman" panose="02020603050405020304" pitchFamily="18" charset="0"/>
                 <a:cs typeface="Times New Roman" panose="02020603050405020304" pitchFamily="18" charset="0"/>
               </a:rPr>
-              <a:t>() - Adiciona um elemento no final</a:t>
+              <a:t>pop() - Remove um elemento no final</a:t>
             </a:r>
           </a:p>
         </p:txBody>
@@ -7393,7 +11474,7 @@
         </p:nvSpPr>
         <p:spPr>
           <a:xfrm>
-            <a:off x="749185" y="5562487"/>
+            <a:off x="749185" y="5654766"/>
             <a:ext cx="10097780" cy="697627"/>
           </a:xfrm>
           <a:prstGeom prst="rect">
@@ -7421,7 +11502,7 @@
                 </a:solidFill>
                 <a:latin typeface="Consolas" panose="020B0609020204030204" pitchFamily="49" charset="0"/>
               </a:rPr>
-              <a:t>times.push</a:t>
+              <a:t>times.pop</a:t>
             </a:r>
             <a:r>
               <a:rPr lang="pt-BR" dirty="0">
@@ -7430,25 +11511,7 @@
                 </a:solidFill>
                 <a:latin typeface="Consolas" panose="020B0609020204030204" pitchFamily="49" charset="0"/>
               </a:rPr>
-              <a:t>(</a:t>
-            </a:r>
-            <a:r>
-              <a:rPr lang="pt-BR" dirty="0">
-                <a:solidFill>
-                  <a:srgbClr val="A31515"/>
-                </a:solidFill>
-                <a:latin typeface="Consolas" panose="020B0609020204030204" pitchFamily="49" charset="0"/>
-              </a:rPr>
-              <a:t>"Ponte Preta"</a:t>
-            </a:r>
-            <a:r>
-              <a:rPr lang="pt-BR" dirty="0">
-                <a:solidFill>
-                  <a:srgbClr val="000000"/>
-                </a:solidFill>
-                <a:latin typeface="Consolas" panose="020B0609020204030204" pitchFamily="49" charset="0"/>
-              </a:rPr>
-              <a:t>) </a:t>
+              <a:t>() </a:t>
             </a:r>
           </a:p>
           <a:p>
@@ -7467,7 +11530,7 @@
                 </a:solidFill>
                 <a:latin typeface="Consolas" panose="020B0609020204030204" pitchFamily="49" charset="0"/>
               </a:rPr>
-              <a:t>//[ "Santos", "São Paulo" , "Palmeiras" ,"Ponte Preta" ]</a:t>
+              <a:t>//[ "Santos", "São Paulo"]</a:t>
             </a:r>
             <a:endParaRPr lang="pt-BR" b="0" dirty="0">
               <a:solidFill>
@@ -7479,10 +11542,138 @@
           </a:p>
         </p:txBody>
       </p:sp>
+      <p:sp>
+        <p:nvSpPr>
+          <p:cNvPr id="13" name="Retângulo 12">
+            <a:extLst>
+              <a:ext uri="{FF2B5EF4-FFF2-40B4-BE49-F238E27FC236}">
+                <a16:creationId xmlns:a16="http://schemas.microsoft.com/office/drawing/2014/main" id="{9B5DB77F-A0A1-4426-B297-DD1B0EAE93D3}"/>
+              </a:ext>
+            </a:extLst>
+          </p:cNvPr>
+          <p:cNvSpPr/>
+          <p:nvPr/>
+        </p:nvSpPr>
+        <p:spPr>
+          <a:xfrm>
+            <a:off x="749185" y="4297356"/>
+            <a:ext cx="4445448" cy="697627"/>
+          </a:xfrm>
+          <a:prstGeom prst="rect">
+            <a:avLst/>
+          </a:prstGeom>
+        </p:spPr>
+        <p:txBody>
+          <a:bodyPr wrap="none">
+            <a:spAutoFit/>
+          </a:bodyPr>
+          <a:lstStyle/>
+          <a:p>
+            <a:pPr lvl="1">
+              <a:spcBef>
+                <a:spcPts val="150"/>
+              </a:spcBef>
+              <a:spcAft>
+                <a:spcPts val="150"/>
+              </a:spcAft>
+            </a:pPr>
+            <a:r>
+              <a:rPr lang="pt-BR" dirty="0" err="1">
+                <a:solidFill>
+                  <a:srgbClr val="000000"/>
+                </a:solidFill>
+                <a:latin typeface="Consolas" panose="020B0609020204030204" pitchFamily="49" charset="0"/>
+              </a:rPr>
+              <a:t>times.shift</a:t>
+            </a:r>
+            <a:r>
+              <a:rPr lang="pt-BR" dirty="0">
+                <a:solidFill>
+                  <a:srgbClr val="000000"/>
+                </a:solidFill>
+                <a:latin typeface="Consolas" panose="020B0609020204030204" pitchFamily="49" charset="0"/>
+              </a:rPr>
+              <a:t>()</a:t>
+            </a:r>
+          </a:p>
+          <a:p>
+            <a:pPr lvl="1">
+              <a:spcBef>
+                <a:spcPts val="150"/>
+              </a:spcBef>
+              <a:spcAft>
+                <a:spcPts val="150"/>
+              </a:spcAft>
+            </a:pPr>
+            <a:r>
+              <a:rPr lang="pt-BR" dirty="0">
+                <a:solidFill>
+                  <a:srgbClr val="008000"/>
+                </a:solidFill>
+                <a:latin typeface="Consolas" panose="020B0609020204030204" pitchFamily="49" charset="0"/>
+              </a:rPr>
+              <a:t>//["São Paulo" , "Palmeiras"]</a:t>
+            </a:r>
+            <a:r>
+              <a:rPr lang="pt-BR" dirty="0">
+                <a:solidFill>
+                  <a:srgbClr val="000000"/>
+                </a:solidFill>
+                <a:latin typeface="Consolas" panose="020B0609020204030204" pitchFamily="49" charset="0"/>
+              </a:rPr>
+              <a:t> </a:t>
+            </a:r>
+            <a:endParaRPr lang="pt-BR" dirty="0">
+              <a:solidFill>
+                <a:srgbClr val="098658"/>
+              </a:solidFill>
+              <a:latin typeface="Consolas" panose="020B0609020204030204" pitchFamily="49" charset="0"/>
+            </a:endParaRPr>
+          </a:p>
+        </p:txBody>
+      </p:sp>
+      <p:sp>
+        <p:nvSpPr>
+          <p:cNvPr id="14" name="CaixaDeTexto 13">
+            <a:extLst>
+              <a:ext uri="{FF2B5EF4-FFF2-40B4-BE49-F238E27FC236}">
+                <a16:creationId xmlns:a16="http://schemas.microsoft.com/office/drawing/2014/main" id="{021BD5EC-0319-4936-91E7-71202680E496}"/>
+              </a:ext>
+            </a:extLst>
+          </p:cNvPr>
+          <p:cNvSpPr txBox="1"/>
+          <p:nvPr/>
+        </p:nvSpPr>
+        <p:spPr>
+          <a:xfrm>
+            <a:off x="749185" y="3767410"/>
+            <a:ext cx="4235455" cy="400110"/>
+          </a:xfrm>
+          <a:prstGeom prst="rect">
+            <a:avLst/>
+          </a:prstGeom>
+          <a:noFill/>
+        </p:spPr>
+        <p:txBody>
+          <a:bodyPr wrap="none" rtlCol="0">
+            <a:spAutoFit/>
+          </a:bodyPr>
+          <a:lstStyle/>
+          <a:p>
+            <a:r>
+              <a:rPr lang="pt-BR" sz="2000" dirty="0">
+                <a:latin typeface="Times New Roman" panose="02020603050405020304" pitchFamily="18" charset="0"/>
+                <a:cs typeface="Times New Roman" panose="02020603050405020304" pitchFamily="18" charset="0"/>
+              </a:rPr>
+              <a:t>shift() - Remove um elemento no início</a:t>
+            </a:r>
+          </a:p>
+        </p:txBody>
+      </p:sp>
     </p:spTree>
     <p:extLst>
       <p:ext uri="{BB962C8B-B14F-4D97-AF65-F5344CB8AC3E}">
-        <p14:creationId xmlns:p14="http://schemas.microsoft.com/office/powerpoint/2010/main" val="4176902046"/>
+        <p14:creationId xmlns:p14="http://schemas.microsoft.com/office/powerpoint/2010/main" val="3470969767"/>
       </p:ext>
     </p:extLst>
   </p:cSld>

--- a/Lógica e Programação/Módulo 02 - JavaScript/Aula 15 - Arrays e Objetos/Array e Objetos.pptx
+++ b/Lógica e Programação/Módulo 02 - JavaScript/Aula 15 - Arrays e Objetos/Array e Objetos.pptx
@@ -5,10 +5,10 @@
     <p:sldMasterId id="2147483693" r:id="rId4"/>
   </p:sldMasterIdLst>
   <p:notesMasterIdLst>
-    <p:notesMasterId r:id="rId25"/>
+    <p:notesMasterId r:id="rId26"/>
   </p:notesMasterIdLst>
   <p:handoutMasterIdLst>
-    <p:handoutMasterId r:id="rId26"/>
+    <p:handoutMasterId r:id="rId27"/>
   </p:handoutMasterIdLst>
   <p:sldIdLst>
     <p:sldId id="363" r:id="rId5"/>
@@ -28,9 +28,10 @@
     <p:sldId id="379" r:id="rId19"/>
     <p:sldId id="380" r:id="rId20"/>
     <p:sldId id="381" r:id="rId21"/>
-    <p:sldId id="373" r:id="rId22"/>
-    <p:sldId id="374" r:id="rId23"/>
-    <p:sldId id="375" r:id="rId24"/>
+    <p:sldId id="382" r:id="rId22"/>
+    <p:sldId id="373" r:id="rId23"/>
+    <p:sldId id="374" r:id="rId24"/>
+    <p:sldId id="375" r:id="rId25"/>
   </p:sldIdLst>
   <p:sldSz cx="12192000" cy="6858000"/>
   <p:notesSz cx="6858000" cy="9144000"/>
@@ -4958,12 +4959,369 @@
             <p:ph idx="1"/>
           </p:nvPr>
         </p:nvSpPr>
-        <p:spPr/>
+        <p:spPr>
+          <a:xfrm>
+            <a:off x="592347" y="1844675"/>
+            <a:ext cx="11007306" cy="1315775"/>
+          </a:xfrm>
+        </p:spPr>
         <p:txBody>
           <a:bodyPr/>
           <a:lstStyle/>
           <a:p>
-            <a:endParaRPr lang="pt-BR"/>
+            <a:r>
+              <a:rPr lang="pt-BR" sz="1800"/>
+              <a:t>Um array de objetos é uma estrutura que armazena múltiplos objetos em uma única variável, permitindo organizar e manipular coleções de dados complexos, como produtos ou usuários. Cada objeto dentro do array possui propriedades com chaves e valores específicos.</a:t>
+            </a:r>
+            <a:endParaRPr lang="pt-BR" sz="1800" dirty="0"/>
+          </a:p>
+        </p:txBody>
+      </p:sp>
+      <p:sp>
+        <p:nvSpPr>
+          <p:cNvPr id="2" name="Retângulo 1">
+            <a:extLst>
+              <a:ext uri="{FF2B5EF4-FFF2-40B4-BE49-F238E27FC236}">
+                <a16:creationId xmlns:a16="http://schemas.microsoft.com/office/drawing/2014/main" id="{7960CA06-B790-4417-9F22-92B205BE655D}"/>
+              </a:ext>
+            </a:extLst>
+          </p:cNvPr>
+          <p:cNvSpPr/>
+          <p:nvPr/>
+        </p:nvSpPr>
+        <p:spPr>
+          <a:xfrm>
+            <a:off x="1756299" y="3972255"/>
+            <a:ext cx="8679402" cy="1682512"/>
+          </a:xfrm>
+          <a:prstGeom prst="rect">
+            <a:avLst/>
+          </a:prstGeom>
+        </p:spPr>
+        <p:txBody>
+          <a:bodyPr wrap="square">
+            <a:spAutoFit/>
+          </a:bodyPr>
+          <a:lstStyle/>
+          <a:p>
+            <a:pPr>
+              <a:spcBef>
+                <a:spcPts val="150"/>
+              </a:spcBef>
+              <a:spcAft>
+                <a:spcPts val="150"/>
+              </a:spcAft>
+            </a:pPr>
+            <a:r>
+              <a:rPr lang="pt-BR" dirty="0" err="1">
+                <a:solidFill>
+                  <a:srgbClr val="0000FF"/>
+                </a:solidFill>
+                <a:latin typeface="Consolas" panose="020B0609020204030204" pitchFamily="49" charset="0"/>
+              </a:rPr>
+              <a:t>let</a:t>
+            </a:r>
+            <a:r>
+              <a:rPr lang="pt-BR" dirty="0">
+                <a:solidFill>
+                  <a:srgbClr val="000000"/>
+                </a:solidFill>
+                <a:latin typeface="Consolas" panose="020B0609020204030204" pitchFamily="49" charset="0"/>
+              </a:rPr>
+              <a:t> produtos = [</a:t>
+            </a:r>
+          </a:p>
+          <a:p>
+            <a:pPr>
+              <a:spcBef>
+                <a:spcPts val="150"/>
+              </a:spcBef>
+              <a:spcAft>
+                <a:spcPts val="150"/>
+              </a:spcAft>
+            </a:pPr>
+            <a:r>
+              <a:rPr lang="pt-BR" dirty="0">
+                <a:solidFill>
+                  <a:srgbClr val="000000"/>
+                </a:solidFill>
+                <a:latin typeface="Consolas" panose="020B0609020204030204" pitchFamily="49" charset="0"/>
+              </a:rPr>
+              <a:t>    { nome: </a:t>
+            </a:r>
+            <a:r>
+              <a:rPr lang="pt-BR" dirty="0">
+                <a:solidFill>
+                  <a:srgbClr val="A31515"/>
+                </a:solidFill>
+                <a:latin typeface="Consolas" panose="020B0609020204030204" pitchFamily="49" charset="0"/>
+              </a:rPr>
+              <a:t>"Teclado"</a:t>
+            </a:r>
+            <a:r>
+              <a:rPr lang="pt-BR" dirty="0">
+                <a:solidFill>
+                  <a:srgbClr val="000000"/>
+                </a:solidFill>
+                <a:latin typeface="Consolas" panose="020B0609020204030204" pitchFamily="49" charset="0"/>
+              </a:rPr>
+              <a:t>, categoria: </a:t>
+            </a:r>
+            <a:r>
+              <a:rPr lang="pt-BR" dirty="0">
+                <a:solidFill>
+                  <a:srgbClr val="A31515"/>
+                </a:solidFill>
+                <a:latin typeface="Consolas" panose="020B0609020204030204" pitchFamily="49" charset="0"/>
+              </a:rPr>
+              <a:t>"Periférico"</a:t>
+            </a:r>
+            <a:r>
+              <a:rPr lang="pt-BR" dirty="0">
+                <a:solidFill>
+                  <a:srgbClr val="000000"/>
+                </a:solidFill>
+                <a:latin typeface="Consolas" panose="020B0609020204030204" pitchFamily="49" charset="0"/>
+              </a:rPr>
+              <a:t>, </a:t>
+            </a:r>
+            <a:r>
+              <a:rPr lang="pt-BR" dirty="0" err="1">
+                <a:solidFill>
+                  <a:srgbClr val="000000"/>
+                </a:solidFill>
+                <a:latin typeface="Consolas" panose="020B0609020204030204" pitchFamily="49" charset="0"/>
+              </a:rPr>
+              <a:t>preco</a:t>
+            </a:r>
+            <a:r>
+              <a:rPr lang="pt-BR" dirty="0">
+                <a:solidFill>
+                  <a:srgbClr val="000000"/>
+                </a:solidFill>
+                <a:latin typeface="Consolas" panose="020B0609020204030204" pitchFamily="49" charset="0"/>
+              </a:rPr>
+              <a:t>: </a:t>
+            </a:r>
+            <a:r>
+              <a:rPr lang="pt-BR" dirty="0">
+                <a:solidFill>
+                  <a:srgbClr val="098658"/>
+                </a:solidFill>
+                <a:latin typeface="Consolas" panose="020B0609020204030204" pitchFamily="49" charset="0"/>
+              </a:rPr>
+              <a:t>100</a:t>
+            </a:r>
+            <a:r>
+              <a:rPr lang="pt-BR" dirty="0">
+                <a:solidFill>
+                  <a:srgbClr val="000000"/>
+                </a:solidFill>
+                <a:latin typeface="Consolas" panose="020B0609020204030204" pitchFamily="49" charset="0"/>
+              </a:rPr>
+              <a:t> },</a:t>
+            </a:r>
+          </a:p>
+          <a:p>
+            <a:pPr>
+              <a:spcBef>
+                <a:spcPts val="150"/>
+              </a:spcBef>
+              <a:spcAft>
+                <a:spcPts val="150"/>
+              </a:spcAft>
+            </a:pPr>
+            <a:r>
+              <a:rPr lang="pt-BR" dirty="0">
+                <a:solidFill>
+                  <a:srgbClr val="000000"/>
+                </a:solidFill>
+                <a:latin typeface="Consolas" panose="020B0609020204030204" pitchFamily="49" charset="0"/>
+              </a:rPr>
+              <a:t>    { nome: </a:t>
+            </a:r>
+            <a:r>
+              <a:rPr lang="pt-BR" dirty="0">
+                <a:solidFill>
+                  <a:srgbClr val="A31515"/>
+                </a:solidFill>
+                <a:latin typeface="Consolas" panose="020B0609020204030204" pitchFamily="49" charset="0"/>
+              </a:rPr>
+              <a:t>"Monitor"</a:t>
+            </a:r>
+            <a:r>
+              <a:rPr lang="pt-BR" dirty="0">
+                <a:solidFill>
+                  <a:srgbClr val="000000"/>
+                </a:solidFill>
+                <a:latin typeface="Consolas" panose="020B0609020204030204" pitchFamily="49" charset="0"/>
+              </a:rPr>
+              <a:t>, categoria: </a:t>
+            </a:r>
+            <a:r>
+              <a:rPr lang="pt-BR" dirty="0">
+                <a:solidFill>
+                  <a:srgbClr val="A31515"/>
+                </a:solidFill>
+                <a:latin typeface="Consolas" panose="020B0609020204030204" pitchFamily="49" charset="0"/>
+              </a:rPr>
+              <a:t>"Eletrônico"</a:t>
+            </a:r>
+            <a:r>
+              <a:rPr lang="pt-BR" dirty="0">
+                <a:solidFill>
+                  <a:srgbClr val="000000"/>
+                </a:solidFill>
+                <a:latin typeface="Consolas" panose="020B0609020204030204" pitchFamily="49" charset="0"/>
+              </a:rPr>
+              <a:t>, </a:t>
+            </a:r>
+            <a:r>
+              <a:rPr lang="pt-BR" dirty="0" err="1">
+                <a:solidFill>
+                  <a:srgbClr val="000000"/>
+                </a:solidFill>
+                <a:latin typeface="Consolas" panose="020B0609020204030204" pitchFamily="49" charset="0"/>
+              </a:rPr>
+              <a:t>preco</a:t>
+            </a:r>
+            <a:r>
+              <a:rPr lang="pt-BR" dirty="0">
+                <a:solidFill>
+                  <a:srgbClr val="000000"/>
+                </a:solidFill>
+                <a:latin typeface="Consolas" panose="020B0609020204030204" pitchFamily="49" charset="0"/>
+              </a:rPr>
+              <a:t>: </a:t>
+            </a:r>
+            <a:r>
+              <a:rPr lang="pt-BR" dirty="0">
+                <a:solidFill>
+                  <a:srgbClr val="098658"/>
+                </a:solidFill>
+                <a:latin typeface="Consolas" panose="020B0609020204030204" pitchFamily="49" charset="0"/>
+              </a:rPr>
+              <a:t>800</a:t>
+            </a:r>
+            <a:r>
+              <a:rPr lang="pt-BR" dirty="0">
+                <a:solidFill>
+                  <a:srgbClr val="000000"/>
+                </a:solidFill>
+                <a:latin typeface="Consolas" panose="020B0609020204030204" pitchFamily="49" charset="0"/>
+              </a:rPr>
+              <a:t> },</a:t>
+            </a:r>
+          </a:p>
+          <a:p>
+            <a:pPr>
+              <a:spcBef>
+                <a:spcPts val="150"/>
+              </a:spcBef>
+              <a:spcAft>
+                <a:spcPts val="150"/>
+              </a:spcAft>
+            </a:pPr>
+            <a:r>
+              <a:rPr lang="pt-BR" dirty="0">
+                <a:solidFill>
+                  <a:srgbClr val="000000"/>
+                </a:solidFill>
+                <a:latin typeface="Consolas" panose="020B0609020204030204" pitchFamily="49" charset="0"/>
+              </a:rPr>
+              <a:t>    { nome: </a:t>
+            </a:r>
+            <a:r>
+              <a:rPr lang="pt-BR" dirty="0">
+                <a:solidFill>
+                  <a:srgbClr val="A31515"/>
+                </a:solidFill>
+                <a:latin typeface="Consolas" panose="020B0609020204030204" pitchFamily="49" charset="0"/>
+              </a:rPr>
+              <a:t>"Mouse"</a:t>
+            </a:r>
+            <a:r>
+              <a:rPr lang="pt-BR" dirty="0">
+                <a:solidFill>
+                  <a:srgbClr val="000000"/>
+                </a:solidFill>
+                <a:latin typeface="Consolas" panose="020B0609020204030204" pitchFamily="49" charset="0"/>
+              </a:rPr>
+              <a:t>, categoria: </a:t>
+            </a:r>
+            <a:r>
+              <a:rPr lang="pt-BR" dirty="0">
+                <a:solidFill>
+                  <a:srgbClr val="A31515"/>
+                </a:solidFill>
+                <a:latin typeface="Consolas" panose="020B0609020204030204" pitchFamily="49" charset="0"/>
+              </a:rPr>
+              <a:t>"Periférico"</a:t>
+            </a:r>
+            <a:r>
+              <a:rPr lang="pt-BR" dirty="0">
+                <a:solidFill>
+                  <a:srgbClr val="000000"/>
+                </a:solidFill>
+                <a:latin typeface="Consolas" panose="020B0609020204030204" pitchFamily="49" charset="0"/>
+              </a:rPr>
+              <a:t>, </a:t>
+            </a:r>
+            <a:r>
+              <a:rPr lang="pt-BR" dirty="0" err="1">
+                <a:solidFill>
+                  <a:srgbClr val="000000"/>
+                </a:solidFill>
+                <a:latin typeface="Consolas" panose="020B0609020204030204" pitchFamily="49" charset="0"/>
+              </a:rPr>
+              <a:t>preco</a:t>
+            </a:r>
+            <a:r>
+              <a:rPr lang="pt-BR" dirty="0">
+                <a:solidFill>
+                  <a:srgbClr val="000000"/>
+                </a:solidFill>
+                <a:latin typeface="Consolas" panose="020B0609020204030204" pitchFamily="49" charset="0"/>
+              </a:rPr>
+              <a:t>: </a:t>
+            </a:r>
+            <a:r>
+              <a:rPr lang="pt-BR" dirty="0">
+                <a:solidFill>
+                  <a:srgbClr val="098658"/>
+                </a:solidFill>
+                <a:latin typeface="Consolas" panose="020B0609020204030204" pitchFamily="49" charset="0"/>
+              </a:rPr>
+              <a:t>50</a:t>
+            </a:r>
+            <a:r>
+              <a:rPr lang="pt-BR" dirty="0">
+                <a:solidFill>
+                  <a:srgbClr val="000000"/>
+                </a:solidFill>
+                <a:latin typeface="Consolas" panose="020B0609020204030204" pitchFamily="49" charset="0"/>
+              </a:rPr>
+              <a:t> }</a:t>
+            </a:r>
+          </a:p>
+          <a:p>
+            <a:pPr>
+              <a:spcBef>
+                <a:spcPts val="150"/>
+              </a:spcBef>
+              <a:spcAft>
+                <a:spcPts val="150"/>
+              </a:spcAft>
+            </a:pPr>
+            <a:r>
+              <a:rPr lang="pt-BR" dirty="0">
+                <a:solidFill>
+                  <a:srgbClr val="000000"/>
+                </a:solidFill>
+                <a:latin typeface="Consolas" panose="020B0609020204030204" pitchFamily="49" charset="0"/>
+              </a:rPr>
+              <a:t>];</a:t>
+            </a:r>
           </a:p>
         </p:txBody>
       </p:sp>
@@ -4999,10 +5357,10 @@
       </p:grpSpPr>
       <p:sp>
         <p:nvSpPr>
-          <p:cNvPr id="6" name="Título 5">
+          <p:cNvPr id="4" name="Título 3">
             <a:extLst>
               <a:ext uri="{FF2B5EF4-FFF2-40B4-BE49-F238E27FC236}">
-                <a16:creationId xmlns:a16="http://schemas.microsoft.com/office/drawing/2014/main" id="{4C3FB951-90DD-417E-99B3-76B247BA1467}"/>
+                <a16:creationId xmlns:a16="http://schemas.microsoft.com/office/drawing/2014/main" id="{3223FAA3-47B3-4C43-8493-B945285D86F0}"/>
               </a:ext>
             </a:extLst>
           </p:cNvPr>
@@ -5032,10 +5390,10 @@
       </p:sp>
       <p:sp>
         <p:nvSpPr>
-          <p:cNvPr id="7" name="Espaço Reservado para Conteúdo 6">
+          <p:cNvPr id="5" name="Espaço Reservado para Conteúdo 4">
             <a:extLst>
               <a:ext uri="{FF2B5EF4-FFF2-40B4-BE49-F238E27FC236}">
-                <a16:creationId xmlns:a16="http://schemas.microsoft.com/office/drawing/2014/main" id="{6A47C640-269D-4D5E-8B3D-BC2EEEC26879}"/>
+                <a16:creationId xmlns:a16="http://schemas.microsoft.com/office/drawing/2014/main" id="{381B5ECB-27D6-42B0-8CFB-E6B7F772BDE7}"/>
               </a:ext>
             </a:extLst>
           </p:cNvPr>
@@ -5049,48 +5407,24 @@
         <p:spPr>
           <a:xfrm>
             <a:off x="592347" y="1844675"/>
-            <a:ext cx="11007306" cy="1360164"/>
+            <a:ext cx="11007306" cy="1431185"/>
           </a:xfrm>
         </p:spPr>
         <p:txBody>
           <a:bodyPr/>
           <a:lstStyle/>
           <a:p>
-            <a:pPr>
-              <a:spcBef>
-                <a:spcPts val="0"/>
-              </a:spcBef>
-            </a:pPr>
             <a:r>
               <a:rPr lang="pt-BR" dirty="0"/>
-              <a:t>🔎 .</a:t>
+              <a:t>O método .</a:t>
             </a:r>
             <a:r>
               <a:rPr lang="pt-BR" dirty="0" err="1"/>
-              <a:t>filter</a:t>
+              <a:t>forEach</a:t>
             </a:r>
             <a:r>
               <a:rPr lang="pt-BR" dirty="0"/>
-              <a:t>() - Filtrando elementos</a:t>
-            </a:r>
-          </a:p>
-          <a:p>
-            <a:pPr indent="457200">
-              <a:spcBef>
-                <a:spcPts val="0"/>
-              </a:spcBef>
-            </a:pPr>
-            <a:r>
-              <a:rPr lang="pt-BR" dirty="0"/>
-              <a:t>O .</a:t>
-            </a:r>
-            <a:r>
-              <a:rPr lang="pt-BR" dirty="0" err="1"/>
-              <a:t>filter</a:t>
-            </a:r>
-            <a:r>
-              <a:rPr lang="pt-BR" dirty="0"/>
-              <a:t>() cria um novo </a:t>
+              <a:t>() é utilizado para percorrer elementos de um </a:t>
             </a:r>
             <a:r>
               <a:rPr lang="pt-BR" dirty="0" err="1"/>
@@ -5098,17 +5432,25 @@
             </a:r>
             <a:r>
               <a:rPr lang="pt-BR" dirty="0"/>
-              <a:t> contendo apenas os elementos que atendem a uma condição específica.</a:t>
+              <a:t> e executar uma função para cada item desse </a:t>
+            </a:r>
+            <a:r>
+              <a:rPr lang="pt-BR" dirty="0" err="1"/>
+              <a:t>array</a:t>
+            </a:r>
+            <a:r>
+              <a:rPr lang="pt-BR" dirty="0"/>
+              <a:t>. Ele é uma alternativa mais moderna e direta ao for tradicional, especialmente quando não é necessário acessar o índice.</a:t>
             </a:r>
           </a:p>
         </p:txBody>
       </p:sp>
       <p:sp>
         <p:nvSpPr>
-          <p:cNvPr id="10" name="Retângulo 9">
+          <p:cNvPr id="7" name="Retângulo 6">
             <a:extLst>
               <a:ext uri="{FF2B5EF4-FFF2-40B4-BE49-F238E27FC236}">
-                <a16:creationId xmlns:a16="http://schemas.microsoft.com/office/drawing/2014/main" id="{DB2F7A30-8128-4F8E-8083-92E538AED46F}"/>
+                <a16:creationId xmlns:a16="http://schemas.microsoft.com/office/drawing/2014/main" id="{EC0B54B3-BA53-4AB1-94CF-903AE1A153F2}"/>
               </a:ext>
             </a:extLst>
           </p:cNvPr>
@@ -5117,8 +5459,8 @@
         </p:nvSpPr>
         <p:spPr>
           <a:xfrm>
-            <a:off x="1485530" y="3429000"/>
-            <a:ext cx="9220940" cy="2862322"/>
+            <a:off x="1951607" y="4018443"/>
+            <a:ext cx="8288785" cy="923330"/>
           </a:xfrm>
           <a:prstGeom prst="rect">
             <a:avLst/>
@@ -5133,11 +5475,29 @@
             <a:r>
               <a:rPr lang="pt-BR" dirty="0" err="1">
                 <a:solidFill>
+                  <a:srgbClr val="000000"/>
+                </a:solidFill>
+                <a:latin typeface="Consolas" panose="020B0609020204030204" pitchFamily="49" charset="0"/>
+              </a:rPr>
+              <a:t>produtos.forEach</a:t>
+            </a:r>
+            <a:r>
+              <a:rPr lang="pt-BR" dirty="0">
+                <a:solidFill>
+                  <a:srgbClr val="000000"/>
+                </a:solidFill>
+                <a:latin typeface="Consolas" panose="020B0609020204030204" pitchFamily="49" charset="0"/>
+              </a:rPr>
+              <a:t>((produto) </a:t>
+            </a:r>
+            <a:r>
+              <a:rPr lang="pt-BR" dirty="0">
+                <a:solidFill>
                   <a:srgbClr val="0000FF"/>
                 </a:solidFill>
                 <a:latin typeface="Consolas" panose="020B0609020204030204" pitchFamily="49" charset="0"/>
               </a:rPr>
-              <a:t>const</a:t>
+              <a:t>=&gt;</a:t>
             </a:r>
             <a:r>
               <a:rPr lang="pt-BR" dirty="0">
@@ -5146,7 +5506,7 @@
                 </a:solidFill>
                 <a:latin typeface="Consolas" panose="020B0609020204030204" pitchFamily="49" charset="0"/>
               </a:rPr>
-              <a:t> produtos = [</a:t>
+              <a:t> {</a:t>
             </a:r>
           </a:p>
           <a:p>
@@ -5157,7 +5517,7 @@
                 </a:solidFill>
                 <a:latin typeface="Consolas" panose="020B0609020204030204" pitchFamily="49" charset="0"/>
               </a:rPr>
-              <a:t>    { nome: </a:t>
+              <a:t>    console.log(</a:t>
             </a:r>
             <a:r>
               <a:rPr lang="pt-BR" dirty="0">
@@ -5166,16 +5526,16 @@
                 </a:solidFill>
                 <a:latin typeface="Consolas" panose="020B0609020204030204" pitchFamily="49" charset="0"/>
               </a:rPr>
-              <a:t>"Mouse"</a:t>
+              <a:t>`</a:t>
             </a:r>
             <a:r>
               <a:rPr lang="pt-BR" dirty="0">
                 <a:solidFill>
-                  <a:srgbClr val="000000"/>
-                </a:solidFill>
-                <a:latin typeface="Consolas" panose="020B0609020204030204" pitchFamily="49" charset="0"/>
-              </a:rPr>
-              <a:t>, </a:t>
+                  <a:srgbClr val="0000FF"/>
+                </a:solidFill>
+                <a:latin typeface="Consolas" panose="020B0609020204030204" pitchFamily="49" charset="0"/>
+              </a:rPr>
+              <a:t>${</a:t>
             </a:r>
             <a:r>
               <a:rPr lang="pt-BR" dirty="0" err="1">
@@ -5184,45 +5544,52 @@
                 </a:solidFill>
                 <a:latin typeface="Consolas" panose="020B0609020204030204" pitchFamily="49" charset="0"/>
               </a:rPr>
-              <a:t>preco</a:t>
+              <a:t>produto.nome</a:t>
             </a:r>
             <a:r>
               <a:rPr lang="pt-BR" dirty="0">
                 <a:solidFill>
-                  <a:srgbClr val="000000"/>
-                </a:solidFill>
-                <a:latin typeface="Consolas" panose="020B0609020204030204" pitchFamily="49" charset="0"/>
-              </a:rPr>
-              <a:t>: </a:t>
+                  <a:srgbClr val="0000FF"/>
+                </a:solidFill>
+                <a:latin typeface="Consolas" panose="020B0609020204030204" pitchFamily="49" charset="0"/>
+              </a:rPr>
+              <a:t>}</a:t>
             </a:r>
             <a:r>
               <a:rPr lang="pt-BR" dirty="0">
                 <a:solidFill>
-                  <a:srgbClr val="098658"/>
-                </a:solidFill>
-                <a:latin typeface="Consolas" panose="020B0609020204030204" pitchFamily="49" charset="0"/>
-              </a:rPr>
-              <a:t>50</a:t>
+                  <a:srgbClr val="A31515"/>
+                </a:solidFill>
+                <a:latin typeface="Consolas" panose="020B0609020204030204" pitchFamily="49" charset="0"/>
+              </a:rPr>
+              <a:t> - R$ </a:t>
             </a:r>
             <a:r>
               <a:rPr lang="pt-BR" dirty="0">
                 <a:solidFill>
-                  <a:srgbClr val="000000"/>
-                </a:solidFill>
-                <a:latin typeface="Consolas" panose="020B0609020204030204" pitchFamily="49" charset="0"/>
-              </a:rPr>
-              <a:t> },</a:t>
-            </a:r>
-          </a:p>
-          <a:p>
+                  <a:srgbClr val="0000FF"/>
+                </a:solidFill>
+                <a:latin typeface="Consolas" panose="020B0609020204030204" pitchFamily="49" charset="0"/>
+              </a:rPr>
+              <a:t>${</a:t>
+            </a:r>
+            <a:r>
+              <a:rPr lang="pt-BR" dirty="0" err="1">
+                <a:solidFill>
+                  <a:srgbClr val="000000"/>
+                </a:solidFill>
+                <a:latin typeface="Consolas" panose="020B0609020204030204" pitchFamily="49" charset="0"/>
+              </a:rPr>
+              <a:t>produto.preco</a:t>
+            </a:r>
             <a:r>
               <a:rPr lang="pt-BR" dirty="0">
                 <a:solidFill>
-                  <a:srgbClr val="000000"/>
-                </a:solidFill>
-                <a:latin typeface="Consolas" panose="020B0609020204030204" pitchFamily="49" charset="0"/>
-              </a:rPr>
-              <a:t>    { nome: </a:t>
+                  <a:srgbClr val="0000FF"/>
+                </a:solidFill>
+                <a:latin typeface="Consolas" panose="020B0609020204030204" pitchFamily="49" charset="0"/>
+              </a:rPr>
+              <a:t>}</a:t>
             </a:r>
             <a:r>
               <a:rPr lang="pt-BR" dirty="0">
@@ -5231,7 +5598,7 @@
                 </a:solidFill>
                 <a:latin typeface="Consolas" panose="020B0609020204030204" pitchFamily="49" charset="0"/>
               </a:rPr>
-              <a:t>"Teclado"</a:t>
+              <a:t>`</a:t>
             </a:r>
             <a:r>
               <a:rPr lang="pt-BR" dirty="0">
@@ -5240,17 +5607,10 @@
                 </a:solidFill>
                 <a:latin typeface="Consolas" panose="020B0609020204030204" pitchFamily="49" charset="0"/>
               </a:rPr>
-              <a:t>, </a:t>
-            </a:r>
-            <a:r>
-              <a:rPr lang="pt-BR" dirty="0" err="1">
-                <a:solidFill>
-                  <a:srgbClr val="000000"/>
-                </a:solidFill>
-                <a:latin typeface="Consolas" panose="020B0609020204030204" pitchFamily="49" charset="0"/>
-              </a:rPr>
-              <a:t>preco</a:t>
-            </a:r>
+              <a:t>);</a:t>
+            </a:r>
+          </a:p>
+          <a:p>
             <a:r>
               <a:rPr lang="pt-BR" dirty="0">
                 <a:solidFill>
@@ -5258,321 +5618,7 @@
                 </a:solidFill>
                 <a:latin typeface="Consolas" panose="020B0609020204030204" pitchFamily="49" charset="0"/>
               </a:rPr>
-              <a:t>: </a:t>
-            </a:r>
-            <a:r>
-              <a:rPr lang="pt-BR" dirty="0">
-                <a:solidFill>
-                  <a:srgbClr val="098658"/>
-                </a:solidFill>
-                <a:latin typeface="Consolas" panose="020B0609020204030204" pitchFamily="49" charset="0"/>
-              </a:rPr>
-              <a:t>150</a:t>
-            </a:r>
-            <a:r>
-              <a:rPr lang="pt-BR" dirty="0">
-                <a:solidFill>
-                  <a:srgbClr val="000000"/>
-                </a:solidFill>
-                <a:latin typeface="Consolas" panose="020B0609020204030204" pitchFamily="49" charset="0"/>
-              </a:rPr>
-              <a:t> },</a:t>
-            </a:r>
-          </a:p>
-          <a:p>
-            <a:r>
-              <a:rPr lang="pt-BR" dirty="0">
-                <a:solidFill>
-                  <a:srgbClr val="000000"/>
-                </a:solidFill>
-                <a:latin typeface="Consolas" panose="020B0609020204030204" pitchFamily="49" charset="0"/>
-              </a:rPr>
-              <a:t>    { nome: </a:t>
-            </a:r>
-            <a:r>
-              <a:rPr lang="pt-BR" dirty="0">
-                <a:solidFill>
-                  <a:srgbClr val="A31515"/>
-                </a:solidFill>
-                <a:latin typeface="Consolas" panose="020B0609020204030204" pitchFamily="49" charset="0"/>
-              </a:rPr>
-              <a:t>"Monitor"</a:t>
-            </a:r>
-            <a:r>
-              <a:rPr lang="pt-BR" dirty="0">
-                <a:solidFill>
-                  <a:srgbClr val="000000"/>
-                </a:solidFill>
-                <a:latin typeface="Consolas" panose="020B0609020204030204" pitchFamily="49" charset="0"/>
-              </a:rPr>
-              <a:t>, </a:t>
-            </a:r>
-            <a:r>
-              <a:rPr lang="pt-BR" dirty="0" err="1">
-                <a:solidFill>
-                  <a:srgbClr val="000000"/>
-                </a:solidFill>
-                <a:latin typeface="Consolas" panose="020B0609020204030204" pitchFamily="49" charset="0"/>
-              </a:rPr>
-              <a:t>preco</a:t>
-            </a:r>
-            <a:r>
-              <a:rPr lang="pt-BR" dirty="0">
-                <a:solidFill>
-                  <a:srgbClr val="000000"/>
-                </a:solidFill>
-                <a:latin typeface="Consolas" panose="020B0609020204030204" pitchFamily="49" charset="0"/>
-              </a:rPr>
-              <a:t>: </a:t>
-            </a:r>
-            <a:r>
-              <a:rPr lang="pt-BR" dirty="0">
-                <a:solidFill>
-                  <a:srgbClr val="098658"/>
-                </a:solidFill>
-                <a:latin typeface="Consolas" panose="020B0609020204030204" pitchFamily="49" charset="0"/>
-              </a:rPr>
-              <a:t>600</a:t>
-            </a:r>
-            <a:r>
-              <a:rPr lang="pt-BR" dirty="0">
-                <a:solidFill>
-                  <a:srgbClr val="000000"/>
-                </a:solidFill>
-                <a:latin typeface="Consolas" panose="020B0609020204030204" pitchFamily="49" charset="0"/>
-              </a:rPr>
-              <a:t> },</a:t>
-            </a:r>
-          </a:p>
-          <a:p>
-            <a:r>
-              <a:rPr lang="pt-BR" dirty="0">
-                <a:solidFill>
-                  <a:srgbClr val="000000"/>
-                </a:solidFill>
-                <a:latin typeface="Consolas" panose="020B0609020204030204" pitchFamily="49" charset="0"/>
-              </a:rPr>
-              <a:t>    { nome: </a:t>
-            </a:r>
-            <a:r>
-              <a:rPr lang="pt-BR" dirty="0">
-                <a:solidFill>
-                  <a:srgbClr val="A31515"/>
-                </a:solidFill>
-                <a:latin typeface="Consolas" panose="020B0609020204030204" pitchFamily="49" charset="0"/>
-              </a:rPr>
-              <a:t>"Cabo USB"</a:t>
-            </a:r>
-            <a:r>
-              <a:rPr lang="pt-BR" dirty="0">
-                <a:solidFill>
-                  <a:srgbClr val="000000"/>
-                </a:solidFill>
-                <a:latin typeface="Consolas" panose="020B0609020204030204" pitchFamily="49" charset="0"/>
-              </a:rPr>
-              <a:t>, </a:t>
-            </a:r>
-            <a:r>
-              <a:rPr lang="pt-BR" dirty="0" err="1">
-                <a:solidFill>
-                  <a:srgbClr val="000000"/>
-                </a:solidFill>
-                <a:latin typeface="Consolas" panose="020B0609020204030204" pitchFamily="49" charset="0"/>
-              </a:rPr>
-              <a:t>preco</a:t>
-            </a:r>
-            <a:r>
-              <a:rPr lang="pt-BR" dirty="0">
-                <a:solidFill>
-                  <a:srgbClr val="000000"/>
-                </a:solidFill>
-                <a:latin typeface="Consolas" panose="020B0609020204030204" pitchFamily="49" charset="0"/>
-              </a:rPr>
-              <a:t>: </a:t>
-            </a:r>
-            <a:r>
-              <a:rPr lang="pt-BR" dirty="0">
-                <a:solidFill>
-                  <a:srgbClr val="098658"/>
-                </a:solidFill>
-                <a:latin typeface="Consolas" panose="020B0609020204030204" pitchFamily="49" charset="0"/>
-              </a:rPr>
-              <a:t>30</a:t>
-            </a:r>
-            <a:r>
-              <a:rPr lang="pt-BR" dirty="0">
-                <a:solidFill>
-                  <a:srgbClr val="000000"/>
-                </a:solidFill>
-                <a:latin typeface="Consolas" panose="020B0609020204030204" pitchFamily="49" charset="0"/>
-              </a:rPr>
-              <a:t> }</a:t>
-            </a:r>
-          </a:p>
-          <a:p>
-            <a:r>
-              <a:rPr lang="pt-BR" dirty="0">
-                <a:solidFill>
-                  <a:srgbClr val="000000"/>
-                </a:solidFill>
-                <a:latin typeface="Consolas" panose="020B0609020204030204" pitchFamily="49" charset="0"/>
-              </a:rPr>
-              <a:t>];</a:t>
-            </a:r>
-          </a:p>
-          <a:p>
-            <a:br>
-              <a:rPr lang="pt-BR" dirty="0">
-                <a:solidFill>
-                  <a:srgbClr val="000000"/>
-                </a:solidFill>
-                <a:latin typeface="Consolas" panose="020B0609020204030204" pitchFamily="49" charset="0"/>
-              </a:rPr>
-            </a:br>
-            <a:r>
-              <a:rPr lang="pt-BR" dirty="0" err="1">
-                <a:solidFill>
-                  <a:srgbClr val="0000FF"/>
-                </a:solidFill>
-                <a:latin typeface="Consolas" panose="020B0609020204030204" pitchFamily="49" charset="0"/>
-              </a:rPr>
-              <a:t>const</a:t>
-            </a:r>
-            <a:r>
-              <a:rPr lang="pt-BR" dirty="0">
-                <a:solidFill>
-                  <a:srgbClr val="000000"/>
-                </a:solidFill>
-                <a:latin typeface="Consolas" panose="020B0609020204030204" pitchFamily="49" charset="0"/>
-              </a:rPr>
-              <a:t> </a:t>
-            </a:r>
-            <a:r>
-              <a:rPr lang="pt-BR" dirty="0" err="1">
-                <a:solidFill>
-                  <a:srgbClr val="000000"/>
-                </a:solidFill>
-                <a:latin typeface="Consolas" panose="020B0609020204030204" pitchFamily="49" charset="0"/>
-              </a:rPr>
-              <a:t>produtosCaros</a:t>
-            </a:r>
-            <a:r>
-              <a:rPr lang="pt-BR" dirty="0">
-                <a:solidFill>
-                  <a:srgbClr val="000000"/>
-                </a:solidFill>
-                <a:latin typeface="Consolas" panose="020B0609020204030204" pitchFamily="49" charset="0"/>
-              </a:rPr>
-              <a:t> = </a:t>
-            </a:r>
-            <a:r>
-              <a:rPr lang="pt-BR" dirty="0" err="1">
-                <a:solidFill>
-                  <a:srgbClr val="000000"/>
-                </a:solidFill>
-                <a:latin typeface="Consolas" panose="020B0609020204030204" pitchFamily="49" charset="0"/>
-              </a:rPr>
-              <a:t>produtos.filter</a:t>
-            </a:r>
-            <a:r>
-              <a:rPr lang="pt-BR" dirty="0">
-                <a:solidFill>
-                  <a:srgbClr val="000000"/>
-                </a:solidFill>
-                <a:latin typeface="Consolas" panose="020B0609020204030204" pitchFamily="49" charset="0"/>
-              </a:rPr>
-              <a:t>(produto </a:t>
-            </a:r>
-            <a:r>
-              <a:rPr lang="pt-BR" dirty="0">
-                <a:solidFill>
-                  <a:srgbClr val="0000FF"/>
-                </a:solidFill>
-                <a:latin typeface="Consolas" panose="020B0609020204030204" pitchFamily="49" charset="0"/>
-              </a:rPr>
-              <a:t>=&gt;</a:t>
-            </a:r>
-            <a:r>
-              <a:rPr lang="pt-BR" dirty="0">
-                <a:solidFill>
-                  <a:srgbClr val="000000"/>
-                </a:solidFill>
-                <a:latin typeface="Consolas" panose="020B0609020204030204" pitchFamily="49" charset="0"/>
-              </a:rPr>
-              <a:t> </a:t>
-            </a:r>
-            <a:r>
-              <a:rPr lang="pt-BR" dirty="0" err="1">
-                <a:solidFill>
-                  <a:srgbClr val="000000"/>
-                </a:solidFill>
-                <a:latin typeface="Consolas" panose="020B0609020204030204" pitchFamily="49" charset="0"/>
-              </a:rPr>
-              <a:t>produto.preco</a:t>
-            </a:r>
-            <a:r>
-              <a:rPr lang="pt-BR" dirty="0">
-                <a:solidFill>
-                  <a:srgbClr val="000000"/>
-                </a:solidFill>
-                <a:latin typeface="Consolas" panose="020B0609020204030204" pitchFamily="49" charset="0"/>
-              </a:rPr>
-              <a:t> &gt; </a:t>
-            </a:r>
-            <a:r>
-              <a:rPr lang="pt-BR" dirty="0">
-                <a:solidFill>
-                  <a:srgbClr val="098658"/>
-                </a:solidFill>
-                <a:latin typeface="Consolas" panose="020B0609020204030204" pitchFamily="49" charset="0"/>
-              </a:rPr>
-              <a:t>100</a:t>
-            </a:r>
-            <a:r>
-              <a:rPr lang="pt-BR" dirty="0">
-                <a:solidFill>
-                  <a:srgbClr val="000000"/>
-                </a:solidFill>
-                <a:latin typeface="Consolas" panose="020B0609020204030204" pitchFamily="49" charset="0"/>
-              </a:rPr>
-              <a:t>);</a:t>
-            </a:r>
-          </a:p>
-          <a:p>
-            <a:br>
-              <a:rPr lang="pt-BR" dirty="0">
-                <a:solidFill>
-                  <a:srgbClr val="000000"/>
-                </a:solidFill>
-                <a:latin typeface="Consolas" panose="020B0609020204030204" pitchFamily="49" charset="0"/>
-              </a:rPr>
-            </a:br>
-            <a:r>
-              <a:rPr lang="pt-BR" dirty="0">
-                <a:solidFill>
-                  <a:srgbClr val="000000"/>
-                </a:solidFill>
-                <a:latin typeface="Consolas" panose="020B0609020204030204" pitchFamily="49" charset="0"/>
-              </a:rPr>
-              <a:t>console.log(</a:t>
-            </a:r>
-            <a:r>
-              <a:rPr lang="pt-BR" dirty="0" err="1">
-                <a:solidFill>
-                  <a:srgbClr val="000000"/>
-                </a:solidFill>
-                <a:latin typeface="Consolas" panose="020B0609020204030204" pitchFamily="49" charset="0"/>
-              </a:rPr>
-              <a:t>produtosCaros</a:t>
-            </a:r>
-            <a:r>
-              <a:rPr lang="pt-BR" dirty="0">
-                <a:solidFill>
-                  <a:srgbClr val="000000"/>
-                </a:solidFill>
-                <a:latin typeface="Consolas" panose="020B0609020204030204" pitchFamily="49" charset="0"/>
-              </a:rPr>
-              <a:t>);</a:t>
+              <a:t>});</a:t>
             </a:r>
             <a:endParaRPr lang="pt-BR" b="0" dirty="0">
               <a:solidFill>
@@ -5587,7 +5633,7 @@
     </p:spTree>
     <p:extLst>
       <p:ext uri="{BB962C8B-B14F-4D97-AF65-F5344CB8AC3E}">
-        <p14:creationId xmlns:p14="http://schemas.microsoft.com/office/powerpoint/2010/main" val="999804480"/>
+        <p14:creationId xmlns:p14="http://schemas.microsoft.com/office/powerpoint/2010/main" val="2350082728"/>
       </p:ext>
     </p:extLst>
   </p:cSld>
@@ -5680,15 +5726,15 @@
             </a:pPr>
             <a:r>
               <a:rPr lang="pt-BR" dirty="0"/>
-              <a:t>🔄 .</a:t>
+              <a:t>🔎 .</a:t>
             </a:r>
             <a:r>
               <a:rPr lang="pt-BR" dirty="0" err="1"/>
-              <a:t>map</a:t>
+              <a:t>filter</a:t>
             </a:r>
             <a:r>
               <a:rPr lang="pt-BR" dirty="0"/>
-              <a:t>() - Transformando elementos</a:t>
+              <a:t>() - Filtrando elementos</a:t>
             </a:r>
           </a:p>
           <a:p>
@@ -5703,7 +5749,7 @@
             </a:r>
             <a:r>
               <a:rPr lang="pt-BR" dirty="0" err="1"/>
-              <a:t>map</a:t>
+              <a:t>filter</a:t>
             </a:r>
             <a:r>
               <a:rPr lang="pt-BR" dirty="0"/>
@@ -5715,17 +5761,17 @@
             </a:r>
             <a:r>
               <a:rPr lang="pt-BR" dirty="0"/>
-              <a:t> aplicando uma transformação em cada elemento.</a:t>
+              <a:t> contendo apenas os elementos que atendem a uma condição específica.</a:t>
             </a:r>
           </a:p>
         </p:txBody>
       </p:sp>
       <p:sp>
         <p:nvSpPr>
-          <p:cNvPr id="2" name="Retângulo 1">
+          <p:cNvPr id="10" name="Retângulo 9">
             <a:extLst>
               <a:ext uri="{FF2B5EF4-FFF2-40B4-BE49-F238E27FC236}">
-                <a16:creationId xmlns:a16="http://schemas.microsoft.com/office/drawing/2014/main" id="{B8FA76D3-6DD2-4F60-B40A-B7626858F721}"/>
+                <a16:creationId xmlns:a16="http://schemas.microsoft.com/office/drawing/2014/main" id="{DB2F7A30-8128-4F8E-8083-92E538AED46F}"/>
               </a:ext>
             </a:extLst>
           </p:cNvPr>
@@ -5734,8 +5780,8 @@
         </p:nvSpPr>
         <p:spPr>
           <a:xfrm>
-            <a:off x="2045384" y="3204839"/>
-            <a:ext cx="6817581" cy="3293209"/>
+            <a:off x="1485530" y="3429000"/>
+            <a:ext cx="9220940" cy="2862322"/>
           </a:xfrm>
           <a:prstGeom prst="rect">
             <a:avLst/>
@@ -5748,7 +5794,7 @@
           <a:lstStyle/>
           <a:p>
             <a:r>
-              <a:rPr lang="pt-BR" sz="1600" dirty="0" err="1">
+              <a:rPr lang="pt-BR" dirty="0" err="1">
                 <a:solidFill>
                   <a:srgbClr val="0000FF"/>
                 </a:solidFill>
@@ -5757,7 +5803,7 @@
               <a:t>const</a:t>
             </a:r>
             <a:r>
-              <a:rPr lang="pt-BR" sz="1600" dirty="0">
+              <a:rPr lang="pt-BR" dirty="0">
                 <a:solidFill>
                   <a:srgbClr val="000000"/>
                 </a:solidFill>
@@ -5768,7 +5814,7 @@
           </a:p>
           <a:p>
             <a:r>
-              <a:rPr lang="pt-BR" sz="1600" dirty="0">
+              <a:rPr lang="pt-BR" dirty="0">
                 <a:solidFill>
                   <a:srgbClr val="000000"/>
                 </a:solidFill>
@@ -5777,7 +5823,7 @@
               <a:t>    { nome: </a:t>
             </a:r>
             <a:r>
-              <a:rPr lang="pt-BR" sz="1600" dirty="0">
+              <a:rPr lang="pt-BR" dirty="0">
                 <a:solidFill>
                   <a:srgbClr val="A31515"/>
                 </a:solidFill>
@@ -5786,7 +5832,7 @@
               <a:t>"Mouse"</a:t>
             </a:r>
             <a:r>
-              <a:rPr lang="pt-BR" sz="1600" dirty="0">
+              <a:rPr lang="pt-BR" dirty="0">
                 <a:solidFill>
                   <a:srgbClr val="000000"/>
                 </a:solidFill>
@@ -5795,7 +5841,7 @@
               <a:t>, </a:t>
             </a:r>
             <a:r>
-              <a:rPr lang="pt-BR" sz="1600" dirty="0" err="1">
+              <a:rPr lang="pt-BR" dirty="0" err="1">
                 <a:solidFill>
                   <a:srgbClr val="000000"/>
                 </a:solidFill>
@@ -5804,7 +5850,7 @@
               <a:t>preco</a:t>
             </a:r>
             <a:r>
-              <a:rPr lang="pt-BR" sz="1600" dirty="0">
+              <a:rPr lang="pt-BR" dirty="0">
                 <a:solidFill>
                   <a:srgbClr val="000000"/>
                 </a:solidFill>
@@ -5813,7 +5859,7 @@
               <a:t>: </a:t>
             </a:r>
             <a:r>
-              <a:rPr lang="pt-BR" sz="1600" dirty="0">
+              <a:rPr lang="pt-BR" dirty="0">
                 <a:solidFill>
                   <a:srgbClr val="098658"/>
                 </a:solidFill>
@@ -5822,7 +5868,7 @@
               <a:t>50</a:t>
             </a:r>
             <a:r>
-              <a:rPr lang="pt-BR" sz="1600" dirty="0">
+              <a:rPr lang="pt-BR" dirty="0">
                 <a:solidFill>
                   <a:srgbClr val="000000"/>
                 </a:solidFill>
@@ -5833,7 +5879,7 @@
           </a:p>
           <a:p>
             <a:r>
-              <a:rPr lang="pt-BR" sz="1600" dirty="0">
+              <a:rPr lang="pt-BR" dirty="0">
                 <a:solidFill>
                   <a:srgbClr val="000000"/>
                 </a:solidFill>
@@ -5842,7 +5888,7 @@
               <a:t>    { nome: </a:t>
             </a:r>
             <a:r>
-              <a:rPr lang="pt-BR" sz="1600" dirty="0">
+              <a:rPr lang="pt-BR" dirty="0">
                 <a:solidFill>
                   <a:srgbClr val="A31515"/>
                 </a:solidFill>
@@ -5851,7 +5897,7 @@
               <a:t>"Teclado"</a:t>
             </a:r>
             <a:r>
-              <a:rPr lang="pt-BR" sz="1600" dirty="0">
+              <a:rPr lang="pt-BR" dirty="0">
                 <a:solidFill>
                   <a:srgbClr val="000000"/>
                 </a:solidFill>
@@ -5860,7 +5906,7 @@
               <a:t>, </a:t>
             </a:r>
             <a:r>
-              <a:rPr lang="pt-BR" sz="1600" dirty="0" err="1">
+              <a:rPr lang="pt-BR" dirty="0" err="1">
                 <a:solidFill>
                   <a:srgbClr val="000000"/>
                 </a:solidFill>
@@ -5869,7 +5915,7 @@
               <a:t>preco</a:t>
             </a:r>
             <a:r>
-              <a:rPr lang="pt-BR" sz="1600" dirty="0">
+              <a:rPr lang="pt-BR" dirty="0">
                 <a:solidFill>
                   <a:srgbClr val="000000"/>
                 </a:solidFill>
@@ -5878,7 +5924,7 @@
               <a:t>: </a:t>
             </a:r>
             <a:r>
-              <a:rPr lang="pt-BR" sz="1600" dirty="0">
+              <a:rPr lang="pt-BR" dirty="0">
                 <a:solidFill>
                   <a:srgbClr val="098658"/>
                 </a:solidFill>
@@ -5887,7 +5933,7 @@
               <a:t>150</a:t>
             </a:r>
             <a:r>
-              <a:rPr lang="pt-BR" sz="1600" dirty="0">
+              <a:rPr lang="pt-BR" dirty="0">
                 <a:solidFill>
                   <a:srgbClr val="000000"/>
                 </a:solidFill>
@@ -5898,7 +5944,7 @@
           </a:p>
           <a:p>
             <a:r>
-              <a:rPr lang="pt-BR" sz="1600" dirty="0">
+              <a:rPr lang="pt-BR" dirty="0">
                 <a:solidFill>
                   <a:srgbClr val="000000"/>
                 </a:solidFill>
@@ -5907,7 +5953,7 @@
               <a:t>    { nome: </a:t>
             </a:r>
             <a:r>
-              <a:rPr lang="pt-BR" sz="1600" dirty="0">
+              <a:rPr lang="pt-BR" dirty="0">
                 <a:solidFill>
                   <a:srgbClr val="A31515"/>
                 </a:solidFill>
@@ -5916,7 +5962,7 @@
               <a:t>"Monitor"</a:t>
             </a:r>
             <a:r>
-              <a:rPr lang="pt-BR" sz="1600" dirty="0">
+              <a:rPr lang="pt-BR" dirty="0">
                 <a:solidFill>
                   <a:srgbClr val="000000"/>
                 </a:solidFill>
@@ -5925,7 +5971,7 @@
               <a:t>, </a:t>
             </a:r>
             <a:r>
-              <a:rPr lang="pt-BR" sz="1600" dirty="0" err="1">
+              <a:rPr lang="pt-BR" dirty="0" err="1">
                 <a:solidFill>
                   <a:srgbClr val="000000"/>
                 </a:solidFill>
@@ -5934,7 +5980,7 @@
               <a:t>preco</a:t>
             </a:r>
             <a:r>
-              <a:rPr lang="pt-BR" sz="1600" dirty="0">
+              <a:rPr lang="pt-BR" dirty="0">
                 <a:solidFill>
                   <a:srgbClr val="000000"/>
                 </a:solidFill>
@@ -5943,7 +5989,7 @@
               <a:t>: </a:t>
             </a:r>
             <a:r>
-              <a:rPr lang="pt-BR" sz="1600" dirty="0">
+              <a:rPr lang="pt-BR" dirty="0">
                 <a:solidFill>
                   <a:srgbClr val="098658"/>
                 </a:solidFill>
@@ -5952,7 +5998,7 @@
               <a:t>600</a:t>
             </a:r>
             <a:r>
-              <a:rPr lang="pt-BR" sz="1600" dirty="0">
+              <a:rPr lang="pt-BR" dirty="0">
                 <a:solidFill>
                   <a:srgbClr val="000000"/>
                 </a:solidFill>
@@ -5963,7 +6009,7 @@
           </a:p>
           <a:p>
             <a:r>
-              <a:rPr lang="pt-BR" sz="1600" dirty="0">
+              <a:rPr lang="pt-BR" dirty="0">
                 <a:solidFill>
                   <a:srgbClr val="000000"/>
                 </a:solidFill>
@@ -5972,7 +6018,7 @@
               <a:t>    { nome: </a:t>
             </a:r>
             <a:r>
-              <a:rPr lang="pt-BR" sz="1600" dirty="0">
+              <a:rPr lang="pt-BR" dirty="0">
                 <a:solidFill>
                   <a:srgbClr val="A31515"/>
                 </a:solidFill>
@@ -5981,7 +6027,7 @@
               <a:t>"Cabo USB"</a:t>
             </a:r>
             <a:r>
-              <a:rPr lang="pt-BR" sz="1600" dirty="0">
+              <a:rPr lang="pt-BR" dirty="0">
                 <a:solidFill>
                   <a:srgbClr val="000000"/>
                 </a:solidFill>
@@ -5990,7 +6036,7 @@
               <a:t>, </a:t>
             </a:r>
             <a:r>
-              <a:rPr lang="pt-BR" sz="1600" dirty="0" err="1">
+              <a:rPr lang="pt-BR" dirty="0" err="1">
                 <a:solidFill>
                   <a:srgbClr val="000000"/>
                 </a:solidFill>
@@ -5999,7 +6045,7 @@
               <a:t>preco</a:t>
             </a:r>
             <a:r>
-              <a:rPr lang="pt-BR" sz="1600" dirty="0">
+              <a:rPr lang="pt-BR" dirty="0">
                 <a:solidFill>
                   <a:srgbClr val="000000"/>
                 </a:solidFill>
@@ -6008,7 +6054,7 @@
               <a:t>: </a:t>
             </a:r>
             <a:r>
-              <a:rPr lang="pt-BR" sz="1600" dirty="0">
+              <a:rPr lang="pt-BR" dirty="0">
                 <a:solidFill>
                   <a:srgbClr val="098658"/>
                 </a:solidFill>
@@ -6017,7 +6063,7 @@
               <a:t>30</a:t>
             </a:r>
             <a:r>
-              <a:rPr lang="pt-BR" sz="1600" dirty="0">
+              <a:rPr lang="pt-BR" dirty="0">
                 <a:solidFill>
                   <a:srgbClr val="000000"/>
                 </a:solidFill>
@@ -6028,7 +6074,7 @@
           </a:p>
           <a:p>
             <a:r>
-              <a:rPr lang="pt-BR" sz="1600" dirty="0">
+              <a:rPr lang="pt-BR" dirty="0">
                 <a:solidFill>
                   <a:srgbClr val="000000"/>
                 </a:solidFill>
@@ -6039,7 +6085,7 @@
           </a:p>
           <a:p>
             <a:br>
-              <a:rPr lang="pt-BR" sz="1600" dirty="0">
+              <a:rPr lang="pt-BR" dirty="0">
                 <a:solidFill>
                   <a:srgbClr val="000000"/>
                 </a:solidFill>
@@ -6047,7 +6093,7 @@
               </a:rPr>
             </a:br>
             <a:r>
-              <a:rPr lang="pt-BR" sz="1600" dirty="0" err="1">
+              <a:rPr lang="pt-BR" dirty="0" err="1">
                 <a:solidFill>
                   <a:srgbClr val="0000FF"/>
                 </a:solidFill>
@@ -6056,7 +6102,7 @@
               <a:t>const</a:t>
             </a:r>
             <a:r>
-              <a:rPr lang="pt-BR" sz="1600" dirty="0">
+              <a:rPr lang="pt-BR" dirty="0">
                 <a:solidFill>
                   <a:srgbClr val="000000"/>
                 </a:solidFill>
@@ -6065,16 +6111,16 @@
               <a:t> </a:t>
             </a:r>
             <a:r>
-              <a:rPr lang="pt-BR" sz="1600" dirty="0" err="1">
-                <a:solidFill>
-                  <a:srgbClr val="000000"/>
-                </a:solidFill>
-                <a:latin typeface="Consolas" panose="020B0609020204030204" pitchFamily="49" charset="0"/>
-              </a:rPr>
-              <a:t>produtosComDesconto</a:t>
-            </a:r>
-            <a:r>
-              <a:rPr lang="pt-BR" sz="1600" dirty="0">
+              <a:rPr lang="pt-BR" dirty="0" err="1">
+                <a:solidFill>
+                  <a:srgbClr val="000000"/>
+                </a:solidFill>
+                <a:latin typeface="Consolas" panose="020B0609020204030204" pitchFamily="49" charset="0"/>
+              </a:rPr>
+              <a:t>produtosCaros</a:t>
+            </a:r>
+            <a:r>
+              <a:rPr lang="pt-BR" dirty="0">
                 <a:solidFill>
                   <a:srgbClr val="000000"/>
                 </a:solidFill>
@@ -6083,16 +6129,16 @@
               <a:t> = </a:t>
             </a:r>
             <a:r>
-              <a:rPr lang="pt-BR" sz="1600" dirty="0" err="1">
-                <a:solidFill>
-                  <a:srgbClr val="000000"/>
-                </a:solidFill>
-                <a:latin typeface="Consolas" panose="020B0609020204030204" pitchFamily="49" charset="0"/>
-              </a:rPr>
-              <a:t>produtos.map</a:t>
-            </a:r>
-            <a:r>
-              <a:rPr lang="pt-BR" sz="1600" dirty="0">
+              <a:rPr lang="pt-BR" dirty="0" err="1">
+                <a:solidFill>
+                  <a:srgbClr val="000000"/>
+                </a:solidFill>
+                <a:latin typeface="Consolas" panose="020B0609020204030204" pitchFamily="49" charset="0"/>
+              </a:rPr>
+              <a:t>produtos.filter</a:t>
+            </a:r>
+            <a:r>
+              <a:rPr lang="pt-BR" dirty="0">
                 <a:solidFill>
                   <a:srgbClr val="000000"/>
                 </a:solidFill>
@@ -6101,7 +6147,7 @@
               <a:t>(produto </a:t>
             </a:r>
             <a:r>
-              <a:rPr lang="pt-BR" sz="1600" dirty="0">
+              <a:rPr lang="pt-BR" dirty="0">
                 <a:solidFill>
                   <a:srgbClr val="0000FF"/>
                 </a:solidFill>
@@ -6110,74 +6156,16 @@
               <a:t>=&gt;</a:t>
             </a:r>
             <a:r>
-              <a:rPr lang="pt-BR" sz="1600" dirty="0">
-                <a:solidFill>
-                  <a:srgbClr val="000000"/>
-                </a:solidFill>
-                <a:latin typeface="Consolas" panose="020B0609020204030204" pitchFamily="49" charset="0"/>
-              </a:rPr>
-              <a:t> ({</a:t>
-            </a:r>
-          </a:p>
-          <a:p>
-            <a:r>
-              <a:rPr lang="pt-BR" sz="1600" dirty="0">
-                <a:solidFill>
-                  <a:srgbClr val="000000"/>
-                </a:solidFill>
-                <a:latin typeface="Consolas" panose="020B0609020204030204" pitchFamily="49" charset="0"/>
-              </a:rPr>
-              <a:t>    nome: </a:t>
-            </a:r>
-            <a:r>
-              <a:rPr lang="pt-BR" sz="1600" dirty="0" err="1">
-                <a:solidFill>
-                  <a:srgbClr val="000000"/>
-                </a:solidFill>
-                <a:latin typeface="Consolas" panose="020B0609020204030204" pitchFamily="49" charset="0"/>
-              </a:rPr>
-              <a:t>produto.nome</a:t>
-            </a:r>
-            <a:r>
-              <a:rPr lang="pt-BR" sz="1600" dirty="0">
-                <a:solidFill>
-                  <a:srgbClr val="000000"/>
-                </a:solidFill>
-                <a:latin typeface="Consolas" panose="020B0609020204030204" pitchFamily="49" charset="0"/>
-              </a:rPr>
-              <a:t>,</a:t>
-            </a:r>
-          </a:p>
-          <a:p>
-            <a:r>
-              <a:rPr lang="pt-BR" sz="1600" dirty="0">
-                <a:solidFill>
-                  <a:srgbClr val="000000"/>
-                </a:solidFill>
-                <a:latin typeface="Consolas" panose="020B0609020204030204" pitchFamily="49" charset="0"/>
-              </a:rPr>
-              <a:t>    </a:t>
-            </a:r>
-            <a:r>
-              <a:rPr lang="pt-BR" sz="1600" dirty="0" err="1">
-                <a:solidFill>
-                  <a:srgbClr val="000000"/>
-                </a:solidFill>
-                <a:latin typeface="Consolas" panose="020B0609020204030204" pitchFamily="49" charset="0"/>
-              </a:rPr>
-              <a:t>preco</a:t>
-            </a:r>
-            <a:r>
-              <a:rPr lang="pt-BR" sz="1600" dirty="0">
-                <a:solidFill>
-                  <a:srgbClr val="000000"/>
-                </a:solidFill>
-                <a:latin typeface="Consolas" panose="020B0609020204030204" pitchFamily="49" charset="0"/>
-              </a:rPr>
-              <a:t>: </a:t>
-            </a:r>
-            <a:r>
-              <a:rPr lang="pt-BR" sz="1600" dirty="0" err="1">
+              <a:rPr lang="pt-BR" dirty="0">
+                <a:solidFill>
+                  <a:srgbClr val="000000"/>
+                </a:solidFill>
+                <a:latin typeface="Consolas" panose="020B0609020204030204" pitchFamily="49" charset="0"/>
+              </a:rPr>
+              <a:t> </a:t>
+            </a:r>
+            <a:r>
+              <a:rPr lang="pt-BR" dirty="0" err="1">
                 <a:solidFill>
                   <a:srgbClr val="000000"/>
                 </a:solidFill>
@@ -6186,62 +6174,36 @@
               <a:t>produto.preco</a:t>
             </a:r>
             <a:r>
-              <a:rPr lang="pt-BR" sz="1600" dirty="0">
-                <a:solidFill>
-                  <a:srgbClr val="000000"/>
-                </a:solidFill>
-                <a:latin typeface="Consolas" panose="020B0609020204030204" pitchFamily="49" charset="0"/>
-              </a:rPr>
-              <a:t> * </a:t>
-            </a:r>
-            <a:r>
-              <a:rPr lang="pt-BR" sz="1600" dirty="0">
+              <a:rPr lang="pt-BR" dirty="0">
+                <a:solidFill>
+                  <a:srgbClr val="000000"/>
+                </a:solidFill>
+                <a:latin typeface="Consolas" panose="020B0609020204030204" pitchFamily="49" charset="0"/>
+              </a:rPr>
+              <a:t> &gt; </a:t>
+            </a:r>
+            <a:r>
+              <a:rPr lang="pt-BR" dirty="0">
                 <a:solidFill>
                   <a:srgbClr val="098658"/>
                 </a:solidFill>
                 <a:latin typeface="Consolas" panose="020B0609020204030204" pitchFamily="49" charset="0"/>
               </a:rPr>
-              <a:t>0.9</a:t>
-            </a:r>
-            <a:r>
-              <a:rPr lang="pt-BR" sz="1600" dirty="0">
-                <a:solidFill>
-                  <a:srgbClr val="000000"/>
-                </a:solidFill>
-                <a:latin typeface="Consolas" panose="020B0609020204030204" pitchFamily="49" charset="0"/>
-              </a:rPr>
-              <a:t>  </a:t>
-            </a:r>
-            <a:r>
-              <a:rPr lang="pt-BR" sz="1600" dirty="0">
-                <a:solidFill>
-                  <a:srgbClr val="008000"/>
-                </a:solidFill>
-                <a:latin typeface="Consolas" panose="020B0609020204030204" pitchFamily="49" charset="0"/>
-              </a:rPr>
-              <a:t>// Aplica 10% de desconto</a:t>
-            </a:r>
-            <a:endParaRPr lang="pt-BR" sz="1600" dirty="0">
-              <a:solidFill>
-                <a:srgbClr val="000000"/>
-              </a:solidFill>
-              <a:latin typeface="Consolas" panose="020B0609020204030204" pitchFamily="49" charset="0"/>
-            </a:endParaRPr>
-          </a:p>
-          <a:p>
-            <a:r>
-              <a:rPr lang="pt-BR" sz="1600" dirty="0">
-                <a:solidFill>
-                  <a:srgbClr val="000000"/>
-                </a:solidFill>
-                <a:latin typeface="Consolas" panose="020B0609020204030204" pitchFamily="49" charset="0"/>
-              </a:rPr>
-              <a:t>}));</a:t>
+              <a:t>100</a:t>
+            </a:r>
+            <a:r>
+              <a:rPr lang="pt-BR" dirty="0">
+                <a:solidFill>
+                  <a:srgbClr val="000000"/>
+                </a:solidFill>
+                <a:latin typeface="Consolas" panose="020B0609020204030204" pitchFamily="49" charset="0"/>
+              </a:rPr>
+              <a:t>);</a:t>
             </a:r>
           </a:p>
           <a:p>
             <a:br>
-              <a:rPr lang="pt-BR" sz="1600" dirty="0">
+              <a:rPr lang="pt-BR" dirty="0">
                 <a:solidFill>
                   <a:srgbClr val="000000"/>
                 </a:solidFill>
@@ -6249,7 +6211,7 @@
               </a:rPr>
             </a:br>
             <a:r>
-              <a:rPr lang="pt-BR" sz="1600" dirty="0">
+              <a:rPr lang="pt-BR" dirty="0">
                 <a:solidFill>
                   <a:srgbClr val="000000"/>
                 </a:solidFill>
@@ -6258,16 +6220,16 @@
               <a:t>console.log(</a:t>
             </a:r>
             <a:r>
-              <a:rPr lang="pt-BR" sz="1600" dirty="0" err="1">
-                <a:solidFill>
-                  <a:srgbClr val="000000"/>
-                </a:solidFill>
-                <a:latin typeface="Consolas" panose="020B0609020204030204" pitchFamily="49" charset="0"/>
-              </a:rPr>
-              <a:t>produtosComDesconto</a:t>
-            </a:r>
-            <a:r>
-              <a:rPr lang="pt-BR" sz="1600" dirty="0">
+              <a:rPr lang="pt-BR" dirty="0" err="1">
+                <a:solidFill>
+                  <a:srgbClr val="000000"/>
+                </a:solidFill>
+                <a:latin typeface="Consolas" panose="020B0609020204030204" pitchFamily="49" charset="0"/>
+              </a:rPr>
+              <a:t>produtosCaros</a:t>
+            </a:r>
+            <a:r>
+              <a:rPr lang="pt-BR" dirty="0">
                 <a:solidFill>
                   <a:srgbClr val="000000"/>
                 </a:solidFill>
@@ -6275,7 +6237,7 @@
               </a:rPr>
               <a:t>);</a:t>
             </a:r>
-            <a:endParaRPr lang="pt-BR" sz="1600" b="0" dirty="0">
+            <a:endParaRPr lang="pt-BR" b="0" dirty="0">
               <a:solidFill>
                 <a:srgbClr val="000000"/>
               </a:solidFill>
@@ -6288,7 +6250,7 @@
     </p:spTree>
     <p:extLst>
       <p:ext uri="{BB962C8B-B14F-4D97-AF65-F5344CB8AC3E}">
-        <p14:creationId xmlns:p14="http://schemas.microsoft.com/office/powerpoint/2010/main" val="3527313520"/>
+        <p14:creationId xmlns:p14="http://schemas.microsoft.com/office/powerpoint/2010/main" val="999804480"/>
       </p:ext>
     </p:extLst>
   </p:cSld>
@@ -6458,6 +6420,707 @@
 </file>
 
 <file path=ppt/slides/slide20.xml><?xml version="1.0" encoding="utf-8"?>
+<p:sld xmlns:a="http://schemas.openxmlformats.org/drawingml/2006/main" xmlns:r="http://schemas.openxmlformats.org/officeDocument/2006/relationships" xmlns:p="http://schemas.openxmlformats.org/presentationml/2006/main">
+  <p:cSld>
+    <p:spTree>
+      <p:nvGrpSpPr>
+        <p:cNvPr id="1" name=""/>
+        <p:cNvGrpSpPr/>
+        <p:nvPr/>
+      </p:nvGrpSpPr>
+      <p:grpSpPr>
+        <a:xfrm>
+          <a:off x="0" y="0"/>
+          <a:ext cx="0" cy="0"/>
+          <a:chOff x="0" y="0"/>
+          <a:chExt cx="0" cy="0"/>
+        </a:xfrm>
+      </p:grpSpPr>
+      <p:sp>
+        <p:nvSpPr>
+          <p:cNvPr id="6" name="Título 5">
+            <a:extLst>
+              <a:ext uri="{FF2B5EF4-FFF2-40B4-BE49-F238E27FC236}">
+                <a16:creationId xmlns:a16="http://schemas.microsoft.com/office/drawing/2014/main" id="{4C3FB951-90DD-417E-99B3-76B247BA1467}"/>
+              </a:ext>
+            </a:extLst>
+          </p:cNvPr>
+          <p:cNvSpPr>
+            <a:spLocks noGrp="1"/>
+          </p:cNvSpPr>
+          <p:nvPr>
+            <p:ph type="title"/>
+          </p:nvPr>
+        </p:nvSpPr>
+        <p:spPr/>
+        <p:txBody>
+          <a:bodyPr/>
+          <a:lstStyle/>
+          <a:p>
+            <a:r>
+              <a:rPr lang="pt-BR" dirty="0"/>
+              <a:t>Métodos Avançados de </a:t>
+            </a:r>
+            <a:r>
+              <a:rPr lang="pt-BR" dirty="0" err="1"/>
+              <a:t>Arrays</a:t>
+            </a:r>
+            <a:endParaRPr lang="pt-BR" dirty="0"/>
+          </a:p>
+        </p:txBody>
+      </p:sp>
+      <p:sp>
+        <p:nvSpPr>
+          <p:cNvPr id="7" name="Espaço Reservado para Conteúdo 6">
+            <a:extLst>
+              <a:ext uri="{FF2B5EF4-FFF2-40B4-BE49-F238E27FC236}">
+                <a16:creationId xmlns:a16="http://schemas.microsoft.com/office/drawing/2014/main" id="{6A47C640-269D-4D5E-8B3D-BC2EEEC26879}"/>
+              </a:ext>
+            </a:extLst>
+          </p:cNvPr>
+          <p:cNvSpPr>
+            <a:spLocks noGrp="1"/>
+          </p:cNvSpPr>
+          <p:nvPr>
+            <p:ph idx="1"/>
+          </p:nvPr>
+        </p:nvSpPr>
+        <p:spPr>
+          <a:xfrm>
+            <a:off x="592347" y="1844675"/>
+            <a:ext cx="11007306" cy="1360164"/>
+          </a:xfrm>
+        </p:spPr>
+        <p:txBody>
+          <a:bodyPr/>
+          <a:lstStyle/>
+          <a:p>
+            <a:pPr>
+              <a:spcBef>
+                <a:spcPts val="0"/>
+              </a:spcBef>
+            </a:pPr>
+            <a:r>
+              <a:rPr lang="pt-BR" dirty="0"/>
+              <a:t>🔄 .</a:t>
+            </a:r>
+            <a:r>
+              <a:rPr lang="pt-BR" dirty="0" err="1"/>
+              <a:t>map</a:t>
+            </a:r>
+            <a:r>
+              <a:rPr lang="pt-BR" dirty="0"/>
+              <a:t>() - Transformando elementos</a:t>
+            </a:r>
+          </a:p>
+          <a:p>
+            <a:pPr indent="457200">
+              <a:spcBef>
+                <a:spcPts val="0"/>
+              </a:spcBef>
+            </a:pPr>
+            <a:r>
+              <a:rPr lang="pt-BR" dirty="0"/>
+              <a:t>O .</a:t>
+            </a:r>
+            <a:r>
+              <a:rPr lang="pt-BR" dirty="0" err="1"/>
+              <a:t>map</a:t>
+            </a:r>
+            <a:r>
+              <a:rPr lang="pt-BR" dirty="0"/>
+              <a:t>() cria um novo </a:t>
+            </a:r>
+            <a:r>
+              <a:rPr lang="pt-BR" dirty="0" err="1"/>
+              <a:t>array</a:t>
+            </a:r>
+            <a:r>
+              <a:rPr lang="pt-BR" dirty="0"/>
+              <a:t> aplicando uma transformação em cada elemento.</a:t>
+            </a:r>
+          </a:p>
+        </p:txBody>
+      </p:sp>
+      <p:sp>
+        <p:nvSpPr>
+          <p:cNvPr id="2" name="Retângulo 1">
+            <a:extLst>
+              <a:ext uri="{FF2B5EF4-FFF2-40B4-BE49-F238E27FC236}">
+                <a16:creationId xmlns:a16="http://schemas.microsoft.com/office/drawing/2014/main" id="{B8FA76D3-6DD2-4F60-B40A-B7626858F721}"/>
+              </a:ext>
+            </a:extLst>
+          </p:cNvPr>
+          <p:cNvSpPr/>
+          <p:nvPr/>
+        </p:nvSpPr>
+        <p:spPr>
+          <a:xfrm>
+            <a:off x="2045384" y="3204839"/>
+            <a:ext cx="6817581" cy="3293209"/>
+          </a:xfrm>
+          <a:prstGeom prst="rect">
+            <a:avLst/>
+          </a:prstGeom>
+        </p:spPr>
+        <p:txBody>
+          <a:bodyPr wrap="square">
+            <a:spAutoFit/>
+          </a:bodyPr>
+          <a:lstStyle/>
+          <a:p>
+            <a:r>
+              <a:rPr lang="pt-BR" sz="1600" dirty="0" err="1">
+                <a:solidFill>
+                  <a:srgbClr val="0000FF"/>
+                </a:solidFill>
+                <a:latin typeface="Consolas" panose="020B0609020204030204" pitchFamily="49" charset="0"/>
+              </a:rPr>
+              <a:t>const</a:t>
+            </a:r>
+            <a:r>
+              <a:rPr lang="pt-BR" sz="1600" dirty="0">
+                <a:solidFill>
+                  <a:srgbClr val="000000"/>
+                </a:solidFill>
+                <a:latin typeface="Consolas" panose="020B0609020204030204" pitchFamily="49" charset="0"/>
+              </a:rPr>
+              <a:t> produtos = [</a:t>
+            </a:r>
+          </a:p>
+          <a:p>
+            <a:r>
+              <a:rPr lang="pt-BR" sz="1600" dirty="0">
+                <a:solidFill>
+                  <a:srgbClr val="000000"/>
+                </a:solidFill>
+                <a:latin typeface="Consolas" panose="020B0609020204030204" pitchFamily="49" charset="0"/>
+              </a:rPr>
+              <a:t>    { nome: </a:t>
+            </a:r>
+            <a:r>
+              <a:rPr lang="pt-BR" sz="1600" dirty="0">
+                <a:solidFill>
+                  <a:srgbClr val="A31515"/>
+                </a:solidFill>
+                <a:latin typeface="Consolas" panose="020B0609020204030204" pitchFamily="49" charset="0"/>
+              </a:rPr>
+              <a:t>"Mouse"</a:t>
+            </a:r>
+            <a:r>
+              <a:rPr lang="pt-BR" sz="1600" dirty="0">
+                <a:solidFill>
+                  <a:srgbClr val="000000"/>
+                </a:solidFill>
+                <a:latin typeface="Consolas" panose="020B0609020204030204" pitchFamily="49" charset="0"/>
+              </a:rPr>
+              <a:t>, </a:t>
+            </a:r>
+            <a:r>
+              <a:rPr lang="pt-BR" sz="1600" dirty="0" err="1">
+                <a:solidFill>
+                  <a:srgbClr val="000000"/>
+                </a:solidFill>
+                <a:latin typeface="Consolas" panose="020B0609020204030204" pitchFamily="49" charset="0"/>
+              </a:rPr>
+              <a:t>preco</a:t>
+            </a:r>
+            <a:r>
+              <a:rPr lang="pt-BR" sz="1600" dirty="0">
+                <a:solidFill>
+                  <a:srgbClr val="000000"/>
+                </a:solidFill>
+                <a:latin typeface="Consolas" panose="020B0609020204030204" pitchFamily="49" charset="0"/>
+              </a:rPr>
+              <a:t>: </a:t>
+            </a:r>
+            <a:r>
+              <a:rPr lang="pt-BR" sz="1600" dirty="0">
+                <a:solidFill>
+                  <a:srgbClr val="098658"/>
+                </a:solidFill>
+                <a:latin typeface="Consolas" panose="020B0609020204030204" pitchFamily="49" charset="0"/>
+              </a:rPr>
+              <a:t>50</a:t>
+            </a:r>
+            <a:r>
+              <a:rPr lang="pt-BR" sz="1600" dirty="0">
+                <a:solidFill>
+                  <a:srgbClr val="000000"/>
+                </a:solidFill>
+                <a:latin typeface="Consolas" panose="020B0609020204030204" pitchFamily="49" charset="0"/>
+              </a:rPr>
+              <a:t> },</a:t>
+            </a:r>
+          </a:p>
+          <a:p>
+            <a:r>
+              <a:rPr lang="pt-BR" sz="1600" dirty="0">
+                <a:solidFill>
+                  <a:srgbClr val="000000"/>
+                </a:solidFill>
+                <a:latin typeface="Consolas" panose="020B0609020204030204" pitchFamily="49" charset="0"/>
+              </a:rPr>
+              <a:t>    { nome: </a:t>
+            </a:r>
+            <a:r>
+              <a:rPr lang="pt-BR" sz="1600" dirty="0">
+                <a:solidFill>
+                  <a:srgbClr val="A31515"/>
+                </a:solidFill>
+                <a:latin typeface="Consolas" panose="020B0609020204030204" pitchFamily="49" charset="0"/>
+              </a:rPr>
+              <a:t>"Teclado"</a:t>
+            </a:r>
+            <a:r>
+              <a:rPr lang="pt-BR" sz="1600" dirty="0">
+                <a:solidFill>
+                  <a:srgbClr val="000000"/>
+                </a:solidFill>
+                <a:latin typeface="Consolas" panose="020B0609020204030204" pitchFamily="49" charset="0"/>
+              </a:rPr>
+              <a:t>, </a:t>
+            </a:r>
+            <a:r>
+              <a:rPr lang="pt-BR" sz="1600" dirty="0" err="1">
+                <a:solidFill>
+                  <a:srgbClr val="000000"/>
+                </a:solidFill>
+                <a:latin typeface="Consolas" panose="020B0609020204030204" pitchFamily="49" charset="0"/>
+              </a:rPr>
+              <a:t>preco</a:t>
+            </a:r>
+            <a:r>
+              <a:rPr lang="pt-BR" sz="1600" dirty="0">
+                <a:solidFill>
+                  <a:srgbClr val="000000"/>
+                </a:solidFill>
+                <a:latin typeface="Consolas" panose="020B0609020204030204" pitchFamily="49" charset="0"/>
+              </a:rPr>
+              <a:t>: </a:t>
+            </a:r>
+            <a:r>
+              <a:rPr lang="pt-BR" sz="1600" dirty="0">
+                <a:solidFill>
+                  <a:srgbClr val="098658"/>
+                </a:solidFill>
+                <a:latin typeface="Consolas" panose="020B0609020204030204" pitchFamily="49" charset="0"/>
+              </a:rPr>
+              <a:t>150</a:t>
+            </a:r>
+            <a:r>
+              <a:rPr lang="pt-BR" sz="1600" dirty="0">
+                <a:solidFill>
+                  <a:srgbClr val="000000"/>
+                </a:solidFill>
+                <a:latin typeface="Consolas" panose="020B0609020204030204" pitchFamily="49" charset="0"/>
+              </a:rPr>
+              <a:t> },</a:t>
+            </a:r>
+          </a:p>
+          <a:p>
+            <a:r>
+              <a:rPr lang="pt-BR" sz="1600" dirty="0">
+                <a:solidFill>
+                  <a:srgbClr val="000000"/>
+                </a:solidFill>
+                <a:latin typeface="Consolas" panose="020B0609020204030204" pitchFamily="49" charset="0"/>
+              </a:rPr>
+              <a:t>    { nome: </a:t>
+            </a:r>
+            <a:r>
+              <a:rPr lang="pt-BR" sz="1600" dirty="0">
+                <a:solidFill>
+                  <a:srgbClr val="A31515"/>
+                </a:solidFill>
+                <a:latin typeface="Consolas" panose="020B0609020204030204" pitchFamily="49" charset="0"/>
+              </a:rPr>
+              <a:t>"Monitor"</a:t>
+            </a:r>
+            <a:r>
+              <a:rPr lang="pt-BR" sz="1600" dirty="0">
+                <a:solidFill>
+                  <a:srgbClr val="000000"/>
+                </a:solidFill>
+                <a:latin typeface="Consolas" panose="020B0609020204030204" pitchFamily="49" charset="0"/>
+              </a:rPr>
+              <a:t>, </a:t>
+            </a:r>
+            <a:r>
+              <a:rPr lang="pt-BR" sz="1600" dirty="0" err="1">
+                <a:solidFill>
+                  <a:srgbClr val="000000"/>
+                </a:solidFill>
+                <a:latin typeface="Consolas" panose="020B0609020204030204" pitchFamily="49" charset="0"/>
+              </a:rPr>
+              <a:t>preco</a:t>
+            </a:r>
+            <a:r>
+              <a:rPr lang="pt-BR" sz="1600" dirty="0">
+                <a:solidFill>
+                  <a:srgbClr val="000000"/>
+                </a:solidFill>
+                <a:latin typeface="Consolas" panose="020B0609020204030204" pitchFamily="49" charset="0"/>
+              </a:rPr>
+              <a:t>: </a:t>
+            </a:r>
+            <a:r>
+              <a:rPr lang="pt-BR" sz="1600" dirty="0">
+                <a:solidFill>
+                  <a:srgbClr val="098658"/>
+                </a:solidFill>
+                <a:latin typeface="Consolas" panose="020B0609020204030204" pitchFamily="49" charset="0"/>
+              </a:rPr>
+              <a:t>600</a:t>
+            </a:r>
+            <a:r>
+              <a:rPr lang="pt-BR" sz="1600" dirty="0">
+                <a:solidFill>
+                  <a:srgbClr val="000000"/>
+                </a:solidFill>
+                <a:latin typeface="Consolas" panose="020B0609020204030204" pitchFamily="49" charset="0"/>
+              </a:rPr>
+              <a:t> },</a:t>
+            </a:r>
+          </a:p>
+          <a:p>
+            <a:r>
+              <a:rPr lang="pt-BR" sz="1600" dirty="0">
+                <a:solidFill>
+                  <a:srgbClr val="000000"/>
+                </a:solidFill>
+                <a:latin typeface="Consolas" panose="020B0609020204030204" pitchFamily="49" charset="0"/>
+              </a:rPr>
+              <a:t>    { nome: </a:t>
+            </a:r>
+            <a:r>
+              <a:rPr lang="pt-BR" sz="1600" dirty="0">
+                <a:solidFill>
+                  <a:srgbClr val="A31515"/>
+                </a:solidFill>
+                <a:latin typeface="Consolas" panose="020B0609020204030204" pitchFamily="49" charset="0"/>
+              </a:rPr>
+              <a:t>"Cabo USB"</a:t>
+            </a:r>
+            <a:r>
+              <a:rPr lang="pt-BR" sz="1600" dirty="0">
+                <a:solidFill>
+                  <a:srgbClr val="000000"/>
+                </a:solidFill>
+                <a:latin typeface="Consolas" panose="020B0609020204030204" pitchFamily="49" charset="0"/>
+              </a:rPr>
+              <a:t>, </a:t>
+            </a:r>
+            <a:r>
+              <a:rPr lang="pt-BR" sz="1600" dirty="0" err="1">
+                <a:solidFill>
+                  <a:srgbClr val="000000"/>
+                </a:solidFill>
+                <a:latin typeface="Consolas" panose="020B0609020204030204" pitchFamily="49" charset="0"/>
+              </a:rPr>
+              <a:t>preco</a:t>
+            </a:r>
+            <a:r>
+              <a:rPr lang="pt-BR" sz="1600" dirty="0">
+                <a:solidFill>
+                  <a:srgbClr val="000000"/>
+                </a:solidFill>
+                <a:latin typeface="Consolas" panose="020B0609020204030204" pitchFamily="49" charset="0"/>
+              </a:rPr>
+              <a:t>: </a:t>
+            </a:r>
+            <a:r>
+              <a:rPr lang="pt-BR" sz="1600" dirty="0">
+                <a:solidFill>
+                  <a:srgbClr val="098658"/>
+                </a:solidFill>
+                <a:latin typeface="Consolas" panose="020B0609020204030204" pitchFamily="49" charset="0"/>
+              </a:rPr>
+              <a:t>30</a:t>
+            </a:r>
+            <a:r>
+              <a:rPr lang="pt-BR" sz="1600" dirty="0">
+                <a:solidFill>
+                  <a:srgbClr val="000000"/>
+                </a:solidFill>
+                <a:latin typeface="Consolas" panose="020B0609020204030204" pitchFamily="49" charset="0"/>
+              </a:rPr>
+              <a:t> }</a:t>
+            </a:r>
+          </a:p>
+          <a:p>
+            <a:r>
+              <a:rPr lang="pt-BR" sz="1600" dirty="0">
+                <a:solidFill>
+                  <a:srgbClr val="000000"/>
+                </a:solidFill>
+                <a:latin typeface="Consolas" panose="020B0609020204030204" pitchFamily="49" charset="0"/>
+              </a:rPr>
+              <a:t>];</a:t>
+            </a:r>
+          </a:p>
+          <a:p>
+            <a:br>
+              <a:rPr lang="pt-BR" sz="1600" dirty="0">
+                <a:solidFill>
+                  <a:srgbClr val="000000"/>
+                </a:solidFill>
+                <a:latin typeface="Consolas" panose="020B0609020204030204" pitchFamily="49" charset="0"/>
+              </a:rPr>
+            </a:br>
+            <a:r>
+              <a:rPr lang="pt-BR" sz="1600" dirty="0" err="1">
+                <a:solidFill>
+                  <a:srgbClr val="0000FF"/>
+                </a:solidFill>
+                <a:latin typeface="Consolas" panose="020B0609020204030204" pitchFamily="49" charset="0"/>
+              </a:rPr>
+              <a:t>const</a:t>
+            </a:r>
+            <a:r>
+              <a:rPr lang="pt-BR" sz="1600" dirty="0">
+                <a:solidFill>
+                  <a:srgbClr val="000000"/>
+                </a:solidFill>
+                <a:latin typeface="Consolas" panose="020B0609020204030204" pitchFamily="49" charset="0"/>
+              </a:rPr>
+              <a:t> </a:t>
+            </a:r>
+            <a:r>
+              <a:rPr lang="pt-BR" sz="1600" dirty="0" err="1">
+                <a:solidFill>
+                  <a:srgbClr val="000000"/>
+                </a:solidFill>
+                <a:latin typeface="Consolas" panose="020B0609020204030204" pitchFamily="49" charset="0"/>
+              </a:rPr>
+              <a:t>produtosComDesconto</a:t>
+            </a:r>
+            <a:r>
+              <a:rPr lang="pt-BR" sz="1600" dirty="0">
+                <a:solidFill>
+                  <a:srgbClr val="000000"/>
+                </a:solidFill>
+                <a:latin typeface="Consolas" panose="020B0609020204030204" pitchFamily="49" charset="0"/>
+              </a:rPr>
+              <a:t> = </a:t>
+            </a:r>
+            <a:r>
+              <a:rPr lang="pt-BR" sz="1600" dirty="0" err="1">
+                <a:solidFill>
+                  <a:srgbClr val="000000"/>
+                </a:solidFill>
+                <a:latin typeface="Consolas" panose="020B0609020204030204" pitchFamily="49" charset="0"/>
+              </a:rPr>
+              <a:t>produtos.map</a:t>
+            </a:r>
+            <a:r>
+              <a:rPr lang="pt-BR" sz="1600" dirty="0">
+                <a:solidFill>
+                  <a:srgbClr val="000000"/>
+                </a:solidFill>
+                <a:latin typeface="Consolas" panose="020B0609020204030204" pitchFamily="49" charset="0"/>
+              </a:rPr>
+              <a:t>(produto </a:t>
+            </a:r>
+            <a:r>
+              <a:rPr lang="pt-BR" sz="1600" dirty="0">
+                <a:solidFill>
+                  <a:srgbClr val="0000FF"/>
+                </a:solidFill>
+                <a:latin typeface="Consolas" panose="020B0609020204030204" pitchFamily="49" charset="0"/>
+              </a:rPr>
+              <a:t>=&gt;</a:t>
+            </a:r>
+            <a:r>
+              <a:rPr lang="pt-BR" sz="1600" dirty="0">
+                <a:solidFill>
+                  <a:srgbClr val="000000"/>
+                </a:solidFill>
+                <a:latin typeface="Consolas" panose="020B0609020204030204" pitchFamily="49" charset="0"/>
+              </a:rPr>
+              <a:t> ({</a:t>
+            </a:r>
+          </a:p>
+          <a:p>
+            <a:r>
+              <a:rPr lang="pt-BR" sz="1600" dirty="0">
+                <a:solidFill>
+                  <a:srgbClr val="000000"/>
+                </a:solidFill>
+                <a:latin typeface="Consolas" panose="020B0609020204030204" pitchFamily="49" charset="0"/>
+              </a:rPr>
+              <a:t>    nome: </a:t>
+            </a:r>
+            <a:r>
+              <a:rPr lang="pt-BR" sz="1600" dirty="0" err="1">
+                <a:solidFill>
+                  <a:srgbClr val="000000"/>
+                </a:solidFill>
+                <a:latin typeface="Consolas" panose="020B0609020204030204" pitchFamily="49" charset="0"/>
+              </a:rPr>
+              <a:t>produto.nome</a:t>
+            </a:r>
+            <a:r>
+              <a:rPr lang="pt-BR" sz="1600" dirty="0">
+                <a:solidFill>
+                  <a:srgbClr val="000000"/>
+                </a:solidFill>
+                <a:latin typeface="Consolas" panose="020B0609020204030204" pitchFamily="49" charset="0"/>
+              </a:rPr>
+              <a:t>,</a:t>
+            </a:r>
+          </a:p>
+          <a:p>
+            <a:r>
+              <a:rPr lang="pt-BR" sz="1600" dirty="0">
+                <a:solidFill>
+                  <a:srgbClr val="000000"/>
+                </a:solidFill>
+                <a:latin typeface="Consolas" panose="020B0609020204030204" pitchFamily="49" charset="0"/>
+              </a:rPr>
+              <a:t>    </a:t>
+            </a:r>
+            <a:r>
+              <a:rPr lang="pt-BR" sz="1600" dirty="0" err="1">
+                <a:solidFill>
+                  <a:srgbClr val="000000"/>
+                </a:solidFill>
+                <a:latin typeface="Consolas" panose="020B0609020204030204" pitchFamily="49" charset="0"/>
+              </a:rPr>
+              <a:t>preco</a:t>
+            </a:r>
+            <a:r>
+              <a:rPr lang="pt-BR" sz="1600" dirty="0">
+                <a:solidFill>
+                  <a:srgbClr val="000000"/>
+                </a:solidFill>
+                <a:latin typeface="Consolas" panose="020B0609020204030204" pitchFamily="49" charset="0"/>
+              </a:rPr>
+              <a:t>: </a:t>
+            </a:r>
+            <a:r>
+              <a:rPr lang="pt-BR" sz="1600" dirty="0" err="1">
+                <a:solidFill>
+                  <a:srgbClr val="000000"/>
+                </a:solidFill>
+                <a:latin typeface="Consolas" panose="020B0609020204030204" pitchFamily="49" charset="0"/>
+              </a:rPr>
+              <a:t>produto.preco</a:t>
+            </a:r>
+            <a:r>
+              <a:rPr lang="pt-BR" sz="1600" dirty="0">
+                <a:solidFill>
+                  <a:srgbClr val="000000"/>
+                </a:solidFill>
+                <a:latin typeface="Consolas" panose="020B0609020204030204" pitchFamily="49" charset="0"/>
+              </a:rPr>
+              <a:t> * </a:t>
+            </a:r>
+            <a:r>
+              <a:rPr lang="pt-BR" sz="1600" dirty="0">
+                <a:solidFill>
+                  <a:srgbClr val="098658"/>
+                </a:solidFill>
+                <a:latin typeface="Consolas" panose="020B0609020204030204" pitchFamily="49" charset="0"/>
+              </a:rPr>
+              <a:t>0.9</a:t>
+            </a:r>
+            <a:r>
+              <a:rPr lang="pt-BR" sz="1600" dirty="0">
+                <a:solidFill>
+                  <a:srgbClr val="000000"/>
+                </a:solidFill>
+                <a:latin typeface="Consolas" panose="020B0609020204030204" pitchFamily="49" charset="0"/>
+              </a:rPr>
+              <a:t>  </a:t>
+            </a:r>
+            <a:r>
+              <a:rPr lang="pt-BR" sz="1600" dirty="0">
+                <a:solidFill>
+                  <a:srgbClr val="008000"/>
+                </a:solidFill>
+                <a:latin typeface="Consolas" panose="020B0609020204030204" pitchFamily="49" charset="0"/>
+              </a:rPr>
+              <a:t>// Aplica 10% de desconto</a:t>
+            </a:r>
+            <a:endParaRPr lang="pt-BR" sz="1600" dirty="0">
+              <a:solidFill>
+                <a:srgbClr val="000000"/>
+              </a:solidFill>
+              <a:latin typeface="Consolas" panose="020B0609020204030204" pitchFamily="49" charset="0"/>
+            </a:endParaRPr>
+          </a:p>
+          <a:p>
+            <a:r>
+              <a:rPr lang="pt-BR" sz="1600" dirty="0">
+                <a:solidFill>
+                  <a:srgbClr val="000000"/>
+                </a:solidFill>
+                <a:latin typeface="Consolas" panose="020B0609020204030204" pitchFamily="49" charset="0"/>
+              </a:rPr>
+              <a:t>}));</a:t>
+            </a:r>
+          </a:p>
+          <a:p>
+            <a:br>
+              <a:rPr lang="pt-BR" sz="1600" dirty="0">
+                <a:solidFill>
+                  <a:srgbClr val="000000"/>
+                </a:solidFill>
+                <a:latin typeface="Consolas" panose="020B0609020204030204" pitchFamily="49" charset="0"/>
+              </a:rPr>
+            </a:br>
+            <a:r>
+              <a:rPr lang="pt-BR" sz="1600" dirty="0">
+                <a:solidFill>
+                  <a:srgbClr val="000000"/>
+                </a:solidFill>
+                <a:latin typeface="Consolas" panose="020B0609020204030204" pitchFamily="49" charset="0"/>
+              </a:rPr>
+              <a:t>console.log(</a:t>
+            </a:r>
+            <a:r>
+              <a:rPr lang="pt-BR" sz="1600" dirty="0" err="1">
+                <a:solidFill>
+                  <a:srgbClr val="000000"/>
+                </a:solidFill>
+                <a:latin typeface="Consolas" panose="020B0609020204030204" pitchFamily="49" charset="0"/>
+              </a:rPr>
+              <a:t>produtosComDesconto</a:t>
+            </a:r>
+            <a:r>
+              <a:rPr lang="pt-BR" sz="1600" dirty="0">
+                <a:solidFill>
+                  <a:srgbClr val="000000"/>
+                </a:solidFill>
+                <a:latin typeface="Consolas" panose="020B0609020204030204" pitchFamily="49" charset="0"/>
+              </a:rPr>
+              <a:t>);</a:t>
+            </a:r>
+            <a:endParaRPr lang="pt-BR" sz="1600" b="0" dirty="0">
+              <a:solidFill>
+                <a:srgbClr val="000000"/>
+              </a:solidFill>
+              <a:effectLst/>
+              <a:latin typeface="Consolas" panose="020B0609020204030204" pitchFamily="49" charset="0"/>
+            </a:endParaRPr>
+          </a:p>
+        </p:txBody>
+      </p:sp>
+    </p:spTree>
+    <p:extLst>
+      <p:ext uri="{BB962C8B-B14F-4D97-AF65-F5344CB8AC3E}">
+        <p14:creationId xmlns:p14="http://schemas.microsoft.com/office/powerpoint/2010/main" val="3527313520"/>
+      </p:ext>
+    </p:extLst>
+  </p:cSld>
+  <p:clrMapOvr>
+    <a:masterClrMapping/>
+  </p:clrMapOvr>
+</p:sld>
+</file>
+
+<file path=ppt/slides/slide21.xml><?xml version="1.0" encoding="utf-8"?>
 <p:sld xmlns:a="http://schemas.openxmlformats.org/drawingml/2006/main" xmlns:r="http://schemas.openxmlformats.org/officeDocument/2006/relationships" xmlns:p="http://schemas.openxmlformats.org/presentationml/2006/main">
   <p:cSld>
     <p:spTree>
@@ -12569,15 +13232,6 @@
 </file>
 
 <file path=customXml/item1.xml><?xml version="1.0" encoding="utf-8"?>
-<?mso-contentType ?>
-<FormTemplates xmlns="http://schemas.microsoft.com/sharepoint/v3/contenttype/forms">
-  <Display>DocumentLibraryForm</Display>
-  <Edit>DocumentLibraryForm</Edit>
-  <New>DocumentLibraryForm</New>
-</FormTemplates>
-</file>
-
-<file path=customXml/item2.xml><?xml version="1.0" encoding="utf-8"?>
 <ct:contentTypeSchema xmlns:ct="http://schemas.microsoft.com/office/2006/metadata/contentType" xmlns:ma="http://schemas.microsoft.com/office/2006/metadata/properties/metaAttributes" ct:_="" ma:_="" ma:contentTypeName="Documento" ma:contentTypeID="0x010100F3FA34C8AFC5FC488AEECB2D2E525275" ma:contentTypeVersion="14" ma:contentTypeDescription="Crie um novo documento." ma:contentTypeScope="" ma:versionID="804e1d70ebc3aa5aaf228fa9b3ef5351">
   <xsd:schema xmlns:xsd="http://www.w3.org/2001/XMLSchema" xmlns:xs="http://www.w3.org/2001/XMLSchema" xmlns:p="http://schemas.microsoft.com/office/2006/metadata/properties" xmlns:ns3="70a57813-994f-4259-80d7-0e2fa131df4f" xmlns:ns4="9359566a-d9e3-4df0-bfba-fd78eef428d8" targetNamespace="http://schemas.microsoft.com/office/2006/metadata/properties" ma:root="true" ma:fieldsID="a86f449d0aedb19fe976fa2d49395791" ns3:_="" ns4:_="">
     <xsd:import namespace="70a57813-994f-4259-80d7-0e2fa131df4f"/>
@@ -12806,6 +13460,15 @@
 </ct:contentTypeSchema>
 </file>
 
+<file path=customXml/item2.xml><?xml version="1.0" encoding="utf-8"?>
+<?mso-contentType ?>
+<FormTemplates xmlns="http://schemas.microsoft.com/sharepoint/v3/contenttype/forms">
+  <Display>DocumentLibraryForm</Display>
+  <Edit>DocumentLibraryForm</Edit>
+  <New>DocumentLibraryForm</New>
+</FormTemplates>
+</file>
+
 <file path=customXml/item3.xml><?xml version="1.0" encoding="utf-8"?>
 <p:properties xmlns:p="http://schemas.microsoft.com/office/2006/metadata/properties" xmlns:xsi="http://www.w3.org/2001/XMLSchema-instance" xmlns:pc="http://schemas.microsoft.com/office/infopath/2007/PartnerControls">
   <documentManagement>
@@ -12815,14 +13478,6 @@
 </file>
 
 <file path=customXml/itemProps1.xml><?xml version="1.0" encoding="utf-8"?>
-<ds:datastoreItem xmlns:ds="http://schemas.openxmlformats.org/officeDocument/2006/customXml" ds:itemID="{8042A908-4308-42B2-AD36-76827C57E704}">
-  <ds:schemaRefs>
-    <ds:schemaRef ds:uri="http://schemas.microsoft.com/sharepoint/v3/contenttype/forms"/>
-  </ds:schemaRefs>
-</ds:datastoreItem>
-</file>
-
-<file path=customXml/itemProps2.xml><?xml version="1.0" encoding="utf-8"?>
 <ds:datastoreItem xmlns:ds="http://schemas.openxmlformats.org/officeDocument/2006/customXml" ds:itemID="{1919BCF7-D83F-485C-9956-F373F70C9A93}">
   <ds:schemaRefs>
     <ds:schemaRef ds:uri="http://schemas.microsoft.com/office/2006/metadata/contentType"/>
@@ -12837,6 +13492,14 @@
     <ds:schemaRef ds:uri="http://purl.org/dc/elements/1.1/"/>
     <ds:schemaRef ds:uri="http://purl.org/dc/terms/"/>
     <ds:schemaRef ds:uri="http://schemas.microsoft.com/internal/obd"/>
+  </ds:schemaRefs>
+</ds:datastoreItem>
+</file>
+
+<file path=customXml/itemProps2.xml><?xml version="1.0" encoding="utf-8"?>
+<ds:datastoreItem xmlns:ds="http://schemas.openxmlformats.org/officeDocument/2006/customXml" ds:itemID="{8042A908-4308-42B2-AD36-76827C57E704}">
+  <ds:schemaRefs>
+    <ds:schemaRef ds:uri="http://schemas.microsoft.com/sharepoint/v3/contenttype/forms"/>
   </ds:schemaRefs>
 </ds:datastoreItem>
 </file>
